--- a/doc/Overview.pptx
+++ b/doc/Overview.pptx
@@ -7,14 +7,15 @@
   <p:sldIdLst>
     <p:sldId id="256" r:id="rId2"/>
     <p:sldId id="257" r:id="rId3"/>
-    <p:sldId id="260" r:id="rId4"/>
-    <p:sldId id="258" r:id="rId5"/>
-    <p:sldId id="259" r:id="rId6"/>
-    <p:sldId id="261" r:id="rId7"/>
-    <p:sldId id="262" r:id="rId8"/>
-    <p:sldId id="263" r:id="rId9"/>
-    <p:sldId id="264" r:id="rId10"/>
-    <p:sldId id="265" r:id="rId11"/>
+    <p:sldId id="264" r:id="rId4"/>
+    <p:sldId id="267" r:id="rId5"/>
+    <p:sldId id="258" r:id="rId6"/>
+    <p:sldId id="259" r:id="rId7"/>
+    <p:sldId id="266" r:id="rId8"/>
+    <p:sldId id="261" r:id="rId9"/>
+    <p:sldId id="262" r:id="rId10"/>
+    <p:sldId id="263" r:id="rId11"/>
+    <p:sldId id="265" r:id="rId12"/>
   </p:sldIdLst>
   <p:sldSz cx="12192000" cy="6858000"/>
   <p:notesSz cx="6858000" cy="9144000"/>
@@ -171,7 +172,7 @@
           <a:noFill/>
           <a:extLst>
             <a:ext uri="{909E8E84-426E-40dd-AFC4-6F175D3DCCD1}">
-              <a14:hiddenFill xmlns:a14="http://schemas.microsoft.com/office/drawing/2010/main" xmlns="">
+              <a14:hiddenFill xmlns="" xmlns:a14="http://schemas.microsoft.com/office/drawing/2010/main">
                 <a:solidFill>
                   <a:srgbClr val="FFFFFF"/>
                 </a:solidFill>
@@ -231,7 +232,7 @@
             </a:ln>
             <a:extLst>
               <a:ext uri="{91240B29-F687-4f45-9708-019B960494DF}">
-                <a14:hiddenLine xmlns:a14="http://schemas.microsoft.com/office/drawing/2010/main" xmlns="" w="9525">
+                <a14:hiddenLine xmlns="" xmlns:a14="http://schemas.microsoft.com/office/drawing/2010/main" w="9525">
                   <a:solidFill>
                     <a:srgbClr val="000000"/>
                   </a:solidFill>
@@ -321,7 +322,7 @@
             </a:ln>
             <a:extLst>
               <a:ext uri="{91240B29-F687-4f45-9708-019B960494DF}">
-                <a14:hiddenLine xmlns:a14="http://schemas.microsoft.com/office/drawing/2010/main" xmlns="" w="9525">
+                <a14:hiddenLine xmlns="" xmlns:a14="http://schemas.microsoft.com/office/drawing/2010/main" w="9525">
                   <a:solidFill>
                     <a:srgbClr val="000000"/>
                   </a:solidFill>
@@ -411,7 +412,7 @@
             </a:ln>
             <a:extLst>
               <a:ext uri="{91240B29-F687-4f45-9708-019B960494DF}">
-                <a14:hiddenLine xmlns:a14="http://schemas.microsoft.com/office/drawing/2010/main" xmlns="" w="9525">
+                <a14:hiddenLine xmlns="" xmlns:a14="http://schemas.microsoft.com/office/drawing/2010/main" w="9525">
                   <a:solidFill>
                     <a:srgbClr val="000000"/>
                   </a:solidFill>
@@ -445,7 +446,7 @@
             </a:ln>
             <a:extLst>
               <a:ext uri="{91240B29-F687-4f45-9708-019B960494DF}">
-                <a14:hiddenLine xmlns:a14="http://schemas.microsoft.com/office/drawing/2010/main" xmlns="" w="9525">
+                <a14:hiddenLine xmlns="" xmlns:a14="http://schemas.microsoft.com/office/drawing/2010/main" w="9525">
                   <a:solidFill>
                     <a:srgbClr val="000000"/>
                   </a:solidFill>
@@ -535,7 +536,7 @@
             </a:ln>
             <a:extLst>
               <a:ext uri="{91240B29-F687-4f45-9708-019B960494DF}">
-                <a14:hiddenLine xmlns:a14="http://schemas.microsoft.com/office/drawing/2010/main" xmlns="" w="9525">
+                <a14:hiddenLine xmlns="" xmlns:a14="http://schemas.microsoft.com/office/drawing/2010/main" w="9525">
                   <a:solidFill>
                     <a:srgbClr val="000000"/>
                   </a:solidFill>
@@ -597,7 +598,7 @@
             </a:ln>
             <a:extLst>
               <a:ext uri="{91240B29-F687-4f45-9708-019B960494DF}">
-                <a14:hiddenLine xmlns:a14="http://schemas.microsoft.com/office/drawing/2010/main" xmlns="" w="9525">
+                <a14:hiddenLine xmlns="" xmlns:a14="http://schemas.microsoft.com/office/drawing/2010/main" w="9525">
                   <a:solidFill>
                     <a:srgbClr val="000000"/>
                   </a:solidFill>
@@ -659,7 +660,7 @@
             </a:ln>
             <a:extLst>
               <a:ext uri="{91240B29-F687-4f45-9708-019B960494DF}">
-                <a14:hiddenLine xmlns:a14="http://schemas.microsoft.com/office/drawing/2010/main" xmlns="" w="9525">
+                <a14:hiddenLine xmlns="" xmlns:a14="http://schemas.microsoft.com/office/drawing/2010/main" w="9525">
                   <a:solidFill>
                     <a:srgbClr val="000000"/>
                   </a:solidFill>
@@ -749,7 +750,7 @@
             </a:ln>
             <a:extLst>
               <a:ext uri="{91240B29-F687-4f45-9708-019B960494DF}">
-                <a14:hiddenLine xmlns:a14="http://schemas.microsoft.com/office/drawing/2010/main" xmlns="" w="9525">
+                <a14:hiddenLine xmlns="" xmlns:a14="http://schemas.microsoft.com/office/drawing/2010/main" w="9525">
                   <a:solidFill>
                     <a:srgbClr val="000000"/>
                   </a:solidFill>
@@ -811,7 +812,7 @@
             </a:ln>
             <a:extLst>
               <a:ext uri="{91240B29-F687-4f45-9708-019B960494DF}">
-                <a14:hiddenLine xmlns:a14="http://schemas.microsoft.com/office/drawing/2010/main" xmlns="" w="9525">
+                <a14:hiddenLine xmlns="" xmlns:a14="http://schemas.microsoft.com/office/drawing/2010/main" w="9525">
                   <a:solidFill>
                     <a:srgbClr val="000000"/>
                   </a:solidFill>
@@ -873,7 +874,7 @@
             </a:ln>
             <a:extLst>
               <a:ext uri="{91240B29-F687-4f45-9708-019B960494DF}">
-                <a14:hiddenLine xmlns:a14="http://schemas.microsoft.com/office/drawing/2010/main" xmlns="" w="9525">
+                <a14:hiddenLine xmlns="" xmlns:a14="http://schemas.microsoft.com/office/drawing/2010/main" w="9525">
                   <a:solidFill>
                     <a:srgbClr val="000000"/>
                   </a:solidFill>
@@ -963,7 +964,7 @@
             </a:ln>
             <a:extLst>
               <a:ext uri="{91240B29-F687-4f45-9708-019B960494DF}">
-                <a14:hiddenLine xmlns:a14="http://schemas.microsoft.com/office/drawing/2010/main" xmlns="" w="9525">
+                <a14:hiddenLine xmlns="" xmlns:a14="http://schemas.microsoft.com/office/drawing/2010/main" w="9525">
                   <a:solidFill>
                     <a:srgbClr val="000000"/>
                   </a:solidFill>
@@ -1053,7 +1054,7 @@
             </a:ln>
             <a:extLst>
               <a:ext uri="{91240B29-F687-4f45-9708-019B960494DF}">
-                <a14:hiddenLine xmlns:a14="http://schemas.microsoft.com/office/drawing/2010/main" xmlns="" w="9525">
+                <a14:hiddenLine xmlns="" xmlns:a14="http://schemas.microsoft.com/office/drawing/2010/main" w="9525">
                   <a:solidFill>
                     <a:srgbClr val="000000"/>
                   </a:solidFill>
@@ -1115,7 +1116,7 @@
             </a:ln>
             <a:extLst>
               <a:ext uri="{91240B29-F687-4f45-9708-019B960494DF}">
-                <a14:hiddenLine xmlns:a14="http://schemas.microsoft.com/office/drawing/2010/main" xmlns="" w="9525">
+                <a14:hiddenLine xmlns="" xmlns:a14="http://schemas.microsoft.com/office/drawing/2010/main" w="9525">
                   <a:solidFill>
                     <a:srgbClr val="000000"/>
                   </a:solidFill>
@@ -1225,7 +1226,7 @@
             </a:ln>
             <a:extLst>
               <a:ext uri="{91240B29-F687-4f45-9708-019B960494DF}">
-                <a14:hiddenLine xmlns:a14="http://schemas.microsoft.com/office/drawing/2010/main" xmlns="" w="9525">
+                <a14:hiddenLine xmlns="" xmlns:a14="http://schemas.microsoft.com/office/drawing/2010/main" w="9525">
                   <a:solidFill>
                     <a:srgbClr val="000000"/>
                   </a:solidFill>
@@ -1287,7 +1288,7 @@
             </a:ln>
             <a:extLst>
               <a:ext uri="{91240B29-F687-4f45-9708-019B960494DF}">
-                <a14:hiddenLine xmlns:a14="http://schemas.microsoft.com/office/drawing/2010/main" xmlns="" w="9525">
+                <a14:hiddenLine xmlns="" xmlns:a14="http://schemas.microsoft.com/office/drawing/2010/main" w="9525">
                   <a:solidFill>
                     <a:srgbClr val="000000"/>
                   </a:solidFill>
@@ -1377,7 +1378,7 @@
             </a:ln>
             <a:extLst>
               <a:ext uri="{91240B29-F687-4f45-9708-019B960494DF}">
-                <a14:hiddenLine xmlns:a14="http://schemas.microsoft.com/office/drawing/2010/main" xmlns="" w="9525">
+                <a14:hiddenLine xmlns="" xmlns:a14="http://schemas.microsoft.com/office/drawing/2010/main" w="9525">
                   <a:solidFill>
                     <a:srgbClr val="000000"/>
                   </a:solidFill>
@@ -1467,7 +1468,7 @@
             </a:ln>
             <a:extLst>
               <a:ext uri="{91240B29-F687-4f45-9708-019B960494DF}">
-                <a14:hiddenLine xmlns:a14="http://schemas.microsoft.com/office/drawing/2010/main" xmlns="" w="9525">
+                <a14:hiddenLine xmlns="" xmlns:a14="http://schemas.microsoft.com/office/drawing/2010/main" w="9525">
                   <a:solidFill>
                     <a:srgbClr val="000000"/>
                   </a:solidFill>
@@ -1529,7 +1530,7 @@
             </a:ln>
             <a:extLst>
               <a:ext uri="{91240B29-F687-4f45-9708-019B960494DF}">
-                <a14:hiddenLine xmlns:a14="http://schemas.microsoft.com/office/drawing/2010/main" xmlns="" w="9525">
+                <a14:hiddenLine xmlns="" xmlns:a14="http://schemas.microsoft.com/office/drawing/2010/main" w="9525">
                   <a:solidFill>
                     <a:srgbClr val="000000"/>
                   </a:solidFill>
@@ -1619,7 +1620,7 @@
             </a:ln>
             <a:extLst>
               <a:ext uri="{91240B29-F687-4f45-9708-019B960494DF}">
-                <a14:hiddenLine xmlns:a14="http://schemas.microsoft.com/office/drawing/2010/main" xmlns="" w="9525">
+                <a14:hiddenLine xmlns="" xmlns:a14="http://schemas.microsoft.com/office/drawing/2010/main" w="9525">
                   <a:solidFill>
                     <a:srgbClr val="000000"/>
                   </a:solidFill>
@@ -1709,7 +1710,7 @@
             </a:ln>
             <a:extLst>
               <a:ext uri="{91240B29-F687-4f45-9708-019B960494DF}">
-                <a14:hiddenLine xmlns:a14="http://schemas.microsoft.com/office/drawing/2010/main" xmlns="" w="9525">
+                <a14:hiddenLine xmlns="" xmlns:a14="http://schemas.microsoft.com/office/drawing/2010/main" w="9525">
                   <a:solidFill>
                     <a:srgbClr val="000000"/>
                   </a:solidFill>
@@ -1765,7 +1766,7 @@
             </a:ln>
             <a:extLst>
               <a:ext uri="{91240B29-F687-4f45-9708-019B960494DF}">
-                <a14:hiddenLine xmlns:a14="http://schemas.microsoft.com/office/drawing/2010/main" xmlns="" w="9525">
+                <a14:hiddenLine xmlns="" xmlns:a14="http://schemas.microsoft.com/office/drawing/2010/main" w="9525">
                   <a:solidFill>
                     <a:srgbClr val="000000"/>
                   </a:solidFill>
@@ -1855,7 +1856,7 @@
             </a:ln>
             <a:extLst>
               <a:ext uri="{91240B29-F687-4f45-9708-019B960494DF}">
-                <a14:hiddenLine xmlns:a14="http://schemas.microsoft.com/office/drawing/2010/main" xmlns="" w="9525">
+                <a14:hiddenLine xmlns="" xmlns:a14="http://schemas.microsoft.com/office/drawing/2010/main" w="9525">
                   <a:solidFill>
                     <a:srgbClr val="000000"/>
                   </a:solidFill>
@@ -1911,7 +1912,7 @@
             </a:ln>
             <a:extLst>
               <a:ext uri="{91240B29-F687-4f45-9708-019B960494DF}">
-                <a14:hiddenLine xmlns:a14="http://schemas.microsoft.com/office/drawing/2010/main" xmlns="" w="9525">
+                <a14:hiddenLine xmlns="" xmlns:a14="http://schemas.microsoft.com/office/drawing/2010/main" w="9525">
                   <a:solidFill>
                     <a:srgbClr val="000000"/>
                   </a:solidFill>
@@ -2001,7 +2002,7 @@
             </a:ln>
             <a:extLst>
               <a:ext uri="{91240B29-F687-4f45-9708-019B960494DF}">
-                <a14:hiddenLine xmlns:a14="http://schemas.microsoft.com/office/drawing/2010/main" xmlns="" w="9525">
+                <a14:hiddenLine xmlns="" xmlns:a14="http://schemas.microsoft.com/office/drawing/2010/main" w="9525">
                   <a:solidFill>
                     <a:srgbClr val="000000"/>
                   </a:solidFill>
@@ -2069,7 +2070,7 @@
             </a:ln>
             <a:extLst>
               <a:ext uri="{91240B29-F687-4f45-9708-019B960494DF}">
-                <a14:hiddenLine xmlns:a14="http://schemas.microsoft.com/office/drawing/2010/main" xmlns="" w="9525">
+                <a14:hiddenLine xmlns="" xmlns:a14="http://schemas.microsoft.com/office/drawing/2010/main" w="9525">
                   <a:solidFill>
                     <a:srgbClr val="000000"/>
                   </a:solidFill>
@@ -2159,7 +2160,7 @@
             </a:ln>
             <a:extLst>
               <a:ext uri="{91240B29-F687-4f45-9708-019B960494DF}">
-                <a14:hiddenLine xmlns:a14="http://schemas.microsoft.com/office/drawing/2010/main" xmlns="" w="9525">
+                <a14:hiddenLine xmlns="" xmlns:a14="http://schemas.microsoft.com/office/drawing/2010/main" w="9525">
                   <a:solidFill>
                     <a:srgbClr val="000000"/>
                   </a:solidFill>
@@ -2227,7 +2228,7 @@
             </a:ln>
             <a:extLst>
               <a:ext uri="{91240B29-F687-4f45-9708-019B960494DF}">
-                <a14:hiddenLine xmlns:a14="http://schemas.microsoft.com/office/drawing/2010/main" xmlns="" w="9525">
+                <a14:hiddenLine xmlns="" xmlns:a14="http://schemas.microsoft.com/office/drawing/2010/main" w="9525">
                   <a:solidFill>
                     <a:srgbClr val="000000"/>
                   </a:solidFill>
@@ -2317,7 +2318,7 @@
             </a:ln>
             <a:extLst>
               <a:ext uri="{91240B29-F687-4f45-9708-019B960494DF}">
-                <a14:hiddenLine xmlns:a14="http://schemas.microsoft.com/office/drawing/2010/main" xmlns="" w="9525">
+                <a14:hiddenLine xmlns="" xmlns:a14="http://schemas.microsoft.com/office/drawing/2010/main" w="9525">
                   <a:solidFill>
                     <a:srgbClr val="000000"/>
                   </a:solidFill>
@@ -2351,7 +2352,7 @@
             </a:ln>
             <a:extLst>
               <a:ext uri="{91240B29-F687-4f45-9708-019B960494DF}">
-                <a14:hiddenLine xmlns:a14="http://schemas.microsoft.com/office/drawing/2010/main" xmlns="" w="9525">
+                <a14:hiddenLine xmlns="" xmlns:a14="http://schemas.microsoft.com/office/drawing/2010/main" w="9525">
                   <a:solidFill>
                     <a:srgbClr val="000000"/>
                   </a:solidFill>
@@ -2441,7 +2442,7 @@
             </a:ln>
             <a:extLst>
               <a:ext uri="{91240B29-F687-4f45-9708-019B960494DF}">
-                <a14:hiddenLine xmlns:a14="http://schemas.microsoft.com/office/drawing/2010/main" xmlns="" w="9525">
+                <a14:hiddenLine xmlns="" xmlns:a14="http://schemas.microsoft.com/office/drawing/2010/main" w="9525">
                   <a:solidFill>
                     <a:srgbClr val="000000"/>
                   </a:solidFill>
@@ -2503,7 +2504,7 @@
             </a:ln>
             <a:extLst>
               <a:ext uri="{91240B29-F687-4f45-9708-019B960494DF}">
-                <a14:hiddenLine xmlns:a14="http://schemas.microsoft.com/office/drawing/2010/main" xmlns="" w="9525">
+                <a14:hiddenLine xmlns="" xmlns:a14="http://schemas.microsoft.com/office/drawing/2010/main" w="9525">
                   <a:solidFill>
                     <a:srgbClr val="000000"/>
                   </a:solidFill>
@@ -2565,7 +2566,7 @@
             </a:ln>
             <a:extLst>
               <a:ext uri="{91240B29-F687-4f45-9708-019B960494DF}">
-                <a14:hiddenLine xmlns:a14="http://schemas.microsoft.com/office/drawing/2010/main" xmlns="" w="9525">
+                <a14:hiddenLine xmlns="" xmlns:a14="http://schemas.microsoft.com/office/drawing/2010/main" w="9525">
                   <a:solidFill>
                     <a:srgbClr val="000000"/>
                   </a:solidFill>
@@ -2655,7 +2656,7 @@
             </a:ln>
             <a:extLst>
               <a:ext uri="{91240B29-F687-4f45-9708-019B960494DF}">
-                <a14:hiddenLine xmlns:a14="http://schemas.microsoft.com/office/drawing/2010/main" xmlns="" w="9525">
+                <a14:hiddenLine xmlns="" xmlns:a14="http://schemas.microsoft.com/office/drawing/2010/main" w="9525">
                   <a:solidFill>
                     <a:srgbClr val="000000"/>
                   </a:solidFill>
@@ -2723,7 +2724,7 @@
             </a:ln>
             <a:extLst>
               <a:ext uri="{91240B29-F687-4f45-9708-019B960494DF}">
-                <a14:hiddenLine xmlns:a14="http://schemas.microsoft.com/office/drawing/2010/main" xmlns="" w="9525">
+                <a14:hiddenLine xmlns="" xmlns:a14="http://schemas.microsoft.com/office/drawing/2010/main" w="9525">
                   <a:solidFill>
                     <a:srgbClr val="000000"/>
                   </a:solidFill>
@@ -2785,7 +2786,7 @@
             </a:ln>
             <a:extLst>
               <a:ext uri="{91240B29-F687-4f45-9708-019B960494DF}">
-                <a14:hiddenLine xmlns:a14="http://schemas.microsoft.com/office/drawing/2010/main" xmlns="" w="9525">
+                <a14:hiddenLine xmlns="" xmlns:a14="http://schemas.microsoft.com/office/drawing/2010/main" w="9525">
                   <a:solidFill>
                     <a:srgbClr val="000000"/>
                   </a:solidFill>
@@ -2875,7 +2876,7 @@
             </a:ln>
             <a:extLst>
               <a:ext uri="{91240B29-F687-4f45-9708-019B960494DF}">
-                <a14:hiddenLine xmlns:a14="http://schemas.microsoft.com/office/drawing/2010/main" xmlns="" w="9525">
+                <a14:hiddenLine xmlns="" xmlns:a14="http://schemas.microsoft.com/office/drawing/2010/main" w="9525">
                   <a:solidFill>
                     <a:srgbClr val="000000"/>
                   </a:solidFill>
@@ -2937,7 +2938,7 @@
             </a:ln>
             <a:extLst>
               <a:ext uri="{91240B29-F687-4f45-9708-019B960494DF}">
-                <a14:hiddenLine xmlns:a14="http://schemas.microsoft.com/office/drawing/2010/main" xmlns="" w="9525">
+                <a14:hiddenLine xmlns="" xmlns:a14="http://schemas.microsoft.com/office/drawing/2010/main" w="9525">
                   <a:solidFill>
                     <a:srgbClr val="000000"/>
                   </a:solidFill>
@@ -3027,7 +3028,7 @@
             </a:ln>
             <a:extLst>
               <a:ext uri="{91240B29-F687-4f45-9708-019B960494DF}">
-                <a14:hiddenLine xmlns:a14="http://schemas.microsoft.com/office/drawing/2010/main" xmlns="" w="9525">
+                <a14:hiddenLine xmlns="" xmlns:a14="http://schemas.microsoft.com/office/drawing/2010/main" w="9525">
                   <a:solidFill>
                     <a:srgbClr val="000000"/>
                   </a:solidFill>
@@ -3089,7 +3090,7 @@
             </a:ln>
             <a:extLst>
               <a:ext uri="{91240B29-F687-4f45-9708-019B960494DF}">
-                <a14:hiddenLine xmlns:a14="http://schemas.microsoft.com/office/drawing/2010/main" xmlns="" w="9525">
+                <a14:hiddenLine xmlns="" xmlns:a14="http://schemas.microsoft.com/office/drawing/2010/main" w="9525">
                   <a:solidFill>
                     <a:srgbClr val="000000"/>
                   </a:solidFill>
@@ -3179,7 +3180,7 @@
             </a:ln>
             <a:extLst>
               <a:ext uri="{91240B29-F687-4f45-9708-019B960494DF}">
-                <a14:hiddenLine xmlns:a14="http://schemas.microsoft.com/office/drawing/2010/main" xmlns="" w="9525">
+                <a14:hiddenLine xmlns="" xmlns:a14="http://schemas.microsoft.com/office/drawing/2010/main" w="9525">
                   <a:solidFill>
                     <a:srgbClr val="000000"/>
                   </a:solidFill>
@@ -3213,7 +3214,7 @@
             </a:ln>
             <a:extLst>
               <a:ext uri="{91240B29-F687-4f45-9708-019B960494DF}">
-                <a14:hiddenLine xmlns:a14="http://schemas.microsoft.com/office/drawing/2010/main" xmlns="" w="9525">
+                <a14:hiddenLine xmlns="" xmlns:a14="http://schemas.microsoft.com/office/drawing/2010/main" w="9525">
                   <a:solidFill>
                     <a:srgbClr val="000000"/>
                   </a:solidFill>
@@ -3278,7 +3279,7 @@
             </a:ln>
             <a:extLst>
               <a:ext uri="{91240B29-F687-4f45-9708-019B960494DF}">
-                <a14:hiddenLine xmlns:a14="http://schemas.microsoft.com/office/drawing/2010/main" xmlns="" w="9525">
+                <a14:hiddenLine xmlns="" xmlns:a14="http://schemas.microsoft.com/office/drawing/2010/main" w="9525">
                   <a:solidFill>
                     <a:srgbClr val="000000"/>
                   </a:solidFill>
@@ -3368,7 +3369,7 @@
             </a:ln>
             <a:extLst>
               <a:ext uri="{91240B29-F687-4f45-9708-019B960494DF}">
-                <a14:hiddenLine xmlns:a14="http://schemas.microsoft.com/office/drawing/2010/main" xmlns="" w="9525">
+                <a14:hiddenLine xmlns="" xmlns:a14="http://schemas.microsoft.com/office/drawing/2010/main" w="9525">
                   <a:solidFill>
                     <a:srgbClr val="000000"/>
                   </a:solidFill>
@@ -3430,7 +3431,7 @@
             </a:ln>
             <a:extLst>
               <a:ext uri="{91240B29-F687-4f45-9708-019B960494DF}">
-                <a14:hiddenLine xmlns:a14="http://schemas.microsoft.com/office/drawing/2010/main" xmlns="" w="9525">
+                <a14:hiddenLine xmlns="" xmlns:a14="http://schemas.microsoft.com/office/drawing/2010/main" w="9525">
                   <a:solidFill>
                     <a:srgbClr val="000000"/>
                   </a:solidFill>
@@ -3520,7 +3521,7 @@
             </a:ln>
             <a:extLst>
               <a:ext uri="{91240B29-F687-4f45-9708-019B960494DF}">
-                <a14:hiddenLine xmlns:a14="http://schemas.microsoft.com/office/drawing/2010/main" xmlns="" w="9525">
+                <a14:hiddenLine xmlns="" xmlns:a14="http://schemas.microsoft.com/office/drawing/2010/main" w="9525">
                   <a:solidFill>
                     <a:srgbClr val="000000"/>
                   </a:solidFill>
@@ -3610,7 +3611,7 @@
             </a:ln>
             <a:extLst>
               <a:ext uri="{91240B29-F687-4f45-9708-019B960494DF}">
-                <a14:hiddenLine xmlns:a14="http://schemas.microsoft.com/office/drawing/2010/main" xmlns="" w="9525">
+                <a14:hiddenLine xmlns="" xmlns:a14="http://schemas.microsoft.com/office/drawing/2010/main" w="9525">
                   <a:solidFill>
                     <a:srgbClr val="000000"/>
                   </a:solidFill>
@@ -3675,7 +3676,7 @@
             </a:ln>
             <a:extLst>
               <a:ext uri="{91240B29-F687-4f45-9708-019B960494DF}">
-                <a14:hiddenLine xmlns:a14="http://schemas.microsoft.com/office/drawing/2010/main" xmlns="" w="9525">
+                <a14:hiddenLine xmlns="" xmlns:a14="http://schemas.microsoft.com/office/drawing/2010/main" w="9525">
                   <a:solidFill>
                     <a:srgbClr val="000000"/>
                   </a:solidFill>
@@ -3737,7 +3738,7 @@
             </a:ln>
             <a:extLst>
               <a:ext uri="{91240B29-F687-4f45-9708-019B960494DF}">
-                <a14:hiddenLine xmlns:a14="http://schemas.microsoft.com/office/drawing/2010/main" xmlns="" w="9525">
+                <a14:hiddenLine xmlns="" xmlns:a14="http://schemas.microsoft.com/office/drawing/2010/main" w="9525">
                   <a:solidFill>
                     <a:srgbClr val="000000"/>
                   </a:solidFill>
@@ -3827,7 +3828,7 @@
             </a:ln>
             <a:extLst>
               <a:ext uri="{91240B29-F687-4f45-9708-019B960494DF}">
-                <a14:hiddenLine xmlns:a14="http://schemas.microsoft.com/office/drawing/2010/main" xmlns="" w="9525">
+                <a14:hiddenLine xmlns="" xmlns:a14="http://schemas.microsoft.com/office/drawing/2010/main" w="9525">
                   <a:solidFill>
                     <a:srgbClr val="000000"/>
                   </a:solidFill>
@@ -3917,7 +3918,7 @@
             </a:ln>
             <a:extLst>
               <a:ext uri="{91240B29-F687-4f45-9708-019B960494DF}">
-                <a14:hiddenLine xmlns:a14="http://schemas.microsoft.com/office/drawing/2010/main" xmlns="" w="9525">
+                <a14:hiddenLine xmlns="" xmlns:a14="http://schemas.microsoft.com/office/drawing/2010/main" w="9525">
                   <a:solidFill>
                     <a:srgbClr val="000000"/>
                   </a:solidFill>
@@ -3979,7 +3980,7 @@
             </a:ln>
             <a:extLst>
               <a:ext uri="{91240B29-F687-4f45-9708-019B960494DF}">
-                <a14:hiddenLine xmlns:a14="http://schemas.microsoft.com/office/drawing/2010/main" xmlns="" w="9525">
+                <a14:hiddenLine xmlns="" xmlns:a14="http://schemas.microsoft.com/office/drawing/2010/main" w="9525">
                   <a:solidFill>
                     <a:srgbClr val="000000"/>
                   </a:solidFill>
@@ -4099,7 +4100,7 @@
             </a:ln>
             <a:extLst>
               <a:ext uri="{91240B29-F687-4f45-9708-019B960494DF}">
-                <a14:hiddenLine xmlns:a14="http://schemas.microsoft.com/office/drawing/2010/main" xmlns="" w="9525">
+                <a14:hiddenLine xmlns="" xmlns:a14="http://schemas.microsoft.com/office/drawing/2010/main" w="9525">
                   <a:solidFill>
                     <a:srgbClr val="000000"/>
                   </a:solidFill>
@@ -4167,7 +4168,7 @@
             </a:ln>
             <a:extLst>
               <a:ext uri="{91240B29-F687-4f45-9708-019B960494DF}">
-                <a14:hiddenLine xmlns:a14="http://schemas.microsoft.com/office/drawing/2010/main" xmlns="" w="9525">
+                <a14:hiddenLine xmlns="" xmlns:a14="http://schemas.microsoft.com/office/drawing/2010/main" w="9525">
                   <a:solidFill>
                     <a:srgbClr val="000000"/>
                   </a:solidFill>
@@ -4257,7 +4258,7 @@
             </a:ln>
             <a:extLst>
               <a:ext uri="{91240B29-F687-4f45-9708-019B960494DF}">
-                <a14:hiddenLine xmlns:a14="http://schemas.microsoft.com/office/drawing/2010/main" xmlns="" w="9525">
+                <a14:hiddenLine xmlns="" xmlns:a14="http://schemas.microsoft.com/office/drawing/2010/main" w="9525">
                   <a:solidFill>
                     <a:srgbClr val="000000"/>
                   </a:solidFill>
@@ -4297,7 +4298,7 @@
           </a:lstStyle>
           <a:p>
             <a:r>
-              <a:rPr lang="zh-TW" altLang="en-US" smtClean="0"/>
+              <a:rPr lang="zh-TW" altLang="en-US"/>
               <a:t>按一下以編輯母片標題樣式</a:t>
             </a:r>
             <a:endParaRPr lang="en-US" dirty="0"/>
@@ -4368,7 +4369,7 @@
           </a:lstStyle>
           <a:p>
             <a:r>
-              <a:rPr lang="zh-TW" altLang="en-US" smtClean="0"/>
+              <a:rPr lang="zh-TW" altLang="en-US"/>
               <a:t>按一下以編輯母片副標題樣式</a:t>
             </a:r>
             <a:endParaRPr lang="en-US" dirty="0"/>
@@ -4397,7 +4398,7 @@
           <a:p>
             <a:fld id="{0B88EADF-5A54-4B61-9EAD-1A178CAF62DF}" type="datetimeFigureOut">
               <a:rPr lang="zh-TW" altLang="en-US" smtClean="0"/>
-              <a:t>2018/7/27</a:t>
+              <a:t>2018/8/28</a:t>
             </a:fld>
             <a:endParaRPr lang="zh-TW" altLang="en-US"/>
           </a:p>
@@ -4512,7 +4513,7 @@
           </a:lstStyle>
           <a:p>
             <a:r>
-              <a:rPr lang="zh-TW" altLang="en-US" smtClean="0"/>
+              <a:rPr lang="zh-TW" altLang="en-US"/>
               <a:t>按一下以編輯母片標題樣式</a:t>
             </a:r>
             <a:endParaRPr lang="en-US" dirty="0"/>
@@ -4573,7 +4574,7 @@
               <a:buNone/>
             </a:pPr>
             <a:r>
-              <a:rPr lang="zh-TW" altLang="en-US" smtClean="0"/>
+              <a:rPr lang="zh-TW" altLang="en-US"/>
               <a:t>按一下圖示以新增圖片</a:t>
             </a:r>
             <a:endParaRPr lang="en-US" dirty="0"/>
@@ -4641,7 +4642,7 @@
           <a:p>
             <a:pPr lvl="0"/>
             <a:r>
-              <a:rPr lang="zh-TW" altLang="en-US" smtClean="0"/>
+              <a:rPr lang="zh-TW" altLang="en-US"/>
               <a:t>編輯母片文字樣式</a:t>
             </a:r>
           </a:p>
@@ -4664,7 +4665,7 @@
           <a:p>
             <a:fld id="{0B88EADF-5A54-4B61-9EAD-1A178CAF62DF}" type="datetimeFigureOut">
               <a:rPr lang="zh-TW" altLang="en-US" smtClean="0"/>
-              <a:t>2018/7/27</a:t>
+              <a:t>2018/8/28</a:t>
             </a:fld>
             <a:endParaRPr lang="zh-TW" altLang="en-US"/>
           </a:p>
@@ -4769,7 +4770,7 @@
           </a:lstStyle>
           <a:p>
             <a:r>
-              <a:rPr lang="zh-TW" altLang="en-US" smtClean="0"/>
+              <a:rPr lang="zh-TW" altLang="en-US"/>
               <a:t>按一下以編輯母片標題樣式</a:t>
             </a:r>
             <a:endParaRPr lang="en-US" dirty="0"/>
@@ -4837,7 +4838,7 @@
           <a:p>
             <a:pPr lvl="0"/>
             <a:r>
-              <a:rPr lang="zh-TW" altLang="en-US" smtClean="0"/>
+              <a:rPr lang="zh-TW" altLang="en-US"/>
               <a:t>編輯母片文字樣式</a:t>
             </a:r>
           </a:p>
@@ -4860,7 +4861,7 @@
           <a:p>
             <a:fld id="{0B88EADF-5A54-4B61-9EAD-1A178CAF62DF}" type="datetimeFigureOut">
               <a:rPr lang="zh-TW" altLang="en-US" smtClean="0"/>
-              <a:t>2018/7/27</a:t>
+              <a:t>2018/8/28</a:t>
             </a:fld>
             <a:endParaRPr lang="zh-TW" altLang="en-US"/>
           </a:p>
@@ -4965,7 +4966,7 @@
           </a:lstStyle>
           <a:p>
             <a:r>
-              <a:rPr lang="zh-TW" altLang="en-US" smtClean="0"/>
+              <a:rPr lang="zh-TW" altLang="en-US"/>
               <a:t>按一下以編輯母片標題樣式</a:t>
             </a:r>
             <a:endParaRPr lang="en-US" dirty="0"/>
@@ -5033,7 +5034,7 @@
           <a:p>
             <a:pPr lvl="0"/>
             <a:r>
-              <a:rPr lang="zh-TW" altLang="en-US" smtClean="0"/>
+              <a:rPr lang="zh-TW" altLang="en-US"/>
               <a:t>編輯母片文字樣式</a:t>
             </a:r>
           </a:p>
@@ -5100,7 +5101,7 @@
           <a:p>
             <a:pPr lvl="0"/>
             <a:r>
-              <a:rPr lang="zh-TW" altLang="en-US" smtClean="0"/>
+              <a:rPr lang="zh-TW" altLang="en-US"/>
               <a:t>編輯母片文字樣式</a:t>
             </a:r>
           </a:p>
@@ -5123,7 +5124,7 @@
           <a:p>
             <a:fld id="{0B88EADF-5A54-4B61-9EAD-1A178CAF62DF}" type="datetimeFigureOut">
               <a:rPr lang="zh-TW" altLang="en-US" smtClean="0"/>
-              <a:t>2018/7/27</a:t>
+              <a:t>2018/8/28</a:t>
             </a:fld>
             <a:endParaRPr lang="zh-TW" altLang="en-US"/>
           </a:p>
@@ -5466,7 +5467,7 @@
           </a:lstStyle>
           <a:p>
             <a:r>
-              <a:rPr lang="zh-TW" altLang="en-US" smtClean="0"/>
+              <a:rPr lang="zh-TW" altLang="en-US"/>
               <a:t>按一下以編輯母片標題樣式</a:t>
             </a:r>
             <a:endParaRPr lang="en-US" dirty="0"/>
@@ -5534,7 +5535,7 @@
           <a:p>
             <a:pPr lvl="0"/>
             <a:r>
-              <a:rPr lang="zh-TW" altLang="en-US" smtClean="0"/>
+              <a:rPr lang="zh-TW" altLang="en-US"/>
               <a:t>編輯母片文字樣式</a:t>
             </a:r>
           </a:p>
@@ -5557,7 +5558,7 @@
           <a:p>
             <a:fld id="{0B88EADF-5A54-4B61-9EAD-1A178CAF62DF}" type="datetimeFigureOut">
               <a:rPr lang="zh-TW" altLang="en-US" smtClean="0"/>
-              <a:t>2018/7/27</a:t>
+              <a:t>2018/8/28</a:t>
             </a:fld>
             <a:endParaRPr lang="zh-TW" altLang="en-US"/>
           </a:p>
@@ -5656,7 +5657,7 @@
           <a:lstStyle/>
           <a:p>
             <a:r>
-              <a:rPr lang="zh-TW" altLang="en-US" smtClean="0"/>
+              <a:rPr lang="zh-TW" altLang="en-US"/>
               <a:t>按一下以編輯母片標題樣式</a:t>
             </a:r>
             <a:endParaRPr lang="en-US" dirty="0"/>
@@ -5731,7 +5732,7 @@
           <a:p>
             <a:pPr lvl="0"/>
             <a:r>
-              <a:rPr lang="zh-TW" altLang="en-US" smtClean="0"/>
+              <a:rPr lang="zh-TW" altLang="en-US"/>
               <a:t>編輯母片文字樣式</a:t>
             </a:r>
           </a:p>
@@ -5798,7 +5799,7 @@
           <a:p>
             <a:pPr lvl="0"/>
             <a:r>
-              <a:rPr lang="zh-TW" altLang="en-US" smtClean="0"/>
+              <a:rPr lang="zh-TW" altLang="en-US"/>
               <a:t>編輯母片文字樣式</a:t>
             </a:r>
           </a:p>
@@ -5872,7 +5873,7 @@
           <a:p>
             <a:pPr lvl="0"/>
             <a:r>
-              <a:rPr lang="zh-TW" altLang="en-US" smtClean="0"/>
+              <a:rPr lang="zh-TW" altLang="en-US"/>
               <a:t>編輯母片文字樣式</a:t>
             </a:r>
           </a:p>
@@ -5939,7 +5940,7 @@
           <a:p>
             <a:pPr lvl="0"/>
             <a:r>
-              <a:rPr lang="zh-TW" altLang="en-US" smtClean="0"/>
+              <a:rPr lang="zh-TW" altLang="en-US"/>
               <a:t>編輯母片文字樣式</a:t>
             </a:r>
           </a:p>
@@ -6013,7 +6014,7 @@
           <a:p>
             <a:pPr lvl="0"/>
             <a:r>
-              <a:rPr lang="zh-TW" altLang="en-US" smtClean="0"/>
+              <a:rPr lang="zh-TW" altLang="en-US"/>
               <a:t>編輯母片文字樣式</a:t>
             </a:r>
           </a:p>
@@ -6080,7 +6081,7 @@
           <a:p>
             <a:pPr lvl="0"/>
             <a:r>
-              <a:rPr lang="zh-TW" altLang="en-US" smtClean="0"/>
+              <a:rPr lang="zh-TW" altLang="en-US"/>
               <a:t>編輯母片文字樣式</a:t>
             </a:r>
           </a:p>
@@ -6103,7 +6104,7 @@
           <a:p>
             <a:fld id="{0B88EADF-5A54-4B61-9EAD-1A178CAF62DF}" type="datetimeFigureOut">
               <a:rPr lang="zh-TW" altLang="en-US" smtClean="0"/>
-              <a:t>2018/7/27</a:t>
+              <a:t>2018/8/28</a:t>
             </a:fld>
             <a:endParaRPr lang="zh-TW" altLang="en-US"/>
           </a:p>
@@ -6202,7 +6203,7 @@
           <a:lstStyle/>
           <a:p>
             <a:r>
-              <a:rPr lang="zh-TW" altLang="en-US" smtClean="0"/>
+              <a:rPr lang="zh-TW" altLang="en-US"/>
               <a:t>按一下以編輯母片標題樣式</a:t>
             </a:r>
             <a:endParaRPr lang="en-US" dirty="0"/>
@@ -6277,7 +6278,7 @@
           <a:p>
             <a:pPr lvl="0"/>
             <a:r>
-              <a:rPr lang="zh-TW" altLang="en-US" smtClean="0"/>
+              <a:rPr lang="zh-TW" altLang="en-US"/>
               <a:t>編輯母片文字樣式</a:t>
             </a:r>
           </a:p>
@@ -6334,7 +6335,7 @@
               <a:buNone/>
             </a:pPr>
             <a:r>
-              <a:rPr lang="zh-TW" altLang="en-US" smtClean="0"/>
+              <a:rPr lang="zh-TW" altLang="en-US"/>
               <a:t>按一下圖示以新增圖片</a:t>
             </a:r>
             <a:endParaRPr lang="en-US" dirty="0"/>
@@ -6402,7 +6403,7 @@
           <a:p>
             <a:pPr lvl="0"/>
             <a:r>
-              <a:rPr lang="zh-TW" altLang="en-US" smtClean="0"/>
+              <a:rPr lang="zh-TW" altLang="en-US"/>
               <a:t>編輯母片文字樣式</a:t>
             </a:r>
           </a:p>
@@ -6476,7 +6477,7 @@
           <a:p>
             <a:pPr lvl="0"/>
             <a:r>
-              <a:rPr lang="zh-TW" altLang="en-US" smtClean="0"/>
+              <a:rPr lang="zh-TW" altLang="en-US"/>
               <a:t>編輯母片文字樣式</a:t>
             </a:r>
           </a:p>
@@ -6533,7 +6534,7 @@
               <a:buNone/>
             </a:pPr>
             <a:r>
-              <a:rPr lang="zh-TW" altLang="en-US" smtClean="0"/>
+              <a:rPr lang="zh-TW" altLang="en-US"/>
               <a:t>按一下圖示以新增圖片</a:t>
             </a:r>
             <a:endParaRPr lang="en-US" dirty="0"/>
@@ -6601,7 +6602,7 @@
           <a:p>
             <a:pPr lvl="0"/>
             <a:r>
-              <a:rPr lang="zh-TW" altLang="en-US" smtClean="0"/>
+              <a:rPr lang="zh-TW" altLang="en-US"/>
               <a:t>編輯母片文字樣式</a:t>
             </a:r>
           </a:p>
@@ -6675,7 +6676,7 @@
           <a:p>
             <a:pPr lvl="0"/>
             <a:r>
-              <a:rPr lang="zh-TW" altLang="en-US" smtClean="0"/>
+              <a:rPr lang="zh-TW" altLang="en-US"/>
               <a:t>編輯母片文字樣式</a:t>
             </a:r>
           </a:p>
@@ -6732,7 +6733,7 @@
               <a:buNone/>
             </a:pPr>
             <a:r>
-              <a:rPr lang="zh-TW" altLang="en-US" smtClean="0"/>
+              <a:rPr lang="zh-TW" altLang="en-US"/>
               <a:t>按一下圖示以新增圖片</a:t>
             </a:r>
             <a:endParaRPr lang="en-US" dirty="0"/>
@@ -6800,7 +6801,7 @@
           <a:p>
             <a:pPr lvl="0"/>
             <a:r>
-              <a:rPr lang="zh-TW" altLang="en-US" smtClean="0"/>
+              <a:rPr lang="zh-TW" altLang="en-US"/>
               <a:t>編輯母片文字樣式</a:t>
             </a:r>
           </a:p>
@@ -6823,7 +6824,7 @@
           <a:p>
             <a:fld id="{0B88EADF-5A54-4B61-9EAD-1A178CAF62DF}" type="datetimeFigureOut">
               <a:rPr lang="zh-TW" altLang="en-US" smtClean="0"/>
-              <a:t>2018/7/27</a:t>
+              <a:t>2018/8/28</a:t>
             </a:fld>
             <a:endParaRPr lang="zh-TW" altLang="en-US"/>
           </a:p>
@@ -6917,7 +6918,7 @@
           <a:lstStyle/>
           <a:p>
             <a:r>
-              <a:rPr lang="zh-TW" altLang="en-US" smtClean="0"/>
+              <a:rPr lang="zh-TW" altLang="en-US"/>
               <a:t>按一下以編輯母片標題樣式</a:t>
             </a:r>
             <a:endParaRPr lang="en-US" dirty="0"/>
@@ -6941,35 +6942,35 @@
           <a:p>
             <a:pPr lvl="0"/>
             <a:r>
-              <a:rPr lang="zh-TW" altLang="en-US" smtClean="0"/>
+              <a:rPr lang="zh-TW" altLang="en-US"/>
               <a:t>編輯母片文字樣式</a:t>
             </a:r>
           </a:p>
           <a:p>
             <a:pPr lvl="1"/>
             <a:r>
-              <a:rPr lang="zh-TW" altLang="en-US" smtClean="0"/>
+              <a:rPr lang="zh-TW" altLang="en-US"/>
               <a:t>第二層</a:t>
             </a:r>
           </a:p>
           <a:p>
             <a:pPr lvl="2"/>
             <a:r>
-              <a:rPr lang="zh-TW" altLang="en-US" smtClean="0"/>
+              <a:rPr lang="zh-TW" altLang="en-US"/>
               <a:t>第三層</a:t>
             </a:r>
           </a:p>
           <a:p>
             <a:pPr lvl="3"/>
             <a:r>
-              <a:rPr lang="zh-TW" altLang="en-US" smtClean="0"/>
+              <a:rPr lang="zh-TW" altLang="en-US"/>
               <a:t>第四層</a:t>
             </a:r>
           </a:p>
           <a:p>
             <a:pPr lvl="4"/>
             <a:r>
-              <a:rPr lang="zh-TW" altLang="en-US" smtClean="0"/>
+              <a:rPr lang="zh-TW" altLang="en-US"/>
               <a:t>第五層</a:t>
             </a:r>
             <a:endParaRPr lang="en-US" dirty="0"/>
@@ -6993,7 +6994,7 @@
           <a:p>
             <a:fld id="{0B88EADF-5A54-4B61-9EAD-1A178CAF62DF}" type="datetimeFigureOut">
               <a:rPr lang="zh-TW" altLang="en-US" smtClean="0"/>
-              <a:t>2018/7/27</a:t>
+              <a:t>2018/8/28</a:t>
             </a:fld>
             <a:endParaRPr lang="zh-TW" altLang="en-US"/>
           </a:p>
@@ -7092,7 +7093,7 @@
           <a:lstStyle/>
           <a:p>
             <a:r>
-              <a:rPr lang="zh-TW" altLang="en-US" smtClean="0"/>
+              <a:rPr lang="zh-TW" altLang="en-US"/>
               <a:t>按一下以編輯母片標題樣式</a:t>
             </a:r>
             <a:endParaRPr lang="en-US" dirty="0"/>
@@ -7121,35 +7122,35 @@
           <a:p>
             <a:pPr lvl="0"/>
             <a:r>
-              <a:rPr lang="zh-TW" altLang="en-US" smtClean="0"/>
+              <a:rPr lang="zh-TW" altLang="en-US"/>
               <a:t>編輯母片文字樣式</a:t>
             </a:r>
           </a:p>
           <a:p>
             <a:pPr lvl="1"/>
             <a:r>
-              <a:rPr lang="zh-TW" altLang="en-US" smtClean="0"/>
+              <a:rPr lang="zh-TW" altLang="en-US"/>
               <a:t>第二層</a:t>
             </a:r>
           </a:p>
           <a:p>
             <a:pPr lvl="2"/>
             <a:r>
-              <a:rPr lang="zh-TW" altLang="en-US" smtClean="0"/>
+              <a:rPr lang="zh-TW" altLang="en-US"/>
               <a:t>第三層</a:t>
             </a:r>
           </a:p>
           <a:p>
             <a:pPr lvl="3"/>
             <a:r>
-              <a:rPr lang="zh-TW" altLang="en-US" smtClean="0"/>
+              <a:rPr lang="zh-TW" altLang="en-US"/>
               <a:t>第四層</a:t>
             </a:r>
           </a:p>
           <a:p>
             <a:pPr lvl="4"/>
             <a:r>
-              <a:rPr lang="zh-TW" altLang="en-US" smtClean="0"/>
+              <a:rPr lang="zh-TW" altLang="en-US"/>
               <a:t>第五層</a:t>
             </a:r>
             <a:endParaRPr lang="en-US" dirty="0"/>
@@ -7173,7 +7174,7 @@
           <a:p>
             <a:fld id="{0B88EADF-5A54-4B61-9EAD-1A178CAF62DF}" type="datetimeFigureOut">
               <a:rPr lang="zh-TW" altLang="en-US" smtClean="0"/>
-              <a:t>2018/7/27</a:t>
+              <a:t>2018/8/28</a:t>
             </a:fld>
             <a:endParaRPr lang="zh-TW" altLang="en-US"/>
           </a:p>
@@ -7267,7 +7268,7 @@
           <a:lstStyle/>
           <a:p>
             <a:r>
-              <a:rPr lang="zh-TW" altLang="en-US" smtClean="0"/>
+              <a:rPr lang="zh-TW" altLang="en-US"/>
               <a:t>按一下以編輯母片標題樣式</a:t>
             </a:r>
             <a:endParaRPr lang="en-US" dirty="0"/>
@@ -7291,35 +7292,35 @@
           <a:p>
             <a:pPr lvl="0"/>
             <a:r>
-              <a:rPr lang="zh-TW" altLang="en-US" smtClean="0"/>
+              <a:rPr lang="zh-TW" altLang="en-US"/>
               <a:t>編輯母片文字樣式</a:t>
             </a:r>
           </a:p>
           <a:p>
             <a:pPr lvl="1"/>
             <a:r>
-              <a:rPr lang="zh-TW" altLang="en-US" smtClean="0"/>
+              <a:rPr lang="zh-TW" altLang="en-US"/>
               <a:t>第二層</a:t>
             </a:r>
           </a:p>
           <a:p>
             <a:pPr lvl="2"/>
             <a:r>
-              <a:rPr lang="zh-TW" altLang="en-US" smtClean="0"/>
+              <a:rPr lang="zh-TW" altLang="en-US"/>
               <a:t>第三層</a:t>
             </a:r>
           </a:p>
           <a:p>
             <a:pPr lvl="3"/>
             <a:r>
-              <a:rPr lang="zh-TW" altLang="en-US" smtClean="0"/>
+              <a:rPr lang="zh-TW" altLang="en-US"/>
               <a:t>第四層</a:t>
             </a:r>
           </a:p>
           <a:p>
             <a:pPr lvl="4"/>
             <a:r>
-              <a:rPr lang="zh-TW" altLang="en-US" smtClean="0"/>
+              <a:rPr lang="zh-TW" altLang="en-US"/>
               <a:t>第五層</a:t>
             </a:r>
             <a:endParaRPr lang="en-US" dirty="0"/>
@@ -7343,7 +7344,7 @@
           <a:p>
             <a:fld id="{0B88EADF-5A54-4B61-9EAD-1A178CAF62DF}" type="datetimeFigureOut">
               <a:rPr lang="zh-TW" altLang="en-US" smtClean="0"/>
-              <a:t>2018/7/27</a:t>
+              <a:t>2018/8/28</a:t>
             </a:fld>
             <a:endParaRPr lang="zh-TW" altLang="en-US"/>
           </a:p>
@@ -7448,7 +7449,7 @@
           </a:lstStyle>
           <a:p>
             <a:r>
-              <a:rPr lang="zh-TW" altLang="en-US" smtClean="0"/>
+              <a:rPr lang="zh-TW" altLang="en-US"/>
               <a:t>按一下以編輯母片標題樣式</a:t>
             </a:r>
             <a:endParaRPr lang="en-US" dirty="0"/>
@@ -7570,7 +7571,7 @@
           <a:p>
             <a:pPr lvl="0"/>
             <a:r>
-              <a:rPr lang="zh-TW" altLang="en-US" smtClean="0"/>
+              <a:rPr lang="zh-TW" altLang="en-US"/>
               <a:t>編輯母片文字樣式</a:t>
             </a:r>
           </a:p>
@@ -7593,7 +7594,7 @@
           <a:p>
             <a:fld id="{0B88EADF-5A54-4B61-9EAD-1A178CAF62DF}" type="datetimeFigureOut">
               <a:rPr lang="zh-TW" altLang="en-US" smtClean="0"/>
-              <a:t>2018/7/27</a:t>
+              <a:t>2018/8/28</a:t>
             </a:fld>
             <a:endParaRPr lang="zh-TW" altLang="en-US"/>
           </a:p>
@@ -7687,7 +7688,7 @@
           <a:lstStyle/>
           <a:p>
             <a:r>
-              <a:rPr lang="zh-TW" altLang="en-US" smtClean="0"/>
+              <a:rPr lang="zh-TW" altLang="en-US"/>
               <a:t>按一下以編輯母片標題樣式</a:t>
             </a:r>
             <a:endParaRPr lang="en-US" dirty="0"/>
@@ -7716,35 +7717,35 @@
           <a:p>
             <a:pPr lvl="0"/>
             <a:r>
-              <a:rPr lang="zh-TW" altLang="en-US" smtClean="0"/>
+              <a:rPr lang="zh-TW" altLang="en-US"/>
               <a:t>編輯母片文字樣式</a:t>
             </a:r>
           </a:p>
           <a:p>
             <a:pPr lvl="1"/>
             <a:r>
-              <a:rPr lang="zh-TW" altLang="en-US" smtClean="0"/>
+              <a:rPr lang="zh-TW" altLang="en-US"/>
               <a:t>第二層</a:t>
             </a:r>
           </a:p>
           <a:p>
             <a:pPr lvl="2"/>
             <a:r>
-              <a:rPr lang="zh-TW" altLang="en-US" smtClean="0"/>
+              <a:rPr lang="zh-TW" altLang="en-US"/>
               <a:t>第三層</a:t>
             </a:r>
           </a:p>
           <a:p>
             <a:pPr lvl="3"/>
             <a:r>
-              <a:rPr lang="zh-TW" altLang="en-US" smtClean="0"/>
+              <a:rPr lang="zh-TW" altLang="en-US"/>
               <a:t>第四層</a:t>
             </a:r>
           </a:p>
           <a:p>
             <a:pPr lvl="4"/>
             <a:r>
-              <a:rPr lang="zh-TW" altLang="en-US" smtClean="0"/>
+              <a:rPr lang="zh-TW" altLang="en-US"/>
               <a:t>第五層</a:t>
             </a:r>
             <a:endParaRPr lang="en-US" dirty="0"/>
@@ -7773,35 +7774,35 @@
           <a:p>
             <a:pPr lvl="0"/>
             <a:r>
-              <a:rPr lang="zh-TW" altLang="en-US" smtClean="0"/>
+              <a:rPr lang="zh-TW" altLang="en-US"/>
               <a:t>編輯母片文字樣式</a:t>
             </a:r>
           </a:p>
           <a:p>
             <a:pPr lvl="1"/>
             <a:r>
-              <a:rPr lang="zh-TW" altLang="en-US" smtClean="0"/>
+              <a:rPr lang="zh-TW" altLang="en-US"/>
               <a:t>第二層</a:t>
             </a:r>
           </a:p>
           <a:p>
             <a:pPr lvl="2"/>
             <a:r>
-              <a:rPr lang="zh-TW" altLang="en-US" smtClean="0"/>
+              <a:rPr lang="zh-TW" altLang="en-US"/>
               <a:t>第三層</a:t>
             </a:r>
           </a:p>
           <a:p>
             <a:pPr lvl="3"/>
             <a:r>
-              <a:rPr lang="zh-TW" altLang="en-US" smtClean="0"/>
+              <a:rPr lang="zh-TW" altLang="en-US"/>
               <a:t>第四層</a:t>
             </a:r>
           </a:p>
           <a:p>
             <a:pPr lvl="4"/>
             <a:r>
-              <a:rPr lang="zh-TW" altLang="en-US" smtClean="0"/>
+              <a:rPr lang="zh-TW" altLang="en-US"/>
               <a:t>第五層</a:t>
             </a:r>
             <a:endParaRPr lang="en-US" dirty="0"/>
@@ -7825,7 +7826,7 @@
           <a:p>
             <a:fld id="{0B88EADF-5A54-4B61-9EAD-1A178CAF62DF}" type="datetimeFigureOut">
               <a:rPr lang="zh-TW" altLang="en-US" smtClean="0"/>
-              <a:t>2018/7/27</a:t>
+              <a:t>2018/8/28</a:t>
             </a:fld>
             <a:endParaRPr lang="zh-TW" altLang="en-US"/>
           </a:p>
@@ -7924,7 +7925,7 @@
           <a:lstStyle/>
           <a:p>
             <a:r>
-              <a:rPr lang="zh-TW" altLang="en-US" smtClean="0"/>
+              <a:rPr lang="zh-TW" altLang="en-US"/>
               <a:t>按一下以編輯母片標題樣式</a:t>
             </a:r>
             <a:endParaRPr lang="en-US" dirty="0"/>
@@ -7997,7 +7998,7 @@
           <a:p>
             <a:pPr lvl="0"/>
             <a:r>
-              <a:rPr lang="zh-TW" altLang="en-US" smtClean="0"/>
+              <a:rPr lang="zh-TW" altLang="en-US"/>
               <a:t>編輯母片文字樣式</a:t>
             </a:r>
           </a:p>
@@ -8025,35 +8026,35 @@
           <a:p>
             <a:pPr lvl="0"/>
             <a:r>
-              <a:rPr lang="zh-TW" altLang="en-US" smtClean="0"/>
+              <a:rPr lang="zh-TW" altLang="en-US"/>
               <a:t>編輯母片文字樣式</a:t>
             </a:r>
           </a:p>
           <a:p>
             <a:pPr lvl="1"/>
             <a:r>
-              <a:rPr lang="zh-TW" altLang="en-US" smtClean="0"/>
+              <a:rPr lang="zh-TW" altLang="en-US"/>
               <a:t>第二層</a:t>
             </a:r>
           </a:p>
           <a:p>
             <a:pPr lvl="2"/>
             <a:r>
-              <a:rPr lang="zh-TW" altLang="en-US" smtClean="0"/>
+              <a:rPr lang="zh-TW" altLang="en-US"/>
               <a:t>第三層</a:t>
             </a:r>
           </a:p>
           <a:p>
             <a:pPr lvl="3"/>
             <a:r>
-              <a:rPr lang="zh-TW" altLang="en-US" smtClean="0"/>
+              <a:rPr lang="zh-TW" altLang="en-US"/>
               <a:t>第四層</a:t>
             </a:r>
           </a:p>
           <a:p>
             <a:pPr lvl="4"/>
             <a:r>
-              <a:rPr lang="zh-TW" altLang="en-US" smtClean="0"/>
+              <a:rPr lang="zh-TW" altLang="en-US"/>
               <a:t>第五層</a:t>
             </a:r>
             <a:endParaRPr lang="en-US" dirty="0"/>
@@ -8126,7 +8127,7 @@
           <a:p>
             <a:pPr lvl="0"/>
             <a:r>
-              <a:rPr lang="zh-TW" altLang="en-US" smtClean="0"/>
+              <a:rPr lang="zh-TW" altLang="en-US"/>
               <a:t>編輯母片文字樣式</a:t>
             </a:r>
           </a:p>
@@ -8154,35 +8155,35 @@
           <a:p>
             <a:pPr lvl="0"/>
             <a:r>
-              <a:rPr lang="zh-TW" altLang="en-US" smtClean="0"/>
+              <a:rPr lang="zh-TW" altLang="en-US"/>
               <a:t>編輯母片文字樣式</a:t>
             </a:r>
           </a:p>
           <a:p>
             <a:pPr lvl="1"/>
             <a:r>
-              <a:rPr lang="zh-TW" altLang="en-US" smtClean="0"/>
+              <a:rPr lang="zh-TW" altLang="en-US"/>
               <a:t>第二層</a:t>
             </a:r>
           </a:p>
           <a:p>
             <a:pPr lvl="2"/>
             <a:r>
-              <a:rPr lang="zh-TW" altLang="en-US" smtClean="0"/>
+              <a:rPr lang="zh-TW" altLang="en-US"/>
               <a:t>第三層</a:t>
             </a:r>
           </a:p>
           <a:p>
             <a:pPr lvl="3"/>
             <a:r>
-              <a:rPr lang="zh-TW" altLang="en-US" smtClean="0"/>
+              <a:rPr lang="zh-TW" altLang="en-US"/>
               <a:t>第四層</a:t>
             </a:r>
           </a:p>
           <a:p>
             <a:pPr lvl="4"/>
             <a:r>
-              <a:rPr lang="zh-TW" altLang="en-US" smtClean="0"/>
+              <a:rPr lang="zh-TW" altLang="en-US"/>
               <a:t>第五層</a:t>
             </a:r>
             <a:endParaRPr lang="en-US" dirty="0"/>
@@ -8206,7 +8207,7 @@
           <a:p>
             <a:fld id="{0B88EADF-5A54-4B61-9EAD-1A178CAF62DF}" type="datetimeFigureOut">
               <a:rPr lang="zh-TW" altLang="en-US" smtClean="0"/>
-              <a:t>2018/7/27</a:t>
+              <a:t>2018/8/28</a:t>
             </a:fld>
             <a:endParaRPr lang="zh-TW" altLang="en-US"/>
           </a:p>
@@ -8300,7 +8301,7 @@
           <a:lstStyle/>
           <a:p>
             <a:r>
-              <a:rPr lang="zh-TW" altLang="en-US" smtClean="0"/>
+              <a:rPr lang="zh-TW" altLang="en-US"/>
               <a:t>按一下以編輯母片標題樣式</a:t>
             </a:r>
             <a:endParaRPr lang="en-US" dirty="0"/>
@@ -8324,7 +8325,7 @@
           <a:p>
             <a:fld id="{0B88EADF-5A54-4B61-9EAD-1A178CAF62DF}" type="datetimeFigureOut">
               <a:rPr lang="zh-TW" altLang="en-US" smtClean="0"/>
-              <a:t>2018/7/27</a:t>
+              <a:t>2018/8/28</a:t>
             </a:fld>
             <a:endParaRPr lang="zh-TW" altLang="en-US"/>
           </a:p>
@@ -8419,7 +8420,7 @@
           <a:p>
             <a:fld id="{0B88EADF-5A54-4B61-9EAD-1A178CAF62DF}" type="datetimeFigureOut">
               <a:rPr lang="zh-TW" altLang="en-US" smtClean="0"/>
-              <a:t>2018/7/27</a:t>
+              <a:t>2018/8/28</a:t>
             </a:fld>
             <a:endParaRPr lang="zh-TW" altLang="en-US"/>
           </a:p>
@@ -8522,7 +8523,7 @@
           </a:lstStyle>
           <a:p>
             <a:r>
-              <a:rPr lang="zh-TW" altLang="en-US" smtClean="0"/>
+              <a:rPr lang="zh-TW" altLang="en-US"/>
               <a:t>按一下以編輯母片標題樣式</a:t>
             </a:r>
             <a:endParaRPr lang="en-US" dirty="0"/>
@@ -8551,35 +8552,35 @@
           <a:p>
             <a:pPr lvl="0"/>
             <a:r>
-              <a:rPr lang="zh-TW" altLang="en-US" smtClean="0"/>
+              <a:rPr lang="zh-TW" altLang="en-US"/>
               <a:t>編輯母片文字樣式</a:t>
             </a:r>
           </a:p>
           <a:p>
             <a:pPr lvl="1"/>
             <a:r>
-              <a:rPr lang="zh-TW" altLang="en-US" smtClean="0"/>
+              <a:rPr lang="zh-TW" altLang="en-US"/>
               <a:t>第二層</a:t>
             </a:r>
           </a:p>
           <a:p>
             <a:pPr lvl="2"/>
             <a:r>
-              <a:rPr lang="zh-TW" altLang="en-US" smtClean="0"/>
+              <a:rPr lang="zh-TW" altLang="en-US"/>
               <a:t>第三層</a:t>
             </a:r>
           </a:p>
           <a:p>
             <a:pPr lvl="3"/>
             <a:r>
-              <a:rPr lang="zh-TW" altLang="en-US" smtClean="0"/>
+              <a:rPr lang="zh-TW" altLang="en-US"/>
               <a:t>第四層</a:t>
             </a:r>
           </a:p>
           <a:p>
             <a:pPr lvl="4"/>
             <a:r>
-              <a:rPr lang="zh-TW" altLang="en-US" smtClean="0"/>
+              <a:rPr lang="zh-TW" altLang="en-US"/>
               <a:t>第五層</a:t>
             </a:r>
             <a:endParaRPr lang="en-US" dirty="0"/>
@@ -8645,7 +8646,7 @@
           <a:p>
             <a:pPr lvl="0"/>
             <a:r>
-              <a:rPr lang="zh-TW" altLang="en-US" smtClean="0"/>
+              <a:rPr lang="zh-TW" altLang="en-US"/>
               <a:t>編輯母片文字樣式</a:t>
             </a:r>
           </a:p>
@@ -8668,7 +8669,7 @@
           <a:p>
             <a:fld id="{0B88EADF-5A54-4B61-9EAD-1A178CAF62DF}" type="datetimeFigureOut">
               <a:rPr lang="zh-TW" altLang="en-US" smtClean="0"/>
-              <a:t>2018/7/27</a:t>
+              <a:t>2018/8/28</a:t>
             </a:fld>
             <a:endParaRPr lang="zh-TW" altLang="en-US"/>
           </a:p>
@@ -8771,7 +8772,7 @@
           </a:lstStyle>
           <a:p>
             <a:r>
-              <a:rPr lang="zh-TW" altLang="en-US" smtClean="0"/>
+              <a:rPr lang="zh-TW" altLang="en-US"/>
               <a:t>按一下以編輯母片標題樣式</a:t>
             </a:r>
             <a:endParaRPr lang="en-US" dirty="0"/>
@@ -8859,7 +8860,7 @@
           </a:lstStyle>
           <a:p>
             <a:r>
-              <a:rPr lang="zh-TW" altLang="en-US" smtClean="0"/>
+              <a:rPr lang="zh-TW" altLang="en-US"/>
               <a:t>按一下圖示以新增圖片</a:t>
             </a:r>
             <a:endParaRPr lang="en-US" dirty="0"/>
@@ -8925,7 +8926,7 @@
           <a:p>
             <a:pPr lvl="0"/>
             <a:r>
-              <a:rPr lang="zh-TW" altLang="en-US" smtClean="0"/>
+              <a:rPr lang="zh-TW" altLang="en-US"/>
               <a:t>編輯母片文字樣式</a:t>
             </a:r>
           </a:p>
@@ -8948,7 +8949,7 @@
           <a:p>
             <a:fld id="{0B88EADF-5A54-4B61-9EAD-1A178CAF62DF}" type="datetimeFigureOut">
               <a:rPr lang="zh-TW" altLang="en-US" smtClean="0"/>
-              <a:t>2018/7/27</a:t>
+              <a:t>2018/8/28</a:t>
             </a:fld>
             <a:endParaRPr lang="zh-TW" altLang="en-US"/>
           </a:p>
@@ -9064,7 +9065,7 @@
           <a:noFill/>
           <a:extLst>
             <a:ext uri="{909E8E84-426E-40dd-AFC4-6F175D3DCCD1}">
-              <a14:hiddenFill xmlns:a14="http://schemas.microsoft.com/office/drawing/2010/main" xmlns="">
+              <a14:hiddenFill xmlns="" xmlns:a14="http://schemas.microsoft.com/office/drawing/2010/main">
                 <a:solidFill>
                   <a:srgbClr val="FFFFFF"/>
                 </a:solidFill>
@@ -9138,7 +9139,7 @@
               </a:ln>
               <a:extLst>
                 <a:ext uri="{91240B29-F687-4f45-9708-019B960494DF}">
-                  <a14:hiddenLine xmlns:a14="http://schemas.microsoft.com/office/drawing/2010/main" xmlns="" w="9525">
+                  <a14:hiddenLine xmlns="" xmlns:a14="http://schemas.microsoft.com/office/drawing/2010/main" w="9525">
                     <a:solidFill>
                       <a:srgbClr val="000000"/>
                     </a:solidFill>
@@ -9228,7 +9229,7 @@
               </a:ln>
               <a:extLst>
                 <a:ext uri="{91240B29-F687-4f45-9708-019B960494DF}">
-                  <a14:hiddenLine xmlns:a14="http://schemas.microsoft.com/office/drawing/2010/main" xmlns="" w="9525">
+                  <a14:hiddenLine xmlns="" xmlns:a14="http://schemas.microsoft.com/office/drawing/2010/main" w="9525">
                     <a:solidFill>
                       <a:srgbClr val="000000"/>
                     </a:solidFill>
@@ -9318,7 +9319,7 @@
               </a:ln>
               <a:extLst>
                 <a:ext uri="{91240B29-F687-4f45-9708-019B960494DF}">
-                  <a14:hiddenLine xmlns:a14="http://schemas.microsoft.com/office/drawing/2010/main" xmlns="" w="9525">
+                  <a14:hiddenLine xmlns="" xmlns:a14="http://schemas.microsoft.com/office/drawing/2010/main" w="9525">
                     <a:solidFill>
                       <a:srgbClr val="000000"/>
                     </a:solidFill>
@@ -9380,7 +9381,7 @@
               </a:ln>
               <a:extLst>
                 <a:ext uri="{91240B29-F687-4f45-9708-019B960494DF}">
-                  <a14:hiddenLine xmlns:a14="http://schemas.microsoft.com/office/drawing/2010/main" xmlns="" w="9525">
+                  <a14:hiddenLine xmlns="" xmlns:a14="http://schemas.microsoft.com/office/drawing/2010/main" w="9525">
                     <a:solidFill>
                       <a:srgbClr val="000000"/>
                     </a:solidFill>
@@ -9470,7 +9471,7 @@
               </a:ln>
               <a:extLst>
                 <a:ext uri="{91240B29-F687-4f45-9708-019B960494DF}">
-                  <a14:hiddenLine xmlns:a14="http://schemas.microsoft.com/office/drawing/2010/main" xmlns="" w="9525">
+                  <a14:hiddenLine xmlns="" xmlns:a14="http://schemas.microsoft.com/office/drawing/2010/main" w="9525">
                     <a:solidFill>
                       <a:srgbClr val="000000"/>
                     </a:solidFill>
@@ -9532,7 +9533,7 @@
               </a:ln>
               <a:extLst>
                 <a:ext uri="{91240B29-F687-4f45-9708-019B960494DF}">
-                  <a14:hiddenLine xmlns:a14="http://schemas.microsoft.com/office/drawing/2010/main" xmlns="" w="9525">
+                  <a14:hiddenLine xmlns="" xmlns:a14="http://schemas.microsoft.com/office/drawing/2010/main" w="9525">
                     <a:solidFill>
                       <a:srgbClr val="000000"/>
                     </a:solidFill>
@@ -9594,7 +9595,7 @@
               </a:ln>
               <a:extLst>
                 <a:ext uri="{91240B29-F687-4f45-9708-019B960494DF}">
-                  <a14:hiddenLine xmlns:a14="http://schemas.microsoft.com/office/drawing/2010/main" xmlns="" w="9525">
+                  <a14:hiddenLine xmlns="" xmlns:a14="http://schemas.microsoft.com/office/drawing/2010/main" w="9525">
                     <a:solidFill>
                       <a:srgbClr val="000000"/>
                     </a:solidFill>
@@ -9684,7 +9685,7 @@
               </a:ln>
               <a:extLst>
                 <a:ext uri="{91240B29-F687-4f45-9708-019B960494DF}">
-                  <a14:hiddenLine xmlns:a14="http://schemas.microsoft.com/office/drawing/2010/main" xmlns="" w="9525">
+                  <a14:hiddenLine xmlns="" xmlns:a14="http://schemas.microsoft.com/office/drawing/2010/main" w="9525">
                     <a:solidFill>
                       <a:srgbClr val="000000"/>
                     </a:solidFill>
@@ -9774,7 +9775,7 @@
               </a:ln>
               <a:extLst>
                 <a:ext uri="{91240B29-F687-4f45-9708-019B960494DF}">
-                  <a14:hiddenLine xmlns:a14="http://schemas.microsoft.com/office/drawing/2010/main" xmlns="" w="9525">
+                  <a14:hiddenLine xmlns="" xmlns:a14="http://schemas.microsoft.com/office/drawing/2010/main" w="9525">
                     <a:solidFill>
                       <a:srgbClr val="000000"/>
                     </a:solidFill>
@@ -9836,7 +9837,7 @@
               </a:ln>
               <a:extLst>
                 <a:ext uri="{91240B29-F687-4f45-9708-019B960494DF}">
-                  <a14:hiddenLine xmlns:a14="http://schemas.microsoft.com/office/drawing/2010/main" xmlns="" w="9525">
+                  <a14:hiddenLine xmlns="" xmlns:a14="http://schemas.microsoft.com/office/drawing/2010/main" w="9525">
                     <a:solidFill>
                       <a:srgbClr val="000000"/>
                     </a:solidFill>
@@ -9946,7 +9947,7 @@
               </a:ln>
               <a:extLst>
                 <a:ext uri="{91240B29-F687-4f45-9708-019B960494DF}">
-                  <a14:hiddenLine xmlns:a14="http://schemas.microsoft.com/office/drawing/2010/main" xmlns="" w="9525">
+                  <a14:hiddenLine xmlns="" xmlns:a14="http://schemas.microsoft.com/office/drawing/2010/main" w="9525">
                     <a:solidFill>
                       <a:srgbClr val="000000"/>
                     </a:solidFill>
@@ -10030,7 +10031,7 @@
               </a:ln>
               <a:extLst>
                 <a:ext uri="{91240B29-F687-4f45-9708-019B960494DF}">
-                  <a14:hiddenLine xmlns:a14="http://schemas.microsoft.com/office/drawing/2010/main" xmlns="" w="9525">
+                  <a14:hiddenLine xmlns="" xmlns:a14="http://schemas.microsoft.com/office/drawing/2010/main" w="9525">
                     <a:solidFill>
                       <a:srgbClr val="000000"/>
                     </a:solidFill>
@@ -10092,7 +10093,7 @@
               </a:ln>
               <a:extLst>
                 <a:ext uri="{91240B29-F687-4f45-9708-019B960494DF}">
-                  <a14:hiddenLine xmlns:a14="http://schemas.microsoft.com/office/drawing/2010/main" xmlns="" w="9525">
+                  <a14:hiddenLine xmlns="" xmlns:a14="http://schemas.microsoft.com/office/drawing/2010/main" w="9525">
                     <a:solidFill>
                       <a:srgbClr val="000000"/>
                     </a:solidFill>
@@ -10154,7 +10155,7 @@
               </a:ln>
               <a:extLst>
                 <a:ext uri="{91240B29-F687-4f45-9708-019B960494DF}">
-                  <a14:hiddenLine xmlns:a14="http://schemas.microsoft.com/office/drawing/2010/main" xmlns="" w="9525">
+                  <a14:hiddenLine xmlns="" xmlns:a14="http://schemas.microsoft.com/office/drawing/2010/main" w="9525">
                     <a:solidFill>
                       <a:srgbClr val="000000"/>
                     </a:solidFill>
@@ -10244,7 +10245,7 @@
               </a:ln>
               <a:extLst>
                 <a:ext uri="{91240B29-F687-4f45-9708-019B960494DF}">
-                  <a14:hiddenLine xmlns:a14="http://schemas.microsoft.com/office/drawing/2010/main" xmlns="" w="9525">
+                  <a14:hiddenLine xmlns="" xmlns:a14="http://schemas.microsoft.com/office/drawing/2010/main" w="9525">
                     <a:solidFill>
                       <a:srgbClr val="000000"/>
                     </a:solidFill>
@@ -10278,7 +10279,7 @@
               </a:ln>
               <a:extLst>
                 <a:ext uri="{91240B29-F687-4f45-9708-019B960494DF}">
-                  <a14:hiddenLine xmlns:a14="http://schemas.microsoft.com/office/drawing/2010/main" xmlns="" w="9525">
+                  <a14:hiddenLine xmlns="" xmlns:a14="http://schemas.microsoft.com/office/drawing/2010/main" w="9525">
                     <a:solidFill>
                       <a:srgbClr val="000000"/>
                     </a:solidFill>
@@ -10343,7 +10344,7 @@
               </a:ln>
               <a:extLst>
                 <a:ext uri="{91240B29-F687-4f45-9708-019B960494DF}">
-                  <a14:hiddenLine xmlns:a14="http://schemas.microsoft.com/office/drawing/2010/main" xmlns="" w="9525">
+                  <a14:hiddenLine xmlns="" xmlns:a14="http://schemas.microsoft.com/office/drawing/2010/main" w="9525">
                     <a:solidFill>
                       <a:srgbClr val="000000"/>
                     </a:solidFill>
@@ -10433,7 +10434,7 @@
               </a:ln>
               <a:extLst>
                 <a:ext uri="{91240B29-F687-4f45-9708-019B960494DF}">
-                  <a14:hiddenLine xmlns:a14="http://schemas.microsoft.com/office/drawing/2010/main" xmlns="" w="9525">
+                  <a14:hiddenLine xmlns="" xmlns:a14="http://schemas.microsoft.com/office/drawing/2010/main" w="9525">
                     <a:solidFill>
                       <a:srgbClr val="000000"/>
                     </a:solidFill>
@@ -10495,7 +10496,7 @@
               </a:ln>
               <a:extLst>
                 <a:ext uri="{91240B29-F687-4f45-9708-019B960494DF}">
-                  <a14:hiddenLine xmlns:a14="http://schemas.microsoft.com/office/drawing/2010/main" xmlns="" w="9525">
+                  <a14:hiddenLine xmlns="" xmlns:a14="http://schemas.microsoft.com/office/drawing/2010/main" w="9525">
                     <a:solidFill>
                       <a:srgbClr val="000000"/>
                     </a:solidFill>
@@ -10585,7 +10586,7 @@
               </a:ln>
               <a:extLst>
                 <a:ext uri="{91240B29-F687-4f45-9708-019B960494DF}">
-                  <a14:hiddenLine xmlns:a14="http://schemas.microsoft.com/office/drawing/2010/main" xmlns="" w="9525">
+                  <a14:hiddenLine xmlns="" xmlns:a14="http://schemas.microsoft.com/office/drawing/2010/main" w="9525">
                     <a:solidFill>
                       <a:srgbClr val="000000"/>
                     </a:solidFill>
@@ -10650,7 +10651,7 @@
               </a:ln>
               <a:extLst>
                 <a:ext uri="{91240B29-F687-4f45-9708-019B960494DF}">
-                  <a14:hiddenLine xmlns:a14="http://schemas.microsoft.com/office/drawing/2010/main" xmlns="" w="9525">
+                  <a14:hiddenLine xmlns="" xmlns:a14="http://schemas.microsoft.com/office/drawing/2010/main" w="9525">
                     <a:solidFill>
                       <a:srgbClr val="000000"/>
                     </a:solidFill>
@@ -10712,7 +10713,7 @@
               </a:ln>
               <a:extLst>
                 <a:ext uri="{91240B29-F687-4f45-9708-019B960494DF}">
-                  <a14:hiddenLine xmlns:a14="http://schemas.microsoft.com/office/drawing/2010/main" xmlns="" w="9525">
+                  <a14:hiddenLine xmlns="" xmlns:a14="http://schemas.microsoft.com/office/drawing/2010/main" w="9525">
                     <a:solidFill>
                       <a:srgbClr val="000000"/>
                     </a:solidFill>
@@ -10802,7 +10803,7 @@
               </a:ln>
               <a:extLst>
                 <a:ext uri="{91240B29-F687-4f45-9708-019B960494DF}">
-                  <a14:hiddenLine xmlns:a14="http://schemas.microsoft.com/office/drawing/2010/main" xmlns="" w="9525">
+                  <a14:hiddenLine xmlns="" xmlns:a14="http://schemas.microsoft.com/office/drawing/2010/main" w="9525">
                     <a:solidFill>
                       <a:srgbClr val="000000"/>
                     </a:solidFill>
@@ -10892,7 +10893,7 @@
               </a:ln>
               <a:extLst>
                 <a:ext uri="{91240B29-F687-4f45-9708-019B960494DF}">
-                  <a14:hiddenLine xmlns:a14="http://schemas.microsoft.com/office/drawing/2010/main" xmlns="" w="9525">
+                  <a14:hiddenLine xmlns="" xmlns:a14="http://schemas.microsoft.com/office/drawing/2010/main" w="9525">
                     <a:solidFill>
                       <a:srgbClr val="000000"/>
                     </a:solidFill>
@@ -10957,7 +10958,7 @@
               </a:ln>
               <a:extLst>
                 <a:ext uri="{91240B29-F687-4f45-9708-019B960494DF}">
-                  <a14:hiddenLine xmlns:a14="http://schemas.microsoft.com/office/drawing/2010/main" xmlns="" w="9525">
+                  <a14:hiddenLine xmlns="" xmlns:a14="http://schemas.microsoft.com/office/drawing/2010/main" w="9525">
                     <a:solidFill>
                       <a:srgbClr val="000000"/>
                     </a:solidFill>
@@ -11077,7 +11078,7 @@
               </a:ln>
               <a:extLst>
                 <a:ext uri="{91240B29-F687-4f45-9708-019B960494DF}">
-                  <a14:hiddenLine xmlns:a14="http://schemas.microsoft.com/office/drawing/2010/main" xmlns="" w="9525">
+                  <a14:hiddenLine xmlns="" xmlns:a14="http://schemas.microsoft.com/office/drawing/2010/main" w="9525">
                     <a:solidFill>
                       <a:srgbClr val="000000"/>
                     </a:solidFill>
@@ -11175,7 +11176,7 @@
               </a:ln>
               <a:extLst>
                 <a:ext uri="{91240B29-F687-4f45-9708-019B960494DF}">
-                  <a14:hiddenLine xmlns:a14="http://schemas.microsoft.com/office/drawing/2010/main" xmlns="" w="9525">
+                  <a14:hiddenLine xmlns="" xmlns:a14="http://schemas.microsoft.com/office/drawing/2010/main" w="9525">
                     <a:solidFill>
                       <a:srgbClr val="000000"/>
                     </a:solidFill>
@@ -11290,7 +11291,7 @@
               </a:ln>
               <a:extLst>
                 <a:ext uri="{91240B29-F687-4f45-9708-019B960494DF}">
-                  <a14:hiddenLine xmlns:a14="http://schemas.microsoft.com/office/drawing/2010/main" xmlns="" w="9525">
+                  <a14:hiddenLine xmlns="" xmlns:a14="http://schemas.microsoft.com/office/drawing/2010/main" w="9525">
                     <a:solidFill>
                       <a:srgbClr val="000000"/>
                     </a:solidFill>
@@ -11380,7 +11381,7 @@
               </a:ln>
               <a:extLst>
                 <a:ext uri="{91240B29-F687-4f45-9708-019B960494DF}">
-                  <a14:hiddenLine xmlns:a14="http://schemas.microsoft.com/office/drawing/2010/main" xmlns="" w="9525">
+                  <a14:hiddenLine xmlns="" xmlns:a14="http://schemas.microsoft.com/office/drawing/2010/main" w="9525">
                     <a:solidFill>
                       <a:srgbClr val="000000"/>
                     </a:solidFill>
@@ -11445,7 +11446,7 @@
               </a:ln>
               <a:extLst>
                 <a:ext uri="{91240B29-F687-4f45-9708-019B960494DF}">
-                  <a14:hiddenLine xmlns:a14="http://schemas.microsoft.com/office/drawing/2010/main" xmlns="" w="9525">
+                  <a14:hiddenLine xmlns="" xmlns:a14="http://schemas.microsoft.com/office/drawing/2010/main" w="9525">
                     <a:solidFill>
                       <a:srgbClr val="000000"/>
                     </a:solidFill>
@@ -11535,7 +11536,7 @@
               </a:ln>
               <a:extLst>
                 <a:ext uri="{91240B29-F687-4f45-9708-019B960494DF}">
-                  <a14:hiddenLine xmlns:a14="http://schemas.microsoft.com/office/drawing/2010/main" xmlns="" w="9525">
+                  <a14:hiddenLine xmlns="" xmlns:a14="http://schemas.microsoft.com/office/drawing/2010/main" w="9525">
                     <a:solidFill>
                       <a:srgbClr val="000000"/>
                     </a:solidFill>
@@ -11603,7 +11604,7 @@
               </a:ln>
               <a:extLst>
                 <a:ext uri="{91240B29-F687-4f45-9708-019B960494DF}">
-                  <a14:hiddenLine xmlns:a14="http://schemas.microsoft.com/office/drawing/2010/main" xmlns="" w="9525">
+                  <a14:hiddenLine xmlns="" xmlns:a14="http://schemas.microsoft.com/office/drawing/2010/main" w="9525">
                     <a:solidFill>
                       <a:srgbClr val="000000"/>
                     </a:solidFill>
@@ -11693,7 +11694,7 @@
               </a:ln>
               <a:extLst>
                 <a:ext uri="{91240B29-F687-4f45-9708-019B960494DF}">
-                  <a14:hiddenLine xmlns:a14="http://schemas.microsoft.com/office/drawing/2010/main" xmlns="" w="9525">
+                  <a14:hiddenLine xmlns="" xmlns:a14="http://schemas.microsoft.com/office/drawing/2010/main" w="9525">
                     <a:solidFill>
                       <a:srgbClr val="000000"/>
                     </a:solidFill>
@@ -11761,7 +11762,7 @@
               </a:ln>
               <a:extLst>
                 <a:ext uri="{91240B29-F687-4f45-9708-019B960494DF}">
-                  <a14:hiddenLine xmlns:a14="http://schemas.microsoft.com/office/drawing/2010/main" xmlns="" w="9525">
+                  <a14:hiddenLine xmlns="" xmlns:a14="http://schemas.microsoft.com/office/drawing/2010/main" w="9525">
                     <a:solidFill>
                       <a:srgbClr val="000000"/>
                     </a:solidFill>
@@ -11851,7 +11852,7 @@
               </a:ln>
               <a:extLst>
                 <a:ext uri="{91240B29-F687-4f45-9708-019B960494DF}">
-                  <a14:hiddenLine xmlns:a14="http://schemas.microsoft.com/office/drawing/2010/main" xmlns="" w="9525">
+                  <a14:hiddenLine xmlns="" xmlns:a14="http://schemas.microsoft.com/office/drawing/2010/main" w="9525">
                     <a:solidFill>
                       <a:srgbClr val="000000"/>
                     </a:solidFill>
@@ -11885,7 +11886,7 @@
               </a:ln>
               <a:extLst>
                 <a:ext uri="{91240B29-F687-4f45-9708-019B960494DF}">
-                  <a14:hiddenLine xmlns:a14="http://schemas.microsoft.com/office/drawing/2010/main" xmlns="" w="9525">
+                  <a14:hiddenLine xmlns="" xmlns:a14="http://schemas.microsoft.com/office/drawing/2010/main" w="9525">
                     <a:solidFill>
                       <a:srgbClr val="000000"/>
                     </a:solidFill>
@@ -11955,35 +11956,35 @@
           <a:p>
             <a:pPr lvl="0"/>
             <a:r>
-              <a:rPr lang="zh-TW" altLang="en-US" smtClean="0"/>
+              <a:rPr lang="zh-TW" altLang="en-US"/>
               <a:t>編輯母片文字樣式</a:t>
             </a:r>
           </a:p>
           <a:p>
             <a:pPr lvl="1"/>
             <a:r>
-              <a:rPr lang="zh-TW" altLang="en-US" smtClean="0"/>
+              <a:rPr lang="zh-TW" altLang="en-US"/>
               <a:t>第二層</a:t>
             </a:r>
           </a:p>
           <a:p>
             <a:pPr lvl="2"/>
             <a:r>
-              <a:rPr lang="zh-TW" altLang="en-US" smtClean="0"/>
+              <a:rPr lang="zh-TW" altLang="en-US"/>
               <a:t>第三層</a:t>
             </a:r>
           </a:p>
           <a:p>
             <a:pPr lvl="3"/>
             <a:r>
-              <a:rPr lang="zh-TW" altLang="en-US" smtClean="0"/>
+              <a:rPr lang="zh-TW" altLang="en-US"/>
               <a:t>第四層</a:t>
             </a:r>
           </a:p>
           <a:p>
             <a:pPr lvl="4"/>
             <a:r>
-              <a:rPr lang="zh-TW" altLang="en-US" smtClean="0"/>
+              <a:rPr lang="zh-TW" altLang="en-US"/>
               <a:t>第五層</a:t>
             </a:r>
             <a:endParaRPr lang="en-US" dirty="0"/>
@@ -12025,7 +12026,7 @@
           <a:p>
             <a:fld id="{0B88EADF-5A54-4B61-9EAD-1A178CAF62DF}" type="datetimeFigureOut">
               <a:rPr lang="zh-TW" altLang="en-US" smtClean="0"/>
-              <a:t>2018/7/27</a:t>
+              <a:t>2018/8/28</a:t>
             </a:fld>
             <a:endParaRPr lang="zh-TW" altLang="en-US"/>
           </a:p>
@@ -12461,11 +12462,11 @@
           <a:lstStyle/>
           <a:p>
             <a:r>
-              <a:rPr lang="en-US" altLang="zh-TW" smtClean="0"/>
+              <a:rPr lang="en-US" altLang="zh-TW"/>
               <a:t>Debug Diagnostic Tool</a:t>
             </a:r>
             <a:br>
-              <a:rPr lang="en-US" altLang="zh-TW" smtClean="0"/>
+              <a:rPr lang="en-US" altLang="zh-TW"/>
             </a:br>
             <a:endParaRPr lang="zh-TW" altLang="en-US"/>
           </a:p>
@@ -12487,7 +12488,7 @@
           <a:lstStyle/>
           <a:p>
             <a:r>
-              <a:rPr lang="en-US" altLang="zh-TW" smtClean="0"/>
+              <a:rPr lang="en-US" altLang="zh-TW"/>
               <a:t>Author : SmokingPC</a:t>
             </a:r>
             <a:endParaRPr lang="zh-TW" altLang="en-US"/>
@@ -12539,6 +12540,96 @@
           <a:bodyPr/>
           <a:lstStyle/>
           <a:p>
+            <a:r>
+              <a:rPr lang="en-US" altLang="zh-TW" dirty="0"/>
+              <a:t>design</a:t>
+            </a:r>
+            <a:endParaRPr lang="zh-TW" altLang="en-US" dirty="0"/>
+          </a:p>
+        </p:txBody>
+      </p:sp>
+      <p:sp>
+        <p:nvSpPr>
+          <p:cNvPr id="3" name="內容版面配置區 2"/>
+          <p:cNvSpPr>
+            <a:spLocks noGrp="1"/>
+          </p:cNvSpPr>
+          <p:nvPr>
+            <p:ph idx="1"/>
+          </p:nvPr>
+        </p:nvSpPr>
+        <p:spPr/>
+        <p:txBody>
+          <a:bodyPr/>
+          <a:lstStyle/>
+          <a:p>
+            <a:r>
+              <a:rPr lang="en-US" altLang="zh-TW" dirty="0"/>
+              <a:t>Entire engine built by </a:t>
+            </a:r>
+            <a:r>
+              <a:rPr lang="en-US" altLang="zh-TW" dirty="0" err="1"/>
+              <a:t>MoonSharp</a:t>
+            </a:r>
+            <a:r>
+              <a:rPr lang="en-US" altLang="zh-TW" dirty="0"/>
+              <a:t> (LUA for C#)</a:t>
+            </a:r>
+          </a:p>
+          <a:p>
+            <a:r>
+              <a:rPr lang="en-US" altLang="zh-TW" dirty="0"/>
+              <a:t>predefined task are built by LUA</a:t>
+            </a:r>
+            <a:endParaRPr lang="zh-TW" altLang="en-US" dirty="0"/>
+          </a:p>
+        </p:txBody>
+      </p:sp>
+    </p:spTree>
+    <p:extLst>
+      <p:ext uri="{BB962C8B-B14F-4D97-AF65-F5344CB8AC3E}">
+        <p14:creationId xmlns:p14="http://schemas.microsoft.com/office/powerpoint/2010/main" val="1077137388"/>
+      </p:ext>
+    </p:extLst>
+  </p:cSld>
+  <p:clrMapOvr>
+    <a:masterClrMapping/>
+  </p:clrMapOvr>
+</p:sld>
+</file>
+
+<file path=ppt/slides/slide11.xml><?xml version="1.0" encoding="utf-8"?>
+<p:sld xmlns:a="http://schemas.openxmlformats.org/drawingml/2006/main" xmlns:r="http://schemas.openxmlformats.org/officeDocument/2006/relationships" xmlns:p="http://schemas.openxmlformats.org/presentationml/2006/main">
+  <p:cSld>
+    <p:spTree>
+      <p:nvGrpSpPr>
+        <p:cNvPr id="1" name=""/>
+        <p:cNvGrpSpPr/>
+        <p:nvPr/>
+      </p:nvGrpSpPr>
+      <p:grpSpPr>
+        <a:xfrm>
+          <a:off x="0" y="0"/>
+          <a:ext cx="0" cy="0"/>
+          <a:chOff x="0" y="0"/>
+          <a:chExt cx="0" cy="0"/>
+        </a:xfrm>
+      </p:grpSpPr>
+      <p:sp>
+        <p:nvSpPr>
+          <p:cNvPr id="2" name="標題 1"/>
+          <p:cNvSpPr>
+            <a:spLocks noGrp="1"/>
+          </p:cNvSpPr>
+          <p:nvPr>
+            <p:ph type="title"/>
+          </p:nvPr>
+        </p:nvSpPr>
+        <p:spPr/>
+        <p:txBody>
+          <a:bodyPr/>
+          <a:lstStyle/>
+          <a:p>
             <a:endParaRPr lang="zh-TW" altLang="en-US"/>
           </a:p>
         </p:txBody>
@@ -12608,7 +12699,7 @@
           <a:lstStyle/>
           <a:p>
             <a:r>
-              <a:rPr lang="en-US" altLang="zh-TW" smtClean="0"/>
+              <a:rPr lang="en-US" altLang="zh-TW"/>
               <a:t>Objective</a:t>
             </a:r>
             <a:endParaRPr lang="zh-TW" altLang="en-US"/>
@@ -12631,51 +12722,57 @@
           <a:lstStyle/>
           <a:p>
             <a:r>
-              <a:rPr lang="en-US" altLang="zh-TW" smtClean="0"/>
-              <a:t>Collecting debug information of softwares.</a:t>
+              <a:rPr lang="en-US" altLang="zh-TW" dirty="0"/>
+              <a:t>Collecting debug information of </a:t>
             </a:r>
-            <a:endParaRPr lang="en-US" altLang="zh-TW" smtClean="0"/>
+            <a:r>
+              <a:rPr lang="en-US" altLang="zh-TW" dirty="0" err="1"/>
+              <a:t>softwares</a:t>
+            </a:r>
+            <a:r>
+              <a:rPr lang="en-US" altLang="zh-TW" dirty="0"/>
+              <a:t>.</a:t>
+            </a:r>
           </a:p>
           <a:p>
             <a:pPr lvl="1"/>
             <a:r>
-              <a:rPr lang="en-US" altLang="zh-TW" smtClean="0"/>
-              <a:t>Software </a:t>
-            </a:r>
-            <a:r>
-              <a:rPr lang="en-US" altLang="zh-TW" smtClean="0"/>
-              <a:t>log</a:t>
+              <a:rPr lang="en-US" altLang="zh-TW" dirty="0"/>
+              <a:t>Software log</a:t>
             </a:r>
           </a:p>
           <a:p>
             <a:pPr lvl="1"/>
             <a:r>
-              <a:rPr lang="en-US" altLang="zh-TW" smtClean="0"/>
-              <a:t>System </a:t>
-            </a:r>
-            <a:r>
-              <a:rPr lang="en-US" altLang="zh-TW" smtClean="0"/>
-              <a:t>information</a:t>
+              <a:rPr lang="en-US" altLang="zh-TW" dirty="0"/>
+              <a:t>System information</a:t>
             </a:r>
           </a:p>
           <a:p>
             <a:pPr lvl="1"/>
             <a:r>
-              <a:rPr lang="en-US" altLang="zh-TW" smtClean="0"/>
+              <a:rPr lang="en-US" altLang="zh-TW" dirty="0"/>
               <a:t>System log</a:t>
             </a:r>
-            <a:endParaRPr lang="en-US" altLang="zh-TW" smtClean="0"/>
           </a:p>
           <a:p>
             <a:pPr lvl="1"/>
             <a:r>
-              <a:rPr lang="en-US" altLang="zh-TW" smtClean="0"/>
+              <a:rPr lang="en-US" altLang="zh-TW" dirty="0"/>
               <a:t>Dump file</a:t>
             </a:r>
           </a:p>
           <a:p>
             <a:pPr lvl="1"/>
-            <a:endParaRPr lang="zh-TW" altLang="en-US"/>
+            <a:r>
+              <a:rPr lang="en-US" altLang="zh-TW" dirty="0" err="1"/>
+              <a:t>ProcMon</a:t>
+            </a:r>
+            <a:endParaRPr lang="en-US" altLang="zh-TW" dirty="0"/>
+          </a:p>
+          <a:p>
+            <a:pPr lvl="1"/>
+            <a:endParaRPr lang="zh-TW" altLang="en-US" dirty="0"/>
           </a:p>
         </p:txBody>
       </p:sp>
@@ -12725,17 +12822,686 @@
           <a:lstStyle/>
           <a:p>
             <a:r>
-              <a:rPr lang="en-US" altLang="zh-TW" smtClean="0"/>
+              <a:rPr lang="en-US" altLang="zh-TW" dirty="0"/>
               <a:t>Concept</a:t>
             </a:r>
+            <a:endParaRPr lang="zh-TW" altLang="en-US" dirty="0"/>
+          </a:p>
+        </p:txBody>
+      </p:sp>
+      <p:grpSp>
+        <p:nvGrpSpPr>
+          <p:cNvPr id="9" name="群組 8">
+            <a:extLst>
+              <a:ext uri="{FF2B5EF4-FFF2-40B4-BE49-F238E27FC236}">
+                <a16:creationId xmlns:a16="http://schemas.microsoft.com/office/drawing/2014/main" id="{D1DE7700-ACCA-41B1-851D-1A31A44341BC}"/>
+              </a:ext>
+            </a:extLst>
+          </p:cNvPr>
+          <p:cNvGrpSpPr/>
+          <p:nvPr/>
+        </p:nvGrpSpPr>
+        <p:grpSpPr>
+          <a:xfrm>
+            <a:off x="3741461" y="2818758"/>
+            <a:ext cx="3755254" cy="2749036"/>
+            <a:chOff x="3444536" y="1929496"/>
+            <a:chExt cx="3755254" cy="2749036"/>
+          </a:xfrm>
+        </p:grpSpPr>
+        <p:sp>
+          <p:nvSpPr>
+            <p:cNvPr id="4" name="矩形 3">
+              <a:extLst>
+                <a:ext uri="{FF2B5EF4-FFF2-40B4-BE49-F238E27FC236}">
+                  <a16:creationId xmlns:a16="http://schemas.microsoft.com/office/drawing/2014/main" id="{D389EA15-3F13-40FC-A8B9-4F8187B5349F}"/>
+                </a:ext>
+              </a:extLst>
+            </p:cNvPr>
+            <p:cNvSpPr/>
+            <p:nvPr/>
+          </p:nvSpPr>
+          <p:spPr>
+            <a:xfrm>
+              <a:off x="3444536" y="1929496"/>
+              <a:ext cx="3755254" cy="2749036"/>
+            </a:xfrm>
+            <a:prstGeom prst="rect">
+              <a:avLst/>
+            </a:prstGeom>
+          </p:spPr>
+          <p:style>
+            <a:lnRef idx="1">
+              <a:schemeClr val="accent6"/>
+            </a:lnRef>
+            <a:fillRef idx="2">
+              <a:schemeClr val="accent6"/>
+            </a:fillRef>
+            <a:effectRef idx="1">
+              <a:schemeClr val="accent6"/>
+            </a:effectRef>
+            <a:fontRef idx="minor">
+              <a:schemeClr val="dk1"/>
+            </a:fontRef>
+          </p:style>
+          <p:txBody>
+            <a:bodyPr rtlCol="0" anchor="t"/>
+            <a:lstStyle/>
+            <a:p>
+              <a:pPr algn="ctr"/>
+              <a:r>
+                <a:rPr lang="en-US" altLang="zh-TW" dirty="0"/>
+                <a:t>DDT Application</a:t>
+              </a:r>
+              <a:endParaRPr lang="zh-TW" altLang="en-US" dirty="0"/>
+            </a:p>
+          </p:txBody>
+        </p:sp>
+        <p:sp>
+          <p:nvSpPr>
+            <p:cNvPr id="5" name="矩形 4">
+              <a:extLst>
+                <a:ext uri="{FF2B5EF4-FFF2-40B4-BE49-F238E27FC236}">
+                  <a16:creationId xmlns:a16="http://schemas.microsoft.com/office/drawing/2014/main" id="{E5BF8CC0-E686-4964-A54B-B3437DC224C8}"/>
+                </a:ext>
+              </a:extLst>
+            </p:cNvPr>
+            <p:cNvSpPr/>
+            <p:nvPr/>
+          </p:nvSpPr>
+          <p:spPr>
+            <a:xfrm>
+              <a:off x="3710866" y="2396971"/>
+              <a:ext cx="1440000" cy="900000"/>
+            </a:xfrm>
+            <a:prstGeom prst="rect">
+              <a:avLst/>
+            </a:prstGeom>
+          </p:spPr>
+          <p:style>
+            <a:lnRef idx="1">
+              <a:schemeClr val="accent5"/>
+            </a:lnRef>
+            <a:fillRef idx="2">
+              <a:schemeClr val="accent5"/>
+            </a:fillRef>
+            <a:effectRef idx="1">
+              <a:schemeClr val="accent5"/>
+            </a:effectRef>
+            <a:fontRef idx="minor">
+              <a:schemeClr val="dk1"/>
+            </a:fontRef>
+          </p:style>
+          <p:txBody>
+            <a:bodyPr rtlCol="0" anchor="ctr"/>
+            <a:lstStyle/>
+            <a:p>
+              <a:pPr algn="ctr"/>
+              <a:r>
+                <a:rPr lang="en-US" altLang="zh-TW" dirty="0"/>
+                <a:t>LUA Engine</a:t>
+              </a:r>
+              <a:endParaRPr lang="zh-TW" altLang="en-US" dirty="0"/>
+            </a:p>
+          </p:txBody>
+        </p:sp>
+        <p:sp>
+          <p:nvSpPr>
+            <p:cNvPr id="6" name="矩形 5">
+              <a:extLst>
+                <a:ext uri="{FF2B5EF4-FFF2-40B4-BE49-F238E27FC236}">
+                  <a16:creationId xmlns:a16="http://schemas.microsoft.com/office/drawing/2014/main" id="{D7E482B0-8BC5-4E29-BCF2-86322B5147AA}"/>
+                </a:ext>
+              </a:extLst>
+            </p:cNvPr>
+            <p:cNvSpPr/>
+            <p:nvPr/>
+          </p:nvSpPr>
+          <p:spPr>
+            <a:xfrm>
+              <a:off x="5489362" y="2396971"/>
+              <a:ext cx="1440000" cy="900000"/>
+            </a:xfrm>
+            <a:prstGeom prst="rect">
+              <a:avLst/>
+            </a:prstGeom>
+          </p:spPr>
+          <p:style>
+            <a:lnRef idx="1">
+              <a:schemeClr val="accent5"/>
+            </a:lnRef>
+            <a:fillRef idx="2">
+              <a:schemeClr val="accent5"/>
+            </a:fillRef>
+            <a:effectRef idx="1">
+              <a:schemeClr val="accent5"/>
+            </a:effectRef>
+            <a:fontRef idx="minor">
+              <a:schemeClr val="dk1"/>
+            </a:fontRef>
+          </p:style>
+          <p:txBody>
+            <a:bodyPr rtlCol="0" anchor="ctr"/>
+            <a:lstStyle/>
+            <a:p>
+              <a:pPr algn="ctr"/>
+              <a:r>
+                <a:rPr lang="en-US" altLang="zh-TW" dirty="0"/>
+                <a:t>Predefined LUA scripts</a:t>
+              </a:r>
+              <a:endParaRPr lang="zh-TW" altLang="en-US" dirty="0"/>
+            </a:p>
+          </p:txBody>
+        </p:sp>
+        <p:sp>
+          <p:nvSpPr>
+            <p:cNvPr id="7" name="矩形 6">
+              <a:extLst>
+                <a:ext uri="{FF2B5EF4-FFF2-40B4-BE49-F238E27FC236}">
+                  <a16:creationId xmlns:a16="http://schemas.microsoft.com/office/drawing/2014/main" id="{9D8699EB-09EA-4AF7-B37E-B7701258B51F}"/>
+                </a:ext>
+              </a:extLst>
+            </p:cNvPr>
+            <p:cNvSpPr/>
+            <p:nvPr/>
+          </p:nvSpPr>
+          <p:spPr>
+            <a:xfrm>
+              <a:off x="3710866" y="3533313"/>
+              <a:ext cx="1440000" cy="900000"/>
+            </a:xfrm>
+            <a:prstGeom prst="rect">
+              <a:avLst/>
+            </a:prstGeom>
+          </p:spPr>
+          <p:style>
+            <a:lnRef idx="1">
+              <a:schemeClr val="accent5"/>
+            </a:lnRef>
+            <a:fillRef idx="2">
+              <a:schemeClr val="accent5"/>
+            </a:fillRef>
+            <a:effectRef idx="1">
+              <a:schemeClr val="accent5"/>
+            </a:effectRef>
+            <a:fontRef idx="minor">
+              <a:schemeClr val="dk1"/>
+            </a:fontRef>
+          </p:style>
+          <p:txBody>
+            <a:bodyPr rtlCol="0" anchor="ctr"/>
+            <a:lstStyle/>
+            <a:p>
+              <a:pPr algn="ctr"/>
+              <a:r>
+                <a:rPr lang="en-US" altLang="zh-TW" dirty="0"/>
+                <a:t>Win32 API Wrapper DLL</a:t>
+              </a:r>
+              <a:endParaRPr lang="zh-TW" altLang="en-US" dirty="0"/>
+            </a:p>
+          </p:txBody>
+        </p:sp>
+        <p:sp>
+          <p:nvSpPr>
+            <p:cNvPr id="8" name="矩形 7">
+              <a:extLst>
+                <a:ext uri="{FF2B5EF4-FFF2-40B4-BE49-F238E27FC236}">
+                  <a16:creationId xmlns:a16="http://schemas.microsoft.com/office/drawing/2014/main" id="{DB2D4A19-C78A-4EEB-A9B7-017FDD4DD267}"/>
+                </a:ext>
+              </a:extLst>
+            </p:cNvPr>
+            <p:cNvSpPr/>
+            <p:nvPr/>
+          </p:nvSpPr>
+          <p:spPr>
+            <a:xfrm>
+              <a:off x="5489362" y="3533313"/>
+              <a:ext cx="1440000" cy="900000"/>
+            </a:xfrm>
+            <a:prstGeom prst="rect">
+              <a:avLst/>
+            </a:prstGeom>
+          </p:spPr>
+          <p:style>
+            <a:lnRef idx="1">
+              <a:schemeClr val="accent5"/>
+            </a:lnRef>
+            <a:fillRef idx="2">
+              <a:schemeClr val="accent5"/>
+            </a:fillRef>
+            <a:effectRef idx="1">
+              <a:schemeClr val="accent5"/>
+            </a:effectRef>
+            <a:fontRef idx="minor">
+              <a:schemeClr val="dk1"/>
+            </a:fontRef>
+          </p:style>
+          <p:txBody>
+            <a:bodyPr rtlCol="0" anchor="ctr"/>
+            <a:lstStyle/>
+            <a:p>
+              <a:pPr algn="ctr"/>
+              <a:r>
+                <a:rPr lang="en-US" altLang="zh-TW" dirty="0"/>
+                <a:t>Utility DLL</a:t>
+              </a:r>
+              <a:endParaRPr lang="zh-TW" altLang="en-US" dirty="0"/>
+            </a:p>
+          </p:txBody>
+        </p:sp>
+      </p:grpSp>
+      <p:grpSp>
+        <p:nvGrpSpPr>
+          <p:cNvPr id="15" name="群組 14">
+            <a:extLst>
+              <a:ext uri="{FF2B5EF4-FFF2-40B4-BE49-F238E27FC236}">
+                <a16:creationId xmlns:a16="http://schemas.microsoft.com/office/drawing/2014/main" id="{05D76684-8A0A-483F-B9F6-5E9302432BBA}"/>
+              </a:ext>
+            </a:extLst>
+          </p:cNvPr>
+          <p:cNvGrpSpPr/>
+          <p:nvPr/>
+        </p:nvGrpSpPr>
+        <p:grpSpPr>
+          <a:xfrm>
+            <a:off x="536085" y="2147070"/>
+            <a:ext cx="2160000" cy="4092412"/>
+            <a:chOff x="855681" y="2097088"/>
+            <a:chExt cx="2160000" cy="4092412"/>
+          </a:xfrm>
+        </p:grpSpPr>
+        <p:sp>
+          <p:nvSpPr>
+            <p:cNvPr id="10" name="矩形 9">
+              <a:extLst>
+                <a:ext uri="{FF2B5EF4-FFF2-40B4-BE49-F238E27FC236}">
+                  <a16:creationId xmlns:a16="http://schemas.microsoft.com/office/drawing/2014/main" id="{A302EA7D-BFC1-4CF7-A048-0826805A2129}"/>
+                </a:ext>
+              </a:extLst>
+            </p:cNvPr>
+            <p:cNvSpPr/>
+            <p:nvPr/>
+          </p:nvSpPr>
+          <p:spPr>
+            <a:xfrm>
+              <a:off x="1415883" y="2940191"/>
+              <a:ext cx="1440000" cy="720000"/>
+            </a:xfrm>
+            <a:prstGeom prst="rect">
+              <a:avLst/>
+            </a:prstGeom>
+          </p:spPr>
+          <p:style>
+            <a:lnRef idx="1">
+              <a:schemeClr val="accent4"/>
+            </a:lnRef>
+            <a:fillRef idx="2">
+              <a:schemeClr val="accent4"/>
+            </a:fillRef>
+            <a:effectRef idx="1">
+              <a:schemeClr val="accent4"/>
+            </a:effectRef>
+            <a:fontRef idx="minor">
+              <a:schemeClr val="dk1"/>
+            </a:fontRef>
+          </p:style>
+          <p:txBody>
+            <a:bodyPr rtlCol="0" anchor="ctr"/>
+            <a:lstStyle/>
+            <a:p>
+              <a:pPr algn="ctr"/>
+              <a:r>
+                <a:rPr lang="en-US" altLang="zh-TW" dirty="0"/>
+                <a:t>System Information</a:t>
+              </a:r>
+              <a:endParaRPr lang="zh-TW" altLang="en-US" dirty="0"/>
+            </a:p>
+          </p:txBody>
+        </p:sp>
+        <p:sp>
+          <p:nvSpPr>
+            <p:cNvPr id="11" name="矩形 10">
+              <a:extLst>
+                <a:ext uri="{FF2B5EF4-FFF2-40B4-BE49-F238E27FC236}">
+                  <a16:creationId xmlns:a16="http://schemas.microsoft.com/office/drawing/2014/main" id="{0A4D6999-52DB-47B1-883D-3DAF8C7D9246}"/>
+                </a:ext>
+              </a:extLst>
+            </p:cNvPr>
+            <p:cNvSpPr/>
+            <p:nvPr/>
+          </p:nvSpPr>
+          <p:spPr>
+            <a:xfrm>
+              <a:off x="1247207" y="3783294"/>
+              <a:ext cx="1440000" cy="720000"/>
+            </a:xfrm>
+            <a:prstGeom prst="rect">
+              <a:avLst/>
+            </a:prstGeom>
+          </p:spPr>
+          <p:style>
+            <a:lnRef idx="1">
+              <a:schemeClr val="accent4"/>
+            </a:lnRef>
+            <a:fillRef idx="2">
+              <a:schemeClr val="accent4"/>
+            </a:fillRef>
+            <a:effectRef idx="1">
+              <a:schemeClr val="accent4"/>
+            </a:effectRef>
+            <a:fontRef idx="minor">
+              <a:schemeClr val="dk1"/>
+            </a:fontRef>
+          </p:style>
+          <p:txBody>
+            <a:bodyPr rtlCol="0" anchor="ctr"/>
+            <a:lstStyle/>
+            <a:p>
+              <a:pPr algn="ctr"/>
+              <a:r>
+                <a:rPr lang="en-US" altLang="zh-TW" dirty="0"/>
+                <a:t>Software Log Files</a:t>
+              </a:r>
+              <a:endParaRPr lang="zh-TW" altLang="en-US" dirty="0"/>
+            </a:p>
+          </p:txBody>
+        </p:sp>
+        <p:sp>
+          <p:nvSpPr>
+            <p:cNvPr id="12" name="矩形 11">
+              <a:extLst>
+                <a:ext uri="{FF2B5EF4-FFF2-40B4-BE49-F238E27FC236}">
+                  <a16:creationId xmlns:a16="http://schemas.microsoft.com/office/drawing/2014/main" id="{C8DFABC4-E1EB-4A41-BB3C-5B2098CF38A9}"/>
+                </a:ext>
+              </a:extLst>
+            </p:cNvPr>
+            <p:cNvSpPr/>
+            <p:nvPr/>
+          </p:nvSpPr>
+          <p:spPr>
+            <a:xfrm>
+              <a:off x="1069654" y="4626397"/>
+              <a:ext cx="1440000" cy="720000"/>
+            </a:xfrm>
+            <a:prstGeom prst="rect">
+              <a:avLst/>
+            </a:prstGeom>
+          </p:spPr>
+          <p:style>
+            <a:lnRef idx="1">
+              <a:schemeClr val="accent4"/>
+            </a:lnRef>
+            <a:fillRef idx="2">
+              <a:schemeClr val="accent4"/>
+            </a:fillRef>
+            <a:effectRef idx="1">
+              <a:schemeClr val="accent4"/>
+            </a:effectRef>
+            <a:fontRef idx="minor">
+              <a:schemeClr val="dk1"/>
+            </a:fontRef>
+          </p:style>
+          <p:txBody>
+            <a:bodyPr rtlCol="0" anchor="ctr"/>
+            <a:lstStyle/>
+            <a:p>
+              <a:pPr algn="ctr"/>
+              <a:r>
+                <a:rPr lang="en-US" altLang="zh-TW" dirty="0"/>
+                <a:t>Dump Files</a:t>
+              </a:r>
+              <a:endParaRPr lang="zh-TW" altLang="en-US" dirty="0"/>
+            </a:p>
+          </p:txBody>
+        </p:sp>
+        <p:sp>
+          <p:nvSpPr>
+            <p:cNvPr id="13" name="矩形 12">
+              <a:extLst>
+                <a:ext uri="{FF2B5EF4-FFF2-40B4-BE49-F238E27FC236}">
+                  <a16:creationId xmlns:a16="http://schemas.microsoft.com/office/drawing/2014/main" id="{CFA2FDC7-5F0C-4A1D-AAF0-53D8ACC643C3}"/>
+                </a:ext>
+              </a:extLst>
+            </p:cNvPr>
+            <p:cNvSpPr/>
+            <p:nvPr/>
+          </p:nvSpPr>
+          <p:spPr>
+            <a:xfrm>
+              <a:off x="1575681" y="2097088"/>
+              <a:ext cx="1440000" cy="720000"/>
+            </a:xfrm>
+            <a:prstGeom prst="rect">
+              <a:avLst/>
+            </a:prstGeom>
+          </p:spPr>
+          <p:style>
+            <a:lnRef idx="1">
+              <a:schemeClr val="accent4"/>
+            </a:lnRef>
+            <a:fillRef idx="2">
+              <a:schemeClr val="accent4"/>
+            </a:fillRef>
+            <a:effectRef idx="1">
+              <a:schemeClr val="accent4"/>
+            </a:effectRef>
+            <a:fontRef idx="minor">
+              <a:schemeClr val="dk1"/>
+            </a:fontRef>
+          </p:style>
+          <p:txBody>
+            <a:bodyPr rtlCol="0" anchor="ctr"/>
+            <a:lstStyle/>
+            <a:p>
+              <a:pPr algn="ctr"/>
+              <a:r>
+                <a:rPr lang="en-US" altLang="zh-TW" dirty="0"/>
+                <a:t>System </a:t>
+              </a:r>
+              <a:r>
+                <a:rPr lang="en-US" altLang="zh-TW" dirty="0" err="1"/>
+                <a:t>EventLog</a:t>
+              </a:r>
+              <a:endParaRPr lang="zh-TW" altLang="en-US" dirty="0"/>
+            </a:p>
+          </p:txBody>
+        </p:sp>
+        <p:sp>
+          <p:nvSpPr>
+            <p:cNvPr id="14" name="矩形 13">
+              <a:extLst>
+                <a:ext uri="{FF2B5EF4-FFF2-40B4-BE49-F238E27FC236}">
+                  <a16:creationId xmlns:a16="http://schemas.microsoft.com/office/drawing/2014/main" id="{F29ED022-932C-4B20-AD8B-4F930AE82751}"/>
+                </a:ext>
+              </a:extLst>
+            </p:cNvPr>
+            <p:cNvSpPr/>
+            <p:nvPr/>
+          </p:nvSpPr>
+          <p:spPr>
+            <a:xfrm>
+              <a:off x="855681" y="5469500"/>
+              <a:ext cx="1440000" cy="720000"/>
+            </a:xfrm>
+            <a:prstGeom prst="rect">
+              <a:avLst/>
+            </a:prstGeom>
+          </p:spPr>
+          <p:style>
+            <a:lnRef idx="1">
+              <a:schemeClr val="accent4"/>
+            </a:lnRef>
+            <a:fillRef idx="2">
+              <a:schemeClr val="accent4"/>
+            </a:fillRef>
+            <a:effectRef idx="1">
+              <a:schemeClr val="accent4"/>
+            </a:effectRef>
+            <a:fontRef idx="minor">
+              <a:schemeClr val="dk1"/>
+            </a:fontRef>
+          </p:style>
+          <p:txBody>
+            <a:bodyPr rtlCol="0" anchor="ctr"/>
+            <a:lstStyle/>
+            <a:p>
+              <a:pPr algn="ctr"/>
+              <a:r>
+                <a:rPr lang="en-US" altLang="zh-TW" dirty="0"/>
+                <a:t>Process Monitor</a:t>
+              </a:r>
+              <a:endParaRPr lang="zh-TW" altLang="en-US" dirty="0"/>
+            </a:p>
+          </p:txBody>
+        </p:sp>
+      </p:grpSp>
+      <p:sp>
+        <p:nvSpPr>
+          <p:cNvPr id="16" name="箭號: 向右 15">
+            <a:extLst>
+              <a:ext uri="{FF2B5EF4-FFF2-40B4-BE49-F238E27FC236}">
+                <a16:creationId xmlns:a16="http://schemas.microsoft.com/office/drawing/2014/main" id="{5BD41D6A-7DB0-4DFF-B226-785562D9CF57}"/>
+              </a:ext>
+            </a:extLst>
+          </p:cNvPr>
+          <p:cNvSpPr/>
+          <p:nvPr/>
+        </p:nvSpPr>
+        <p:spPr>
+          <a:xfrm>
+            <a:off x="2801879" y="3911768"/>
+            <a:ext cx="713678" cy="523783"/>
+          </a:xfrm>
+          <a:prstGeom prst="rightArrow">
+            <a:avLst/>
+          </a:prstGeom>
+        </p:spPr>
+        <p:style>
+          <a:lnRef idx="1">
+            <a:schemeClr val="dk1"/>
+          </a:lnRef>
+          <a:fillRef idx="2">
+            <a:schemeClr val="dk1"/>
+          </a:fillRef>
+          <a:effectRef idx="1">
+            <a:schemeClr val="dk1"/>
+          </a:effectRef>
+          <a:fontRef idx="minor">
+            <a:schemeClr val="dk1"/>
+          </a:fontRef>
+        </p:style>
+        <p:txBody>
+          <a:bodyPr rtlCol="0" anchor="ctr"/>
+          <a:lstStyle/>
+          <a:p>
+            <a:pPr algn="ctr"/>
             <a:endParaRPr lang="zh-TW" altLang="en-US"/>
+          </a:p>
+        </p:txBody>
+      </p:sp>
+      <p:sp>
+        <p:nvSpPr>
+          <p:cNvPr id="17" name="箭號: 向右 16">
+            <a:extLst>
+              <a:ext uri="{FF2B5EF4-FFF2-40B4-BE49-F238E27FC236}">
+                <a16:creationId xmlns:a16="http://schemas.microsoft.com/office/drawing/2014/main" id="{B2CC225E-30EF-4ACB-ACEA-0C06D7FA6C13}"/>
+              </a:ext>
+            </a:extLst>
+          </p:cNvPr>
+          <p:cNvSpPr/>
+          <p:nvPr/>
+        </p:nvSpPr>
+        <p:spPr>
+          <a:xfrm>
+            <a:off x="7897661" y="3911768"/>
+            <a:ext cx="713678" cy="523783"/>
+          </a:xfrm>
+          <a:prstGeom prst="rightArrow">
+            <a:avLst/>
+          </a:prstGeom>
+        </p:spPr>
+        <p:style>
+          <a:lnRef idx="1">
+            <a:schemeClr val="dk1"/>
+          </a:lnRef>
+          <a:fillRef idx="2">
+            <a:schemeClr val="dk1"/>
+          </a:fillRef>
+          <a:effectRef idx="1">
+            <a:schemeClr val="dk1"/>
+          </a:effectRef>
+          <a:fontRef idx="minor">
+            <a:schemeClr val="dk1"/>
+          </a:fontRef>
+        </p:style>
+        <p:txBody>
+          <a:bodyPr rtlCol="0" anchor="ctr"/>
+          <a:lstStyle/>
+          <a:p>
+            <a:pPr algn="ctr"/>
+            <a:endParaRPr lang="zh-TW" altLang="en-US"/>
+          </a:p>
+        </p:txBody>
+      </p:sp>
+      <p:sp>
+        <p:nvSpPr>
+          <p:cNvPr id="18" name="矩形 17">
+            <a:extLst>
+              <a:ext uri="{FF2B5EF4-FFF2-40B4-BE49-F238E27FC236}">
+                <a16:creationId xmlns:a16="http://schemas.microsoft.com/office/drawing/2014/main" id="{ED0ABA6D-E9EB-4317-9B35-B13C0C31A682}"/>
+              </a:ext>
+            </a:extLst>
+          </p:cNvPr>
+          <p:cNvSpPr/>
+          <p:nvPr/>
+        </p:nvSpPr>
+        <p:spPr>
+          <a:xfrm>
+            <a:off x="8900787" y="3453991"/>
+            <a:ext cx="2146624" cy="1478569"/>
+          </a:xfrm>
+          <a:prstGeom prst="rect">
+            <a:avLst/>
+          </a:prstGeom>
+        </p:spPr>
+        <p:style>
+          <a:lnRef idx="1">
+            <a:schemeClr val="accent4"/>
+          </a:lnRef>
+          <a:fillRef idx="2">
+            <a:schemeClr val="accent4"/>
+          </a:fillRef>
+          <a:effectRef idx="1">
+            <a:schemeClr val="accent4"/>
+          </a:effectRef>
+          <a:fontRef idx="minor">
+            <a:schemeClr val="dk1"/>
+          </a:fontRef>
+        </p:style>
+        <p:txBody>
+          <a:bodyPr rtlCol="0" anchor="ctr"/>
+          <a:lstStyle/>
+          <a:p>
+            <a:pPr algn="ctr"/>
+            <a:r>
+              <a:rPr lang="en-US" altLang="zh-TW" dirty="0"/>
+              <a:t>Saved Files</a:t>
+            </a:r>
+          </a:p>
+          <a:p>
+            <a:pPr algn="ctr"/>
+            <a:r>
+              <a:rPr lang="en-US" altLang="zh-TW" dirty="0"/>
+              <a:t>(in zip)</a:t>
+            </a:r>
+            <a:endParaRPr lang="zh-TW" altLang="en-US" dirty="0"/>
           </a:p>
         </p:txBody>
       </p:sp>
     </p:spTree>
     <p:extLst>
       <p:ext uri="{BB962C8B-B14F-4D97-AF65-F5344CB8AC3E}">
-        <p14:creationId xmlns:p14="http://schemas.microsoft.com/office/powerpoint/2010/main" val="1654143787"/>
+        <p14:creationId xmlns:p14="http://schemas.microsoft.com/office/powerpoint/2010/main" val="3654112068"/>
       </p:ext>
     </p:extLst>
   </p:cSld>
@@ -12764,7 +13530,13 @@
       </p:grpSpPr>
       <p:sp>
         <p:nvSpPr>
-          <p:cNvPr id="2" name="標題 1"/>
+          <p:cNvPr id="2" name="標題 1">
+            <a:extLst>
+              <a:ext uri="{FF2B5EF4-FFF2-40B4-BE49-F238E27FC236}">
+                <a16:creationId xmlns:a16="http://schemas.microsoft.com/office/drawing/2014/main" id="{2766C60E-DA1A-4964-BACD-0B67E704342E}"/>
+              </a:ext>
+            </a:extLst>
+          </p:cNvPr>
           <p:cNvSpPr>
             <a:spLocks noGrp="1"/>
           </p:cNvSpPr>
@@ -12778,16 +13550,22 @@
           <a:lstStyle/>
           <a:p>
             <a:r>
-              <a:rPr lang="en-US" altLang="zh-TW" smtClean="0"/>
-              <a:t>Features</a:t>
+              <a:rPr lang="en-US" altLang="zh-TW" dirty="0"/>
+              <a:t>Concept</a:t>
             </a:r>
-            <a:endParaRPr lang="zh-TW" altLang="en-US"/>
+            <a:endParaRPr lang="zh-TW" altLang="en-US" dirty="0"/>
           </a:p>
         </p:txBody>
       </p:sp>
       <p:sp>
         <p:nvSpPr>
-          <p:cNvPr id="3" name="內容版面配置區 2"/>
+          <p:cNvPr id="3" name="內容版面配置區 2">
+            <a:extLst>
+              <a:ext uri="{FF2B5EF4-FFF2-40B4-BE49-F238E27FC236}">
+                <a16:creationId xmlns:a16="http://schemas.microsoft.com/office/drawing/2014/main" id="{8F81CCB6-CBD6-4376-81AF-27430E03EE6A}"/>
+              </a:ext>
+            </a:extLst>
+          </p:cNvPr>
           <p:cNvSpPr>
             <a:spLocks noGrp="1"/>
           </p:cNvSpPr>
@@ -12797,99 +13575,51 @@
         </p:nvSpPr>
         <p:spPr/>
         <p:txBody>
-          <a:bodyPr>
-            <a:normAutofit fontScale="85000" lnSpcReduction="20000"/>
-          </a:bodyPr>
+          <a:bodyPr/>
           <a:lstStyle/>
           <a:p>
             <a:r>
-              <a:rPr lang="en-US" altLang="zh-TW"/>
-              <a:t>Software </a:t>
+              <a:rPr lang="en-US" altLang="zh-TW" dirty="0"/>
+              <a:t>Entire engine built by </a:t>
             </a:r>
             <a:r>
-              <a:rPr lang="en-US" altLang="zh-TW" smtClean="0"/>
-              <a:t>log and dump</a:t>
+              <a:rPr lang="en-US" altLang="zh-TW" dirty="0" err="1"/>
+              <a:t>MoonSharp</a:t>
             </a:r>
-            <a:endParaRPr lang="en-US" altLang="zh-TW"/>
+            <a:r>
+              <a:rPr lang="en-US" altLang="zh-TW" dirty="0"/>
+              <a:t> (LUA for C#)</a:t>
+            </a:r>
+          </a:p>
+          <a:p>
+            <a:r>
+              <a:rPr lang="en-US" altLang="zh-TW" dirty="0"/>
+              <a:t>Predefine some tasks to collect windows common information</a:t>
+            </a:r>
           </a:p>
           <a:p>
             <a:pPr lvl="1"/>
             <a:r>
-              <a:rPr lang="en-US" altLang="zh-TW" smtClean="0"/>
-              <a:t>collect application log</a:t>
+              <a:rPr lang="en-US" altLang="zh-TW" dirty="0"/>
+              <a:t>Predefined tasks are built by LUA script</a:t>
             </a:r>
           </a:p>
           <a:p>
-            <a:pPr lvl="1"/>
             <a:r>
-              <a:rPr lang="en-US" altLang="zh-TW" smtClean="0"/>
-              <a:t>collect dump file of application</a:t>
+              <a:rPr lang="en-US" altLang="zh-TW" dirty="0"/>
+              <a:t>Provide utility functions to simplify complicate tasks</a:t>
             </a:r>
-            <a:endParaRPr lang="en-US" altLang="zh-TW"/>
-          </a:p>
-          <a:p>
-            <a:pPr lvl="1"/>
-            <a:endParaRPr lang="en-US" altLang="zh-TW"/>
-          </a:p>
-          <a:p>
-            <a:r>
-              <a:rPr lang="en-US" altLang="zh-TW" smtClean="0"/>
-              <a:t>Collect System log</a:t>
-            </a:r>
-          </a:p>
-          <a:p>
-            <a:pPr lvl="1"/>
-            <a:r>
-              <a:rPr lang="en-US" altLang="zh-TW" smtClean="0"/>
-              <a:t>System event log : Applications, Security, Installation, and System events.</a:t>
-            </a:r>
-          </a:p>
-          <a:p>
-            <a:pPr lvl="1"/>
-            <a:r>
-              <a:rPr lang="en-US" altLang="zh-TW"/>
-              <a:t>c</a:t>
-            </a:r>
-            <a:r>
-              <a:rPr lang="en-US" altLang="zh-TW"/>
-              <a:t>:\</a:t>
-            </a:r>
-            <a:r>
-              <a:rPr lang="en-US" altLang="zh-TW" smtClean="0"/>
-              <a:t>windows\inf\setupapi.dev.log</a:t>
-            </a:r>
-          </a:p>
-          <a:p>
-            <a:pPr lvl="1"/>
-            <a:endParaRPr lang="en-US" altLang="zh-TW"/>
-          </a:p>
-          <a:p>
-            <a:r>
-              <a:rPr lang="en-US" altLang="zh-TW" smtClean="0"/>
-              <a:t>Collect system information </a:t>
-            </a:r>
-          </a:p>
-          <a:p>
-            <a:pPr lvl="1"/>
-            <a:r>
-              <a:rPr lang="en-US" altLang="zh-TW" smtClean="0"/>
-              <a:t>export </a:t>
-            </a:r>
-            <a:r>
-              <a:rPr lang="en-US" altLang="zh-TW" smtClean="0"/>
-              <a:t>MSinfo32 to TXT</a:t>
-            </a:r>
-          </a:p>
-          <a:p>
-            <a:pPr lvl="1"/>
-            <a:endParaRPr lang="zh-TW" altLang="en-US"/>
+            <a:endParaRPr lang="zh-TW" altLang="en-US" dirty="0"/>
+          </a:p>
+          <a:p>
+            <a:endParaRPr lang="zh-TW" altLang="en-US" dirty="0"/>
           </a:p>
         </p:txBody>
       </p:sp>
     </p:spTree>
     <p:extLst>
       <p:ext uri="{BB962C8B-B14F-4D97-AF65-F5344CB8AC3E}">
-        <p14:creationId xmlns:p14="http://schemas.microsoft.com/office/powerpoint/2010/main" val="3332111059"/>
+        <p14:creationId xmlns:p14="http://schemas.microsoft.com/office/powerpoint/2010/main" val="2216338599"/>
       </p:ext>
     </p:extLst>
   </p:cSld>
@@ -12951,27 +13681,73 @@
         </p:nvSpPr>
         <p:spPr/>
         <p:txBody>
-          <a:bodyPr/>
+          <a:bodyPr>
+            <a:normAutofit fontScale="85000" lnSpcReduction="20000"/>
+          </a:bodyPr>
           <a:lstStyle/>
           <a:p>
             <a:r>
-              <a:rPr lang="en-US" altLang="zh-TW" smtClean="0"/>
-              <a:t>Extensible Collector Script</a:t>
+              <a:rPr lang="en-US" altLang="zh-TW"/>
+              <a:t>Software log and dump</a:t>
             </a:r>
           </a:p>
           <a:p>
             <a:pPr lvl="1"/>
             <a:r>
-              <a:rPr lang="en-US" altLang="zh-TW" smtClean="0"/>
-              <a:t>LUA script</a:t>
+              <a:rPr lang="en-US" altLang="zh-TW"/>
+              <a:t>collect application log</a:t>
             </a:r>
           </a:p>
           <a:p>
             <a:pPr lvl="1"/>
             <a:r>
-              <a:rPr lang="en-US" altLang="zh-TW" smtClean="0"/>
-              <a:t>collect anything you want</a:t>
+              <a:rPr lang="en-US" altLang="zh-TW"/>
+              <a:t>collect dump file of application</a:t>
             </a:r>
+          </a:p>
+          <a:p>
+            <a:pPr lvl="1"/>
+            <a:endParaRPr lang="en-US" altLang="zh-TW"/>
+          </a:p>
+          <a:p>
+            <a:r>
+              <a:rPr lang="en-US" altLang="zh-TW"/>
+              <a:t>Collect System log</a:t>
+            </a:r>
+          </a:p>
+          <a:p>
+            <a:pPr lvl="1"/>
+            <a:r>
+              <a:rPr lang="en-US" altLang="zh-TW"/>
+              <a:t>System event log : Applications, Security, Installation, and System events.</a:t>
+            </a:r>
+          </a:p>
+          <a:p>
+            <a:pPr lvl="1"/>
+            <a:r>
+              <a:rPr lang="en-US" altLang="zh-TW"/>
+              <a:t>c:\windows\inf\setupapi.dev.log</a:t>
+            </a:r>
+          </a:p>
+          <a:p>
+            <a:pPr lvl="1"/>
+            <a:endParaRPr lang="en-US" altLang="zh-TW"/>
+          </a:p>
+          <a:p>
+            <a:r>
+              <a:rPr lang="en-US" altLang="zh-TW"/>
+              <a:t>Collect system information </a:t>
+            </a:r>
+          </a:p>
+          <a:p>
+            <a:pPr lvl="1"/>
+            <a:r>
+              <a:rPr lang="en-US" altLang="zh-TW"/>
+              <a:t>export MSinfo32 to TXT</a:t>
+            </a:r>
+          </a:p>
+          <a:p>
+            <a:pPr lvl="1"/>
             <a:endParaRPr lang="zh-TW" altLang="en-US"/>
           </a:p>
         </p:txBody>
@@ -12979,7 +13755,7 @@
     </p:spTree>
     <p:extLst>
       <p:ext uri="{BB962C8B-B14F-4D97-AF65-F5344CB8AC3E}">
-        <p14:creationId xmlns:p14="http://schemas.microsoft.com/office/powerpoint/2010/main" val="2582501614"/>
+        <p14:creationId xmlns:p14="http://schemas.microsoft.com/office/powerpoint/2010/main" val="3332111059"/>
       </p:ext>
     </p:extLst>
   </p:cSld>
@@ -13021,6 +13797,10 @@
           <a:bodyPr/>
           <a:lstStyle/>
           <a:p>
+            <a:r>
+              <a:rPr lang="en-US" altLang="zh-TW"/>
+              <a:t>Features</a:t>
+            </a:r>
             <a:endParaRPr lang="zh-TW" altLang="en-US"/>
           </a:p>
         </p:txBody>
@@ -13040,14 +13820,64 @@
           <a:bodyPr/>
           <a:lstStyle/>
           <a:p>
-            <a:endParaRPr lang="zh-TW" altLang="en-US"/>
+            <a:r>
+              <a:rPr lang="en-US" altLang="zh-TW" dirty="0" err="1"/>
+              <a:t>ProcessMonitor</a:t>
+            </a:r>
+            <a:r>
+              <a:rPr lang="en-US" altLang="zh-TW" dirty="0"/>
+              <a:t> task</a:t>
+            </a:r>
+          </a:p>
+          <a:p>
+            <a:pPr lvl="1"/>
+            <a:r>
+              <a:rPr lang="en-US" altLang="zh-TW" dirty="0"/>
+              <a:t>launch </a:t>
+            </a:r>
+            <a:r>
+              <a:rPr lang="en-US" altLang="zh-TW" dirty="0" err="1"/>
+              <a:t>ProcMon</a:t>
+            </a:r>
+            <a:r>
+              <a:rPr lang="en-US" altLang="zh-TW" dirty="0"/>
+              <a:t> and close it in specified time</a:t>
+            </a:r>
+          </a:p>
+          <a:p>
+            <a:pPr lvl="1"/>
+            <a:r>
+              <a:rPr lang="en-US" altLang="zh-TW" dirty="0"/>
+              <a:t>launch with specified process at same time</a:t>
+            </a:r>
+          </a:p>
+          <a:p>
+            <a:r>
+              <a:rPr lang="en-US" altLang="zh-TW" dirty="0"/>
+              <a:t>.NET </a:t>
+            </a:r>
+            <a:r>
+              <a:rPr lang="en-US" altLang="zh-TW" dirty="0" err="1"/>
+              <a:t>dll</a:t>
+            </a:r>
+            <a:r>
+              <a:rPr lang="en-US" altLang="zh-TW" dirty="0"/>
+              <a:t> collection</a:t>
+            </a:r>
+          </a:p>
+          <a:p>
+            <a:pPr lvl="1"/>
+            <a:r>
+              <a:rPr lang="en-US" altLang="zh-TW" dirty="0"/>
+              <a:t>for .NET dump analysis</a:t>
+            </a:r>
           </a:p>
         </p:txBody>
       </p:sp>
     </p:spTree>
     <p:extLst>
       <p:ext uri="{BB962C8B-B14F-4D97-AF65-F5344CB8AC3E}">
-        <p14:creationId xmlns:p14="http://schemas.microsoft.com/office/powerpoint/2010/main" val="521155962"/>
+        <p14:creationId xmlns:p14="http://schemas.microsoft.com/office/powerpoint/2010/main" val="2582501614"/>
       </p:ext>
     </p:extLst>
   </p:cSld>
@@ -13089,6 +13919,10 @@
           <a:bodyPr/>
           <a:lstStyle/>
           <a:p>
+            <a:r>
+              <a:rPr lang="en-US" altLang="zh-TW"/>
+              <a:t>Features</a:t>
+            </a:r>
             <a:endParaRPr lang="zh-TW" altLang="en-US"/>
           </a:p>
         </p:txBody>
@@ -13108,14 +13942,42 @@
           <a:bodyPr/>
           <a:lstStyle/>
           <a:p>
-            <a:endParaRPr lang="zh-TW" altLang="en-US"/>
+            <a:r>
+              <a:rPr lang="en-US" altLang="zh-TW" dirty="0"/>
+              <a:t>Extensible Collector Script</a:t>
+            </a:r>
+          </a:p>
+          <a:p>
+            <a:pPr lvl="1"/>
+            <a:r>
+              <a:rPr lang="en-US" altLang="zh-TW" dirty="0"/>
+              <a:t>LUA script</a:t>
+            </a:r>
+          </a:p>
+          <a:p>
+            <a:pPr lvl="1"/>
+            <a:r>
+              <a:rPr lang="en-US" altLang="zh-TW" dirty="0"/>
+              <a:t>collect anything you want</a:t>
+            </a:r>
+          </a:p>
+          <a:p>
+            <a:pPr lvl="1"/>
+            <a:endParaRPr lang="en-US" altLang="zh-TW" dirty="0"/>
+          </a:p>
+          <a:p>
+            <a:r>
+              <a:rPr lang="en-US" altLang="zh-TW" dirty="0"/>
+              <a:t>All saved file are zipped into 1 file</a:t>
+            </a:r>
+            <a:endParaRPr lang="zh-TW" altLang="en-US" dirty="0"/>
           </a:p>
         </p:txBody>
       </p:sp>
     </p:spTree>
     <p:extLst>
       <p:ext uri="{BB962C8B-B14F-4D97-AF65-F5344CB8AC3E}">
-        <p14:creationId xmlns:p14="http://schemas.microsoft.com/office/powerpoint/2010/main" val="2095140788"/>
+        <p14:creationId xmlns:p14="http://schemas.microsoft.com/office/powerpoint/2010/main" val="2531821686"/>
       </p:ext>
     </p:extLst>
   </p:cSld>
@@ -13157,7 +14019,11 @@
           <a:bodyPr/>
           <a:lstStyle/>
           <a:p>
-            <a:endParaRPr lang="zh-TW" altLang="en-US"/>
+            <a:r>
+              <a:rPr lang="en-US" altLang="zh-TW" dirty="0"/>
+              <a:t>Flow Definition</a:t>
+            </a:r>
+            <a:endParaRPr lang="zh-TW" altLang="en-US" dirty="0"/>
           </a:p>
         </p:txBody>
       </p:sp>
@@ -13176,14 +14042,39 @@
           <a:bodyPr/>
           <a:lstStyle/>
           <a:p>
-            <a:endParaRPr lang="zh-TW" altLang="en-US"/>
+            <a:r>
+              <a:rPr lang="en-US" altLang="zh-TW" dirty="0"/>
+              <a:t>100 tasks max</a:t>
+            </a:r>
+          </a:p>
+          <a:p>
+            <a:r>
+              <a:rPr lang="en-US" altLang="zh-TW" dirty="0"/>
+              <a:t>predefined task to collect common windows information</a:t>
+            </a:r>
+          </a:p>
+          <a:p>
+            <a:r>
+              <a:rPr lang="en-US" altLang="zh-TW" dirty="0"/>
+              <a:t>select task on UI</a:t>
+            </a:r>
+          </a:p>
+          <a:p>
+            <a:pPr lvl="1"/>
+            <a:r>
+              <a:rPr lang="en-US" altLang="zh-TW" dirty="0"/>
+              <a:t>support config definition in future</a:t>
+            </a:r>
+          </a:p>
+          <a:p>
+            <a:endParaRPr lang="zh-TW" altLang="en-US" dirty="0"/>
           </a:p>
         </p:txBody>
       </p:sp>
     </p:spTree>
     <p:extLst>
       <p:ext uri="{BB962C8B-B14F-4D97-AF65-F5344CB8AC3E}">
-        <p14:creationId xmlns:p14="http://schemas.microsoft.com/office/powerpoint/2010/main" val="1077137388"/>
+        <p14:creationId xmlns:p14="http://schemas.microsoft.com/office/powerpoint/2010/main" val="521155962"/>
       </p:ext>
     </p:extLst>
   </p:cSld>
@@ -13225,7 +14116,11 @@
           <a:bodyPr/>
           <a:lstStyle/>
           <a:p>
-            <a:endParaRPr lang="zh-TW" altLang="en-US"/>
+            <a:r>
+              <a:rPr lang="en-US" altLang="zh-TW" dirty="0"/>
+              <a:t>Flow Definition</a:t>
+            </a:r>
+            <a:endParaRPr lang="zh-TW" altLang="en-US" dirty="0"/>
           </a:p>
         </p:txBody>
       </p:sp>
@@ -13244,6 +14139,502 @@
           <a:bodyPr/>
           <a:lstStyle/>
           <a:p>
+            <a:endParaRPr lang="zh-TW" altLang="en-US" dirty="0"/>
+          </a:p>
+        </p:txBody>
+      </p:sp>
+      <p:sp>
+        <p:nvSpPr>
+          <p:cNvPr id="4" name="矩形 3">
+            <a:extLst>
+              <a:ext uri="{FF2B5EF4-FFF2-40B4-BE49-F238E27FC236}">
+                <a16:creationId xmlns:a16="http://schemas.microsoft.com/office/drawing/2014/main" id="{D90DFAC8-899E-4D7B-B1C0-7415BC96B3AA}"/>
+              </a:ext>
+            </a:extLst>
+          </p:cNvPr>
+          <p:cNvSpPr/>
+          <p:nvPr/>
+        </p:nvSpPr>
+        <p:spPr>
+          <a:xfrm>
+            <a:off x="1766656" y="3293616"/>
+            <a:ext cx="1305018" cy="1003176"/>
+          </a:xfrm>
+          <a:prstGeom prst="rect">
+            <a:avLst/>
+          </a:prstGeom>
+        </p:spPr>
+        <p:style>
+          <a:lnRef idx="2">
+            <a:schemeClr val="accent1">
+              <a:shade val="50000"/>
+            </a:schemeClr>
+          </a:lnRef>
+          <a:fillRef idx="1">
+            <a:schemeClr val="accent1"/>
+          </a:fillRef>
+          <a:effectRef idx="0">
+            <a:schemeClr val="accent1"/>
+          </a:effectRef>
+          <a:fontRef idx="minor">
+            <a:schemeClr val="lt1"/>
+          </a:fontRef>
+        </p:style>
+        <p:txBody>
+          <a:bodyPr rtlCol="0" anchor="ctr"/>
+          <a:lstStyle/>
+          <a:p>
+            <a:pPr algn="ctr"/>
+            <a:r>
+              <a:rPr lang="en-US" altLang="zh-TW" dirty="0"/>
+              <a:t>DDT</a:t>
+            </a:r>
+            <a:endParaRPr lang="zh-TW" altLang="en-US" dirty="0"/>
+          </a:p>
+        </p:txBody>
+      </p:sp>
+      <p:grpSp>
+        <p:nvGrpSpPr>
+          <p:cNvPr id="14" name="群組 13">
+            <a:extLst>
+              <a:ext uri="{FF2B5EF4-FFF2-40B4-BE49-F238E27FC236}">
+                <a16:creationId xmlns:a16="http://schemas.microsoft.com/office/drawing/2014/main" id="{98E4BE51-7776-47BE-BAA9-F395DCE1F424}"/>
+              </a:ext>
+            </a:extLst>
+          </p:cNvPr>
+          <p:cNvGrpSpPr/>
+          <p:nvPr/>
+        </p:nvGrpSpPr>
+        <p:grpSpPr>
+          <a:xfrm>
+            <a:off x="4128116" y="2507943"/>
+            <a:ext cx="1553594" cy="1246453"/>
+            <a:chOff x="4128116" y="2507943"/>
+            <a:chExt cx="1553594" cy="1246453"/>
+          </a:xfrm>
+        </p:grpSpPr>
+        <p:sp>
+          <p:nvSpPr>
+            <p:cNvPr id="5" name="矩形 4">
+              <a:extLst>
+                <a:ext uri="{FF2B5EF4-FFF2-40B4-BE49-F238E27FC236}">
+                  <a16:creationId xmlns:a16="http://schemas.microsoft.com/office/drawing/2014/main" id="{058C88D8-D013-49C4-9257-112DA8A8AC22}"/>
+                </a:ext>
+              </a:extLst>
+            </p:cNvPr>
+            <p:cNvSpPr/>
+            <p:nvPr/>
+          </p:nvSpPr>
+          <p:spPr>
+            <a:xfrm>
+              <a:off x="4128116" y="2507943"/>
+              <a:ext cx="1305018" cy="1003176"/>
+            </a:xfrm>
+            <a:prstGeom prst="rect">
+              <a:avLst/>
+            </a:prstGeom>
+          </p:spPr>
+          <p:style>
+            <a:lnRef idx="2">
+              <a:schemeClr val="accent1">
+                <a:shade val="50000"/>
+              </a:schemeClr>
+            </a:lnRef>
+            <a:fillRef idx="1">
+              <a:schemeClr val="accent1"/>
+            </a:fillRef>
+            <a:effectRef idx="0">
+              <a:schemeClr val="accent1"/>
+            </a:effectRef>
+            <a:fontRef idx="minor">
+              <a:schemeClr val="lt1"/>
+            </a:fontRef>
+          </p:style>
+          <p:txBody>
+            <a:bodyPr rtlCol="0" anchor="ctr"/>
+            <a:lstStyle/>
+            <a:p>
+              <a:pPr algn="ctr"/>
+              <a:r>
+                <a:rPr lang="en-US" altLang="zh-TW" dirty="0" err="1"/>
+                <a:t>PreDefined</a:t>
+              </a:r>
+              <a:r>
+                <a:rPr lang="en-US" altLang="zh-TW" dirty="0"/>
+                <a:t> Task</a:t>
+              </a:r>
+              <a:endParaRPr lang="zh-TW" altLang="en-US" dirty="0"/>
+            </a:p>
+          </p:txBody>
+        </p:sp>
+        <p:sp>
+          <p:nvSpPr>
+            <p:cNvPr id="9" name="矩形 8">
+              <a:extLst>
+                <a:ext uri="{FF2B5EF4-FFF2-40B4-BE49-F238E27FC236}">
+                  <a16:creationId xmlns:a16="http://schemas.microsoft.com/office/drawing/2014/main" id="{7538C802-4BD1-4147-8A9E-63918AA2CE31}"/>
+                </a:ext>
+              </a:extLst>
+            </p:cNvPr>
+            <p:cNvSpPr/>
+            <p:nvPr/>
+          </p:nvSpPr>
+          <p:spPr>
+            <a:xfrm>
+              <a:off x="4252404" y="2615954"/>
+              <a:ext cx="1305018" cy="1003176"/>
+            </a:xfrm>
+            <a:prstGeom prst="rect">
+              <a:avLst/>
+            </a:prstGeom>
+          </p:spPr>
+          <p:style>
+            <a:lnRef idx="2">
+              <a:schemeClr val="accent1">
+                <a:shade val="50000"/>
+              </a:schemeClr>
+            </a:lnRef>
+            <a:fillRef idx="1">
+              <a:schemeClr val="accent1"/>
+            </a:fillRef>
+            <a:effectRef idx="0">
+              <a:schemeClr val="accent1"/>
+            </a:effectRef>
+            <a:fontRef idx="minor">
+              <a:schemeClr val="lt1"/>
+            </a:fontRef>
+          </p:style>
+          <p:txBody>
+            <a:bodyPr rtlCol="0" anchor="ctr"/>
+            <a:lstStyle/>
+            <a:p>
+              <a:pPr algn="ctr"/>
+              <a:r>
+                <a:rPr lang="en-US" altLang="zh-TW" dirty="0" err="1"/>
+                <a:t>PreDefined</a:t>
+              </a:r>
+              <a:r>
+                <a:rPr lang="en-US" altLang="zh-TW" dirty="0"/>
+                <a:t> Task</a:t>
+              </a:r>
+              <a:endParaRPr lang="zh-TW" altLang="en-US" dirty="0"/>
+            </a:p>
+          </p:txBody>
+        </p:sp>
+        <p:sp>
+          <p:nvSpPr>
+            <p:cNvPr id="10" name="矩形 9">
+              <a:extLst>
+                <a:ext uri="{FF2B5EF4-FFF2-40B4-BE49-F238E27FC236}">
+                  <a16:creationId xmlns:a16="http://schemas.microsoft.com/office/drawing/2014/main" id="{FAB9227B-891E-4017-B798-AB53FCB0958B}"/>
+                </a:ext>
+              </a:extLst>
+            </p:cNvPr>
+            <p:cNvSpPr/>
+            <p:nvPr/>
+          </p:nvSpPr>
+          <p:spPr>
+            <a:xfrm>
+              <a:off x="4376692" y="2751220"/>
+              <a:ext cx="1305018" cy="1003176"/>
+            </a:xfrm>
+            <a:prstGeom prst="rect">
+              <a:avLst/>
+            </a:prstGeom>
+          </p:spPr>
+          <p:style>
+            <a:lnRef idx="2">
+              <a:schemeClr val="accent1">
+                <a:shade val="50000"/>
+              </a:schemeClr>
+            </a:lnRef>
+            <a:fillRef idx="1">
+              <a:schemeClr val="accent1"/>
+            </a:fillRef>
+            <a:effectRef idx="0">
+              <a:schemeClr val="accent1"/>
+            </a:effectRef>
+            <a:fontRef idx="minor">
+              <a:schemeClr val="lt1"/>
+            </a:fontRef>
+          </p:style>
+          <p:txBody>
+            <a:bodyPr rtlCol="0" anchor="ctr"/>
+            <a:lstStyle/>
+            <a:p>
+              <a:pPr algn="ctr"/>
+              <a:r>
+                <a:rPr lang="en-US" altLang="zh-TW" dirty="0" err="1"/>
+                <a:t>PreDefined</a:t>
+              </a:r>
+              <a:r>
+                <a:rPr lang="en-US" altLang="zh-TW" dirty="0"/>
+                <a:t> Task</a:t>
+              </a:r>
+              <a:endParaRPr lang="zh-TW" altLang="en-US" dirty="0"/>
+            </a:p>
+          </p:txBody>
+        </p:sp>
+      </p:grpSp>
+      <p:grpSp>
+        <p:nvGrpSpPr>
+          <p:cNvPr id="13" name="群組 12">
+            <a:extLst>
+              <a:ext uri="{FF2B5EF4-FFF2-40B4-BE49-F238E27FC236}">
+                <a16:creationId xmlns:a16="http://schemas.microsoft.com/office/drawing/2014/main" id="{34D6074E-69A1-4812-8589-42913B3F4D34}"/>
+              </a:ext>
+            </a:extLst>
+          </p:cNvPr>
+          <p:cNvGrpSpPr/>
+          <p:nvPr/>
+        </p:nvGrpSpPr>
+        <p:grpSpPr>
+          <a:xfrm>
+            <a:off x="4119238" y="4059820"/>
+            <a:ext cx="1553594" cy="1290690"/>
+            <a:chOff x="4128116" y="4229980"/>
+            <a:chExt cx="1553594" cy="1290690"/>
+          </a:xfrm>
+        </p:grpSpPr>
+        <p:sp>
+          <p:nvSpPr>
+            <p:cNvPr id="6" name="矩形 5">
+              <a:extLst>
+                <a:ext uri="{FF2B5EF4-FFF2-40B4-BE49-F238E27FC236}">
+                  <a16:creationId xmlns:a16="http://schemas.microsoft.com/office/drawing/2014/main" id="{D288B961-45C9-4053-B602-9543FFF2F87F}"/>
+                </a:ext>
+              </a:extLst>
+            </p:cNvPr>
+            <p:cNvSpPr/>
+            <p:nvPr/>
+          </p:nvSpPr>
+          <p:spPr>
+            <a:xfrm>
+              <a:off x="4128116" y="4517494"/>
+              <a:ext cx="1305018" cy="1003176"/>
+            </a:xfrm>
+            <a:prstGeom prst="rect">
+              <a:avLst/>
+            </a:prstGeom>
+          </p:spPr>
+          <p:style>
+            <a:lnRef idx="2">
+              <a:schemeClr val="accent1">
+                <a:shade val="50000"/>
+              </a:schemeClr>
+            </a:lnRef>
+            <a:fillRef idx="1">
+              <a:schemeClr val="accent1"/>
+            </a:fillRef>
+            <a:effectRef idx="0">
+              <a:schemeClr val="accent1"/>
+            </a:effectRef>
+            <a:fontRef idx="minor">
+              <a:schemeClr val="lt1"/>
+            </a:fontRef>
+          </p:style>
+          <p:txBody>
+            <a:bodyPr rtlCol="0" anchor="ctr"/>
+            <a:lstStyle/>
+            <a:p>
+              <a:pPr algn="ctr"/>
+              <a:r>
+                <a:rPr lang="en-US" altLang="zh-TW" dirty="0"/>
+                <a:t>LUA script Task</a:t>
+              </a:r>
+              <a:endParaRPr lang="zh-TW" altLang="en-US" dirty="0"/>
+            </a:p>
+          </p:txBody>
+        </p:sp>
+        <p:sp>
+          <p:nvSpPr>
+            <p:cNvPr id="11" name="矩形 10">
+              <a:extLst>
+                <a:ext uri="{FF2B5EF4-FFF2-40B4-BE49-F238E27FC236}">
+                  <a16:creationId xmlns:a16="http://schemas.microsoft.com/office/drawing/2014/main" id="{C566888D-9588-4B68-ABDF-0097821C072B}"/>
+                </a:ext>
+              </a:extLst>
+            </p:cNvPr>
+            <p:cNvSpPr/>
+            <p:nvPr/>
+          </p:nvSpPr>
+          <p:spPr>
+            <a:xfrm>
+              <a:off x="4252404" y="4379965"/>
+              <a:ext cx="1305018" cy="1003176"/>
+            </a:xfrm>
+            <a:prstGeom prst="rect">
+              <a:avLst/>
+            </a:prstGeom>
+          </p:spPr>
+          <p:style>
+            <a:lnRef idx="2">
+              <a:schemeClr val="accent1">
+                <a:shade val="50000"/>
+              </a:schemeClr>
+            </a:lnRef>
+            <a:fillRef idx="1">
+              <a:schemeClr val="accent1"/>
+            </a:fillRef>
+            <a:effectRef idx="0">
+              <a:schemeClr val="accent1"/>
+            </a:effectRef>
+            <a:fontRef idx="minor">
+              <a:schemeClr val="lt1"/>
+            </a:fontRef>
+          </p:style>
+          <p:txBody>
+            <a:bodyPr rtlCol="0" anchor="ctr"/>
+            <a:lstStyle/>
+            <a:p>
+              <a:pPr algn="ctr"/>
+              <a:r>
+                <a:rPr lang="en-US" altLang="zh-TW" dirty="0"/>
+                <a:t>LUA script Task</a:t>
+              </a:r>
+              <a:endParaRPr lang="zh-TW" altLang="en-US" dirty="0"/>
+            </a:p>
+          </p:txBody>
+        </p:sp>
+        <p:sp>
+          <p:nvSpPr>
+            <p:cNvPr id="12" name="矩形 11">
+              <a:extLst>
+                <a:ext uri="{FF2B5EF4-FFF2-40B4-BE49-F238E27FC236}">
+                  <a16:creationId xmlns:a16="http://schemas.microsoft.com/office/drawing/2014/main" id="{9DC2518E-8C22-475F-BCE2-ABD0213A68CB}"/>
+                </a:ext>
+              </a:extLst>
+            </p:cNvPr>
+            <p:cNvSpPr/>
+            <p:nvPr/>
+          </p:nvSpPr>
+          <p:spPr>
+            <a:xfrm>
+              <a:off x="4376692" y="4229980"/>
+              <a:ext cx="1305018" cy="1003176"/>
+            </a:xfrm>
+            <a:prstGeom prst="rect">
+              <a:avLst/>
+            </a:prstGeom>
+          </p:spPr>
+          <p:style>
+            <a:lnRef idx="2">
+              <a:schemeClr val="accent1">
+                <a:shade val="50000"/>
+              </a:schemeClr>
+            </a:lnRef>
+            <a:fillRef idx="1">
+              <a:schemeClr val="accent1"/>
+            </a:fillRef>
+            <a:effectRef idx="0">
+              <a:schemeClr val="accent1"/>
+            </a:effectRef>
+            <a:fontRef idx="minor">
+              <a:schemeClr val="lt1"/>
+            </a:fontRef>
+          </p:style>
+          <p:txBody>
+            <a:bodyPr rtlCol="0" anchor="ctr"/>
+            <a:lstStyle/>
+            <a:p>
+              <a:pPr algn="ctr"/>
+              <a:r>
+                <a:rPr lang="en-US" altLang="zh-TW" dirty="0"/>
+                <a:t>LUA script Task</a:t>
+              </a:r>
+              <a:endParaRPr lang="zh-TW" altLang="en-US" dirty="0"/>
+            </a:p>
+          </p:txBody>
+        </p:sp>
+      </p:grpSp>
+      <p:sp>
+        <p:nvSpPr>
+          <p:cNvPr id="15" name="箭號: 向右 14">
+            <a:extLst>
+              <a:ext uri="{FF2B5EF4-FFF2-40B4-BE49-F238E27FC236}">
+                <a16:creationId xmlns:a16="http://schemas.microsoft.com/office/drawing/2014/main" id="{12A7E6EA-8F56-43D7-A35A-E804BA4AB921}"/>
+              </a:ext>
+            </a:extLst>
+          </p:cNvPr>
+          <p:cNvSpPr/>
+          <p:nvPr/>
+        </p:nvSpPr>
+        <p:spPr>
+          <a:xfrm>
+            <a:off x="3302493" y="3293616"/>
+            <a:ext cx="585926" cy="284085"/>
+          </a:xfrm>
+          <a:prstGeom prst="rightArrow">
+            <a:avLst/>
+          </a:prstGeom>
+        </p:spPr>
+        <p:style>
+          <a:lnRef idx="2">
+            <a:schemeClr val="accent1">
+              <a:shade val="50000"/>
+            </a:schemeClr>
+          </a:lnRef>
+          <a:fillRef idx="1">
+            <a:schemeClr val="accent1"/>
+          </a:fillRef>
+          <a:effectRef idx="0">
+            <a:schemeClr val="accent1"/>
+          </a:effectRef>
+          <a:fontRef idx="minor">
+            <a:schemeClr val="lt1"/>
+          </a:fontRef>
+        </p:style>
+        <p:txBody>
+          <a:bodyPr rtlCol="0" anchor="ctr"/>
+          <a:lstStyle/>
+          <a:p>
+            <a:pPr algn="ctr"/>
+            <a:endParaRPr lang="zh-TW" altLang="en-US"/>
+          </a:p>
+        </p:txBody>
+      </p:sp>
+      <p:sp>
+        <p:nvSpPr>
+          <p:cNvPr id="16" name="箭號: 向右 15">
+            <a:extLst>
+              <a:ext uri="{FF2B5EF4-FFF2-40B4-BE49-F238E27FC236}">
+                <a16:creationId xmlns:a16="http://schemas.microsoft.com/office/drawing/2014/main" id="{38A970DF-B33B-4769-B2EA-03064968563D}"/>
+              </a:ext>
+            </a:extLst>
+          </p:cNvPr>
+          <p:cNvSpPr/>
+          <p:nvPr/>
+        </p:nvSpPr>
+        <p:spPr>
+          <a:xfrm>
+            <a:off x="3302493" y="4087937"/>
+            <a:ext cx="585926" cy="284085"/>
+          </a:xfrm>
+          <a:prstGeom prst="rightArrow">
+            <a:avLst/>
+          </a:prstGeom>
+        </p:spPr>
+        <p:style>
+          <a:lnRef idx="2">
+            <a:schemeClr val="accent1">
+              <a:shade val="50000"/>
+            </a:schemeClr>
+          </a:lnRef>
+          <a:fillRef idx="1">
+            <a:schemeClr val="accent1"/>
+          </a:fillRef>
+          <a:effectRef idx="0">
+            <a:schemeClr val="accent1"/>
+          </a:effectRef>
+          <a:fontRef idx="minor">
+            <a:schemeClr val="lt1"/>
+          </a:fontRef>
+        </p:style>
+        <p:txBody>
+          <a:bodyPr rtlCol="0" anchor="ctr"/>
+          <a:lstStyle/>
+          <a:p>
+            <a:pPr algn="ctr"/>
             <a:endParaRPr lang="zh-TW" altLang="en-US"/>
           </a:p>
         </p:txBody>
@@ -13251,7 +14642,7 @@
     </p:spTree>
     <p:extLst>
       <p:ext uri="{BB962C8B-B14F-4D97-AF65-F5344CB8AC3E}">
-        <p14:creationId xmlns:p14="http://schemas.microsoft.com/office/powerpoint/2010/main" val="3654112068"/>
+        <p14:creationId xmlns:p14="http://schemas.microsoft.com/office/powerpoint/2010/main" val="2095140788"/>
       </p:ext>
     </p:extLst>
   </p:cSld>

--- a/doc/Overview.pptx
+++ b/doc/Overview.pptx
@@ -14,8 +14,7 @@
     <p:sldId id="266" r:id="rId8"/>
     <p:sldId id="261" r:id="rId9"/>
     <p:sldId id="262" r:id="rId10"/>
-    <p:sldId id="263" r:id="rId11"/>
-    <p:sldId id="265" r:id="rId12"/>
+    <p:sldId id="265" r:id="rId11"/>
   </p:sldIdLst>
   <p:sldSz cx="12192000" cy="6858000"/>
   <p:notesSz cx="6858000" cy="9144000"/>
@@ -172,7 +171,7 @@
           <a:noFill/>
           <a:extLst>
             <a:ext uri="{909E8E84-426E-40dd-AFC4-6F175D3DCCD1}">
-              <a14:hiddenFill xmlns="" xmlns:a14="http://schemas.microsoft.com/office/drawing/2010/main">
+              <a14:hiddenFill xmlns:a14="http://schemas.microsoft.com/office/drawing/2010/main" xmlns="">
                 <a:solidFill>
                   <a:srgbClr val="FFFFFF"/>
                 </a:solidFill>
@@ -232,7 +231,7 @@
             </a:ln>
             <a:extLst>
               <a:ext uri="{91240B29-F687-4f45-9708-019B960494DF}">
-                <a14:hiddenLine xmlns="" xmlns:a14="http://schemas.microsoft.com/office/drawing/2010/main" w="9525">
+                <a14:hiddenLine xmlns:a14="http://schemas.microsoft.com/office/drawing/2010/main" xmlns="" w="9525">
                   <a:solidFill>
                     <a:srgbClr val="000000"/>
                   </a:solidFill>
@@ -322,7 +321,7 @@
             </a:ln>
             <a:extLst>
               <a:ext uri="{91240B29-F687-4f45-9708-019B960494DF}">
-                <a14:hiddenLine xmlns="" xmlns:a14="http://schemas.microsoft.com/office/drawing/2010/main" w="9525">
+                <a14:hiddenLine xmlns:a14="http://schemas.microsoft.com/office/drawing/2010/main" xmlns="" w="9525">
                   <a:solidFill>
                     <a:srgbClr val="000000"/>
                   </a:solidFill>
@@ -412,7 +411,7 @@
             </a:ln>
             <a:extLst>
               <a:ext uri="{91240B29-F687-4f45-9708-019B960494DF}">
-                <a14:hiddenLine xmlns="" xmlns:a14="http://schemas.microsoft.com/office/drawing/2010/main" w="9525">
+                <a14:hiddenLine xmlns:a14="http://schemas.microsoft.com/office/drawing/2010/main" xmlns="" w="9525">
                   <a:solidFill>
                     <a:srgbClr val="000000"/>
                   </a:solidFill>
@@ -446,7 +445,7 @@
             </a:ln>
             <a:extLst>
               <a:ext uri="{91240B29-F687-4f45-9708-019B960494DF}">
-                <a14:hiddenLine xmlns="" xmlns:a14="http://schemas.microsoft.com/office/drawing/2010/main" w="9525">
+                <a14:hiddenLine xmlns:a14="http://schemas.microsoft.com/office/drawing/2010/main" xmlns="" w="9525">
                   <a:solidFill>
                     <a:srgbClr val="000000"/>
                   </a:solidFill>
@@ -536,7 +535,7 @@
             </a:ln>
             <a:extLst>
               <a:ext uri="{91240B29-F687-4f45-9708-019B960494DF}">
-                <a14:hiddenLine xmlns="" xmlns:a14="http://schemas.microsoft.com/office/drawing/2010/main" w="9525">
+                <a14:hiddenLine xmlns:a14="http://schemas.microsoft.com/office/drawing/2010/main" xmlns="" w="9525">
                   <a:solidFill>
                     <a:srgbClr val="000000"/>
                   </a:solidFill>
@@ -598,7 +597,7 @@
             </a:ln>
             <a:extLst>
               <a:ext uri="{91240B29-F687-4f45-9708-019B960494DF}">
-                <a14:hiddenLine xmlns="" xmlns:a14="http://schemas.microsoft.com/office/drawing/2010/main" w="9525">
+                <a14:hiddenLine xmlns:a14="http://schemas.microsoft.com/office/drawing/2010/main" xmlns="" w="9525">
                   <a:solidFill>
                     <a:srgbClr val="000000"/>
                   </a:solidFill>
@@ -660,7 +659,7 @@
             </a:ln>
             <a:extLst>
               <a:ext uri="{91240B29-F687-4f45-9708-019B960494DF}">
-                <a14:hiddenLine xmlns="" xmlns:a14="http://schemas.microsoft.com/office/drawing/2010/main" w="9525">
+                <a14:hiddenLine xmlns:a14="http://schemas.microsoft.com/office/drawing/2010/main" xmlns="" w="9525">
                   <a:solidFill>
                     <a:srgbClr val="000000"/>
                   </a:solidFill>
@@ -750,7 +749,7 @@
             </a:ln>
             <a:extLst>
               <a:ext uri="{91240B29-F687-4f45-9708-019B960494DF}">
-                <a14:hiddenLine xmlns="" xmlns:a14="http://schemas.microsoft.com/office/drawing/2010/main" w="9525">
+                <a14:hiddenLine xmlns:a14="http://schemas.microsoft.com/office/drawing/2010/main" xmlns="" w="9525">
                   <a:solidFill>
                     <a:srgbClr val="000000"/>
                   </a:solidFill>
@@ -812,7 +811,7 @@
             </a:ln>
             <a:extLst>
               <a:ext uri="{91240B29-F687-4f45-9708-019B960494DF}">
-                <a14:hiddenLine xmlns="" xmlns:a14="http://schemas.microsoft.com/office/drawing/2010/main" w="9525">
+                <a14:hiddenLine xmlns:a14="http://schemas.microsoft.com/office/drawing/2010/main" xmlns="" w="9525">
                   <a:solidFill>
                     <a:srgbClr val="000000"/>
                   </a:solidFill>
@@ -874,7 +873,7 @@
             </a:ln>
             <a:extLst>
               <a:ext uri="{91240B29-F687-4f45-9708-019B960494DF}">
-                <a14:hiddenLine xmlns="" xmlns:a14="http://schemas.microsoft.com/office/drawing/2010/main" w="9525">
+                <a14:hiddenLine xmlns:a14="http://schemas.microsoft.com/office/drawing/2010/main" xmlns="" w="9525">
                   <a:solidFill>
                     <a:srgbClr val="000000"/>
                   </a:solidFill>
@@ -964,7 +963,7 @@
             </a:ln>
             <a:extLst>
               <a:ext uri="{91240B29-F687-4f45-9708-019B960494DF}">
-                <a14:hiddenLine xmlns="" xmlns:a14="http://schemas.microsoft.com/office/drawing/2010/main" w="9525">
+                <a14:hiddenLine xmlns:a14="http://schemas.microsoft.com/office/drawing/2010/main" xmlns="" w="9525">
                   <a:solidFill>
                     <a:srgbClr val="000000"/>
                   </a:solidFill>
@@ -1054,7 +1053,7 @@
             </a:ln>
             <a:extLst>
               <a:ext uri="{91240B29-F687-4f45-9708-019B960494DF}">
-                <a14:hiddenLine xmlns="" xmlns:a14="http://schemas.microsoft.com/office/drawing/2010/main" w="9525">
+                <a14:hiddenLine xmlns:a14="http://schemas.microsoft.com/office/drawing/2010/main" xmlns="" w="9525">
                   <a:solidFill>
                     <a:srgbClr val="000000"/>
                   </a:solidFill>
@@ -1116,7 +1115,7 @@
             </a:ln>
             <a:extLst>
               <a:ext uri="{91240B29-F687-4f45-9708-019B960494DF}">
-                <a14:hiddenLine xmlns="" xmlns:a14="http://schemas.microsoft.com/office/drawing/2010/main" w="9525">
+                <a14:hiddenLine xmlns:a14="http://schemas.microsoft.com/office/drawing/2010/main" xmlns="" w="9525">
                   <a:solidFill>
                     <a:srgbClr val="000000"/>
                   </a:solidFill>
@@ -1226,7 +1225,7 @@
             </a:ln>
             <a:extLst>
               <a:ext uri="{91240B29-F687-4f45-9708-019B960494DF}">
-                <a14:hiddenLine xmlns="" xmlns:a14="http://schemas.microsoft.com/office/drawing/2010/main" w="9525">
+                <a14:hiddenLine xmlns:a14="http://schemas.microsoft.com/office/drawing/2010/main" xmlns="" w="9525">
                   <a:solidFill>
                     <a:srgbClr val="000000"/>
                   </a:solidFill>
@@ -1288,7 +1287,7 @@
             </a:ln>
             <a:extLst>
               <a:ext uri="{91240B29-F687-4f45-9708-019B960494DF}">
-                <a14:hiddenLine xmlns="" xmlns:a14="http://schemas.microsoft.com/office/drawing/2010/main" w="9525">
+                <a14:hiddenLine xmlns:a14="http://schemas.microsoft.com/office/drawing/2010/main" xmlns="" w="9525">
                   <a:solidFill>
                     <a:srgbClr val="000000"/>
                   </a:solidFill>
@@ -1378,7 +1377,7 @@
             </a:ln>
             <a:extLst>
               <a:ext uri="{91240B29-F687-4f45-9708-019B960494DF}">
-                <a14:hiddenLine xmlns="" xmlns:a14="http://schemas.microsoft.com/office/drawing/2010/main" w="9525">
+                <a14:hiddenLine xmlns:a14="http://schemas.microsoft.com/office/drawing/2010/main" xmlns="" w="9525">
                   <a:solidFill>
                     <a:srgbClr val="000000"/>
                   </a:solidFill>
@@ -1468,7 +1467,7 @@
             </a:ln>
             <a:extLst>
               <a:ext uri="{91240B29-F687-4f45-9708-019B960494DF}">
-                <a14:hiddenLine xmlns="" xmlns:a14="http://schemas.microsoft.com/office/drawing/2010/main" w="9525">
+                <a14:hiddenLine xmlns:a14="http://schemas.microsoft.com/office/drawing/2010/main" xmlns="" w="9525">
                   <a:solidFill>
                     <a:srgbClr val="000000"/>
                   </a:solidFill>
@@ -1530,7 +1529,7 @@
             </a:ln>
             <a:extLst>
               <a:ext uri="{91240B29-F687-4f45-9708-019B960494DF}">
-                <a14:hiddenLine xmlns="" xmlns:a14="http://schemas.microsoft.com/office/drawing/2010/main" w="9525">
+                <a14:hiddenLine xmlns:a14="http://schemas.microsoft.com/office/drawing/2010/main" xmlns="" w="9525">
                   <a:solidFill>
                     <a:srgbClr val="000000"/>
                   </a:solidFill>
@@ -1620,7 +1619,7 @@
             </a:ln>
             <a:extLst>
               <a:ext uri="{91240B29-F687-4f45-9708-019B960494DF}">
-                <a14:hiddenLine xmlns="" xmlns:a14="http://schemas.microsoft.com/office/drawing/2010/main" w="9525">
+                <a14:hiddenLine xmlns:a14="http://schemas.microsoft.com/office/drawing/2010/main" xmlns="" w="9525">
                   <a:solidFill>
                     <a:srgbClr val="000000"/>
                   </a:solidFill>
@@ -1710,7 +1709,7 @@
             </a:ln>
             <a:extLst>
               <a:ext uri="{91240B29-F687-4f45-9708-019B960494DF}">
-                <a14:hiddenLine xmlns="" xmlns:a14="http://schemas.microsoft.com/office/drawing/2010/main" w="9525">
+                <a14:hiddenLine xmlns:a14="http://schemas.microsoft.com/office/drawing/2010/main" xmlns="" w="9525">
                   <a:solidFill>
                     <a:srgbClr val="000000"/>
                   </a:solidFill>
@@ -1766,7 +1765,7 @@
             </a:ln>
             <a:extLst>
               <a:ext uri="{91240B29-F687-4f45-9708-019B960494DF}">
-                <a14:hiddenLine xmlns="" xmlns:a14="http://schemas.microsoft.com/office/drawing/2010/main" w="9525">
+                <a14:hiddenLine xmlns:a14="http://schemas.microsoft.com/office/drawing/2010/main" xmlns="" w="9525">
                   <a:solidFill>
                     <a:srgbClr val="000000"/>
                   </a:solidFill>
@@ -1856,7 +1855,7 @@
             </a:ln>
             <a:extLst>
               <a:ext uri="{91240B29-F687-4f45-9708-019B960494DF}">
-                <a14:hiddenLine xmlns="" xmlns:a14="http://schemas.microsoft.com/office/drawing/2010/main" w="9525">
+                <a14:hiddenLine xmlns:a14="http://schemas.microsoft.com/office/drawing/2010/main" xmlns="" w="9525">
                   <a:solidFill>
                     <a:srgbClr val="000000"/>
                   </a:solidFill>
@@ -1912,7 +1911,7 @@
             </a:ln>
             <a:extLst>
               <a:ext uri="{91240B29-F687-4f45-9708-019B960494DF}">
-                <a14:hiddenLine xmlns="" xmlns:a14="http://schemas.microsoft.com/office/drawing/2010/main" w="9525">
+                <a14:hiddenLine xmlns:a14="http://schemas.microsoft.com/office/drawing/2010/main" xmlns="" w="9525">
                   <a:solidFill>
                     <a:srgbClr val="000000"/>
                   </a:solidFill>
@@ -2002,7 +2001,7 @@
             </a:ln>
             <a:extLst>
               <a:ext uri="{91240B29-F687-4f45-9708-019B960494DF}">
-                <a14:hiddenLine xmlns="" xmlns:a14="http://schemas.microsoft.com/office/drawing/2010/main" w="9525">
+                <a14:hiddenLine xmlns:a14="http://schemas.microsoft.com/office/drawing/2010/main" xmlns="" w="9525">
                   <a:solidFill>
                     <a:srgbClr val="000000"/>
                   </a:solidFill>
@@ -2070,7 +2069,7 @@
             </a:ln>
             <a:extLst>
               <a:ext uri="{91240B29-F687-4f45-9708-019B960494DF}">
-                <a14:hiddenLine xmlns="" xmlns:a14="http://schemas.microsoft.com/office/drawing/2010/main" w="9525">
+                <a14:hiddenLine xmlns:a14="http://schemas.microsoft.com/office/drawing/2010/main" xmlns="" w="9525">
                   <a:solidFill>
                     <a:srgbClr val="000000"/>
                   </a:solidFill>
@@ -2160,7 +2159,7 @@
             </a:ln>
             <a:extLst>
               <a:ext uri="{91240B29-F687-4f45-9708-019B960494DF}">
-                <a14:hiddenLine xmlns="" xmlns:a14="http://schemas.microsoft.com/office/drawing/2010/main" w="9525">
+                <a14:hiddenLine xmlns:a14="http://schemas.microsoft.com/office/drawing/2010/main" xmlns="" w="9525">
                   <a:solidFill>
                     <a:srgbClr val="000000"/>
                   </a:solidFill>
@@ -2228,7 +2227,7 @@
             </a:ln>
             <a:extLst>
               <a:ext uri="{91240B29-F687-4f45-9708-019B960494DF}">
-                <a14:hiddenLine xmlns="" xmlns:a14="http://schemas.microsoft.com/office/drawing/2010/main" w="9525">
+                <a14:hiddenLine xmlns:a14="http://schemas.microsoft.com/office/drawing/2010/main" xmlns="" w="9525">
                   <a:solidFill>
                     <a:srgbClr val="000000"/>
                   </a:solidFill>
@@ -2318,7 +2317,7 @@
             </a:ln>
             <a:extLst>
               <a:ext uri="{91240B29-F687-4f45-9708-019B960494DF}">
-                <a14:hiddenLine xmlns="" xmlns:a14="http://schemas.microsoft.com/office/drawing/2010/main" w="9525">
+                <a14:hiddenLine xmlns:a14="http://schemas.microsoft.com/office/drawing/2010/main" xmlns="" w="9525">
                   <a:solidFill>
                     <a:srgbClr val="000000"/>
                   </a:solidFill>
@@ -2352,7 +2351,7 @@
             </a:ln>
             <a:extLst>
               <a:ext uri="{91240B29-F687-4f45-9708-019B960494DF}">
-                <a14:hiddenLine xmlns="" xmlns:a14="http://schemas.microsoft.com/office/drawing/2010/main" w="9525">
+                <a14:hiddenLine xmlns:a14="http://schemas.microsoft.com/office/drawing/2010/main" xmlns="" w="9525">
                   <a:solidFill>
                     <a:srgbClr val="000000"/>
                   </a:solidFill>
@@ -2442,7 +2441,7 @@
             </a:ln>
             <a:extLst>
               <a:ext uri="{91240B29-F687-4f45-9708-019B960494DF}">
-                <a14:hiddenLine xmlns="" xmlns:a14="http://schemas.microsoft.com/office/drawing/2010/main" w="9525">
+                <a14:hiddenLine xmlns:a14="http://schemas.microsoft.com/office/drawing/2010/main" xmlns="" w="9525">
                   <a:solidFill>
                     <a:srgbClr val="000000"/>
                   </a:solidFill>
@@ -2504,7 +2503,7 @@
             </a:ln>
             <a:extLst>
               <a:ext uri="{91240B29-F687-4f45-9708-019B960494DF}">
-                <a14:hiddenLine xmlns="" xmlns:a14="http://schemas.microsoft.com/office/drawing/2010/main" w="9525">
+                <a14:hiddenLine xmlns:a14="http://schemas.microsoft.com/office/drawing/2010/main" xmlns="" w="9525">
                   <a:solidFill>
                     <a:srgbClr val="000000"/>
                   </a:solidFill>
@@ -2566,7 +2565,7 @@
             </a:ln>
             <a:extLst>
               <a:ext uri="{91240B29-F687-4f45-9708-019B960494DF}">
-                <a14:hiddenLine xmlns="" xmlns:a14="http://schemas.microsoft.com/office/drawing/2010/main" w="9525">
+                <a14:hiddenLine xmlns:a14="http://schemas.microsoft.com/office/drawing/2010/main" xmlns="" w="9525">
                   <a:solidFill>
                     <a:srgbClr val="000000"/>
                   </a:solidFill>
@@ -2656,7 +2655,7 @@
             </a:ln>
             <a:extLst>
               <a:ext uri="{91240B29-F687-4f45-9708-019B960494DF}">
-                <a14:hiddenLine xmlns="" xmlns:a14="http://schemas.microsoft.com/office/drawing/2010/main" w="9525">
+                <a14:hiddenLine xmlns:a14="http://schemas.microsoft.com/office/drawing/2010/main" xmlns="" w="9525">
                   <a:solidFill>
                     <a:srgbClr val="000000"/>
                   </a:solidFill>
@@ -2724,7 +2723,7 @@
             </a:ln>
             <a:extLst>
               <a:ext uri="{91240B29-F687-4f45-9708-019B960494DF}">
-                <a14:hiddenLine xmlns="" xmlns:a14="http://schemas.microsoft.com/office/drawing/2010/main" w="9525">
+                <a14:hiddenLine xmlns:a14="http://schemas.microsoft.com/office/drawing/2010/main" xmlns="" w="9525">
                   <a:solidFill>
                     <a:srgbClr val="000000"/>
                   </a:solidFill>
@@ -2786,7 +2785,7 @@
             </a:ln>
             <a:extLst>
               <a:ext uri="{91240B29-F687-4f45-9708-019B960494DF}">
-                <a14:hiddenLine xmlns="" xmlns:a14="http://schemas.microsoft.com/office/drawing/2010/main" w="9525">
+                <a14:hiddenLine xmlns:a14="http://schemas.microsoft.com/office/drawing/2010/main" xmlns="" w="9525">
                   <a:solidFill>
                     <a:srgbClr val="000000"/>
                   </a:solidFill>
@@ -2876,7 +2875,7 @@
             </a:ln>
             <a:extLst>
               <a:ext uri="{91240B29-F687-4f45-9708-019B960494DF}">
-                <a14:hiddenLine xmlns="" xmlns:a14="http://schemas.microsoft.com/office/drawing/2010/main" w="9525">
+                <a14:hiddenLine xmlns:a14="http://schemas.microsoft.com/office/drawing/2010/main" xmlns="" w="9525">
                   <a:solidFill>
                     <a:srgbClr val="000000"/>
                   </a:solidFill>
@@ -2938,7 +2937,7 @@
             </a:ln>
             <a:extLst>
               <a:ext uri="{91240B29-F687-4f45-9708-019B960494DF}">
-                <a14:hiddenLine xmlns="" xmlns:a14="http://schemas.microsoft.com/office/drawing/2010/main" w="9525">
+                <a14:hiddenLine xmlns:a14="http://schemas.microsoft.com/office/drawing/2010/main" xmlns="" w="9525">
                   <a:solidFill>
                     <a:srgbClr val="000000"/>
                   </a:solidFill>
@@ -3028,7 +3027,7 @@
             </a:ln>
             <a:extLst>
               <a:ext uri="{91240B29-F687-4f45-9708-019B960494DF}">
-                <a14:hiddenLine xmlns="" xmlns:a14="http://schemas.microsoft.com/office/drawing/2010/main" w="9525">
+                <a14:hiddenLine xmlns:a14="http://schemas.microsoft.com/office/drawing/2010/main" xmlns="" w="9525">
                   <a:solidFill>
                     <a:srgbClr val="000000"/>
                   </a:solidFill>
@@ -3090,7 +3089,7 @@
             </a:ln>
             <a:extLst>
               <a:ext uri="{91240B29-F687-4f45-9708-019B960494DF}">
-                <a14:hiddenLine xmlns="" xmlns:a14="http://schemas.microsoft.com/office/drawing/2010/main" w="9525">
+                <a14:hiddenLine xmlns:a14="http://schemas.microsoft.com/office/drawing/2010/main" xmlns="" w="9525">
                   <a:solidFill>
                     <a:srgbClr val="000000"/>
                   </a:solidFill>
@@ -3180,7 +3179,7 @@
             </a:ln>
             <a:extLst>
               <a:ext uri="{91240B29-F687-4f45-9708-019B960494DF}">
-                <a14:hiddenLine xmlns="" xmlns:a14="http://schemas.microsoft.com/office/drawing/2010/main" w="9525">
+                <a14:hiddenLine xmlns:a14="http://schemas.microsoft.com/office/drawing/2010/main" xmlns="" w="9525">
                   <a:solidFill>
                     <a:srgbClr val="000000"/>
                   </a:solidFill>
@@ -3214,7 +3213,7 @@
             </a:ln>
             <a:extLst>
               <a:ext uri="{91240B29-F687-4f45-9708-019B960494DF}">
-                <a14:hiddenLine xmlns="" xmlns:a14="http://schemas.microsoft.com/office/drawing/2010/main" w="9525">
+                <a14:hiddenLine xmlns:a14="http://schemas.microsoft.com/office/drawing/2010/main" xmlns="" w="9525">
                   <a:solidFill>
                     <a:srgbClr val="000000"/>
                   </a:solidFill>
@@ -3279,7 +3278,7 @@
             </a:ln>
             <a:extLst>
               <a:ext uri="{91240B29-F687-4f45-9708-019B960494DF}">
-                <a14:hiddenLine xmlns="" xmlns:a14="http://schemas.microsoft.com/office/drawing/2010/main" w="9525">
+                <a14:hiddenLine xmlns:a14="http://schemas.microsoft.com/office/drawing/2010/main" xmlns="" w="9525">
                   <a:solidFill>
                     <a:srgbClr val="000000"/>
                   </a:solidFill>
@@ -3369,7 +3368,7 @@
             </a:ln>
             <a:extLst>
               <a:ext uri="{91240B29-F687-4f45-9708-019B960494DF}">
-                <a14:hiddenLine xmlns="" xmlns:a14="http://schemas.microsoft.com/office/drawing/2010/main" w="9525">
+                <a14:hiddenLine xmlns:a14="http://schemas.microsoft.com/office/drawing/2010/main" xmlns="" w="9525">
                   <a:solidFill>
                     <a:srgbClr val="000000"/>
                   </a:solidFill>
@@ -3431,7 +3430,7 @@
             </a:ln>
             <a:extLst>
               <a:ext uri="{91240B29-F687-4f45-9708-019B960494DF}">
-                <a14:hiddenLine xmlns="" xmlns:a14="http://schemas.microsoft.com/office/drawing/2010/main" w="9525">
+                <a14:hiddenLine xmlns:a14="http://schemas.microsoft.com/office/drawing/2010/main" xmlns="" w="9525">
                   <a:solidFill>
                     <a:srgbClr val="000000"/>
                   </a:solidFill>
@@ -3521,7 +3520,7 @@
             </a:ln>
             <a:extLst>
               <a:ext uri="{91240B29-F687-4f45-9708-019B960494DF}">
-                <a14:hiddenLine xmlns="" xmlns:a14="http://schemas.microsoft.com/office/drawing/2010/main" w="9525">
+                <a14:hiddenLine xmlns:a14="http://schemas.microsoft.com/office/drawing/2010/main" xmlns="" w="9525">
                   <a:solidFill>
                     <a:srgbClr val="000000"/>
                   </a:solidFill>
@@ -3611,7 +3610,7 @@
             </a:ln>
             <a:extLst>
               <a:ext uri="{91240B29-F687-4f45-9708-019B960494DF}">
-                <a14:hiddenLine xmlns="" xmlns:a14="http://schemas.microsoft.com/office/drawing/2010/main" w="9525">
+                <a14:hiddenLine xmlns:a14="http://schemas.microsoft.com/office/drawing/2010/main" xmlns="" w="9525">
                   <a:solidFill>
                     <a:srgbClr val="000000"/>
                   </a:solidFill>
@@ -3676,7 +3675,7 @@
             </a:ln>
             <a:extLst>
               <a:ext uri="{91240B29-F687-4f45-9708-019B960494DF}">
-                <a14:hiddenLine xmlns="" xmlns:a14="http://schemas.microsoft.com/office/drawing/2010/main" w="9525">
+                <a14:hiddenLine xmlns:a14="http://schemas.microsoft.com/office/drawing/2010/main" xmlns="" w="9525">
                   <a:solidFill>
                     <a:srgbClr val="000000"/>
                   </a:solidFill>
@@ -3738,7 +3737,7 @@
             </a:ln>
             <a:extLst>
               <a:ext uri="{91240B29-F687-4f45-9708-019B960494DF}">
-                <a14:hiddenLine xmlns="" xmlns:a14="http://schemas.microsoft.com/office/drawing/2010/main" w="9525">
+                <a14:hiddenLine xmlns:a14="http://schemas.microsoft.com/office/drawing/2010/main" xmlns="" w="9525">
                   <a:solidFill>
                     <a:srgbClr val="000000"/>
                   </a:solidFill>
@@ -3828,7 +3827,7 @@
             </a:ln>
             <a:extLst>
               <a:ext uri="{91240B29-F687-4f45-9708-019B960494DF}">
-                <a14:hiddenLine xmlns="" xmlns:a14="http://schemas.microsoft.com/office/drawing/2010/main" w="9525">
+                <a14:hiddenLine xmlns:a14="http://schemas.microsoft.com/office/drawing/2010/main" xmlns="" w="9525">
                   <a:solidFill>
                     <a:srgbClr val="000000"/>
                   </a:solidFill>
@@ -3918,7 +3917,7 @@
             </a:ln>
             <a:extLst>
               <a:ext uri="{91240B29-F687-4f45-9708-019B960494DF}">
-                <a14:hiddenLine xmlns="" xmlns:a14="http://schemas.microsoft.com/office/drawing/2010/main" w="9525">
+                <a14:hiddenLine xmlns:a14="http://schemas.microsoft.com/office/drawing/2010/main" xmlns="" w="9525">
                   <a:solidFill>
                     <a:srgbClr val="000000"/>
                   </a:solidFill>
@@ -3980,7 +3979,7 @@
             </a:ln>
             <a:extLst>
               <a:ext uri="{91240B29-F687-4f45-9708-019B960494DF}">
-                <a14:hiddenLine xmlns="" xmlns:a14="http://schemas.microsoft.com/office/drawing/2010/main" w="9525">
+                <a14:hiddenLine xmlns:a14="http://schemas.microsoft.com/office/drawing/2010/main" xmlns="" w="9525">
                   <a:solidFill>
                     <a:srgbClr val="000000"/>
                   </a:solidFill>
@@ -4100,7 +4099,7 @@
             </a:ln>
             <a:extLst>
               <a:ext uri="{91240B29-F687-4f45-9708-019B960494DF}">
-                <a14:hiddenLine xmlns="" xmlns:a14="http://schemas.microsoft.com/office/drawing/2010/main" w="9525">
+                <a14:hiddenLine xmlns:a14="http://schemas.microsoft.com/office/drawing/2010/main" xmlns="" w="9525">
                   <a:solidFill>
                     <a:srgbClr val="000000"/>
                   </a:solidFill>
@@ -4168,7 +4167,7 @@
             </a:ln>
             <a:extLst>
               <a:ext uri="{91240B29-F687-4f45-9708-019B960494DF}">
-                <a14:hiddenLine xmlns="" xmlns:a14="http://schemas.microsoft.com/office/drawing/2010/main" w="9525">
+                <a14:hiddenLine xmlns:a14="http://schemas.microsoft.com/office/drawing/2010/main" xmlns="" w="9525">
                   <a:solidFill>
                     <a:srgbClr val="000000"/>
                   </a:solidFill>
@@ -4258,7 +4257,7 @@
             </a:ln>
             <a:extLst>
               <a:ext uri="{91240B29-F687-4f45-9708-019B960494DF}">
-                <a14:hiddenLine xmlns="" xmlns:a14="http://schemas.microsoft.com/office/drawing/2010/main" w="9525">
+                <a14:hiddenLine xmlns:a14="http://schemas.microsoft.com/office/drawing/2010/main" xmlns="" w="9525">
                   <a:solidFill>
                     <a:srgbClr val="000000"/>
                   </a:solidFill>
@@ -4398,7 +4397,7 @@
           <a:p>
             <a:fld id="{0B88EADF-5A54-4B61-9EAD-1A178CAF62DF}" type="datetimeFigureOut">
               <a:rPr lang="zh-TW" altLang="en-US" smtClean="0"/>
-              <a:t>2018/8/28</a:t>
+              <a:t>2018/11/10</a:t>
             </a:fld>
             <a:endParaRPr lang="zh-TW" altLang="en-US"/>
           </a:p>
@@ -4665,7 +4664,7 @@
           <a:p>
             <a:fld id="{0B88EADF-5A54-4B61-9EAD-1A178CAF62DF}" type="datetimeFigureOut">
               <a:rPr lang="zh-TW" altLang="en-US" smtClean="0"/>
-              <a:t>2018/8/28</a:t>
+              <a:t>2018/11/10</a:t>
             </a:fld>
             <a:endParaRPr lang="zh-TW" altLang="en-US"/>
           </a:p>
@@ -4861,7 +4860,7 @@
           <a:p>
             <a:fld id="{0B88EADF-5A54-4B61-9EAD-1A178CAF62DF}" type="datetimeFigureOut">
               <a:rPr lang="zh-TW" altLang="en-US" smtClean="0"/>
-              <a:t>2018/8/28</a:t>
+              <a:t>2018/11/10</a:t>
             </a:fld>
             <a:endParaRPr lang="zh-TW" altLang="en-US"/>
           </a:p>
@@ -5124,7 +5123,7 @@
           <a:p>
             <a:fld id="{0B88EADF-5A54-4B61-9EAD-1A178CAF62DF}" type="datetimeFigureOut">
               <a:rPr lang="zh-TW" altLang="en-US" smtClean="0"/>
-              <a:t>2018/8/28</a:t>
+              <a:t>2018/11/10</a:t>
             </a:fld>
             <a:endParaRPr lang="zh-TW" altLang="en-US"/>
           </a:p>
@@ -5558,7 +5557,7 @@
           <a:p>
             <a:fld id="{0B88EADF-5A54-4B61-9EAD-1A178CAF62DF}" type="datetimeFigureOut">
               <a:rPr lang="zh-TW" altLang="en-US" smtClean="0"/>
-              <a:t>2018/8/28</a:t>
+              <a:t>2018/11/10</a:t>
             </a:fld>
             <a:endParaRPr lang="zh-TW" altLang="en-US"/>
           </a:p>
@@ -6104,7 +6103,7 @@
           <a:p>
             <a:fld id="{0B88EADF-5A54-4B61-9EAD-1A178CAF62DF}" type="datetimeFigureOut">
               <a:rPr lang="zh-TW" altLang="en-US" smtClean="0"/>
-              <a:t>2018/8/28</a:t>
+              <a:t>2018/11/10</a:t>
             </a:fld>
             <a:endParaRPr lang="zh-TW" altLang="en-US"/>
           </a:p>
@@ -6824,7 +6823,7 @@
           <a:p>
             <a:fld id="{0B88EADF-5A54-4B61-9EAD-1A178CAF62DF}" type="datetimeFigureOut">
               <a:rPr lang="zh-TW" altLang="en-US" smtClean="0"/>
-              <a:t>2018/8/28</a:t>
+              <a:t>2018/11/10</a:t>
             </a:fld>
             <a:endParaRPr lang="zh-TW" altLang="en-US"/>
           </a:p>
@@ -6994,7 +6993,7 @@
           <a:p>
             <a:fld id="{0B88EADF-5A54-4B61-9EAD-1A178CAF62DF}" type="datetimeFigureOut">
               <a:rPr lang="zh-TW" altLang="en-US" smtClean="0"/>
-              <a:t>2018/8/28</a:t>
+              <a:t>2018/11/10</a:t>
             </a:fld>
             <a:endParaRPr lang="zh-TW" altLang="en-US"/>
           </a:p>
@@ -7174,7 +7173,7 @@
           <a:p>
             <a:fld id="{0B88EADF-5A54-4B61-9EAD-1A178CAF62DF}" type="datetimeFigureOut">
               <a:rPr lang="zh-TW" altLang="en-US" smtClean="0"/>
-              <a:t>2018/8/28</a:t>
+              <a:t>2018/11/10</a:t>
             </a:fld>
             <a:endParaRPr lang="zh-TW" altLang="en-US"/>
           </a:p>
@@ -7344,7 +7343,7 @@
           <a:p>
             <a:fld id="{0B88EADF-5A54-4B61-9EAD-1A178CAF62DF}" type="datetimeFigureOut">
               <a:rPr lang="zh-TW" altLang="en-US" smtClean="0"/>
-              <a:t>2018/8/28</a:t>
+              <a:t>2018/11/10</a:t>
             </a:fld>
             <a:endParaRPr lang="zh-TW" altLang="en-US"/>
           </a:p>
@@ -7594,7 +7593,7 @@
           <a:p>
             <a:fld id="{0B88EADF-5A54-4B61-9EAD-1A178CAF62DF}" type="datetimeFigureOut">
               <a:rPr lang="zh-TW" altLang="en-US" smtClean="0"/>
-              <a:t>2018/8/28</a:t>
+              <a:t>2018/11/10</a:t>
             </a:fld>
             <a:endParaRPr lang="zh-TW" altLang="en-US"/>
           </a:p>
@@ -7826,7 +7825,7 @@
           <a:p>
             <a:fld id="{0B88EADF-5A54-4B61-9EAD-1A178CAF62DF}" type="datetimeFigureOut">
               <a:rPr lang="zh-TW" altLang="en-US" smtClean="0"/>
-              <a:t>2018/8/28</a:t>
+              <a:t>2018/11/10</a:t>
             </a:fld>
             <a:endParaRPr lang="zh-TW" altLang="en-US"/>
           </a:p>
@@ -8207,7 +8206,7 @@
           <a:p>
             <a:fld id="{0B88EADF-5A54-4B61-9EAD-1A178CAF62DF}" type="datetimeFigureOut">
               <a:rPr lang="zh-TW" altLang="en-US" smtClean="0"/>
-              <a:t>2018/8/28</a:t>
+              <a:t>2018/11/10</a:t>
             </a:fld>
             <a:endParaRPr lang="zh-TW" altLang="en-US"/>
           </a:p>
@@ -8325,7 +8324,7 @@
           <a:p>
             <a:fld id="{0B88EADF-5A54-4B61-9EAD-1A178CAF62DF}" type="datetimeFigureOut">
               <a:rPr lang="zh-TW" altLang="en-US" smtClean="0"/>
-              <a:t>2018/8/28</a:t>
+              <a:t>2018/11/10</a:t>
             </a:fld>
             <a:endParaRPr lang="zh-TW" altLang="en-US"/>
           </a:p>
@@ -8420,7 +8419,7 @@
           <a:p>
             <a:fld id="{0B88EADF-5A54-4B61-9EAD-1A178CAF62DF}" type="datetimeFigureOut">
               <a:rPr lang="zh-TW" altLang="en-US" smtClean="0"/>
-              <a:t>2018/8/28</a:t>
+              <a:t>2018/11/10</a:t>
             </a:fld>
             <a:endParaRPr lang="zh-TW" altLang="en-US"/>
           </a:p>
@@ -8669,7 +8668,7 @@
           <a:p>
             <a:fld id="{0B88EADF-5A54-4B61-9EAD-1A178CAF62DF}" type="datetimeFigureOut">
               <a:rPr lang="zh-TW" altLang="en-US" smtClean="0"/>
-              <a:t>2018/8/28</a:t>
+              <a:t>2018/11/10</a:t>
             </a:fld>
             <a:endParaRPr lang="zh-TW" altLang="en-US"/>
           </a:p>
@@ -8949,7 +8948,7 @@
           <a:p>
             <a:fld id="{0B88EADF-5A54-4B61-9EAD-1A178CAF62DF}" type="datetimeFigureOut">
               <a:rPr lang="zh-TW" altLang="en-US" smtClean="0"/>
-              <a:t>2018/8/28</a:t>
+              <a:t>2018/11/10</a:t>
             </a:fld>
             <a:endParaRPr lang="zh-TW" altLang="en-US"/>
           </a:p>
@@ -9065,7 +9064,7 @@
           <a:noFill/>
           <a:extLst>
             <a:ext uri="{909E8E84-426E-40dd-AFC4-6F175D3DCCD1}">
-              <a14:hiddenFill xmlns="" xmlns:a14="http://schemas.microsoft.com/office/drawing/2010/main">
+              <a14:hiddenFill xmlns:a14="http://schemas.microsoft.com/office/drawing/2010/main" xmlns="">
                 <a:solidFill>
                   <a:srgbClr val="FFFFFF"/>
                 </a:solidFill>
@@ -9139,7 +9138,7 @@
               </a:ln>
               <a:extLst>
                 <a:ext uri="{91240B29-F687-4f45-9708-019B960494DF}">
-                  <a14:hiddenLine xmlns="" xmlns:a14="http://schemas.microsoft.com/office/drawing/2010/main" w="9525">
+                  <a14:hiddenLine xmlns:a14="http://schemas.microsoft.com/office/drawing/2010/main" xmlns="" w="9525">
                     <a:solidFill>
                       <a:srgbClr val="000000"/>
                     </a:solidFill>
@@ -9229,7 +9228,7 @@
               </a:ln>
               <a:extLst>
                 <a:ext uri="{91240B29-F687-4f45-9708-019B960494DF}">
-                  <a14:hiddenLine xmlns="" xmlns:a14="http://schemas.microsoft.com/office/drawing/2010/main" w="9525">
+                  <a14:hiddenLine xmlns:a14="http://schemas.microsoft.com/office/drawing/2010/main" xmlns="" w="9525">
                     <a:solidFill>
                       <a:srgbClr val="000000"/>
                     </a:solidFill>
@@ -9319,7 +9318,7 @@
               </a:ln>
               <a:extLst>
                 <a:ext uri="{91240B29-F687-4f45-9708-019B960494DF}">
-                  <a14:hiddenLine xmlns="" xmlns:a14="http://schemas.microsoft.com/office/drawing/2010/main" w="9525">
+                  <a14:hiddenLine xmlns:a14="http://schemas.microsoft.com/office/drawing/2010/main" xmlns="" w="9525">
                     <a:solidFill>
                       <a:srgbClr val="000000"/>
                     </a:solidFill>
@@ -9381,7 +9380,7 @@
               </a:ln>
               <a:extLst>
                 <a:ext uri="{91240B29-F687-4f45-9708-019B960494DF}">
-                  <a14:hiddenLine xmlns="" xmlns:a14="http://schemas.microsoft.com/office/drawing/2010/main" w="9525">
+                  <a14:hiddenLine xmlns:a14="http://schemas.microsoft.com/office/drawing/2010/main" xmlns="" w="9525">
                     <a:solidFill>
                       <a:srgbClr val="000000"/>
                     </a:solidFill>
@@ -9471,7 +9470,7 @@
               </a:ln>
               <a:extLst>
                 <a:ext uri="{91240B29-F687-4f45-9708-019B960494DF}">
-                  <a14:hiddenLine xmlns="" xmlns:a14="http://schemas.microsoft.com/office/drawing/2010/main" w="9525">
+                  <a14:hiddenLine xmlns:a14="http://schemas.microsoft.com/office/drawing/2010/main" xmlns="" w="9525">
                     <a:solidFill>
                       <a:srgbClr val="000000"/>
                     </a:solidFill>
@@ -9533,7 +9532,7 @@
               </a:ln>
               <a:extLst>
                 <a:ext uri="{91240B29-F687-4f45-9708-019B960494DF}">
-                  <a14:hiddenLine xmlns="" xmlns:a14="http://schemas.microsoft.com/office/drawing/2010/main" w="9525">
+                  <a14:hiddenLine xmlns:a14="http://schemas.microsoft.com/office/drawing/2010/main" xmlns="" w="9525">
                     <a:solidFill>
                       <a:srgbClr val="000000"/>
                     </a:solidFill>
@@ -9595,7 +9594,7 @@
               </a:ln>
               <a:extLst>
                 <a:ext uri="{91240B29-F687-4f45-9708-019B960494DF}">
-                  <a14:hiddenLine xmlns="" xmlns:a14="http://schemas.microsoft.com/office/drawing/2010/main" w="9525">
+                  <a14:hiddenLine xmlns:a14="http://schemas.microsoft.com/office/drawing/2010/main" xmlns="" w="9525">
                     <a:solidFill>
                       <a:srgbClr val="000000"/>
                     </a:solidFill>
@@ -9685,7 +9684,7 @@
               </a:ln>
               <a:extLst>
                 <a:ext uri="{91240B29-F687-4f45-9708-019B960494DF}">
-                  <a14:hiddenLine xmlns="" xmlns:a14="http://schemas.microsoft.com/office/drawing/2010/main" w="9525">
+                  <a14:hiddenLine xmlns:a14="http://schemas.microsoft.com/office/drawing/2010/main" xmlns="" w="9525">
                     <a:solidFill>
                       <a:srgbClr val="000000"/>
                     </a:solidFill>
@@ -9775,7 +9774,7 @@
               </a:ln>
               <a:extLst>
                 <a:ext uri="{91240B29-F687-4f45-9708-019B960494DF}">
-                  <a14:hiddenLine xmlns="" xmlns:a14="http://schemas.microsoft.com/office/drawing/2010/main" w="9525">
+                  <a14:hiddenLine xmlns:a14="http://schemas.microsoft.com/office/drawing/2010/main" xmlns="" w="9525">
                     <a:solidFill>
                       <a:srgbClr val="000000"/>
                     </a:solidFill>
@@ -9837,7 +9836,7 @@
               </a:ln>
               <a:extLst>
                 <a:ext uri="{91240B29-F687-4f45-9708-019B960494DF}">
-                  <a14:hiddenLine xmlns="" xmlns:a14="http://schemas.microsoft.com/office/drawing/2010/main" w="9525">
+                  <a14:hiddenLine xmlns:a14="http://schemas.microsoft.com/office/drawing/2010/main" xmlns="" w="9525">
                     <a:solidFill>
                       <a:srgbClr val="000000"/>
                     </a:solidFill>
@@ -9947,7 +9946,7 @@
               </a:ln>
               <a:extLst>
                 <a:ext uri="{91240B29-F687-4f45-9708-019B960494DF}">
-                  <a14:hiddenLine xmlns="" xmlns:a14="http://schemas.microsoft.com/office/drawing/2010/main" w="9525">
+                  <a14:hiddenLine xmlns:a14="http://schemas.microsoft.com/office/drawing/2010/main" xmlns="" w="9525">
                     <a:solidFill>
                       <a:srgbClr val="000000"/>
                     </a:solidFill>
@@ -10031,7 +10030,7 @@
               </a:ln>
               <a:extLst>
                 <a:ext uri="{91240B29-F687-4f45-9708-019B960494DF}">
-                  <a14:hiddenLine xmlns="" xmlns:a14="http://schemas.microsoft.com/office/drawing/2010/main" w="9525">
+                  <a14:hiddenLine xmlns:a14="http://schemas.microsoft.com/office/drawing/2010/main" xmlns="" w="9525">
                     <a:solidFill>
                       <a:srgbClr val="000000"/>
                     </a:solidFill>
@@ -10093,7 +10092,7 @@
               </a:ln>
               <a:extLst>
                 <a:ext uri="{91240B29-F687-4f45-9708-019B960494DF}">
-                  <a14:hiddenLine xmlns="" xmlns:a14="http://schemas.microsoft.com/office/drawing/2010/main" w="9525">
+                  <a14:hiddenLine xmlns:a14="http://schemas.microsoft.com/office/drawing/2010/main" xmlns="" w="9525">
                     <a:solidFill>
                       <a:srgbClr val="000000"/>
                     </a:solidFill>
@@ -10155,7 +10154,7 @@
               </a:ln>
               <a:extLst>
                 <a:ext uri="{91240B29-F687-4f45-9708-019B960494DF}">
-                  <a14:hiddenLine xmlns="" xmlns:a14="http://schemas.microsoft.com/office/drawing/2010/main" w="9525">
+                  <a14:hiddenLine xmlns:a14="http://schemas.microsoft.com/office/drawing/2010/main" xmlns="" w="9525">
                     <a:solidFill>
                       <a:srgbClr val="000000"/>
                     </a:solidFill>
@@ -10245,7 +10244,7 @@
               </a:ln>
               <a:extLst>
                 <a:ext uri="{91240B29-F687-4f45-9708-019B960494DF}">
-                  <a14:hiddenLine xmlns="" xmlns:a14="http://schemas.microsoft.com/office/drawing/2010/main" w="9525">
+                  <a14:hiddenLine xmlns:a14="http://schemas.microsoft.com/office/drawing/2010/main" xmlns="" w="9525">
                     <a:solidFill>
                       <a:srgbClr val="000000"/>
                     </a:solidFill>
@@ -10279,7 +10278,7 @@
               </a:ln>
               <a:extLst>
                 <a:ext uri="{91240B29-F687-4f45-9708-019B960494DF}">
-                  <a14:hiddenLine xmlns="" xmlns:a14="http://schemas.microsoft.com/office/drawing/2010/main" w="9525">
+                  <a14:hiddenLine xmlns:a14="http://schemas.microsoft.com/office/drawing/2010/main" xmlns="" w="9525">
                     <a:solidFill>
                       <a:srgbClr val="000000"/>
                     </a:solidFill>
@@ -10344,7 +10343,7 @@
               </a:ln>
               <a:extLst>
                 <a:ext uri="{91240B29-F687-4f45-9708-019B960494DF}">
-                  <a14:hiddenLine xmlns="" xmlns:a14="http://schemas.microsoft.com/office/drawing/2010/main" w="9525">
+                  <a14:hiddenLine xmlns:a14="http://schemas.microsoft.com/office/drawing/2010/main" xmlns="" w="9525">
                     <a:solidFill>
                       <a:srgbClr val="000000"/>
                     </a:solidFill>
@@ -10434,7 +10433,7 @@
               </a:ln>
               <a:extLst>
                 <a:ext uri="{91240B29-F687-4f45-9708-019B960494DF}">
-                  <a14:hiddenLine xmlns="" xmlns:a14="http://schemas.microsoft.com/office/drawing/2010/main" w="9525">
+                  <a14:hiddenLine xmlns:a14="http://schemas.microsoft.com/office/drawing/2010/main" xmlns="" w="9525">
                     <a:solidFill>
                       <a:srgbClr val="000000"/>
                     </a:solidFill>
@@ -10496,7 +10495,7 @@
               </a:ln>
               <a:extLst>
                 <a:ext uri="{91240B29-F687-4f45-9708-019B960494DF}">
-                  <a14:hiddenLine xmlns="" xmlns:a14="http://schemas.microsoft.com/office/drawing/2010/main" w="9525">
+                  <a14:hiddenLine xmlns:a14="http://schemas.microsoft.com/office/drawing/2010/main" xmlns="" w="9525">
                     <a:solidFill>
                       <a:srgbClr val="000000"/>
                     </a:solidFill>
@@ -10586,7 +10585,7 @@
               </a:ln>
               <a:extLst>
                 <a:ext uri="{91240B29-F687-4f45-9708-019B960494DF}">
-                  <a14:hiddenLine xmlns="" xmlns:a14="http://schemas.microsoft.com/office/drawing/2010/main" w="9525">
+                  <a14:hiddenLine xmlns:a14="http://schemas.microsoft.com/office/drawing/2010/main" xmlns="" w="9525">
                     <a:solidFill>
                       <a:srgbClr val="000000"/>
                     </a:solidFill>
@@ -10651,7 +10650,7 @@
               </a:ln>
               <a:extLst>
                 <a:ext uri="{91240B29-F687-4f45-9708-019B960494DF}">
-                  <a14:hiddenLine xmlns="" xmlns:a14="http://schemas.microsoft.com/office/drawing/2010/main" w="9525">
+                  <a14:hiddenLine xmlns:a14="http://schemas.microsoft.com/office/drawing/2010/main" xmlns="" w="9525">
                     <a:solidFill>
                       <a:srgbClr val="000000"/>
                     </a:solidFill>
@@ -10713,7 +10712,7 @@
               </a:ln>
               <a:extLst>
                 <a:ext uri="{91240B29-F687-4f45-9708-019B960494DF}">
-                  <a14:hiddenLine xmlns="" xmlns:a14="http://schemas.microsoft.com/office/drawing/2010/main" w="9525">
+                  <a14:hiddenLine xmlns:a14="http://schemas.microsoft.com/office/drawing/2010/main" xmlns="" w="9525">
                     <a:solidFill>
                       <a:srgbClr val="000000"/>
                     </a:solidFill>
@@ -10803,7 +10802,7 @@
               </a:ln>
               <a:extLst>
                 <a:ext uri="{91240B29-F687-4f45-9708-019B960494DF}">
-                  <a14:hiddenLine xmlns="" xmlns:a14="http://schemas.microsoft.com/office/drawing/2010/main" w="9525">
+                  <a14:hiddenLine xmlns:a14="http://schemas.microsoft.com/office/drawing/2010/main" xmlns="" w="9525">
                     <a:solidFill>
                       <a:srgbClr val="000000"/>
                     </a:solidFill>
@@ -10893,7 +10892,7 @@
               </a:ln>
               <a:extLst>
                 <a:ext uri="{91240B29-F687-4f45-9708-019B960494DF}">
-                  <a14:hiddenLine xmlns="" xmlns:a14="http://schemas.microsoft.com/office/drawing/2010/main" w="9525">
+                  <a14:hiddenLine xmlns:a14="http://schemas.microsoft.com/office/drawing/2010/main" xmlns="" w="9525">
                     <a:solidFill>
                       <a:srgbClr val="000000"/>
                     </a:solidFill>
@@ -10958,7 +10957,7 @@
               </a:ln>
               <a:extLst>
                 <a:ext uri="{91240B29-F687-4f45-9708-019B960494DF}">
-                  <a14:hiddenLine xmlns="" xmlns:a14="http://schemas.microsoft.com/office/drawing/2010/main" w="9525">
+                  <a14:hiddenLine xmlns:a14="http://schemas.microsoft.com/office/drawing/2010/main" xmlns="" w="9525">
                     <a:solidFill>
                       <a:srgbClr val="000000"/>
                     </a:solidFill>
@@ -11078,7 +11077,7 @@
               </a:ln>
               <a:extLst>
                 <a:ext uri="{91240B29-F687-4f45-9708-019B960494DF}">
-                  <a14:hiddenLine xmlns="" xmlns:a14="http://schemas.microsoft.com/office/drawing/2010/main" w="9525">
+                  <a14:hiddenLine xmlns:a14="http://schemas.microsoft.com/office/drawing/2010/main" xmlns="" w="9525">
                     <a:solidFill>
                       <a:srgbClr val="000000"/>
                     </a:solidFill>
@@ -11176,7 +11175,7 @@
               </a:ln>
               <a:extLst>
                 <a:ext uri="{91240B29-F687-4f45-9708-019B960494DF}">
-                  <a14:hiddenLine xmlns="" xmlns:a14="http://schemas.microsoft.com/office/drawing/2010/main" w="9525">
+                  <a14:hiddenLine xmlns:a14="http://schemas.microsoft.com/office/drawing/2010/main" xmlns="" w="9525">
                     <a:solidFill>
                       <a:srgbClr val="000000"/>
                     </a:solidFill>
@@ -11291,7 +11290,7 @@
               </a:ln>
               <a:extLst>
                 <a:ext uri="{91240B29-F687-4f45-9708-019B960494DF}">
-                  <a14:hiddenLine xmlns="" xmlns:a14="http://schemas.microsoft.com/office/drawing/2010/main" w="9525">
+                  <a14:hiddenLine xmlns:a14="http://schemas.microsoft.com/office/drawing/2010/main" xmlns="" w="9525">
                     <a:solidFill>
                       <a:srgbClr val="000000"/>
                     </a:solidFill>
@@ -11381,7 +11380,7 @@
               </a:ln>
               <a:extLst>
                 <a:ext uri="{91240B29-F687-4f45-9708-019B960494DF}">
-                  <a14:hiddenLine xmlns="" xmlns:a14="http://schemas.microsoft.com/office/drawing/2010/main" w="9525">
+                  <a14:hiddenLine xmlns:a14="http://schemas.microsoft.com/office/drawing/2010/main" xmlns="" w="9525">
                     <a:solidFill>
                       <a:srgbClr val="000000"/>
                     </a:solidFill>
@@ -11446,7 +11445,7 @@
               </a:ln>
               <a:extLst>
                 <a:ext uri="{91240B29-F687-4f45-9708-019B960494DF}">
-                  <a14:hiddenLine xmlns="" xmlns:a14="http://schemas.microsoft.com/office/drawing/2010/main" w="9525">
+                  <a14:hiddenLine xmlns:a14="http://schemas.microsoft.com/office/drawing/2010/main" xmlns="" w="9525">
                     <a:solidFill>
                       <a:srgbClr val="000000"/>
                     </a:solidFill>
@@ -11536,7 +11535,7 @@
               </a:ln>
               <a:extLst>
                 <a:ext uri="{91240B29-F687-4f45-9708-019B960494DF}">
-                  <a14:hiddenLine xmlns="" xmlns:a14="http://schemas.microsoft.com/office/drawing/2010/main" w="9525">
+                  <a14:hiddenLine xmlns:a14="http://schemas.microsoft.com/office/drawing/2010/main" xmlns="" w="9525">
                     <a:solidFill>
                       <a:srgbClr val="000000"/>
                     </a:solidFill>
@@ -11604,7 +11603,7 @@
               </a:ln>
               <a:extLst>
                 <a:ext uri="{91240B29-F687-4f45-9708-019B960494DF}">
-                  <a14:hiddenLine xmlns="" xmlns:a14="http://schemas.microsoft.com/office/drawing/2010/main" w="9525">
+                  <a14:hiddenLine xmlns:a14="http://schemas.microsoft.com/office/drawing/2010/main" xmlns="" w="9525">
                     <a:solidFill>
                       <a:srgbClr val="000000"/>
                     </a:solidFill>
@@ -11694,7 +11693,7 @@
               </a:ln>
               <a:extLst>
                 <a:ext uri="{91240B29-F687-4f45-9708-019B960494DF}">
-                  <a14:hiddenLine xmlns="" xmlns:a14="http://schemas.microsoft.com/office/drawing/2010/main" w="9525">
+                  <a14:hiddenLine xmlns:a14="http://schemas.microsoft.com/office/drawing/2010/main" xmlns="" w="9525">
                     <a:solidFill>
                       <a:srgbClr val="000000"/>
                     </a:solidFill>
@@ -11762,7 +11761,7 @@
               </a:ln>
               <a:extLst>
                 <a:ext uri="{91240B29-F687-4f45-9708-019B960494DF}">
-                  <a14:hiddenLine xmlns="" xmlns:a14="http://schemas.microsoft.com/office/drawing/2010/main" w="9525">
+                  <a14:hiddenLine xmlns:a14="http://schemas.microsoft.com/office/drawing/2010/main" xmlns="" w="9525">
                     <a:solidFill>
                       <a:srgbClr val="000000"/>
                     </a:solidFill>
@@ -11852,7 +11851,7 @@
               </a:ln>
               <a:extLst>
                 <a:ext uri="{91240B29-F687-4f45-9708-019B960494DF}">
-                  <a14:hiddenLine xmlns="" xmlns:a14="http://schemas.microsoft.com/office/drawing/2010/main" w="9525">
+                  <a14:hiddenLine xmlns:a14="http://schemas.microsoft.com/office/drawing/2010/main" xmlns="" w="9525">
                     <a:solidFill>
                       <a:srgbClr val="000000"/>
                     </a:solidFill>
@@ -11886,7 +11885,7 @@
               </a:ln>
               <a:extLst>
                 <a:ext uri="{91240B29-F687-4f45-9708-019B960494DF}">
-                  <a14:hiddenLine xmlns="" xmlns:a14="http://schemas.microsoft.com/office/drawing/2010/main" w="9525">
+                  <a14:hiddenLine xmlns:a14="http://schemas.microsoft.com/office/drawing/2010/main" xmlns="" w="9525">
                     <a:solidFill>
                       <a:srgbClr val="000000"/>
                     </a:solidFill>
@@ -12026,7 +12025,7 @@
           <a:p>
             <a:fld id="{0B88EADF-5A54-4B61-9EAD-1A178CAF62DF}" type="datetimeFigureOut">
               <a:rPr lang="zh-TW" altLang="en-US" smtClean="0"/>
-              <a:t>2018/8/28</a:t>
+              <a:t>2018/11/10</a:t>
             </a:fld>
             <a:endParaRPr lang="zh-TW" altLang="en-US"/>
           </a:p>
@@ -12540,96 +12539,6 @@
           <a:bodyPr/>
           <a:lstStyle/>
           <a:p>
-            <a:r>
-              <a:rPr lang="en-US" altLang="zh-TW" dirty="0"/>
-              <a:t>design</a:t>
-            </a:r>
-            <a:endParaRPr lang="zh-TW" altLang="en-US" dirty="0"/>
-          </a:p>
-        </p:txBody>
-      </p:sp>
-      <p:sp>
-        <p:nvSpPr>
-          <p:cNvPr id="3" name="內容版面配置區 2"/>
-          <p:cNvSpPr>
-            <a:spLocks noGrp="1"/>
-          </p:cNvSpPr>
-          <p:nvPr>
-            <p:ph idx="1"/>
-          </p:nvPr>
-        </p:nvSpPr>
-        <p:spPr/>
-        <p:txBody>
-          <a:bodyPr/>
-          <a:lstStyle/>
-          <a:p>
-            <a:r>
-              <a:rPr lang="en-US" altLang="zh-TW" dirty="0"/>
-              <a:t>Entire engine built by </a:t>
-            </a:r>
-            <a:r>
-              <a:rPr lang="en-US" altLang="zh-TW" dirty="0" err="1"/>
-              <a:t>MoonSharp</a:t>
-            </a:r>
-            <a:r>
-              <a:rPr lang="en-US" altLang="zh-TW" dirty="0"/>
-              <a:t> (LUA for C#)</a:t>
-            </a:r>
-          </a:p>
-          <a:p>
-            <a:r>
-              <a:rPr lang="en-US" altLang="zh-TW" dirty="0"/>
-              <a:t>predefined task are built by LUA</a:t>
-            </a:r>
-            <a:endParaRPr lang="zh-TW" altLang="en-US" dirty="0"/>
-          </a:p>
-        </p:txBody>
-      </p:sp>
-    </p:spTree>
-    <p:extLst>
-      <p:ext uri="{BB962C8B-B14F-4D97-AF65-F5344CB8AC3E}">
-        <p14:creationId xmlns:p14="http://schemas.microsoft.com/office/powerpoint/2010/main" val="1077137388"/>
-      </p:ext>
-    </p:extLst>
-  </p:cSld>
-  <p:clrMapOvr>
-    <a:masterClrMapping/>
-  </p:clrMapOvr>
-</p:sld>
-</file>
-
-<file path=ppt/slides/slide11.xml><?xml version="1.0" encoding="utf-8"?>
-<p:sld xmlns:a="http://schemas.openxmlformats.org/drawingml/2006/main" xmlns:r="http://schemas.openxmlformats.org/officeDocument/2006/relationships" xmlns:p="http://schemas.openxmlformats.org/presentationml/2006/main">
-  <p:cSld>
-    <p:spTree>
-      <p:nvGrpSpPr>
-        <p:cNvPr id="1" name=""/>
-        <p:cNvGrpSpPr/>
-        <p:nvPr/>
-      </p:nvGrpSpPr>
-      <p:grpSpPr>
-        <a:xfrm>
-          <a:off x="0" y="0"/>
-          <a:ext cx="0" cy="0"/>
-          <a:chOff x="0" y="0"/>
-          <a:chExt cx="0" cy="0"/>
-        </a:xfrm>
-      </p:grpSpPr>
-      <p:sp>
-        <p:nvSpPr>
-          <p:cNvPr id="2" name="標題 1"/>
-          <p:cNvSpPr>
-            <a:spLocks noGrp="1"/>
-          </p:cNvSpPr>
-          <p:nvPr>
-            <p:ph type="title"/>
-          </p:nvPr>
-        </p:nvSpPr>
-        <p:spPr/>
-        <p:txBody>
-          <a:bodyPr/>
-          <a:lstStyle/>
-          <a:p>
             <a:endParaRPr lang="zh-TW" altLang="en-US"/>
           </a:p>
         </p:txBody>
@@ -12939,7 +12848,7 @@
               <a:pPr algn="ctr"/>
               <a:r>
                 <a:rPr lang="en-US" altLang="zh-TW" dirty="0"/>
-                <a:t>LUA Engine</a:t>
+                <a:t>Python Engine</a:t>
               </a:r>
               <a:endParaRPr lang="zh-TW" altLang="en-US" dirty="0"/>
             </a:p>
@@ -12987,7 +12896,7 @@
               <a:pPr algn="ctr"/>
               <a:r>
                 <a:rPr lang="en-US" altLang="zh-TW" dirty="0"/>
-                <a:t>Predefined LUA scripts</a:t>
+                <a:t>Predefined Python scripts</a:t>
               </a:r>
               <a:endParaRPr lang="zh-TW" altLang="en-US" dirty="0"/>
             </a:p>
@@ -13580,28 +13489,21 @@
           <a:p>
             <a:r>
               <a:rPr lang="en-US" altLang="zh-TW" dirty="0"/>
-              <a:t>Entire engine built by </a:t>
+              <a:t>Entire engine built by Python (</a:t>
             </a:r>
             <a:r>
               <a:rPr lang="en-US" altLang="zh-TW" dirty="0" err="1"/>
-              <a:t>MoonSharp</a:t>
+              <a:t>PythonEngine</a:t>
             </a:r>
             <a:r>
               <a:rPr lang="en-US" altLang="zh-TW" dirty="0"/>
-              <a:t> (LUA for C#)</a:t>
+              <a:t> for C#)</a:t>
             </a:r>
           </a:p>
           <a:p>
             <a:r>
               <a:rPr lang="en-US" altLang="zh-TW" dirty="0"/>
               <a:t>Predefine some tasks to collect windows common information</a:t>
-            </a:r>
-          </a:p>
-          <a:p>
-            <a:pPr lvl="1"/>
-            <a:r>
-              <a:rPr lang="en-US" altLang="zh-TW" dirty="0"/>
-              <a:t>Predefined tasks are built by LUA script</a:t>
             </a:r>
           </a:p>
           <a:p>
@@ -14044,7 +13946,7 @@
           <a:p>
             <a:r>
               <a:rPr lang="en-US" altLang="zh-TW" dirty="0"/>
-              <a:t>100 tasks max</a:t>
+              <a:t>32 tasks max</a:t>
             </a:r>
           </a:p>
           <a:p>

--- a/doc/Overview.pptx
+++ b/doc/Overview.pptx
@@ -15,6 +15,9 @@
     <p:sldId id="261" r:id="rId9"/>
     <p:sldId id="262" r:id="rId10"/>
     <p:sldId id="265" r:id="rId11"/>
+    <p:sldId id="268" r:id="rId12"/>
+    <p:sldId id="269" r:id="rId13"/>
+    <p:sldId id="270" r:id="rId14"/>
   </p:sldIdLst>
   <p:sldSz cx="12192000" cy="6858000"/>
   <p:notesSz cx="6858000" cy="9144000"/>
@@ -171,7 +174,7 @@
           <a:noFill/>
           <a:extLst>
             <a:ext uri="{909E8E84-426E-40dd-AFC4-6F175D3DCCD1}">
-              <a14:hiddenFill xmlns:a14="http://schemas.microsoft.com/office/drawing/2010/main" xmlns="">
+              <a14:hiddenFill xmlns="" xmlns:a14="http://schemas.microsoft.com/office/drawing/2010/main">
                 <a:solidFill>
                   <a:srgbClr val="FFFFFF"/>
                 </a:solidFill>
@@ -231,7 +234,7 @@
             </a:ln>
             <a:extLst>
               <a:ext uri="{91240B29-F687-4f45-9708-019B960494DF}">
-                <a14:hiddenLine xmlns:a14="http://schemas.microsoft.com/office/drawing/2010/main" xmlns="" w="9525">
+                <a14:hiddenLine xmlns="" xmlns:a14="http://schemas.microsoft.com/office/drawing/2010/main" w="9525">
                   <a:solidFill>
                     <a:srgbClr val="000000"/>
                   </a:solidFill>
@@ -321,7 +324,7 @@
             </a:ln>
             <a:extLst>
               <a:ext uri="{91240B29-F687-4f45-9708-019B960494DF}">
-                <a14:hiddenLine xmlns:a14="http://schemas.microsoft.com/office/drawing/2010/main" xmlns="" w="9525">
+                <a14:hiddenLine xmlns="" xmlns:a14="http://schemas.microsoft.com/office/drawing/2010/main" w="9525">
                   <a:solidFill>
                     <a:srgbClr val="000000"/>
                   </a:solidFill>
@@ -411,7 +414,7 @@
             </a:ln>
             <a:extLst>
               <a:ext uri="{91240B29-F687-4f45-9708-019B960494DF}">
-                <a14:hiddenLine xmlns:a14="http://schemas.microsoft.com/office/drawing/2010/main" xmlns="" w="9525">
+                <a14:hiddenLine xmlns="" xmlns:a14="http://schemas.microsoft.com/office/drawing/2010/main" w="9525">
                   <a:solidFill>
                     <a:srgbClr val="000000"/>
                   </a:solidFill>
@@ -445,7 +448,7 @@
             </a:ln>
             <a:extLst>
               <a:ext uri="{91240B29-F687-4f45-9708-019B960494DF}">
-                <a14:hiddenLine xmlns:a14="http://schemas.microsoft.com/office/drawing/2010/main" xmlns="" w="9525">
+                <a14:hiddenLine xmlns="" xmlns:a14="http://schemas.microsoft.com/office/drawing/2010/main" w="9525">
                   <a:solidFill>
                     <a:srgbClr val="000000"/>
                   </a:solidFill>
@@ -535,7 +538,7 @@
             </a:ln>
             <a:extLst>
               <a:ext uri="{91240B29-F687-4f45-9708-019B960494DF}">
-                <a14:hiddenLine xmlns:a14="http://schemas.microsoft.com/office/drawing/2010/main" xmlns="" w="9525">
+                <a14:hiddenLine xmlns="" xmlns:a14="http://schemas.microsoft.com/office/drawing/2010/main" w="9525">
                   <a:solidFill>
                     <a:srgbClr val="000000"/>
                   </a:solidFill>
@@ -597,7 +600,7 @@
             </a:ln>
             <a:extLst>
               <a:ext uri="{91240B29-F687-4f45-9708-019B960494DF}">
-                <a14:hiddenLine xmlns:a14="http://schemas.microsoft.com/office/drawing/2010/main" xmlns="" w="9525">
+                <a14:hiddenLine xmlns="" xmlns:a14="http://schemas.microsoft.com/office/drawing/2010/main" w="9525">
                   <a:solidFill>
                     <a:srgbClr val="000000"/>
                   </a:solidFill>
@@ -659,7 +662,7 @@
             </a:ln>
             <a:extLst>
               <a:ext uri="{91240B29-F687-4f45-9708-019B960494DF}">
-                <a14:hiddenLine xmlns:a14="http://schemas.microsoft.com/office/drawing/2010/main" xmlns="" w="9525">
+                <a14:hiddenLine xmlns="" xmlns:a14="http://schemas.microsoft.com/office/drawing/2010/main" w="9525">
                   <a:solidFill>
                     <a:srgbClr val="000000"/>
                   </a:solidFill>
@@ -749,7 +752,7 @@
             </a:ln>
             <a:extLst>
               <a:ext uri="{91240B29-F687-4f45-9708-019B960494DF}">
-                <a14:hiddenLine xmlns:a14="http://schemas.microsoft.com/office/drawing/2010/main" xmlns="" w="9525">
+                <a14:hiddenLine xmlns="" xmlns:a14="http://schemas.microsoft.com/office/drawing/2010/main" w="9525">
                   <a:solidFill>
                     <a:srgbClr val="000000"/>
                   </a:solidFill>
@@ -811,7 +814,7 @@
             </a:ln>
             <a:extLst>
               <a:ext uri="{91240B29-F687-4f45-9708-019B960494DF}">
-                <a14:hiddenLine xmlns:a14="http://schemas.microsoft.com/office/drawing/2010/main" xmlns="" w="9525">
+                <a14:hiddenLine xmlns="" xmlns:a14="http://schemas.microsoft.com/office/drawing/2010/main" w="9525">
                   <a:solidFill>
                     <a:srgbClr val="000000"/>
                   </a:solidFill>
@@ -873,7 +876,7 @@
             </a:ln>
             <a:extLst>
               <a:ext uri="{91240B29-F687-4f45-9708-019B960494DF}">
-                <a14:hiddenLine xmlns:a14="http://schemas.microsoft.com/office/drawing/2010/main" xmlns="" w="9525">
+                <a14:hiddenLine xmlns="" xmlns:a14="http://schemas.microsoft.com/office/drawing/2010/main" w="9525">
                   <a:solidFill>
                     <a:srgbClr val="000000"/>
                   </a:solidFill>
@@ -963,7 +966,7 @@
             </a:ln>
             <a:extLst>
               <a:ext uri="{91240B29-F687-4f45-9708-019B960494DF}">
-                <a14:hiddenLine xmlns:a14="http://schemas.microsoft.com/office/drawing/2010/main" xmlns="" w="9525">
+                <a14:hiddenLine xmlns="" xmlns:a14="http://schemas.microsoft.com/office/drawing/2010/main" w="9525">
                   <a:solidFill>
                     <a:srgbClr val="000000"/>
                   </a:solidFill>
@@ -1053,7 +1056,7 @@
             </a:ln>
             <a:extLst>
               <a:ext uri="{91240B29-F687-4f45-9708-019B960494DF}">
-                <a14:hiddenLine xmlns:a14="http://schemas.microsoft.com/office/drawing/2010/main" xmlns="" w="9525">
+                <a14:hiddenLine xmlns="" xmlns:a14="http://schemas.microsoft.com/office/drawing/2010/main" w="9525">
                   <a:solidFill>
                     <a:srgbClr val="000000"/>
                   </a:solidFill>
@@ -1115,7 +1118,7 @@
             </a:ln>
             <a:extLst>
               <a:ext uri="{91240B29-F687-4f45-9708-019B960494DF}">
-                <a14:hiddenLine xmlns:a14="http://schemas.microsoft.com/office/drawing/2010/main" xmlns="" w="9525">
+                <a14:hiddenLine xmlns="" xmlns:a14="http://schemas.microsoft.com/office/drawing/2010/main" w="9525">
                   <a:solidFill>
                     <a:srgbClr val="000000"/>
                   </a:solidFill>
@@ -1225,7 +1228,7 @@
             </a:ln>
             <a:extLst>
               <a:ext uri="{91240B29-F687-4f45-9708-019B960494DF}">
-                <a14:hiddenLine xmlns:a14="http://schemas.microsoft.com/office/drawing/2010/main" xmlns="" w="9525">
+                <a14:hiddenLine xmlns="" xmlns:a14="http://schemas.microsoft.com/office/drawing/2010/main" w="9525">
                   <a:solidFill>
                     <a:srgbClr val="000000"/>
                   </a:solidFill>
@@ -1287,7 +1290,7 @@
             </a:ln>
             <a:extLst>
               <a:ext uri="{91240B29-F687-4f45-9708-019B960494DF}">
-                <a14:hiddenLine xmlns:a14="http://schemas.microsoft.com/office/drawing/2010/main" xmlns="" w="9525">
+                <a14:hiddenLine xmlns="" xmlns:a14="http://schemas.microsoft.com/office/drawing/2010/main" w="9525">
                   <a:solidFill>
                     <a:srgbClr val="000000"/>
                   </a:solidFill>
@@ -1377,7 +1380,7 @@
             </a:ln>
             <a:extLst>
               <a:ext uri="{91240B29-F687-4f45-9708-019B960494DF}">
-                <a14:hiddenLine xmlns:a14="http://schemas.microsoft.com/office/drawing/2010/main" xmlns="" w="9525">
+                <a14:hiddenLine xmlns="" xmlns:a14="http://schemas.microsoft.com/office/drawing/2010/main" w="9525">
                   <a:solidFill>
                     <a:srgbClr val="000000"/>
                   </a:solidFill>
@@ -1467,7 +1470,7 @@
             </a:ln>
             <a:extLst>
               <a:ext uri="{91240B29-F687-4f45-9708-019B960494DF}">
-                <a14:hiddenLine xmlns:a14="http://schemas.microsoft.com/office/drawing/2010/main" xmlns="" w="9525">
+                <a14:hiddenLine xmlns="" xmlns:a14="http://schemas.microsoft.com/office/drawing/2010/main" w="9525">
                   <a:solidFill>
                     <a:srgbClr val="000000"/>
                   </a:solidFill>
@@ -1529,7 +1532,7 @@
             </a:ln>
             <a:extLst>
               <a:ext uri="{91240B29-F687-4f45-9708-019B960494DF}">
-                <a14:hiddenLine xmlns:a14="http://schemas.microsoft.com/office/drawing/2010/main" xmlns="" w="9525">
+                <a14:hiddenLine xmlns="" xmlns:a14="http://schemas.microsoft.com/office/drawing/2010/main" w="9525">
                   <a:solidFill>
                     <a:srgbClr val="000000"/>
                   </a:solidFill>
@@ -1619,7 +1622,7 @@
             </a:ln>
             <a:extLst>
               <a:ext uri="{91240B29-F687-4f45-9708-019B960494DF}">
-                <a14:hiddenLine xmlns:a14="http://schemas.microsoft.com/office/drawing/2010/main" xmlns="" w="9525">
+                <a14:hiddenLine xmlns="" xmlns:a14="http://schemas.microsoft.com/office/drawing/2010/main" w="9525">
                   <a:solidFill>
                     <a:srgbClr val="000000"/>
                   </a:solidFill>
@@ -1709,7 +1712,7 @@
             </a:ln>
             <a:extLst>
               <a:ext uri="{91240B29-F687-4f45-9708-019B960494DF}">
-                <a14:hiddenLine xmlns:a14="http://schemas.microsoft.com/office/drawing/2010/main" xmlns="" w="9525">
+                <a14:hiddenLine xmlns="" xmlns:a14="http://schemas.microsoft.com/office/drawing/2010/main" w="9525">
                   <a:solidFill>
                     <a:srgbClr val="000000"/>
                   </a:solidFill>
@@ -1765,7 +1768,7 @@
             </a:ln>
             <a:extLst>
               <a:ext uri="{91240B29-F687-4f45-9708-019B960494DF}">
-                <a14:hiddenLine xmlns:a14="http://schemas.microsoft.com/office/drawing/2010/main" xmlns="" w="9525">
+                <a14:hiddenLine xmlns="" xmlns:a14="http://schemas.microsoft.com/office/drawing/2010/main" w="9525">
                   <a:solidFill>
                     <a:srgbClr val="000000"/>
                   </a:solidFill>
@@ -1855,7 +1858,7 @@
             </a:ln>
             <a:extLst>
               <a:ext uri="{91240B29-F687-4f45-9708-019B960494DF}">
-                <a14:hiddenLine xmlns:a14="http://schemas.microsoft.com/office/drawing/2010/main" xmlns="" w="9525">
+                <a14:hiddenLine xmlns="" xmlns:a14="http://schemas.microsoft.com/office/drawing/2010/main" w="9525">
                   <a:solidFill>
                     <a:srgbClr val="000000"/>
                   </a:solidFill>
@@ -1911,7 +1914,7 @@
             </a:ln>
             <a:extLst>
               <a:ext uri="{91240B29-F687-4f45-9708-019B960494DF}">
-                <a14:hiddenLine xmlns:a14="http://schemas.microsoft.com/office/drawing/2010/main" xmlns="" w="9525">
+                <a14:hiddenLine xmlns="" xmlns:a14="http://schemas.microsoft.com/office/drawing/2010/main" w="9525">
                   <a:solidFill>
                     <a:srgbClr val="000000"/>
                   </a:solidFill>
@@ -2001,7 +2004,7 @@
             </a:ln>
             <a:extLst>
               <a:ext uri="{91240B29-F687-4f45-9708-019B960494DF}">
-                <a14:hiddenLine xmlns:a14="http://schemas.microsoft.com/office/drawing/2010/main" xmlns="" w="9525">
+                <a14:hiddenLine xmlns="" xmlns:a14="http://schemas.microsoft.com/office/drawing/2010/main" w="9525">
                   <a:solidFill>
                     <a:srgbClr val="000000"/>
                   </a:solidFill>
@@ -2069,7 +2072,7 @@
             </a:ln>
             <a:extLst>
               <a:ext uri="{91240B29-F687-4f45-9708-019B960494DF}">
-                <a14:hiddenLine xmlns:a14="http://schemas.microsoft.com/office/drawing/2010/main" xmlns="" w="9525">
+                <a14:hiddenLine xmlns="" xmlns:a14="http://schemas.microsoft.com/office/drawing/2010/main" w="9525">
                   <a:solidFill>
                     <a:srgbClr val="000000"/>
                   </a:solidFill>
@@ -2159,7 +2162,7 @@
             </a:ln>
             <a:extLst>
               <a:ext uri="{91240B29-F687-4f45-9708-019B960494DF}">
-                <a14:hiddenLine xmlns:a14="http://schemas.microsoft.com/office/drawing/2010/main" xmlns="" w="9525">
+                <a14:hiddenLine xmlns="" xmlns:a14="http://schemas.microsoft.com/office/drawing/2010/main" w="9525">
                   <a:solidFill>
                     <a:srgbClr val="000000"/>
                   </a:solidFill>
@@ -2227,7 +2230,7 @@
             </a:ln>
             <a:extLst>
               <a:ext uri="{91240B29-F687-4f45-9708-019B960494DF}">
-                <a14:hiddenLine xmlns:a14="http://schemas.microsoft.com/office/drawing/2010/main" xmlns="" w="9525">
+                <a14:hiddenLine xmlns="" xmlns:a14="http://schemas.microsoft.com/office/drawing/2010/main" w="9525">
                   <a:solidFill>
                     <a:srgbClr val="000000"/>
                   </a:solidFill>
@@ -2317,7 +2320,7 @@
             </a:ln>
             <a:extLst>
               <a:ext uri="{91240B29-F687-4f45-9708-019B960494DF}">
-                <a14:hiddenLine xmlns:a14="http://schemas.microsoft.com/office/drawing/2010/main" xmlns="" w="9525">
+                <a14:hiddenLine xmlns="" xmlns:a14="http://schemas.microsoft.com/office/drawing/2010/main" w="9525">
                   <a:solidFill>
                     <a:srgbClr val="000000"/>
                   </a:solidFill>
@@ -2351,7 +2354,7 @@
             </a:ln>
             <a:extLst>
               <a:ext uri="{91240B29-F687-4f45-9708-019B960494DF}">
-                <a14:hiddenLine xmlns:a14="http://schemas.microsoft.com/office/drawing/2010/main" xmlns="" w="9525">
+                <a14:hiddenLine xmlns="" xmlns:a14="http://schemas.microsoft.com/office/drawing/2010/main" w="9525">
                   <a:solidFill>
                     <a:srgbClr val="000000"/>
                   </a:solidFill>
@@ -2441,7 +2444,7 @@
             </a:ln>
             <a:extLst>
               <a:ext uri="{91240B29-F687-4f45-9708-019B960494DF}">
-                <a14:hiddenLine xmlns:a14="http://schemas.microsoft.com/office/drawing/2010/main" xmlns="" w="9525">
+                <a14:hiddenLine xmlns="" xmlns:a14="http://schemas.microsoft.com/office/drawing/2010/main" w="9525">
                   <a:solidFill>
                     <a:srgbClr val="000000"/>
                   </a:solidFill>
@@ -2503,7 +2506,7 @@
             </a:ln>
             <a:extLst>
               <a:ext uri="{91240B29-F687-4f45-9708-019B960494DF}">
-                <a14:hiddenLine xmlns:a14="http://schemas.microsoft.com/office/drawing/2010/main" xmlns="" w="9525">
+                <a14:hiddenLine xmlns="" xmlns:a14="http://schemas.microsoft.com/office/drawing/2010/main" w="9525">
                   <a:solidFill>
                     <a:srgbClr val="000000"/>
                   </a:solidFill>
@@ -2565,7 +2568,7 @@
             </a:ln>
             <a:extLst>
               <a:ext uri="{91240B29-F687-4f45-9708-019B960494DF}">
-                <a14:hiddenLine xmlns:a14="http://schemas.microsoft.com/office/drawing/2010/main" xmlns="" w="9525">
+                <a14:hiddenLine xmlns="" xmlns:a14="http://schemas.microsoft.com/office/drawing/2010/main" w="9525">
                   <a:solidFill>
                     <a:srgbClr val="000000"/>
                   </a:solidFill>
@@ -2655,7 +2658,7 @@
             </a:ln>
             <a:extLst>
               <a:ext uri="{91240B29-F687-4f45-9708-019B960494DF}">
-                <a14:hiddenLine xmlns:a14="http://schemas.microsoft.com/office/drawing/2010/main" xmlns="" w="9525">
+                <a14:hiddenLine xmlns="" xmlns:a14="http://schemas.microsoft.com/office/drawing/2010/main" w="9525">
                   <a:solidFill>
                     <a:srgbClr val="000000"/>
                   </a:solidFill>
@@ -2723,7 +2726,7 @@
             </a:ln>
             <a:extLst>
               <a:ext uri="{91240B29-F687-4f45-9708-019B960494DF}">
-                <a14:hiddenLine xmlns:a14="http://schemas.microsoft.com/office/drawing/2010/main" xmlns="" w="9525">
+                <a14:hiddenLine xmlns="" xmlns:a14="http://schemas.microsoft.com/office/drawing/2010/main" w="9525">
                   <a:solidFill>
                     <a:srgbClr val="000000"/>
                   </a:solidFill>
@@ -2785,7 +2788,7 @@
             </a:ln>
             <a:extLst>
               <a:ext uri="{91240B29-F687-4f45-9708-019B960494DF}">
-                <a14:hiddenLine xmlns:a14="http://schemas.microsoft.com/office/drawing/2010/main" xmlns="" w="9525">
+                <a14:hiddenLine xmlns="" xmlns:a14="http://schemas.microsoft.com/office/drawing/2010/main" w="9525">
                   <a:solidFill>
                     <a:srgbClr val="000000"/>
                   </a:solidFill>
@@ -2875,7 +2878,7 @@
             </a:ln>
             <a:extLst>
               <a:ext uri="{91240B29-F687-4f45-9708-019B960494DF}">
-                <a14:hiddenLine xmlns:a14="http://schemas.microsoft.com/office/drawing/2010/main" xmlns="" w="9525">
+                <a14:hiddenLine xmlns="" xmlns:a14="http://schemas.microsoft.com/office/drawing/2010/main" w="9525">
                   <a:solidFill>
                     <a:srgbClr val="000000"/>
                   </a:solidFill>
@@ -2937,7 +2940,7 @@
             </a:ln>
             <a:extLst>
               <a:ext uri="{91240B29-F687-4f45-9708-019B960494DF}">
-                <a14:hiddenLine xmlns:a14="http://schemas.microsoft.com/office/drawing/2010/main" xmlns="" w="9525">
+                <a14:hiddenLine xmlns="" xmlns:a14="http://schemas.microsoft.com/office/drawing/2010/main" w="9525">
                   <a:solidFill>
                     <a:srgbClr val="000000"/>
                   </a:solidFill>
@@ -3027,7 +3030,7 @@
             </a:ln>
             <a:extLst>
               <a:ext uri="{91240B29-F687-4f45-9708-019B960494DF}">
-                <a14:hiddenLine xmlns:a14="http://schemas.microsoft.com/office/drawing/2010/main" xmlns="" w="9525">
+                <a14:hiddenLine xmlns="" xmlns:a14="http://schemas.microsoft.com/office/drawing/2010/main" w="9525">
                   <a:solidFill>
                     <a:srgbClr val="000000"/>
                   </a:solidFill>
@@ -3089,7 +3092,7 @@
             </a:ln>
             <a:extLst>
               <a:ext uri="{91240B29-F687-4f45-9708-019B960494DF}">
-                <a14:hiddenLine xmlns:a14="http://schemas.microsoft.com/office/drawing/2010/main" xmlns="" w="9525">
+                <a14:hiddenLine xmlns="" xmlns:a14="http://schemas.microsoft.com/office/drawing/2010/main" w="9525">
                   <a:solidFill>
                     <a:srgbClr val="000000"/>
                   </a:solidFill>
@@ -3179,7 +3182,7 @@
             </a:ln>
             <a:extLst>
               <a:ext uri="{91240B29-F687-4f45-9708-019B960494DF}">
-                <a14:hiddenLine xmlns:a14="http://schemas.microsoft.com/office/drawing/2010/main" xmlns="" w="9525">
+                <a14:hiddenLine xmlns="" xmlns:a14="http://schemas.microsoft.com/office/drawing/2010/main" w="9525">
                   <a:solidFill>
                     <a:srgbClr val="000000"/>
                   </a:solidFill>
@@ -3213,7 +3216,7 @@
             </a:ln>
             <a:extLst>
               <a:ext uri="{91240B29-F687-4f45-9708-019B960494DF}">
-                <a14:hiddenLine xmlns:a14="http://schemas.microsoft.com/office/drawing/2010/main" xmlns="" w="9525">
+                <a14:hiddenLine xmlns="" xmlns:a14="http://schemas.microsoft.com/office/drawing/2010/main" w="9525">
                   <a:solidFill>
                     <a:srgbClr val="000000"/>
                   </a:solidFill>
@@ -3278,7 +3281,7 @@
             </a:ln>
             <a:extLst>
               <a:ext uri="{91240B29-F687-4f45-9708-019B960494DF}">
-                <a14:hiddenLine xmlns:a14="http://schemas.microsoft.com/office/drawing/2010/main" xmlns="" w="9525">
+                <a14:hiddenLine xmlns="" xmlns:a14="http://schemas.microsoft.com/office/drawing/2010/main" w="9525">
                   <a:solidFill>
                     <a:srgbClr val="000000"/>
                   </a:solidFill>
@@ -3368,7 +3371,7 @@
             </a:ln>
             <a:extLst>
               <a:ext uri="{91240B29-F687-4f45-9708-019B960494DF}">
-                <a14:hiddenLine xmlns:a14="http://schemas.microsoft.com/office/drawing/2010/main" xmlns="" w="9525">
+                <a14:hiddenLine xmlns="" xmlns:a14="http://schemas.microsoft.com/office/drawing/2010/main" w="9525">
                   <a:solidFill>
                     <a:srgbClr val="000000"/>
                   </a:solidFill>
@@ -3430,7 +3433,7 @@
             </a:ln>
             <a:extLst>
               <a:ext uri="{91240B29-F687-4f45-9708-019B960494DF}">
-                <a14:hiddenLine xmlns:a14="http://schemas.microsoft.com/office/drawing/2010/main" xmlns="" w="9525">
+                <a14:hiddenLine xmlns="" xmlns:a14="http://schemas.microsoft.com/office/drawing/2010/main" w="9525">
                   <a:solidFill>
                     <a:srgbClr val="000000"/>
                   </a:solidFill>
@@ -3520,7 +3523,7 @@
             </a:ln>
             <a:extLst>
               <a:ext uri="{91240B29-F687-4f45-9708-019B960494DF}">
-                <a14:hiddenLine xmlns:a14="http://schemas.microsoft.com/office/drawing/2010/main" xmlns="" w="9525">
+                <a14:hiddenLine xmlns="" xmlns:a14="http://schemas.microsoft.com/office/drawing/2010/main" w="9525">
                   <a:solidFill>
                     <a:srgbClr val="000000"/>
                   </a:solidFill>
@@ -3610,7 +3613,7 @@
             </a:ln>
             <a:extLst>
               <a:ext uri="{91240B29-F687-4f45-9708-019B960494DF}">
-                <a14:hiddenLine xmlns:a14="http://schemas.microsoft.com/office/drawing/2010/main" xmlns="" w="9525">
+                <a14:hiddenLine xmlns="" xmlns:a14="http://schemas.microsoft.com/office/drawing/2010/main" w="9525">
                   <a:solidFill>
                     <a:srgbClr val="000000"/>
                   </a:solidFill>
@@ -3675,7 +3678,7 @@
             </a:ln>
             <a:extLst>
               <a:ext uri="{91240B29-F687-4f45-9708-019B960494DF}">
-                <a14:hiddenLine xmlns:a14="http://schemas.microsoft.com/office/drawing/2010/main" xmlns="" w="9525">
+                <a14:hiddenLine xmlns="" xmlns:a14="http://schemas.microsoft.com/office/drawing/2010/main" w="9525">
                   <a:solidFill>
                     <a:srgbClr val="000000"/>
                   </a:solidFill>
@@ -3737,7 +3740,7 @@
             </a:ln>
             <a:extLst>
               <a:ext uri="{91240B29-F687-4f45-9708-019B960494DF}">
-                <a14:hiddenLine xmlns:a14="http://schemas.microsoft.com/office/drawing/2010/main" xmlns="" w="9525">
+                <a14:hiddenLine xmlns="" xmlns:a14="http://schemas.microsoft.com/office/drawing/2010/main" w="9525">
                   <a:solidFill>
                     <a:srgbClr val="000000"/>
                   </a:solidFill>
@@ -3827,7 +3830,7 @@
             </a:ln>
             <a:extLst>
               <a:ext uri="{91240B29-F687-4f45-9708-019B960494DF}">
-                <a14:hiddenLine xmlns:a14="http://schemas.microsoft.com/office/drawing/2010/main" xmlns="" w="9525">
+                <a14:hiddenLine xmlns="" xmlns:a14="http://schemas.microsoft.com/office/drawing/2010/main" w="9525">
                   <a:solidFill>
                     <a:srgbClr val="000000"/>
                   </a:solidFill>
@@ -3917,7 +3920,7 @@
             </a:ln>
             <a:extLst>
               <a:ext uri="{91240B29-F687-4f45-9708-019B960494DF}">
-                <a14:hiddenLine xmlns:a14="http://schemas.microsoft.com/office/drawing/2010/main" xmlns="" w="9525">
+                <a14:hiddenLine xmlns="" xmlns:a14="http://schemas.microsoft.com/office/drawing/2010/main" w="9525">
                   <a:solidFill>
                     <a:srgbClr val="000000"/>
                   </a:solidFill>
@@ -3979,7 +3982,7 @@
             </a:ln>
             <a:extLst>
               <a:ext uri="{91240B29-F687-4f45-9708-019B960494DF}">
-                <a14:hiddenLine xmlns:a14="http://schemas.microsoft.com/office/drawing/2010/main" xmlns="" w="9525">
+                <a14:hiddenLine xmlns="" xmlns:a14="http://schemas.microsoft.com/office/drawing/2010/main" w="9525">
                   <a:solidFill>
                     <a:srgbClr val="000000"/>
                   </a:solidFill>
@@ -4099,7 +4102,7 @@
             </a:ln>
             <a:extLst>
               <a:ext uri="{91240B29-F687-4f45-9708-019B960494DF}">
-                <a14:hiddenLine xmlns:a14="http://schemas.microsoft.com/office/drawing/2010/main" xmlns="" w="9525">
+                <a14:hiddenLine xmlns="" xmlns:a14="http://schemas.microsoft.com/office/drawing/2010/main" w="9525">
                   <a:solidFill>
                     <a:srgbClr val="000000"/>
                   </a:solidFill>
@@ -4167,7 +4170,7 @@
             </a:ln>
             <a:extLst>
               <a:ext uri="{91240B29-F687-4f45-9708-019B960494DF}">
-                <a14:hiddenLine xmlns:a14="http://schemas.microsoft.com/office/drawing/2010/main" xmlns="" w="9525">
+                <a14:hiddenLine xmlns="" xmlns:a14="http://schemas.microsoft.com/office/drawing/2010/main" w="9525">
                   <a:solidFill>
                     <a:srgbClr val="000000"/>
                   </a:solidFill>
@@ -4257,7 +4260,7 @@
             </a:ln>
             <a:extLst>
               <a:ext uri="{91240B29-F687-4f45-9708-019B960494DF}">
-                <a14:hiddenLine xmlns:a14="http://schemas.microsoft.com/office/drawing/2010/main" xmlns="" w="9525">
+                <a14:hiddenLine xmlns="" xmlns:a14="http://schemas.microsoft.com/office/drawing/2010/main" w="9525">
                   <a:solidFill>
                     <a:srgbClr val="000000"/>
                   </a:solidFill>
@@ -4397,7 +4400,7 @@
           <a:p>
             <a:fld id="{0B88EADF-5A54-4B61-9EAD-1A178CAF62DF}" type="datetimeFigureOut">
               <a:rPr lang="zh-TW" altLang="en-US" smtClean="0"/>
-              <a:t>2018/11/10</a:t>
+              <a:t>2018/11/18</a:t>
             </a:fld>
             <a:endParaRPr lang="zh-TW" altLang="en-US"/>
           </a:p>
@@ -4664,7 +4667,7 @@
           <a:p>
             <a:fld id="{0B88EADF-5A54-4B61-9EAD-1A178CAF62DF}" type="datetimeFigureOut">
               <a:rPr lang="zh-TW" altLang="en-US" smtClean="0"/>
-              <a:t>2018/11/10</a:t>
+              <a:t>2018/11/18</a:t>
             </a:fld>
             <a:endParaRPr lang="zh-TW" altLang="en-US"/>
           </a:p>
@@ -4860,7 +4863,7 @@
           <a:p>
             <a:fld id="{0B88EADF-5A54-4B61-9EAD-1A178CAF62DF}" type="datetimeFigureOut">
               <a:rPr lang="zh-TW" altLang="en-US" smtClean="0"/>
-              <a:t>2018/11/10</a:t>
+              <a:t>2018/11/18</a:t>
             </a:fld>
             <a:endParaRPr lang="zh-TW" altLang="en-US"/>
           </a:p>
@@ -5123,7 +5126,7 @@
           <a:p>
             <a:fld id="{0B88EADF-5A54-4B61-9EAD-1A178CAF62DF}" type="datetimeFigureOut">
               <a:rPr lang="zh-TW" altLang="en-US" smtClean="0"/>
-              <a:t>2018/11/10</a:t>
+              <a:t>2018/11/18</a:t>
             </a:fld>
             <a:endParaRPr lang="zh-TW" altLang="en-US"/>
           </a:p>
@@ -5557,7 +5560,7 @@
           <a:p>
             <a:fld id="{0B88EADF-5A54-4B61-9EAD-1A178CAF62DF}" type="datetimeFigureOut">
               <a:rPr lang="zh-TW" altLang="en-US" smtClean="0"/>
-              <a:t>2018/11/10</a:t>
+              <a:t>2018/11/18</a:t>
             </a:fld>
             <a:endParaRPr lang="zh-TW" altLang="en-US"/>
           </a:p>
@@ -6103,7 +6106,7 @@
           <a:p>
             <a:fld id="{0B88EADF-5A54-4B61-9EAD-1A178CAF62DF}" type="datetimeFigureOut">
               <a:rPr lang="zh-TW" altLang="en-US" smtClean="0"/>
-              <a:t>2018/11/10</a:t>
+              <a:t>2018/11/18</a:t>
             </a:fld>
             <a:endParaRPr lang="zh-TW" altLang="en-US"/>
           </a:p>
@@ -6823,7 +6826,7 @@
           <a:p>
             <a:fld id="{0B88EADF-5A54-4B61-9EAD-1A178CAF62DF}" type="datetimeFigureOut">
               <a:rPr lang="zh-TW" altLang="en-US" smtClean="0"/>
-              <a:t>2018/11/10</a:t>
+              <a:t>2018/11/18</a:t>
             </a:fld>
             <a:endParaRPr lang="zh-TW" altLang="en-US"/>
           </a:p>
@@ -6993,7 +6996,7 @@
           <a:p>
             <a:fld id="{0B88EADF-5A54-4B61-9EAD-1A178CAF62DF}" type="datetimeFigureOut">
               <a:rPr lang="zh-TW" altLang="en-US" smtClean="0"/>
-              <a:t>2018/11/10</a:t>
+              <a:t>2018/11/18</a:t>
             </a:fld>
             <a:endParaRPr lang="zh-TW" altLang="en-US"/>
           </a:p>
@@ -7173,7 +7176,7 @@
           <a:p>
             <a:fld id="{0B88EADF-5A54-4B61-9EAD-1A178CAF62DF}" type="datetimeFigureOut">
               <a:rPr lang="zh-TW" altLang="en-US" smtClean="0"/>
-              <a:t>2018/11/10</a:t>
+              <a:t>2018/11/18</a:t>
             </a:fld>
             <a:endParaRPr lang="zh-TW" altLang="en-US"/>
           </a:p>
@@ -7343,7 +7346,7 @@
           <a:p>
             <a:fld id="{0B88EADF-5A54-4B61-9EAD-1A178CAF62DF}" type="datetimeFigureOut">
               <a:rPr lang="zh-TW" altLang="en-US" smtClean="0"/>
-              <a:t>2018/11/10</a:t>
+              <a:t>2018/11/18</a:t>
             </a:fld>
             <a:endParaRPr lang="zh-TW" altLang="en-US"/>
           </a:p>
@@ -7593,7 +7596,7 @@
           <a:p>
             <a:fld id="{0B88EADF-5A54-4B61-9EAD-1A178CAF62DF}" type="datetimeFigureOut">
               <a:rPr lang="zh-TW" altLang="en-US" smtClean="0"/>
-              <a:t>2018/11/10</a:t>
+              <a:t>2018/11/18</a:t>
             </a:fld>
             <a:endParaRPr lang="zh-TW" altLang="en-US"/>
           </a:p>
@@ -7825,7 +7828,7 @@
           <a:p>
             <a:fld id="{0B88EADF-5A54-4B61-9EAD-1A178CAF62DF}" type="datetimeFigureOut">
               <a:rPr lang="zh-TW" altLang="en-US" smtClean="0"/>
-              <a:t>2018/11/10</a:t>
+              <a:t>2018/11/18</a:t>
             </a:fld>
             <a:endParaRPr lang="zh-TW" altLang="en-US"/>
           </a:p>
@@ -8206,7 +8209,7 @@
           <a:p>
             <a:fld id="{0B88EADF-5A54-4B61-9EAD-1A178CAF62DF}" type="datetimeFigureOut">
               <a:rPr lang="zh-TW" altLang="en-US" smtClean="0"/>
-              <a:t>2018/11/10</a:t>
+              <a:t>2018/11/18</a:t>
             </a:fld>
             <a:endParaRPr lang="zh-TW" altLang="en-US"/>
           </a:p>
@@ -8324,7 +8327,7 @@
           <a:p>
             <a:fld id="{0B88EADF-5A54-4B61-9EAD-1A178CAF62DF}" type="datetimeFigureOut">
               <a:rPr lang="zh-TW" altLang="en-US" smtClean="0"/>
-              <a:t>2018/11/10</a:t>
+              <a:t>2018/11/18</a:t>
             </a:fld>
             <a:endParaRPr lang="zh-TW" altLang="en-US"/>
           </a:p>
@@ -8419,7 +8422,7 @@
           <a:p>
             <a:fld id="{0B88EADF-5A54-4B61-9EAD-1A178CAF62DF}" type="datetimeFigureOut">
               <a:rPr lang="zh-TW" altLang="en-US" smtClean="0"/>
-              <a:t>2018/11/10</a:t>
+              <a:t>2018/11/18</a:t>
             </a:fld>
             <a:endParaRPr lang="zh-TW" altLang="en-US"/>
           </a:p>
@@ -8668,7 +8671,7 @@
           <a:p>
             <a:fld id="{0B88EADF-5A54-4B61-9EAD-1A178CAF62DF}" type="datetimeFigureOut">
               <a:rPr lang="zh-TW" altLang="en-US" smtClean="0"/>
-              <a:t>2018/11/10</a:t>
+              <a:t>2018/11/18</a:t>
             </a:fld>
             <a:endParaRPr lang="zh-TW" altLang="en-US"/>
           </a:p>
@@ -8948,7 +8951,7 @@
           <a:p>
             <a:fld id="{0B88EADF-5A54-4B61-9EAD-1A178CAF62DF}" type="datetimeFigureOut">
               <a:rPr lang="zh-TW" altLang="en-US" smtClean="0"/>
-              <a:t>2018/11/10</a:t>
+              <a:t>2018/11/18</a:t>
             </a:fld>
             <a:endParaRPr lang="zh-TW" altLang="en-US"/>
           </a:p>
@@ -9064,7 +9067,7 @@
           <a:noFill/>
           <a:extLst>
             <a:ext uri="{909E8E84-426E-40dd-AFC4-6F175D3DCCD1}">
-              <a14:hiddenFill xmlns:a14="http://schemas.microsoft.com/office/drawing/2010/main" xmlns="">
+              <a14:hiddenFill xmlns="" xmlns:a14="http://schemas.microsoft.com/office/drawing/2010/main">
                 <a:solidFill>
                   <a:srgbClr val="FFFFFF"/>
                 </a:solidFill>
@@ -9138,7 +9141,7 @@
               </a:ln>
               <a:extLst>
                 <a:ext uri="{91240B29-F687-4f45-9708-019B960494DF}">
-                  <a14:hiddenLine xmlns:a14="http://schemas.microsoft.com/office/drawing/2010/main" xmlns="" w="9525">
+                  <a14:hiddenLine xmlns="" xmlns:a14="http://schemas.microsoft.com/office/drawing/2010/main" w="9525">
                     <a:solidFill>
                       <a:srgbClr val="000000"/>
                     </a:solidFill>
@@ -9228,7 +9231,7 @@
               </a:ln>
               <a:extLst>
                 <a:ext uri="{91240B29-F687-4f45-9708-019B960494DF}">
-                  <a14:hiddenLine xmlns:a14="http://schemas.microsoft.com/office/drawing/2010/main" xmlns="" w="9525">
+                  <a14:hiddenLine xmlns="" xmlns:a14="http://schemas.microsoft.com/office/drawing/2010/main" w="9525">
                     <a:solidFill>
                       <a:srgbClr val="000000"/>
                     </a:solidFill>
@@ -9318,7 +9321,7 @@
               </a:ln>
               <a:extLst>
                 <a:ext uri="{91240B29-F687-4f45-9708-019B960494DF}">
-                  <a14:hiddenLine xmlns:a14="http://schemas.microsoft.com/office/drawing/2010/main" xmlns="" w="9525">
+                  <a14:hiddenLine xmlns="" xmlns:a14="http://schemas.microsoft.com/office/drawing/2010/main" w="9525">
                     <a:solidFill>
                       <a:srgbClr val="000000"/>
                     </a:solidFill>
@@ -9380,7 +9383,7 @@
               </a:ln>
               <a:extLst>
                 <a:ext uri="{91240B29-F687-4f45-9708-019B960494DF}">
-                  <a14:hiddenLine xmlns:a14="http://schemas.microsoft.com/office/drawing/2010/main" xmlns="" w="9525">
+                  <a14:hiddenLine xmlns="" xmlns:a14="http://schemas.microsoft.com/office/drawing/2010/main" w="9525">
                     <a:solidFill>
                       <a:srgbClr val="000000"/>
                     </a:solidFill>
@@ -9470,7 +9473,7 @@
               </a:ln>
               <a:extLst>
                 <a:ext uri="{91240B29-F687-4f45-9708-019B960494DF}">
-                  <a14:hiddenLine xmlns:a14="http://schemas.microsoft.com/office/drawing/2010/main" xmlns="" w="9525">
+                  <a14:hiddenLine xmlns="" xmlns:a14="http://schemas.microsoft.com/office/drawing/2010/main" w="9525">
                     <a:solidFill>
                       <a:srgbClr val="000000"/>
                     </a:solidFill>
@@ -9532,7 +9535,7 @@
               </a:ln>
               <a:extLst>
                 <a:ext uri="{91240B29-F687-4f45-9708-019B960494DF}">
-                  <a14:hiddenLine xmlns:a14="http://schemas.microsoft.com/office/drawing/2010/main" xmlns="" w="9525">
+                  <a14:hiddenLine xmlns="" xmlns:a14="http://schemas.microsoft.com/office/drawing/2010/main" w="9525">
                     <a:solidFill>
                       <a:srgbClr val="000000"/>
                     </a:solidFill>
@@ -9594,7 +9597,7 @@
               </a:ln>
               <a:extLst>
                 <a:ext uri="{91240B29-F687-4f45-9708-019B960494DF}">
-                  <a14:hiddenLine xmlns:a14="http://schemas.microsoft.com/office/drawing/2010/main" xmlns="" w="9525">
+                  <a14:hiddenLine xmlns="" xmlns:a14="http://schemas.microsoft.com/office/drawing/2010/main" w="9525">
                     <a:solidFill>
                       <a:srgbClr val="000000"/>
                     </a:solidFill>
@@ -9684,7 +9687,7 @@
               </a:ln>
               <a:extLst>
                 <a:ext uri="{91240B29-F687-4f45-9708-019B960494DF}">
-                  <a14:hiddenLine xmlns:a14="http://schemas.microsoft.com/office/drawing/2010/main" xmlns="" w="9525">
+                  <a14:hiddenLine xmlns="" xmlns:a14="http://schemas.microsoft.com/office/drawing/2010/main" w="9525">
                     <a:solidFill>
                       <a:srgbClr val="000000"/>
                     </a:solidFill>
@@ -9774,7 +9777,7 @@
               </a:ln>
               <a:extLst>
                 <a:ext uri="{91240B29-F687-4f45-9708-019B960494DF}">
-                  <a14:hiddenLine xmlns:a14="http://schemas.microsoft.com/office/drawing/2010/main" xmlns="" w="9525">
+                  <a14:hiddenLine xmlns="" xmlns:a14="http://schemas.microsoft.com/office/drawing/2010/main" w="9525">
                     <a:solidFill>
                       <a:srgbClr val="000000"/>
                     </a:solidFill>
@@ -9836,7 +9839,7 @@
               </a:ln>
               <a:extLst>
                 <a:ext uri="{91240B29-F687-4f45-9708-019B960494DF}">
-                  <a14:hiddenLine xmlns:a14="http://schemas.microsoft.com/office/drawing/2010/main" xmlns="" w="9525">
+                  <a14:hiddenLine xmlns="" xmlns:a14="http://schemas.microsoft.com/office/drawing/2010/main" w="9525">
                     <a:solidFill>
                       <a:srgbClr val="000000"/>
                     </a:solidFill>
@@ -9946,7 +9949,7 @@
               </a:ln>
               <a:extLst>
                 <a:ext uri="{91240B29-F687-4f45-9708-019B960494DF}">
-                  <a14:hiddenLine xmlns:a14="http://schemas.microsoft.com/office/drawing/2010/main" xmlns="" w="9525">
+                  <a14:hiddenLine xmlns="" xmlns:a14="http://schemas.microsoft.com/office/drawing/2010/main" w="9525">
                     <a:solidFill>
                       <a:srgbClr val="000000"/>
                     </a:solidFill>
@@ -10030,7 +10033,7 @@
               </a:ln>
               <a:extLst>
                 <a:ext uri="{91240B29-F687-4f45-9708-019B960494DF}">
-                  <a14:hiddenLine xmlns:a14="http://schemas.microsoft.com/office/drawing/2010/main" xmlns="" w="9525">
+                  <a14:hiddenLine xmlns="" xmlns:a14="http://schemas.microsoft.com/office/drawing/2010/main" w="9525">
                     <a:solidFill>
                       <a:srgbClr val="000000"/>
                     </a:solidFill>
@@ -10092,7 +10095,7 @@
               </a:ln>
               <a:extLst>
                 <a:ext uri="{91240B29-F687-4f45-9708-019B960494DF}">
-                  <a14:hiddenLine xmlns:a14="http://schemas.microsoft.com/office/drawing/2010/main" xmlns="" w="9525">
+                  <a14:hiddenLine xmlns="" xmlns:a14="http://schemas.microsoft.com/office/drawing/2010/main" w="9525">
                     <a:solidFill>
                       <a:srgbClr val="000000"/>
                     </a:solidFill>
@@ -10154,7 +10157,7 @@
               </a:ln>
               <a:extLst>
                 <a:ext uri="{91240B29-F687-4f45-9708-019B960494DF}">
-                  <a14:hiddenLine xmlns:a14="http://schemas.microsoft.com/office/drawing/2010/main" xmlns="" w="9525">
+                  <a14:hiddenLine xmlns="" xmlns:a14="http://schemas.microsoft.com/office/drawing/2010/main" w="9525">
                     <a:solidFill>
                       <a:srgbClr val="000000"/>
                     </a:solidFill>
@@ -10244,7 +10247,7 @@
               </a:ln>
               <a:extLst>
                 <a:ext uri="{91240B29-F687-4f45-9708-019B960494DF}">
-                  <a14:hiddenLine xmlns:a14="http://schemas.microsoft.com/office/drawing/2010/main" xmlns="" w="9525">
+                  <a14:hiddenLine xmlns="" xmlns:a14="http://schemas.microsoft.com/office/drawing/2010/main" w="9525">
                     <a:solidFill>
                       <a:srgbClr val="000000"/>
                     </a:solidFill>
@@ -10278,7 +10281,7 @@
               </a:ln>
               <a:extLst>
                 <a:ext uri="{91240B29-F687-4f45-9708-019B960494DF}">
-                  <a14:hiddenLine xmlns:a14="http://schemas.microsoft.com/office/drawing/2010/main" xmlns="" w="9525">
+                  <a14:hiddenLine xmlns="" xmlns:a14="http://schemas.microsoft.com/office/drawing/2010/main" w="9525">
                     <a:solidFill>
                       <a:srgbClr val="000000"/>
                     </a:solidFill>
@@ -10343,7 +10346,7 @@
               </a:ln>
               <a:extLst>
                 <a:ext uri="{91240B29-F687-4f45-9708-019B960494DF}">
-                  <a14:hiddenLine xmlns:a14="http://schemas.microsoft.com/office/drawing/2010/main" xmlns="" w="9525">
+                  <a14:hiddenLine xmlns="" xmlns:a14="http://schemas.microsoft.com/office/drawing/2010/main" w="9525">
                     <a:solidFill>
                       <a:srgbClr val="000000"/>
                     </a:solidFill>
@@ -10433,7 +10436,7 @@
               </a:ln>
               <a:extLst>
                 <a:ext uri="{91240B29-F687-4f45-9708-019B960494DF}">
-                  <a14:hiddenLine xmlns:a14="http://schemas.microsoft.com/office/drawing/2010/main" xmlns="" w="9525">
+                  <a14:hiddenLine xmlns="" xmlns:a14="http://schemas.microsoft.com/office/drawing/2010/main" w="9525">
                     <a:solidFill>
                       <a:srgbClr val="000000"/>
                     </a:solidFill>
@@ -10495,7 +10498,7 @@
               </a:ln>
               <a:extLst>
                 <a:ext uri="{91240B29-F687-4f45-9708-019B960494DF}">
-                  <a14:hiddenLine xmlns:a14="http://schemas.microsoft.com/office/drawing/2010/main" xmlns="" w="9525">
+                  <a14:hiddenLine xmlns="" xmlns:a14="http://schemas.microsoft.com/office/drawing/2010/main" w="9525">
                     <a:solidFill>
                       <a:srgbClr val="000000"/>
                     </a:solidFill>
@@ -10585,7 +10588,7 @@
               </a:ln>
               <a:extLst>
                 <a:ext uri="{91240B29-F687-4f45-9708-019B960494DF}">
-                  <a14:hiddenLine xmlns:a14="http://schemas.microsoft.com/office/drawing/2010/main" xmlns="" w="9525">
+                  <a14:hiddenLine xmlns="" xmlns:a14="http://schemas.microsoft.com/office/drawing/2010/main" w="9525">
                     <a:solidFill>
                       <a:srgbClr val="000000"/>
                     </a:solidFill>
@@ -10650,7 +10653,7 @@
               </a:ln>
               <a:extLst>
                 <a:ext uri="{91240B29-F687-4f45-9708-019B960494DF}">
-                  <a14:hiddenLine xmlns:a14="http://schemas.microsoft.com/office/drawing/2010/main" xmlns="" w="9525">
+                  <a14:hiddenLine xmlns="" xmlns:a14="http://schemas.microsoft.com/office/drawing/2010/main" w="9525">
                     <a:solidFill>
                       <a:srgbClr val="000000"/>
                     </a:solidFill>
@@ -10712,7 +10715,7 @@
               </a:ln>
               <a:extLst>
                 <a:ext uri="{91240B29-F687-4f45-9708-019B960494DF}">
-                  <a14:hiddenLine xmlns:a14="http://schemas.microsoft.com/office/drawing/2010/main" xmlns="" w="9525">
+                  <a14:hiddenLine xmlns="" xmlns:a14="http://schemas.microsoft.com/office/drawing/2010/main" w="9525">
                     <a:solidFill>
                       <a:srgbClr val="000000"/>
                     </a:solidFill>
@@ -10802,7 +10805,7 @@
               </a:ln>
               <a:extLst>
                 <a:ext uri="{91240B29-F687-4f45-9708-019B960494DF}">
-                  <a14:hiddenLine xmlns:a14="http://schemas.microsoft.com/office/drawing/2010/main" xmlns="" w="9525">
+                  <a14:hiddenLine xmlns="" xmlns:a14="http://schemas.microsoft.com/office/drawing/2010/main" w="9525">
                     <a:solidFill>
                       <a:srgbClr val="000000"/>
                     </a:solidFill>
@@ -10892,7 +10895,7 @@
               </a:ln>
               <a:extLst>
                 <a:ext uri="{91240B29-F687-4f45-9708-019B960494DF}">
-                  <a14:hiddenLine xmlns:a14="http://schemas.microsoft.com/office/drawing/2010/main" xmlns="" w="9525">
+                  <a14:hiddenLine xmlns="" xmlns:a14="http://schemas.microsoft.com/office/drawing/2010/main" w="9525">
                     <a:solidFill>
                       <a:srgbClr val="000000"/>
                     </a:solidFill>
@@ -10957,7 +10960,7 @@
               </a:ln>
               <a:extLst>
                 <a:ext uri="{91240B29-F687-4f45-9708-019B960494DF}">
-                  <a14:hiddenLine xmlns:a14="http://schemas.microsoft.com/office/drawing/2010/main" xmlns="" w="9525">
+                  <a14:hiddenLine xmlns="" xmlns:a14="http://schemas.microsoft.com/office/drawing/2010/main" w="9525">
                     <a:solidFill>
                       <a:srgbClr val="000000"/>
                     </a:solidFill>
@@ -11077,7 +11080,7 @@
               </a:ln>
               <a:extLst>
                 <a:ext uri="{91240B29-F687-4f45-9708-019B960494DF}">
-                  <a14:hiddenLine xmlns:a14="http://schemas.microsoft.com/office/drawing/2010/main" xmlns="" w="9525">
+                  <a14:hiddenLine xmlns="" xmlns:a14="http://schemas.microsoft.com/office/drawing/2010/main" w="9525">
                     <a:solidFill>
                       <a:srgbClr val="000000"/>
                     </a:solidFill>
@@ -11175,7 +11178,7 @@
               </a:ln>
               <a:extLst>
                 <a:ext uri="{91240B29-F687-4f45-9708-019B960494DF}">
-                  <a14:hiddenLine xmlns:a14="http://schemas.microsoft.com/office/drawing/2010/main" xmlns="" w="9525">
+                  <a14:hiddenLine xmlns="" xmlns:a14="http://schemas.microsoft.com/office/drawing/2010/main" w="9525">
                     <a:solidFill>
                       <a:srgbClr val="000000"/>
                     </a:solidFill>
@@ -11290,7 +11293,7 @@
               </a:ln>
               <a:extLst>
                 <a:ext uri="{91240B29-F687-4f45-9708-019B960494DF}">
-                  <a14:hiddenLine xmlns:a14="http://schemas.microsoft.com/office/drawing/2010/main" xmlns="" w="9525">
+                  <a14:hiddenLine xmlns="" xmlns:a14="http://schemas.microsoft.com/office/drawing/2010/main" w="9525">
                     <a:solidFill>
                       <a:srgbClr val="000000"/>
                     </a:solidFill>
@@ -11380,7 +11383,7 @@
               </a:ln>
               <a:extLst>
                 <a:ext uri="{91240B29-F687-4f45-9708-019B960494DF}">
-                  <a14:hiddenLine xmlns:a14="http://schemas.microsoft.com/office/drawing/2010/main" xmlns="" w="9525">
+                  <a14:hiddenLine xmlns="" xmlns:a14="http://schemas.microsoft.com/office/drawing/2010/main" w="9525">
                     <a:solidFill>
                       <a:srgbClr val="000000"/>
                     </a:solidFill>
@@ -11445,7 +11448,7 @@
               </a:ln>
               <a:extLst>
                 <a:ext uri="{91240B29-F687-4f45-9708-019B960494DF}">
-                  <a14:hiddenLine xmlns:a14="http://schemas.microsoft.com/office/drawing/2010/main" xmlns="" w="9525">
+                  <a14:hiddenLine xmlns="" xmlns:a14="http://schemas.microsoft.com/office/drawing/2010/main" w="9525">
                     <a:solidFill>
                       <a:srgbClr val="000000"/>
                     </a:solidFill>
@@ -11535,7 +11538,7 @@
               </a:ln>
               <a:extLst>
                 <a:ext uri="{91240B29-F687-4f45-9708-019B960494DF}">
-                  <a14:hiddenLine xmlns:a14="http://schemas.microsoft.com/office/drawing/2010/main" xmlns="" w="9525">
+                  <a14:hiddenLine xmlns="" xmlns:a14="http://schemas.microsoft.com/office/drawing/2010/main" w="9525">
                     <a:solidFill>
                       <a:srgbClr val="000000"/>
                     </a:solidFill>
@@ -11603,7 +11606,7 @@
               </a:ln>
               <a:extLst>
                 <a:ext uri="{91240B29-F687-4f45-9708-019B960494DF}">
-                  <a14:hiddenLine xmlns:a14="http://schemas.microsoft.com/office/drawing/2010/main" xmlns="" w="9525">
+                  <a14:hiddenLine xmlns="" xmlns:a14="http://schemas.microsoft.com/office/drawing/2010/main" w="9525">
                     <a:solidFill>
                       <a:srgbClr val="000000"/>
                     </a:solidFill>
@@ -11693,7 +11696,7 @@
               </a:ln>
               <a:extLst>
                 <a:ext uri="{91240B29-F687-4f45-9708-019B960494DF}">
-                  <a14:hiddenLine xmlns:a14="http://schemas.microsoft.com/office/drawing/2010/main" xmlns="" w="9525">
+                  <a14:hiddenLine xmlns="" xmlns:a14="http://schemas.microsoft.com/office/drawing/2010/main" w="9525">
                     <a:solidFill>
                       <a:srgbClr val="000000"/>
                     </a:solidFill>
@@ -11761,7 +11764,7 @@
               </a:ln>
               <a:extLst>
                 <a:ext uri="{91240B29-F687-4f45-9708-019B960494DF}">
-                  <a14:hiddenLine xmlns:a14="http://schemas.microsoft.com/office/drawing/2010/main" xmlns="" w="9525">
+                  <a14:hiddenLine xmlns="" xmlns:a14="http://schemas.microsoft.com/office/drawing/2010/main" w="9525">
                     <a:solidFill>
                       <a:srgbClr val="000000"/>
                     </a:solidFill>
@@ -11851,7 +11854,7 @@
               </a:ln>
               <a:extLst>
                 <a:ext uri="{91240B29-F687-4f45-9708-019B960494DF}">
-                  <a14:hiddenLine xmlns:a14="http://schemas.microsoft.com/office/drawing/2010/main" xmlns="" w="9525">
+                  <a14:hiddenLine xmlns="" xmlns:a14="http://schemas.microsoft.com/office/drawing/2010/main" w="9525">
                     <a:solidFill>
                       <a:srgbClr val="000000"/>
                     </a:solidFill>
@@ -11885,7 +11888,7 @@
               </a:ln>
               <a:extLst>
                 <a:ext uri="{91240B29-F687-4f45-9708-019B960494DF}">
-                  <a14:hiddenLine xmlns:a14="http://schemas.microsoft.com/office/drawing/2010/main" xmlns="" w="9525">
+                  <a14:hiddenLine xmlns="" xmlns:a14="http://schemas.microsoft.com/office/drawing/2010/main" w="9525">
                     <a:solidFill>
                       <a:srgbClr val="000000"/>
                     </a:solidFill>
@@ -12025,7 +12028,7 @@
           <a:p>
             <a:fld id="{0B88EADF-5A54-4B61-9EAD-1A178CAF62DF}" type="datetimeFigureOut">
               <a:rPr lang="zh-TW" altLang="en-US" smtClean="0"/>
-              <a:t>2018/11/10</a:t>
+              <a:t>2018/11/18</a:t>
             </a:fld>
             <a:endParaRPr lang="zh-TW" altLang="en-US"/>
           </a:p>
@@ -12539,13 +12542,957 @@
           <a:bodyPr/>
           <a:lstStyle/>
           <a:p>
+            <a:r>
+              <a:rPr lang="en-US" altLang="zh-TW" dirty="0"/>
+              <a:t>UI Concept</a:t>
+            </a:r>
+            <a:endParaRPr lang="zh-TW" altLang="en-US" dirty="0"/>
+          </a:p>
+        </p:txBody>
+      </p:sp>
+      <p:sp>
+        <p:nvSpPr>
+          <p:cNvPr id="4" name="矩形 3">
+            <a:extLst>
+              <a:ext uri="{FF2B5EF4-FFF2-40B4-BE49-F238E27FC236}">
+                <a16:creationId xmlns:a16="http://schemas.microsoft.com/office/drawing/2014/main" id="{475A881B-90DF-41A0-A278-0CD0CC2E59AA}"/>
+              </a:ext>
+            </a:extLst>
+          </p:cNvPr>
+          <p:cNvSpPr/>
+          <p:nvPr/>
+        </p:nvSpPr>
+        <p:spPr>
+          <a:xfrm>
+            <a:off x="1828800" y="2097088"/>
+            <a:ext cx="7350712" cy="3575743"/>
+          </a:xfrm>
+          <a:prstGeom prst="rect">
+            <a:avLst/>
+          </a:prstGeom>
+        </p:spPr>
+        <p:style>
+          <a:lnRef idx="1">
+            <a:schemeClr val="accent6"/>
+          </a:lnRef>
+          <a:fillRef idx="2">
+            <a:schemeClr val="accent6"/>
+          </a:fillRef>
+          <a:effectRef idx="1">
+            <a:schemeClr val="accent6"/>
+          </a:effectRef>
+          <a:fontRef idx="minor">
+            <a:schemeClr val="dk1"/>
+          </a:fontRef>
+        </p:style>
+        <p:txBody>
+          <a:bodyPr rtlCol="0" anchor="ctr"/>
+          <a:lstStyle/>
+          <a:p>
+            <a:pPr algn="ctr"/>
             <a:endParaRPr lang="zh-TW" altLang="en-US"/>
           </a:p>
         </p:txBody>
       </p:sp>
       <p:sp>
         <p:nvSpPr>
-          <p:cNvPr id="3" name="內容版面配置區 2"/>
+          <p:cNvPr id="5" name="矩形: 圓角 4">
+            <a:extLst>
+              <a:ext uri="{FF2B5EF4-FFF2-40B4-BE49-F238E27FC236}">
+                <a16:creationId xmlns:a16="http://schemas.microsoft.com/office/drawing/2014/main" id="{E3DFB773-D6F5-4EB2-90CB-CE6B22C609E0}"/>
+              </a:ext>
+            </a:extLst>
+          </p:cNvPr>
+          <p:cNvSpPr/>
+          <p:nvPr/>
+        </p:nvSpPr>
+        <p:spPr>
+          <a:xfrm>
+            <a:off x="2077375" y="2689934"/>
+            <a:ext cx="284085" cy="275208"/>
+          </a:xfrm>
+          <a:prstGeom prst="roundRect">
+            <a:avLst/>
+          </a:prstGeom>
+        </p:spPr>
+        <p:style>
+          <a:lnRef idx="1">
+            <a:schemeClr val="accent5"/>
+          </a:lnRef>
+          <a:fillRef idx="2">
+            <a:schemeClr val="accent5"/>
+          </a:fillRef>
+          <a:effectRef idx="1">
+            <a:schemeClr val="accent5"/>
+          </a:effectRef>
+          <a:fontRef idx="minor">
+            <a:schemeClr val="dk1"/>
+          </a:fontRef>
+        </p:style>
+        <p:txBody>
+          <a:bodyPr rtlCol="0" anchor="ctr"/>
+          <a:lstStyle/>
+          <a:p>
+            <a:pPr algn="ctr"/>
+            <a:endParaRPr lang="zh-TW" altLang="en-US"/>
+          </a:p>
+        </p:txBody>
+      </p:sp>
+      <p:sp>
+        <p:nvSpPr>
+          <p:cNvPr id="6" name="矩形: 圓角 5">
+            <a:extLst>
+              <a:ext uri="{FF2B5EF4-FFF2-40B4-BE49-F238E27FC236}">
+                <a16:creationId xmlns:a16="http://schemas.microsoft.com/office/drawing/2014/main" id="{F8CCBBF2-EEF3-4657-8222-0C896EE67FE8}"/>
+              </a:ext>
+            </a:extLst>
+          </p:cNvPr>
+          <p:cNvSpPr/>
+          <p:nvPr/>
+        </p:nvSpPr>
+        <p:spPr>
+          <a:xfrm>
+            <a:off x="2533097" y="2689934"/>
+            <a:ext cx="2314111" cy="275208"/>
+          </a:xfrm>
+          <a:prstGeom prst="roundRect">
+            <a:avLst/>
+          </a:prstGeom>
+        </p:spPr>
+        <p:style>
+          <a:lnRef idx="1">
+            <a:schemeClr val="accent5"/>
+          </a:lnRef>
+          <a:fillRef idx="2">
+            <a:schemeClr val="accent5"/>
+          </a:fillRef>
+          <a:effectRef idx="1">
+            <a:schemeClr val="accent5"/>
+          </a:effectRef>
+          <a:fontRef idx="minor">
+            <a:schemeClr val="dk1"/>
+          </a:fontRef>
+        </p:style>
+        <p:txBody>
+          <a:bodyPr rtlCol="0" anchor="ctr"/>
+          <a:lstStyle/>
+          <a:p>
+            <a:pPr algn="ctr"/>
+            <a:r>
+              <a:rPr lang="en-US" altLang="zh-TW" dirty="0"/>
+              <a:t>Task 1</a:t>
+            </a:r>
+            <a:endParaRPr lang="zh-TW" altLang="en-US" dirty="0"/>
+          </a:p>
+        </p:txBody>
+      </p:sp>
+      <p:sp>
+        <p:nvSpPr>
+          <p:cNvPr id="7" name="矩形: 圓角 6">
+            <a:extLst>
+              <a:ext uri="{FF2B5EF4-FFF2-40B4-BE49-F238E27FC236}">
+                <a16:creationId xmlns:a16="http://schemas.microsoft.com/office/drawing/2014/main" id="{C9B94815-E329-49E2-A691-90524D47E048}"/>
+              </a:ext>
+            </a:extLst>
+          </p:cNvPr>
+          <p:cNvSpPr/>
+          <p:nvPr/>
+        </p:nvSpPr>
+        <p:spPr>
+          <a:xfrm>
+            <a:off x="2077375" y="3080552"/>
+            <a:ext cx="284085" cy="275208"/>
+          </a:xfrm>
+          <a:prstGeom prst="roundRect">
+            <a:avLst/>
+          </a:prstGeom>
+        </p:spPr>
+        <p:style>
+          <a:lnRef idx="1">
+            <a:schemeClr val="accent5"/>
+          </a:lnRef>
+          <a:fillRef idx="2">
+            <a:schemeClr val="accent5"/>
+          </a:fillRef>
+          <a:effectRef idx="1">
+            <a:schemeClr val="accent5"/>
+          </a:effectRef>
+          <a:fontRef idx="minor">
+            <a:schemeClr val="dk1"/>
+          </a:fontRef>
+        </p:style>
+        <p:txBody>
+          <a:bodyPr rtlCol="0" anchor="ctr"/>
+          <a:lstStyle/>
+          <a:p>
+            <a:pPr algn="ctr"/>
+            <a:endParaRPr lang="zh-TW" altLang="en-US"/>
+          </a:p>
+        </p:txBody>
+      </p:sp>
+      <p:sp>
+        <p:nvSpPr>
+          <p:cNvPr id="8" name="矩形: 圓角 7">
+            <a:extLst>
+              <a:ext uri="{FF2B5EF4-FFF2-40B4-BE49-F238E27FC236}">
+                <a16:creationId xmlns:a16="http://schemas.microsoft.com/office/drawing/2014/main" id="{712A67C3-34E8-4155-8CDB-C509A59A6F86}"/>
+              </a:ext>
+            </a:extLst>
+          </p:cNvPr>
+          <p:cNvSpPr/>
+          <p:nvPr/>
+        </p:nvSpPr>
+        <p:spPr>
+          <a:xfrm>
+            <a:off x="2533097" y="3080552"/>
+            <a:ext cx="2314111" cy="275208"/>
+          </a:xfrm>
+          <a:prstGeom prst="roundRect">
+            <a:avLst/>
+          </a:prstGeom>
+        </p:spPr>
+        <p:style>
+          <a:lnRef idx="1">
+            <a:schemeClr val="accent5"/>
+          </a:lnRef>
+          <a:fillRef idx="2">
+            <a:schemeClr val="accent5"/>
+          </a:fillRef>
+          <a:effectRef idx="1">
+            <a:schemeClr val="accent5"/>
+          </a:effectRef>
+          <a:fontRef idx="minor">
+            <a:schemeClr val="dk1"/>
+          </a:fontRef>
+        </p:style>
+        <p:txBody>
+          <a:bodyPr rtlCol="0" anchor="ctr"/>
+          <a:lstStyle/>
+          <a:p>
+            <a:pPr algn="ctr"/>
+            <a:r>
+              <a:rPr lang="en-US" altLang="zh-TW" dirty="0"/>
+              <a:t>Task 2</a:t>
+            </a:r>
+            <a:endParaRPr lang="zh-TW" altLang="en-US" dirty="0"/>
+          </a:p>
+        </p:txBody>
+      </p:sp>
+      <p:sp>
+        <p:nvSpPr>
+          <p:cNvPr id="9" name="矩形: 圓角 8">
+            <a:extLst>
+              <a:ext uri="{FF2B5EF4-FFF2-40B4-BE49-F238E27FC236}">
+                <a16:creationId xmlns:a16="http://schemas.microsoft.com/office/drawing/2014/main" id="{E85FD7DF-7BDC-4525-91A5-F2A47B697D21}"/>
+              </a:ext>
+            </a:extLst>
+          </p:cNvPr>
+          <p:cNvSpPr/>
+          <p:nvPr/>
+        </p:nvSpPr>
+        <p:spPr>
+          <a:xfrm>
+            <a:off x="2077375" y="3471170"/>
+            <a:ext cx="284085" cy="275208"/>
+          </a:xfrm>
+          <a:prstGeom prst="roundRect">
+            <a:avLst/>
+          </a:prstGeom>
+        </p:spPr>
+        <p:style>
+          <a:lnRef idx="1">
+            <a:schemeClr val="accent5"/>
+          </a:lnRef>
+          <a:fillRef idx="2">
+            <a:schemeClr val="accent5"/>
+          </a:fillRef>
+          <a:effectRef idx="1">
+            <a:schemeClr val="accent5"/>
+          </a:effectRef>
+          <a:fontRef idx="minor">
+            <a:schemeClr val="dk1"/>
+          </a:fontRef>
+        </p:style>
+        <p:txBody>
+          <a:bodyPr rtlCol="0" anchor="ctr"/>
+          <a:lstStyle/>
+          <a:p>
+            <a:pPr algn="ctr"/>
+            <a:endParaRPr lang="zh-TW" altLang="en-US"/>
+          </a:p>
+        </p:txBody>
+      </p:sp>
+      <p:sp>
+        <p:nvSpPr>
+          <p:cNvPr id="10" name="矩形: 圓角 9">
+            <a:extLst>
+              <a:ext uri="{FF2B5EF4-FFF2-40B4-BE49-F238E27FC236}">
+                <a16:creationId xmlns:a16="http://schemas.microsoft.com/office/drawing/2014/main" id="{E6E76818-36BA-41BC-B440-2E6A22521648}"/>
+              </a:ext>
+            </a:extLst>
+          </p:cNvPr>
+          <p:cNvSpPr/>
+          <p:nvPr/>
+        </p:nvSpPr>
+        <p:spPr>
+          <a:xfrm>
+            <a:off x="2533097" y="3471170"/>
+            <a:ext cx="2314111" cy="275208"/>
+          </a:xfrm>
+          <a:prstGeom prst="roundRect">
+            <a:avLst/>
+          </a:prstGeom>
+        </p:spPr>
+        <p:style>
+          <a:lnRef idx="1">
+            <a:schemeClr val="accent5"/>
+          </a:lnRef>
+          <a:fillRef idx="2">
+            <a:schemeClr val="accent5"/>
+          </a:fillRef>
+          <a:effectRef idx="1">
+            <a:schemeClr val="accent5"/>
+          </a:effectRef>
+          <a:fontRef idx="minor">
+            <a:schemeClr val="dk1"/>
+          </a:fontRef>
+        </p:style>
+        <p:txBody>
+          <a:bodyPr rtlCol="0" anchor="ctr"/>
+          <a:lstStyle/>
+          <a:p>
+            <a:pPr algn="ctr"/>
+            <a:r>
+              <a:rPr lang="en-US" altLang="zh-TW" dirty="0"/>
+              <a:t>Task 3</a:t>
+            </a:r>
+            <a:endParaRPr lang="zh-TW" altLang="en-US" dirty="0"/>
+          </a:p>
+        </p:txBody>
+      </p:sp>
+      <p:sp>
+        <p:nvSpPr>
+          <p:cNvPr id="11" name="矩形: 圓角 10">
+            <a:extLst>
+              <a:ext uri="{FF2B5EF4-FFF2-40B4-BE49-F238E27FC236}">
+                <a16:creationId xmlns:a16="http://schemas.microsoft.com/office/drawing/2014/main" id="{12F0255E-EA4E-4C5D-A838-524C54FED576}"/>
+              </a:ext>
+            </a:extLst>
+          </p:cNvPr>
+          <p:cNvSpPr/>
+          <p:nvPr/>
+        </p:nvSpPr>
+        <p:spPr>
+          <a:xfrm>
+            <a:off x="2077375" y="3861788"/>
+            <a:ext cx="284085" cy="275208"/>
+          </a:xfrm>
+          <a:prstGeom prst="roundRect">
+            <a:avLst/>
+          </a:prstGeom>
+        </p:spPr>
+        <p:style>
+          <a:lnRef idx="1">
+            <a:schemeClr val="accent5"/>
+          </a:lnRef>
+          <a:fillRef idx="2">
+            <a:schemeClr val="accent5"/>
+          </a:fillRef>
+          <a:effectRef idx="1">
+            <a:schemeClr val="accent5"/>
+          </a:effectRef>
+          <a:fontRef idx="minor">
+            <a:schemeClr val="dk1"/>
+          </a:fontRef>
+        </p:style>
+        <p:txBody>
+          <a:bodyPr rtlCol="0" anchor="ctr"/>
+          <a:lstStyle/>
+          <a:p>
+            <a:pPr algn="ctr"/>
+            <a:endParaRPr lang="zh-TW" altLang="en-US"/>
+          </a:p>
+        </p:txBody>
+      </p:sp>
+      <p:sp>
+        <p:nvSpPr>
+          <p:cNvPr id="12" name="矩形: 圓角 11">
+            <a:extLst>
+              <a:ext uri="{FF2B5EF4-FFF2-40B4-BE49-F238E27FC236}">
+                <a16:creationId xmlns:a16="http://schemas.microsoft.com/office/drawing/2014/main" id="{8E12F641-2854-4D02-80A5-6F6E6C178B0F}"/>
+              </a:ext>
+            </a:extLst>
+          </p:cNvPr>
+          <p:cNvSpPr/>
+          <p:nvPr/>
+        </p:nvSpPr>
+        <p:spPr>
+          <a:xfrm>
+            <a:off x="2533097" y="3861788"/>
+            <a:ext cx="2314111" cy="275208"/>
+          </a:xfrm>
+          <a:prstGeom prst="roundRect">
+            <a:avLst/>
+          </a:prstGeom>
+        </p:spPr>
+        <p:style>
+          <a:lnRef idx="1">
+            <a:schemeClr val="accent5"/>
+          </a:lnRef>
+          <a:fillRef idx="2">
+            <a:schemeClr val="accent5"/>
+          </a:fillRef>
+          <a:effectRef idx="1">
+            <a:schemeClr val="accent5"/>
+          </a:effectRef>
+          <a:fontRef idx="minor">
+            <a:schemeClr val="dk1"/>
+          </a:fontRef>
+        </p:style>
+        <p:txBody>
+          <a:bodyPr rtlCol="0" anchor="ctr"/>
+          <a:lstStyle/>
+          <a:p>
+            <a:pPr algn="ctr"/>
+            <a:r>
+              <a:rPr lang="en-US" altLang="zh-TW" dirty="0"/>
+              <a:t>Task 4</a:t>
+            </a:r>
+            <a:endParaRPr lang="zh-TW" altLang="en-US" dirty="0"/>
+          </a:p>
+        </p:txBody>
+      </p:sp>
+      <p:sp>
+        <p:nvSpPr>
+          <p:cNvPr id="13" name="矩形: 圓角 12">
+            <a:extLst>
+              <a:ext uri="{FF2B5EF4-FFF2-40B4-BE49-F238E27FC236}">
+                <a16:creationId xmlns:a16="http://schemas.microsoft.com/office/drawing/2014/main" id="{33F7E5E9-4566-4CAB-BE48-FABD3C4102F8}"/>
+              </a:ext>
+            </a:extLst>
+          </p:cNvPr>
+          <p:cNvSpPr/>
+          <p:nvPr/>
+        </p:nvSpPr>
+        <p:spPr>
+          <a:xfrm>
+            <a:off x="6059009" y="2689934"/>
+            <a:ext cx="284085" cy="275208"/>
+          </a:xfrm>
+          <a:prstGeom prst="roundRect">
+            <a:avLst/>
+          </a:prstGeom>
+        </p:spPr>
+        <p:style>
+          <a:lnRef idx="1">
+            <a:schemeClr val="accent5"/>
+          </a:lnRef>
+          <a:fillRef idx="2">
+            <a:schemeClr val="accent5"/>
+          </a:fillRef>
+          <a:effectRef idx="1">
+            <a:schemeClr val="accent5"/>
+          </a:effectRef>
+          <a:fontRef idx="minor">
+            <a:schemeClr val="dk1"/>
+          </a:fontRef>
+        </p:style>
+        <p:txBody>
+          <a:bodyPr rtlCol="0" anchor="ctr"/>
+          <a:lstStyle/>
+          <a:p>
+            <a:pPr algn="ctr"/>
+            <a:endParaRPr lang="zh-TW" altLang="en-US"/>
+          </a:p>
+        </p:txBody>
+      </p:sp>
+      <p:sp>
+        <p:nvSpPr>
+          <p:cNvPr id="14" name="矩形: 圓角 13">
+            <a:extLst>
+              <a:ext uri="{FF2B5EF4-FFF2-40B4-BE49-F238E27FC236}">
+                <a16:creationId xmlns:a16="http://schemas.microsoft.com/office/drawing/2014/main" id="{C2F0FBEF-918D-486A-8C9D-D559E54E8DE7}"/>
+              </a:ext>
+            </a:extLst>
+          </p:cNvPr>
+          <p:cNvSpPr/>
+          <p:nvPr/>
+        </p:nvSpPr>
+        <p:spPr>
+          <a:xfrm>
+            <a:off x="6514731" y="2689934"/>
+            <a:ext cx="2314111" cy="275208"/>
+          </a:xfrm>
+          <a:prstGeom prst="roundRect">
+            <a:avLst/>
+          </a:prstGeom>
+        </p:spPr>
+        <p:style>
+          <a:lnRef idx="1">
+            <a:schemeClr val="accent5"/>
+          </a:lnRef>
+          <a:fillRef idx="2">
+            <a:schemeClr val="accent5"/>
+          </a:fillRef>
+          <a:effectRef idx="1">
+            <a:schemeClr val="accent5"/>
+          </a:effectRef>
+          <a:fontRef idx="minor">
+            <a:schemeClr val="dk1"/>
+          </a:fontRef>
+        </p:style>
+        <p:txBody>
+          <a:bodyPr rtlCol="0" anchor="ctr"/>
+          <a:lstStyle/>
+          <a:p>
+            <a:pPr algn="ctr"/>
+            <a:r>
+              <a:rPr lang="en-US" altLang="zh-TW" dirty="0"/>
+              <a:t>Task 5</a:t>
+            </a:r>
+            <a:endParaRPr lang="zh-TW" altLang="en-US" dirty="0"/>
+          </a:p>
+        </p:txBody>
+      </p:sp>
+      <p:sp>
+        <p:nvSpPr>
+          <p:cNvPr id="15" name="矩形: 圓角 14">
+            <a:extLst>
+              <a:ext uri="{FF2B5EF4-FFF2-40B4-BE49-F238E27FC236}">
+                <a16:creationId xmlns:a16="http://schemas.microsoft.com/office/drawing/2014/main" id="{3E1C9917-1CE4-4A6E-A3F3-73FD650567B7}"/>
+              </a:ext>
+            </a:extLst>
+          </p:cNvPr>
+          <p:cNvSpPr/>
+          <p:nvPr/>
+        </p:nvSpPr>
+        <p:spPr>
+          <a:xfrm>
+            <a:off x="6059009" y="3080552"/>
+            <a:ext cx="284085" cy="275208"/>
+          </a:xfrm>
+          <a:prstGeom prst="roundRect">
+            <a:avLst/>
+          </a:prstGeom>
+        </p:spPr>
+        <p:style>
+          <a:lnRef idx="1">
+            <a:schemeClr val="accent5"/>
+          </a:lnRef>
+          <a:fillRef idx="2">
+            <a:schemeClr val="accent5"/>
+          </a:fillRef>
+          <a:effectRef idx="1">
+            <a:schemeClr val="accent5"/>
+          </a:effectRef>
+          <a:fontRef idx="minor">
+            <a:schemeClr val="dk1"/>
+          </a:fontRef>
+        </p:style>
+        <p:txBody>
+          <a:bodyPr rtlCol="0" anchor="ctr"/>
+          <a:lstStyle/>
+          <a:p>
+            <a:pPr algn="ctr"/>
+            <a:endParaRPr lang="zh-TW" altLang="en-US"/>
+          </a:p>
+        </p:txBody>
+      </p:sp>
+      <p:sp>
+        <p:nvSpPr>
+          <p:cNvPr id="16" name="矩形: 圓角 15">
+            <a:extLst>
+              <a:ext uri="{FF2B5EF4-FFF2-40B4-BE49-F238E27FC236}">
+                <a16:creationId xmlns:a16="http://schemas.microsoft.com/office/drawing/2014/main" id="{1A8C3ECB-D103-48FA-BEBF-7D46EE85649C}"/>
+              </a:ext>
+            </a:extLst>
+          </p:cNvPr>
+          <p:cNvSpPr/>
+          <p:nvPr/>
+        </p:nvSpPr>
+        <p:spPr>
+          <a:xfrm>
+            <a:off x="6514731" y="3080552"/>
+            <a:ext cx="2314111" cy="275208"/>
+          </a:xfrm>
+          <a:prstGeom prst="roundRect">
+            <a:avLst/>
+          </a:prstGeom>
+        </p:spPr>
+        <p:style>
+          <a:lnRef idx="1">
+            <a:schemeClr val="accent5"/>
+          </a:lnRef>
+          <a:fillRef idx="2">
+            <a:schemeClr val="accent5"/>
+          </a:fillRef>
+          <a:effectRef idx="1">
+            <a:schemeClr val="accent5"/>
+          </a:effectRef>
+          <a:fontRef idx="minor">
+            <a:schemeClr val="dk1"/>
+          </a:fontRef>
+        </p:style>
+        <p:txBody>
+          <a:bodyPr rtlCol="0" anchor="ctr"/>
+          <a:lstStyle/>
+          <a:p>
+            <a:pPr algn="ctr"/>
+            <a:r>
+              <a:rPr lang="en-US" altLang="zh-TW" dirty="0"/>
+              <a:t>Task 6</a:t>
+            </a:r>
+            <a:endParaRPr lang="zh-TW" altLang="en-US" dirty="0"/>
+          </a:p>
+        </p:txBody>
+      </p:sp>
+      <p:sp>
+        <p:nvSpPr>
+          <p:cNvPr id="17" name="矩形: 圓角 16">
+            <a:extLst>
+              <a:ext uri="{FF2B5EF4-FFF2-40B4-BE49-F238E27FC236}">
+                <a16:creationId xmlns:a16="http://schemas.microsoft.com/office/drawing/2014/main" id="{4A01BE2B-0B1F-4400-BF9E-C9A36375309B}"/>
+              </a:ext>
+            </a:extLst>
+          </p:cNvPr>
+          <p:cNvSpPr/>
+          <p:nvPr/>
+        </p:nvSpPr>
+        <p:spPr>
+          <a:xfrm>
+            <a:off x="6059009" y="3471170"/>
+            <a:ext cx="284085" cy="275208"/>
+          </a:xfrm>
+          <a:prstGeom prst="roundRect">
+            <a:avLst/>
+          </a:prstGeom>
+        </p:spPr>
+        <p:style>
+          <a:lnRef idx="1">
+            <a:schemeClr val="accent5"/>
+          </a:lnRef>
+          <a:fillRef idx="2">
+            <a:schemeClr val="accent5"/>
+          </a:fillRef>
+          <a:effectRef idx="1">
+            <a:schemeClr val="accent5"/>
+          </a:effectRef>
+          <a:fontRef idx="minor">
+            <a:schemeClr val="dk1"/>
+          </a:fontRef>
+        </p:style>
+        <p:txBody>
+          <a:bodyPr rtlCol="0" anchor="ctr"/>
+          <a:lstStyle/>
+          <a:p>
+            <a:pPr algn="ctr"/>
+            <a:endParaRPr lang="zh-TW" altLang="en-US"/>
+          </a:p>
+        </p:txBody>
+      </p:sp>
+      <p:sp>
+        <p:nvSpPr>
+          <p:cNvPr id="18" name="矩形: 圓角 17">
+            <a:extLst>
+              <a:ext uri="{FF2B5EF4-FFF2-40B4-BE49-F238E27FC236}">
+                <a16:creationId xmlns:a16="http://schemas.microsoft.com/office/drawing/2014/main" id="{64EA7ECF-6FA7-4375-A18C-0C402D68DA05}"/>
+              </a:ext>
+            </a:extLst>
+          </p:cNvPr>
+          <p:cNvSpPr/>
+          <p:nvPr/>
+        </p:nvSpPr>
+        <p:spPr>
+          <a:xfrm>
+            <a:off x="6514731" y="3471170"/>
+            <a:ext cx="2314111" cy="275208"/>
+          </a:xfrm>
+          <a:prstGeom prst="roundRect">
+            <a:avLst/>
+          </a:prstGeom>
+        </p:spPr>
+        <p:style>
+          <a:lnRef idx="1">
+            <a:schemeClr val="accent5"/>
+          </a:lnRef>
+          <a:fillRef idx="2">
+            <a:schemeClr val="accent5"/>
+          </a:fillRef>
+          <a:effectRef idx="1">
+            <a:schemeClr val="accent5"/>
+          </a:effectRef>
+          <a:fontRef idx="minor">
+            <a:schemeClr val="dk1"/>
+          </a:fontRef>
+        </p:style>
+        <p:txBody>
+          <a:bodyPr rtlCol="0" anchor="ctr"/>
+          <a:lstStyle/>
+          <a:p>
+            <a:pPr algn="ctr"/>
+            <a:r>
+              <a:rPr lang="en-US" altLang="zh-TW" dirty="0"/>
+              <a:t>Task 7</a:t>
+            </a:r>
+            <a:endParaRPr lang="zh-TW" altLang="en-US" dirty="0"/>
+          </a:p>
+        </p:txBody>
+      </p:sp>
+      <p:sp>
+        <p:nvSpPr>
+          <p:cNvPr id="19" name="矩形: 圓角 18">
+            <a:extLst>
+              <a:ext uri="{FF2B5EF4-FFF2-40B4-BE49-F238E27FC236}">
+                <a16:creationId xmlns:a16="http://schemas.microsoft.com/office/drawing/2014/main" id="{14901AEB-D9CD-4852-B0AA-0009985E5771}"/>
+              </a:ext>
+            </a:extLst>
+          </p:cNvPr>
+          <p:cNvSpPr/>
+          <p:nvPr/>
+        </p:nvSpPr>
+        <p:spPr>
+          <a:xfrm>
+            <a:off x="6059009" y="3861788"/>
+            <a:ext cx="284085" cy="275208"/>
+          </a:xfrm>
+          <a:prstGeom prst="roundRect">
+            <a:avLst/>
+          </a:prstGeom>
+        </p:spPr>
+        <p:style>
+          <a:lnRef idx="1">
+            <a:schemeClr val="accent5"/>
+          </a:lnRef>
+          <a:fillRef idx="2">
+            <a:schemeClr val="accent5"/>
+          </a:fillRef>
+          <a:effectRef idx="1">
+            <a:schemeClr val="accent5"/>
+          </a:effectRef>
+          <a:fontRef idx="minor">
+            <a:schemeClr val="dk1"/>
+          </a:fontRef>
+        </p:style>
+        <p:txBody>
+          <a:bodyPr rtlCol="0" anchor="ctr"/>
+          <a:lstStyle/>
+          <a:p>
+            <a:pPr algn="ctr"/>
+            <a:endParaRPr lang="zh-TW" altLang="en-US"/>
+          </a:p>
+        </p:txBody>
+      </p:sp>
+      <p:sp>
+        <p:nvSpPr>
+          <p:cNvPr id="20" name="矩形: 圓角 19">
+            <a:extLst>
+              <a:ext uri="{FF2B5EF4-FFF2-40B4-BE49-F238E27FC236}">
+                <a16:creationId xmlns:a16="http://schemas.microsoft.com/office/drawing/2014/main" id="{CEE80ACC-2EB0-4A99-8EB8-A36B65A426E1}"/>
+              </a:ext>
+            </a:extLst>
+          </p:cNvPr>
+          <p:cNvSpPr/>
+          <p:nvPr/>
+        </p:nvSpPr>
+        <p:spPr>
+          <a:xfrm>
+            <a:off x="2077375" y="4603512"/>
+            <a:ext cx="6751467" cy="275208"/>
+          </a:xfrm>
+          <a:prstGeom prst="roundRect">
+            <a:avLst/>
+          </a:prstGeom>
+        </p:spPr>
+        <p:style>
+          <a:lnRef idx="1">
+            <a:schemeClr val="accent2"/>
+          </a:lnRef>
+          <a:fillRef idx="2">
+            <a:schemeClr val="accent2"/>
+          </a:fillRef>
+          <a:effectRef idx="1">
+            <a:schemeClr val="accent2"/>
+          </a:effectRef>
+          <a:fontRef idx="minor">
+            <a:schemeClr val="dk1"/>
+          </a:fontRef>
+        </p:style>
+        <p:txBody>
+          <a:bodyPr rtlCol="0" anchor="ctr"/>
+          <a:lstStyle/>
+          <a:p>
+            <a:pPr algn="ctr"/>
+            <a:r>
+              <a:rPr lang="en-US" altLang="zh-TW" dirty="0"/>
+              <a:t>Output Folder</a:t>
+            </a:r>
+            <a:endParaRPr lang="zh-TW" altLang="en-US" dirty="0"/>
+          </a:p>
+        </p:txBody>
+      </p:sp>
+      <p:sp>
+        <p:nvSpPr>
+          <p:cNvPr id="21" name="矩形: 圓角 20">
+            <a:extLst>
+              <a:ext uri="{FF2B5EF4-FFF2-40B4-BE49-F238E27FC236}">
+                <a16:creationId xmlns:a16="http://schemas.microsoft.com/office/drawing/2014/main" id="{C49A42C8-196F-4659-9297-7542906ABAB6}"/>
+              </a:ext>
+            </a:extLst>
+          </p:cNvPr>
+          <p:cNvSpPr/>
+          <p:nvPr/>
+        </p:nvSpPr>
+        <p:spPr>
+          <a:xfrm>
+            <a:off x="6514731" y="3861788"/>
+            <a:ext cx="2314111" cy="275208"/>
+          </a:xfrm>
+          <a:prstGeom prst="roundRect">
+            <a:avLst/>
+          </a:prstGeom>
+        </p:spPr>
+        <p:style>
+          <a:lnRef idx="1">
+            <a:schemeClr val="accent5"/>
+          </a:lnRef>
+          <a:fillRef idx="2">
+            <a:schemeClr val="accent5"/>
+          </a:fillRef>
+          <a:effectRef idx="1">
+            <a:schemeClr val="accent5"/>
+          </a:effectRef>
+          <a:fontRef idx="minor">
+            <a:schemeClr val="dk1"/>
+          </a:fontRef>
+        </p:style>
+        <p:txBody>
+          <a:bodyPr rtlCol="0" anchor="ctr"/>
+          <a:lstStyle/>
+          <a:p>
+            <a:pPr algn="ctr"/>
+            <a:r>
+              <a:rPr lang="en-US" altLang="zh-TW" dirty="0"/>
+              <a:t>Task 8</a:t>
+            </a:r>
+          </a:p>
+        </p:txBody>
+      </p:sp>
+      <p:sp>
+        <p:nvSpPr>
+          <p:cNvPr id="22" name="矩形: 圓角 21">
+            <a:extLst>
+              <a:ext uri="{FF2B5EF4-FFF2-40B4-BE49-F238E27FC236}">
+                <a16:creationId xmlns:a16="http://schemas.microsoft.com/office/drawing/2014/main" id="{B1F496CF-2EA6-44B1-B44A-897709F4A2FF}"/>
+              </a:ext>
+            </a:extLst>
+          </p:cNvPr>
+          <p:cNvSpPr/>
+          <p:nvPr/>
+        </p:nvSpPr>
+        <p:spPr>
+          <a:xfrm>
+            <a:off x="6514730" y="5078907"/>
+            <a:ext cx="2314111" cy="275208"/>
+          </a:xfrm>
+          <a:prstGeom prst="roundRect">
+            <a:avLst/>
+          </a:prstGeom>
+        </p:spPr>
+        <p:style>
+          <a:lnRef idx="1">
+            <a:schemeClr val="accent2"/>
+          </a:lnRef>
+          <a:fillRef idx="2">
+            <a:schemeClr val="accent2"/>
+          </a:fillRef>
+          <a:effectRef idx="1">
+            <a:schemeClr val="accent2"/>
+          </a:effectRef>
+          <a:fontRef idx="minor">
+            <a:schemeClr val="dk1"/>
+          </a:fontRef>
+        </p:style>
+        <p:txBody>
+          <a:bodyPr rtlCol="0" anchor="ctr"/>
+          <a:lstStyle/>
+          <a:p>
+            <a:pPr algn="ctr"/>
+            <a:r>
+              <a:rPr lang="en-US" altLang="zh-TW" dirty="0"/>
+              <a:t>Do IT!</a:t>
+            </a:r>
+            <a:endParaRPr lang="zh-TW" altLang="en-US" dirty="0"/>
+          </a:p>
+        </p:txBody>
+      </p:sp>
+    </p:spTree>
+    <p:extLst>
+      <p:ext uri="{BB962C8B-B14F-4D97-AF65-F5344CB8AC3E}">
+        <p14:creationId xmlns:p14="http://schemas.microsoft.com/office/powerpoint/2010/main" val="3185854282"/>
+      </p:ext>
+    </p:extLst>
+  </p:cSld>
+  <p:clrMapOvr>
+    <a:masterClrMapping/>
+  </p:clrMapOvr>
+</p:sld>
+</file>
+
+<file path=ppt/slides/slide11.xml><?xml version="1.0" encoding="utf-8"?>
+<p:sld xmlns:a="http://schemas.openxmlformats.org/drawingml/2006/main" xmlns:r="http://schemas.openxmlformats.org/officeDocument/2006/relationships" xmlns:p="http://schemas.openxmlformats.org/presentationml/2006/main">
+  <p:cSld>
+    <p:spTree>
+      <p:nvGrpSpPr>
+        <p:cNvPr id="1" name=""/>
+        <p:cNvGrpSpPr/>
+        <p:nvPr/>
+      </p:nvGrpSpPr>
+      <p:grpSpPr>
+        <a:xfrm>
+          <a:off x="0" y="0"/>
+          <a:ext cx="0" cy="0"/>
+          <a:chOff x="0" y="0"/>
+          <a:chExt cx="0" cy="0"/>
+        </a:xfrm>
+      </p:grpSpPr>
+      <p:sp>
+        <p:nvSpPr>
+          <p:cNvPr id="2" name="標題 1">
+            <a:extLst>
+              <a:ext uri="{FF2B5EF4-FFF2-40B4-BE49-F238E27FC236}">
+                <a16:creationId xmlns:a16="http://schemas.microsoft.com/office/drawing/2014/main" id="{36F42728-AC57-4F93-BCA9-F32459C876E5}"/>
+              </a:ext>
+            </a:extLst>
+          </p:cNvPr>
+          <p:cNvSpPr>
+            <a:spLocks noGrp="1"/>
+          </p:cNvSpPr>
+          <p:nvPr>
+            <p:ph type="title"/>
+          </p:nvPr>
+        </p:nvSpPr>
+        <p:spPr/>
+        <p:txBody>
+          <a:bodyPr/>
+          <a:lstStyle/>
+          <a:p>
+            <a:r>
+              <a:rPr lang="en-US" altLang="zh-TW" dirty="0"/>
+              <a:t>UI CONCEPT</a:t>
+            </a:r>
+            <a:endParaRPr lang="zh-TW" altLang="en-US" dirty="0"/>
+          </a:p>
+        </p:txBody>
+      </p:sp>
+      <p:sp>
+        <p:nvSpPr>
+          <p:cNvPr id="3" name="內容版面配置區 2">
+            <a:extLst>
+              <a:ext uri="{FF2B5EF4-FFF2-40B4-BE49-F238E27FC236}">
+                <a16:creationId xmlns:a16="http://schemas.microsoft.com/office/drawing/2014/main" id="{78D2BE84-2346-42B7-ACA8-229E4B46BEF1}"/>
+              </a:ext>
+            </a:extLst>
+          </p:cNvPr>
           <p:cNvSpPr>
             <a:spLocks noGrp="1"/>
           </p:cNvSpPr>
@@ -12558,14 +13505,661 @@
           <a:bodyPr/>
           <a:lstStyle/>
           <a:p>
-            <a:endParaRPr lang="zh-TW" altLang="en-US"/>
+            <a:r>
+              <a:rPr lang="en-US" altLang="zh-TW" dirty="0"/>
+              <a:t>Each registered script are shown on UI as a task</a:t>
+            </a:r>
+          </a:p>
+          <a:p>
+            <a:r>
+              <a:rPr lang="en-US" altLang="zh-TW" dirty="0"/>
+              <a:t>Select task by checkbox</a:t>
+            </a:r>
+          </a:p>
+          <a:p>
+            <a:r>
+              <a:rPr lang="en-US" altLang="zh-TW" dirty="0"/>
+              <a:t>Select output folder, default under %</a:t>
+            </a:r>
+            <a:r>
+              <a:rPr lang="en-US" altLang="zh-TW" dirty="0" err="1"/>
+              <a:t>DDT_ExePath</a:t>
+            </a:r>
+            <a:r>
+              <a:rPr lang="en-US" altLang="zh-TW" dirty="0"/>
+              <a:t>%\output</a:t>
+            </a:r>
+          </a:p>
+          <a:p>
+            <a:r>
+              <a:rPr lang="en-US" altLang="zh-TW" dirty="0"/>
+              <a:t>Press button to run</a:t>
+            </a:r>
+            <a:endParaRPr lang="zh-TW" altLang="en-US" dirty="0"/>
           </a:p>
         </p:txBody>
       </p:sp>
     </p:spTree>
     <p:extLst>
       <p:ext uri="{BB962C8B-B14F-4D97-AF65-F5344CB8AC3E}">
-        <p14:creationId xmlns:p14="http://schemas.microsoft.com/office/powerpoint/2010/main" val="3185854282"/>
+        <p14:creationId xmlns:p14="http://schemas.microsoft.com/office/powerpoint/2010/main" val="3764219110"/>
+      </p:ext>
+    </p:extLst>
+  </p:cSld>
+  <p:clrMapOvr>
+    <a:masterClrMapping/>
+  </p:clrMapOvr>
+</p:sld>
+</file>
+
+<file path=ppt/slides/slide12.xml><?xml version="1.0" encoding="utf-8"?>
+<p:sld xmlns:a="http://schemas.openxmlformats.org/drawingml/2006/main" xmlns:r="http://schemas.openxmlformats.org/officeDocument/2006/relationships" xmlns:p="http://schemas.openxmlformats.org/presentationml/2006/main">
+  <p:cSld>
+    <p:spTree>
+      <p:nvGrpSpPr>
+        <p:cNvPr id="1" name=""/>
+        <p:cNvGrpSpPr/>
+        <p:nvPr/>
+      </p:nvGrpSpPr>
+      <p:grpSpPr>
+        <a:xfrm>
+          <a:off x="0" y="0"/>
+          <a:ext cx="0" cy="0"/>
+          <a:chOff x="0" y="0"/>
+          <a:chExt cx="0" cy="0"/>
+        </a:xfrm>
+      </p:grpSpPr>
+      <p:sp>
+        <p:nvSpPr>
+          <p:cNvPr id="2" name="標題 1">
+            <a:extLst>
+              <a:ext uri="{FF2B5EF4-FFF2-40B4-BE49-F238E27FC236}">
+                <a16:creationId xmlns:a16="http://schemas.microsoft.com/office/drawing/2014/main" id="{1BFD25A2-F942-4D8B-8750-237FD6D31938}"/>
+              </a:ext>
+            </a:extLst>
+          </p:cNvPr>
+          <p:cNvSpPr>
+            <a:spLocks noGrp="1"/>
+          </p:cNvSpPr>
+          <p:nvPr>
+            <p:ph type="title"/>
+          </p:nvPr>
+        </p:nvSpPr>
+        <p:spPr/>
+        <p:txBody>
+          <a:bodyPr/>
+          <a:lstStyle/>
+          <a:p>
+            <a:r>
+              <a:rPr lang="en-US" altLang="zh-TW" dirty="0"/>
+              <a:t>Script module interface</a:t>
+            </a:r>
+            <a:endParaRPr lang="zh-TW" altLang="en-US" dirty="0"/>
+          </a:p>
+        </p:txBody>
+      </p:sp>
+      <p:sp>
+        <p:nvSpPr>
+          <p:cNvPr id="3" name="內容版面配置區 2">
+            <a:extLst>
+              <a:ext uri="{FF2B5EF4-FFF2-40B4-BE49-F238E27FC236}">
+                <a16:creationId xmlns:a16="http://schemas.microsoft.com/office/drawing/2014/main" id="{BE7B1707-F19C-4DEE-8998-A96ADCEC8EEA}"/>
+              </a:ext>
+            </a:extLst>
+          </p:cNvPr>
+          <p:cNvSpPr>
+            <a:spLocks noGrp="1"/>
+          </p:cNvSpPr>
+          <p:nvPr>
+            <p:ph idx="1"/>
+          </p:nvPr>
+        </p:nvSpPr>
+        <p:spPr/>
+        <p:txBody>
+          <a:bodyPr/>
+          <a:lstStyle/>
+          <a:p>
+            <a:endParaRPr lang="zh-TW" altLang="en-US" dirty="0"/>
+          </a:p>
+        </p:txBody>
+      </p:sp>
+      <p:sp>
+        <p:nvSpPr>
+          <p:cNvPr id="4" name="矩形 3">
+            <a:extLst>
+              <a:ext uri="{FF2B5EF4-FFF2-40B4-BE49-F238E27FC236}">
+                <a16:creationId xmlns:a16="http://schemas.microsoft.com/office/drawing/2014/main" id="{2B9F3025-73B1-48D6-8505-CFCED3109F30}"/>
+              </a:ext>
+            </a:extLst>
+          </p:cNvPr>
+          <p:cNvSpPr/>
+          <p:nvPr/>
+        </p:nvSpPr>
+        <p:spPr>
+          <a:xfrm>
+            <a:off x="6667469" y="3190521"/>
+            <a:ext cx="4012707" cy="1976284"/>
+          </a:xfrm>
+          <a:prstGeom prst="rect">
+            <a:avLst/>
+          </a:prstGeom>
+        </p:spPr>
+        <p:style>
+          <a:lnRef idx="1">
+            <a:schemeClr val="accent5"/>
+          </a:lnRef>
+          <a:fillRef idx="2">
+            <a:schemeClr val="accent5"/>
+          </a:fillRef>
+          <a:effectRef idx="1">
+            <a:schemeClr val="accent5"/>
+          </a:effectRef>
+          <a:fontRef idx="minor">
+            <a:schemeClr val="dk1"/>
+          </a:fontRef>
+        </p:style>
+        <p:txBody>
+          <a:bodyPr rtlCol="0" anchor="t"/>
+          <a:lstStyle/>
+          <a:p>
+            <a:pPr algn="ctr"/>
+            <a:r>
+              <a:rPr lang="en-US" altLang="zh-TW" dirty="0"/>
+              <a:t>Task Script</a:t>
+            </a:r>
+            <a:endParaRPr lang="zh-TW" altLang="en-US" dirty="0"/>
+          </a:p>
+        </p:txBody>
+      </p:sp>
+      <p:sp>
+        <p:nvSpPr>
+          <p:cNvPr id="5" name="矩形 4">
+            <a:extLst>
+              <a:ext uri="{FF2B5EF4-FFF2-40B4-BE49-F238E27FC236}">
+                <a16:creationId xmlns:a16="http://schemas.microsoft.com/office/drawing/2014/main" id="{CA23FEB5-604B-43ED-BD8E-B0528C9C7ABC}"/>
+              </a:ext>
+            </a:extLst>
+          </p:cNvPr>
+          <p:cNvSpPr/>
+          <p:nvPr/>
+        </p:nvSpPr>
+        <p:spPr>
+          <a:xfrm>
+            <a:off x="7233823" y="3559100"/>
+            <a:ext cx="2880000" cy="540000"/>
+          </a:xfrm>
+          <a:prstGeom prst="rect">
+            <a:avLst/>
+          </a:prstGeom>
+        </p:spPr>
+        <p:style>
+          <a:lnRef idx="2">
+            <a:schemeClr val="accent1">
+              <a:shade val="50000"/>
+            </a:schemeClr>
+          </a:lnRef>
+          <a:fillRef idx="1">
+            <a:schemeClr val="accent1"/>
+          </a:fillRef>
+          <a:effectRef idx="0">
+            <a:schemeClr val="accent1"/>
+          </a:effectRef>
+          <a:fontRef idx="minor">
+            <a:schemeClr val="lt1"/>
+          </a:fontRef>
+        </p:style>
+        <p:txBody>
+          <a:bodyPr rtlCol="0" anchor="ctr"/>
+          <a:lstStyle/>
+          <a:p>
+            <a:pPr algn="ctr"/>
+            <a:r>
+              <a:rPr lang="en-US" altLang="zh-TW" dirty="0"/>
+              <a:t>Register()</a:t>
+            </a:r>
+            <a:endParaRPr lang="zh-TW" altLang="en-US" dirty="0"/>
+          </a:p>
+        </p:txBody>
+      </p:sp>
+      <p:sp>
+        <p:nvSpPr>
+          <p:cNvPr id="6" name="矩形 5">
+            <a:extLst>
+              <a:ext uri="{FF2B5EF4-FFF2-40B4-BE49-F238E27FC236}">
+                <a16:creationId xmlns:a16="http://schemas.microsoft.com/office/drawing/2014/main" id="{706D2B09-A984-42D6-BD2C-6C14293B8075}"/>
+              </a:ext>
+            </a:extLst>
+          </p:cNvPr>
+          <p:cNvSpPr/>
+          <p:nvPr/>
+        </p:nvSpPr>
+        <p:spPr>
+          <a:xfrm>
+            <a:off x="7233823" y="4251499"/>
+            <a:ext cx="2880000" cy="540000"/>
+          </a:xfrm>
+          <a:prstGeom prst="rect">
+            <a:avLst/>
+          </a:prstGeom>
+        </p:spPr>
+        <p:style>
+          <a:lnRef idx="2">
+            <a:schemeClr val="accent1">
+              <a:shade val="50000"/>
+            </a:schemeClr>
+          </a:lnRef>
+          <a:fillRef idx="1">
+            <a:schemeClr val="accent1"/>
+          </a:fillRef>
+          <a:effectRef idx="0">
+            <a:schemeClr val="accent1"/>
+          </a:effectRef>
+          <a:fontRef idx="minor">
+            <a:schemeClr val="lt1"/>
+          </a:fontRef>
+        </p:style>
+        <p:txBody>
+          <a:bodyPr rtlCol="0" anchor="ctr"/>
+          <a:lstStyle/>
+          <a:p>
+            <a:pPr algn="ctr"/>
+            <a:r>
+              <a:rPr lang="en-US" altLang="zh-TW" dirty="0" err="1"/>
+              <a:t>DoJob</a:t>
+            </a:r>
+            <a:r>
+              <a:rPr lang="en-US" altLang="zh-TW" dirty="0"/>
+              <a:t>()</a:t>
+            </a:r>
+            <a:endParaRPr lang="zh-TW" altLang="en-US" dirty="0"/>
+          </a:p>
+        </p:txBody>
+      </p:sp>
+      <p:sp>
+        <p:nvSpPr>
+          <p:cNvPr id="7" name="矩形 6">
+            <a:extLst>
+              <a:ext uri="{FF2B5EF4-FFF2-40B4-BE49-F238E27FC236}">
+                <a16:creationId xmlns:a16="http://schemas.microsoft.com/office/drawing/2014/main" id="{CA8218A1-D6D1-4040-9199-252EAB3D8818}"/>
+              </a:ext>
+            </a:extLst>
+          </p:cNvPr>
+          <p:cNvSpPr/>
+          <p:nvPr/>
+        </p:nvSpPr>
+        <p:spPr>
+          <a:xfrm>
+            <a:off x="1260968" y="3190521"/>
+            <a:ext cx="4012707" cy="1976284"/>
+          </a:xfrm>
+          <a:prstGeom prst="rect">
+            <a:avLst/>
+          </a:prstGeom>
+        </p:spPr>
+        <p:style>
+          <a:lnRef idx="1">
+            <a:schemeClr val="accent5"/>
+          </a:lnRef>
+          <a:fillRef idx="2">
+            <a:schemeClr val="accent5"/>
+          </a:fillRef>
+          <a:effectRef idx="1">
+            <a:schemeClr val="accent5"/>
+          </a:effectRef>
+          <a:fontRef idx="minor">
+            <a:schemeClr val="dk1"/>
+          </a:fontRef>
+        </p:style>
+        <p:txBody>
+          <a:bodyPr rtlCol="0" anchor="t"/>
+          <a:lstStyle/>
+          <a:p>
+            <a:pPr algn="ctr"/>
+            <a:r>
+              <a:rPr lang="en-US" altLang="zh-TW" dirty="0"/>
+              <a:t>DDT Engine</a:t>
+            </a:r>
+            <a:endParaRPr lang="zh-TW" altLang="en-US" dirty="0"/>
+          </a:p>
+        </p:txBody>
+      </p:sp>
+      <p:cxnSp>
+        <p:nvCxnSpPr>
+          <p:cNvPr id="9" name="直線單箭頭接點 8">
+            <a:extLst>
+              <a:ext uri="{FF2B5EF4-FFF2-40B4-BE49-F238E27FC236}">
+                <a16:creationId xmlns:a16="http://schemas.microsoft.com/office/drawing/2014/main" id="{54205844-A084-4658-8729-7BF6210C9F44}"/>
+              </a:ext>
+            </a:extLst>
+          </p:cNvPr>
+          <p:cNvCxnSpPr/>
+          <p:nvPr/>
+        </p:nvCxnSpPr>
+        <p:spPr>
+          <a:xfrm>
+            <a:off x="5273675" y="3783866"/>
+            <a:ext cx="1960148" cy="0"/>
+          </a:xfrm>
+          <a:prstGeom prst="straightConnector1">
+            <a:avLst/>
+          </a:prstGeom>
+          <a:ln w="57150">
+            <a:solidFill>
+              <a:schemeClr val="accent5">
+                <a:lumMod val="75000"/>
+              </a:schemeClr>
+            </a:solidFill>
+            <a:tailEnd type="triangle"/>
+          </a:ln>
+        </p:spPr>
+        <p:style>
+          <a:lnRef idx="1">
+            <a:schemeClr val="accent1"/>
+          </a:lnRef>
+          <a:fillRef idx="0">
+            <a:schemeClr val="accent1"/>
+          </a:fillRef>
+          <a:effectRef idx="0">
+            <a:schemeClr val="accent1"/>
+          </a:effectRef>
+          <a:fontRef idx="minor">
+            <a:schemeClr val="tx1"/>
+          </a:fontRef>
+        </p:style>
+      </p:cxnSp>
+      <p:cxnSp>
+        <p:nvCxnSpPr>
+          <p:cNvPr id="10" name="直線單箭頭接點 9">
+            <a:extLst>
+              <a:ext uri="{FF2B5EF4-FFF2-40B4-BE49-F238E27FC236}">
+                <a16:creationId xmlns:a16="http://schemas.microsoft.com/office/drawing/2014/main" id="{8B951248-9EE9-4259-B3BF-48DFD8BE6262}"/>
+              </a:ext>
+            </a:extLst>
+          </p:cNvPr>
+          <p:cNvCxnSpPr/>
+          <p:nvPr/>
+        </p:nvCxnSpPr>
+        <p:spPr>
+          <a:xfrm>
+            <a:off x="5273675" y="4521499"/>
+            <a:ext cx="1960148" cy="0"/>
+          </a:xfrm>
+          <a:prstGeom prst="straightConnector1">
+            <a:avLst/>
+          </a:prstGeom>
+          <a:ln w="57150">
+            <a:solidFill>
+              <a:schemeClr val="accent5">
+                <a:lumMod val="75000"/>
+              </a:schemeClr>
+            </a:solidFill>
+            <a:tailEnd type="triangle"/>
+          </a:ln>
+        </p:spPr>
+        <p:style>
+          <a:lnRef idx="1">
+            <a:schemeClr val="accent1"/>
+          </a:lnRef>
+          <a:fillRef idx="0">
+            <a:schemeClr val="accent1"/>
+          </a:fillRef>
+          <a:effectRef idx="0">
+            <a:schemeClr val="accent1"/>
+          </a:effectRef>
+          <a:fontRef idx="minor">
+            <a:schemeClr val="tx1"/>
+          </a:fontRef>
+        </p:style>
+      </p:cxnSp>
+      <p:sp>
+        <p:nvSpPr>
+          <p:cNvPr id="11" name="文字方塊 10">
+            <a:extLst>
+              <a:ext uri="{FF2B5EF4-FFF2-40B4-BE49-F238E27FC236}">
+                <a16:creationId xmlns:a16="http://schemas.microsoft.com/office/drawing/2014/main" id="{A88845A1-2324-4572-A701-6039CAABE21B}"/>
+              </a:ext>
+            </a:extLst>
+          </p:cNvPr>
+          <p:cNvSpPr txBox="1"/>
+          <p:nvPr/>
+        </p:nvSpPr>
+        <p:spPr>
+          <a:xfrm>
+            <a:off x="5274014" y="3386246"/>
+            <a:ext cx="1858394" cy="369332"/>
+          </a:xfrm>
+          <a:prstGeom prst="rect">
+            <a:avLst/>
+          </a:prstGeom>
+          <a:noFill/>
+        </p:spPr>
+        <p:txBody>
+          <a:bodyPr wrap="none" rtlCol="0">
+            <a:spAutoFit/>
+          </a:bodyPr>
+          <a:lstStyle/>
+          <a:p>
+            <a:r>
+              <a:rPr lang="en-US" altLang="zh-TW" dirty="0">
+                <a:solidFill>
+                  <a:schemeClr val="bg1"/>
+                </a:solidFill>
+              </a:rPr>
+              <a:t>1. call in </a:t>
+            </a:r>
+            <a:r>
+              <a:rPr lang="en-US" altLang="zh-TW" dirty="0" err="1">
+                <a:solidFill>
+                  <a:schemeClr val="bg1"/>
+                </a:solidFill>
+              </a:rPr>
+              <a:t>init</a:t>
+            </a:r>
+            <a:r>
+              <a:rPr lang="en-US" altLang="zh-TW" dirty="0">
+                <a:solidFill>
+                  <a:schemeClr val="bg1"/>
+                </a:solidFill>
+              </a:rPr>
+              <a:t> stage</a:t>
+            </a:r>
+            <a:endParaRPr lang="zh-TW" altLang="en-US" dirty="0">
+              <a:solidFill>
+                <a:schemeClr val="bg1"/>
+              </a:solidFill>
+            </a:endParaRPr>
+          </a:p>
+        </p:txBody>
+      </p:sp>
+      <p:sp>
+        <p:nvSpPr>
+          <p:cNvPr id="12" name="文字方塊 11">
+            <a:extLst>
+              <a:ext uri="{FF2B5EF4-FFF2-40B4-BE49-F238E27FC236}">
+                <a16:creationId xmlns:a16="http://schemas.microsoft.com/office/drawing/2014/main" id="{A2987B53-E864-4DEF-ADF4-59F33B839DD7}"/>
+              </a:ext>
+            </a:extLst>
+          </p:cNvPr>
+          <p:cNvSpPr txBox="1"/>
+          <p:nvPr/>
+        </p:nvSpPr>
+        <p:spPr>
+          <a:xfrm>
+            <a:off x="5274014" y="4066833"/>
+            <a:ext cx="2182200" cy="369332"/>
+          </a:xfrm>
+          <a:prstGeom prst="rect">
+            <a:avLst/>
+          </a:prstGeom>
+          <a:noFill/>
+        </p:spPr>
+        <p:txBody>
+          <a:bodyPr wrap="none" rtlCol="0">
+            <a:spAutoFit/>
+          </a:bodyPr>
+          <a:lstStyle/>
+          <a:p>
+            <a:r>
+              <a:rPr lang="en-US" altLang="zh-TW" dirty="0">
+                <a:solidFill>
+                  <a:schemeClr val="bg1"/>
+                </a:solidFill>
+              </a:rPr>
+              <a:t>2. call in “Do It” event</a:t>
+            </a:r>
+            <a:endParaRPr lang="zh-TW" altLang="en-US" dirty="0">
+              <a:solidFill>
+                <a:schemeClr val="bg1"/>
+              </a:solidFill>
+            </a:endParaRPr>
+          </a:p>
+        </p:txBody>
+      </p:sp>
+    </p:spTree>
+    <p:extLst>
+      <p:ext uri="{BB962C8B-B14F-4D97-AF65-F5344CB8AC3E}">
+        <p14:creationId xmlns:p14="http://schemas.microsoft.com/office/powerpoint/2010/main" val="2883495485"/>
+      </p:ext>
+    </p:extLst>
+  </p:cSld>
+  <p:clrMapOvr>
+    <a:masterClrMapping/>
+  </p:clrMapOvr>
+</p:sld>
+</file>
+
+<file path=ppt/slides/slide13.xml><?xml version="1.0" encoding="utf-8"?>
+<p:sld xmlns:a="http://schemas.openxmlformats.org/drawingml/2006/main" xmlns:r="http://schemas.openxmlformats.org/officeDocument/2006/relationships" xmlns:p="http://schemas.openxmlformats.org/presentationml/2006/main">
+  <p:cSld>
+    <p:spTree>
+      <p:nvGrpSpPr>
+        <p:cNvPr id="1" name=""/>
+        <p:cNvGrpSpPr/>
+        <p:nvPr/>
+      </p:nvGrpSpPr>
+      <p:grpSpPr>
+        <a:xfrm>
+          <a:off x="0" y="0"/>
+          <a:ext cx="0" cy="0"/>
+          <a:chOff x="0" y="0"/>
+          <a:chExt cx="0" cy="0"/>
+        </a:xfrm>
+      </p:grpSpPr>
+      <p:sp>
+        <p:nvSpPr>
+          <p:cNvPr id="2" name="標題 1">
+            <a:extLst>
+              <a:ext uri="{FF2B5EF4-FFF2-40B4-BE49-F238E27FC236}">
+                <a16:creationId xmlns:a16="http://schemas.microsoft.com/office/drawing/2014/main" id="{8B79F47A-AE76-42DD-84C7-28A600F16AE2}"/>
+              </a:ext>
+            </a:extLst>
+          </p:cNvPr>
+          <p:cNvSpPr>
+            <a:spLocks noGrp="1"/>
+          </p:cNvSpPr>
+          <p:nvPr>
+            <p:ph type="title"/>
+          </p:nvPr>
+        </p:nvSpPr>
+        <p:spPr/>
+        <p:txBody>
+          <a:bodyPr/>
+          <a:lstStyle/>
+          <a:p>
+            <a:r>
+              <a:rPr lang="en-US" altLang="zh-TW" dirty="0"/>
+              <a:t>script module interface</a:t>
+            </a:r>
+            <a:endParaRPr lang="zh-TW" altLang="en-US" dirty="0"/>
+          </a:p>
+        </p:txBody>
+      </p:sp>
+      <p:sp>
+        <p:nvSpPr>
+          <p:cNvPr id="3" name="內容版面配置區 2">
+            <a:extLst>
+              <a:ext uri="{FF2B5EF4-FFF2-40B4-BE49-F238E27FC236}">
+                <a16:creationId xmlns:a16="http://schemas.microsoft.com/office/drawing/2014/main" id="{E4817D0D-5910-4FA1-AF86-7107AF1BCECC}"/>
+              </a:ext>
+            </a:extLst>
+          </p:cNvPr>
+          <p:cNvSpPr>
+            <a:spLocks noGrp="1"/>
+          </p:cNvSpPr>
+          <p:nvPr>
+            <p:ph idx="1"/>
+          </p:nvPr>
+        </p:nvSpPr>
+        <p:spPr/>
+        <p:txBody>
+          <a:bodyPr/>
+          <a:lstStyle/>
+          <a:p>
+            <a:r>
+              <a:rPr lang="en-US" altLang="zh-TW" dirty="0"/>
+              <a:t>each script should provide 2 function</a:t>
+            </a:r>
+          </a:p>
+          <a:p>
+            <a:pPr lvl="1"/>
+            <a:r>
+              <a:rPr lang="en-US" altLang="zh-TW" dirty="0"/>
+              <a:t>Register()</a:t>
+            </a:r>
+          </a:p>
+          <a:p>
+            <a:pPr lvl="2"/>
+            <a:r>
+              <a:rPr lang="en-US" altLang="zh-TW" dirty="0"/>
+              <a:t>register this script to DDT engine</a:t>
+            </a:r>
+          </a:p>
+          <a:p>
+            <a:pPr lvl="2"/>
+            <a:r>
+              <a:rPr lang="en-US" altLang="zh-TW" dirty="0"/>
+              <a:t>return task name which will be shown on UI</a:t>
+            </a:r>
+          </a:p>
+          <a:p>
+            <a:pPr lvl="1"/>
+            <a:r>
+              <a:rPr lang="en-US" altLang="zh-TW" dirty="0" err="1"/>
+              <a:t>DoJob</a:t>
+            </a:r>
+            <a:r>
+              <a:rPr lang="en-US" altLang="zh-TW" dirty="0"/>
+              <a:t>()</a:t>
+            </a:r>
+          </a:p>
+          <a:p>
+            <a:pPr lvl="2"/>
+            <a:r>
+              <a:rPr lang="en-US" altLang="zh-TW" dirty="0"/>
+              <a:t>called when UI press button to do all jobs</a:t>
+            </a:r>
+          </a:p>
+          <a:p>
+            <a:pPr lvl="2"/>
+            <a:r>
+              <a:rPr lang="en-US" altLang="zh-TW" dirty="0"/>
+              <a:t>DDT engine will pass output folder in arguments</a:t>
+            </a:r>
+          </a:p>
+          <a:p>
+            <a:pPr lvl="3"/>
+            <a:r>
+              <a:rPr lang="en-US" altLang="zh-TW" dirty="0"/>
+              <a:t>script should put output files in this folder, then engine will zip them all automatically</a:t>
+            </a:r>
+            <a:endParaRPr lang="zh-TW" altLang="en-US" dirty="0"/>
+          </a:p>
+        </p:txBody>
+      </p:sp>
+    </p:spTree>
+    <p:extLst>
+      <p:ext uri="{BB962C8B-B14F-4D97-AF65-F5344CB8AC3E}">
+        <p14:creationId xmlns:p14="http://schemas.microsoft.com/office/powerpoint/2010/main" val="499261449"/>
       </p:ext>
     </p:extLst>
   </p:cSld>
@@ -14442,7 +16036,7 @@
               <a:pPr algn="ctr"/>
               <a:r>
                 <a:rPr lang="en-US" altLang="zh-TW" dirty="0"/>
-                <a:t>LUA script Task</a:t>
+                <a:t>Python Task</a:t>
               </a:r>
               <a:endParaRPr lang="zh-TW" altLang="en-US" dirty="0"/>
             </a:p>
@@ -14538,6 +16132,198 @@
           <a:p>
             <a:pPr algn="ctr"/>
             <a:endParaRPr lang="zh-TW" altLang="en-US"/>
+          </a:p>
+        </p:txBody>
+      </p:sp>
+      <p:sp>
+        <p:nvSpPr>
+          <p:cNvPr id="17" name="箭號: 向右 16">
+            <a:extLst>
+              <a:ext uri="{FF2B5EF4-FFF2-40B4-BE49-F238E27FC236}">
+                <a16:creationId xmlns:a16="http://schemas.microsoft.com/office/drawing/2014/main" id="{71464B2E-5102-44BF-9FEE-79454626783C}"/>
+              </a:ext>
+            </a:extLst>
+          </p:cNvPr>
+          <p:cNvSpPr/>
+          <p:nvPr/>
+        </p:nvSpPr>
+        <p:spPr>
+          <a:xfrm>
+            <a:off x="6094411" y="3293616"/>
+            <a:ext cx="585926" cy="284085"/>
+          </a:xfrm>
+          <a:prstGeom prst="rightArrow">
+            <a:avLst/>
+          </a:prstGeom>
+        </p:spPr>
+        <p:style>
+          <a:lnRef idx="2">
+            <a:schemeClr val="accent1">
+              <a:shade val="50000"/>
+            </a:schemeClr>
+          </a:lnRef>
+          <a:fillRef idx="1">
+            <a:schemeClr val="accent1"/>
+          </a:fillRef>
+          <a:effectRef idx="0">
+            <a:schemeClr val="accent1"/>
+          </a:effectRef>
+          <a:fontRef idx="minor">
+            <a:schemeClr val="lt1"/>
+          </a:fontRef>
+        </p:style>
+        <p:txBody>
+          <a:bodyPr rtlCol="0" anchor="ctr"/>
+          <a:lstStyle/>
+          <a:p>
+            <a:pPr algn="ctr"/>
+            <a:endParaRPr lang="zh-TW" altLang="en-US"/>
+          </a:p>
+        </p:txBody>
+      </p:sp>
+      <p:sp>
+        <p:nvSpPr>
+          <p:cNvPr id="18" name="箭號: 向右 17">
+            <a:extLst>
+              <a:ext uri="{FF2B5EF4-FFF2-40B4-BE49-F238E27FC236}">
+                <a16:creationId xmlns:a16="http://schemas.microsoft.com/office/drawing/2014/main" id="{8DA6A117-D9DB-4B3C-BA6B-0B29FF5A8E15}"/>
+              </a:ext>
+            </a:extLst>
+          </p:cNvPr>
+          <p:cNvSpPr/>
+          <p:nvPr/>
+        </p:nvSpPr>
+        <p:spPr>
+          <a:xfrm>
+            <a:off x="6094411" y="4086453"/>
+            <a:ext cx="585926" cy="284085"/>
+          </a:xfrm>
+          <a:prstGeom prst="rightArrow">
+            <a:avLst/>
+          </a:prstGeom>
+        </p:spPr>
+        <p:style>
+          <a:lnRef idx="2">
+            <a:schemeClr val="accent1">
+              <a:shade val="50000"/>
+            </a:schemeClr>
+          </a:lnRef>
+          <a:fillRef idx="1">
+            <a:schemeClr val="accent1"/>
+          </a:fillRef>
+          <a:effectRef idx="0">
+            <a:schemeClr val="accent1"/>
+          </a:effectRef>
+          <a:fontRef idx="minor">
+            <a:schemeClr val="lt1"/>
+          </a:fontRef>
+        </p:style>
+        <p:txBody>
+          <a:bodyPr rtlCol="0" anchor="ctr"/>
+          <a:lstStyle/>
+          <a:p>
+            <a:pPr algn="ctr"/>
+            <a:endParaRPr lang="zh-TW" altLang="en-US"/>
+          </a:p>
+        </p:txBody>
+      </p:sp>
+      <p:sp>
+        <p:nvSpPr>
+          <p:cNvPr id="19" name="矩形 18">
+            <a:extLst>
+              <a:ext uri="{FF2B5EF4-FFF2-40B4-BE49-F238E27FC236}">
+                <a16:creationId xmlns:a16="http://schemas.microsoft.com/office/drawing/2014/main" id="{9406EFD1-5ACA-4265-AE83-3727718BC5D4}"/>
+              </a:ext>
+            </a:extLst>
+          </p:cNvPr>
+          <p:cNvSpPr/>
+          <p:nvPr/>
+        </p:nvSpPr>
+        <p:spPr>
+          <a:xfrm>
+            <a:off x="6973412" y="2751220"/>
+            <a:ext cx="1305018" cy="1003176"/>
+          </a:xfrm>
+          <a:prstGeom prst="rect">
+            <a:avLst/>
+          </a:prstGeom>
+        </p:spPr>
+        <p:style>
+          <a:lnRef idx="2">
+            <a:schemeClr val="accent1">
+              <a:shade val="50000"/>
+            </a:schemeClr>
+          </a:lnRef>
+          <a:fillRef idx="1">
+            <a:schemeClr val="accent1"/>
+          </a:fillRef>
+          <a:effectRef idx="0">
+            <a:schemeClr val="accent1"/>
+          </a:effectRef>
+          <a:fontRef idx="minor">
+            <a:schemeClr val="lt1"/>
+          </a:fontRef>
+        </p:style>
+        <p:txBody>
+          <a:bodyPr rtlCol="0" anchor="ctr"/>
+          <a:lstStyle/>
+          <a:p>
+            <a:pPr algn="ctr"/>
+            <a:r>
+              <a:rPr lang="en-US" altLang="zh-TW" dirty="0" err="1"/>
+              <a:t>DoJob</a:t>
+            </a:r>
+            <a:endParaRPr lang="zh-TW" altLang="en-US" dirty="0"/>
+          </a:p>
+        </p:txBody>
+      </p:sp>
+      <p:sp>
+        <p:nvSpPr>
+          <p:cNvPr id="20" name="矩形 19">
+            <a:extLst>
+              <a:ext uri="{FF2B5EF4-FFF2-40B4-BE49-F238E27FC236}">
+                <a16:creationId xmlns:a16="http://schemas.microsoft.com/office/drawing/2014/main" id="{F4F77728-6858-4AB1-9F1F-EA40D0C6BD02}"/>
+              </a:ext>
+            </a:extLst>
+          </p:cNvPr>
+          <p:cNvSpPr/>
+          <p:nvPr/>
+        </p:nvSpPr>
+        <p:spPr>
+          <a:xfrm>
+            <a:off x="6968972" y="4064259"/>
+            <a:ext cx="1305018" cy="1003176"/>
+          </a:xfrm>
+          <a:prstGeom prst="rect">
+            <a:avLst/>
+          </a:prstGeom>
+        </p:spPr>
+        <p:style>
+          <a:lnRef idx="2">
+            <a:schemeClr val="accent1">
+              <a:shade val="50000"/>
+            </a:schemeClr>
+          </a:lnRef>
+          <a:fillRef idx="1">
+            <a:schemeClr val="accent1"/>
+          </a:fillRef>
+          <a:effectRef idx="0">
+            <a:schemeClr val="accent1"/>
+          </a:effectRef>
+          <a:fontRef idx="minor">
+            <a:schemeClr val="lt1"/>
+          </a:fontRef>
+        </p:style>
+        <p:txBody>
+          <a:bodyPr rtlCol="0" anchor="ctr"/>
+          <a:lstStyle/>
+          <a:p>
+            <a:pPr algn="ctr"/>
+            <a:r>
+              <a:rPr lang="en-US" altLang="zh-TW" dirty="0" err="1"/>
+              <a:t>DoJob</a:t>
+            </a:r>
+            <a:endParaRPr lang="zh-TW" altLang="en-US" dirty="0"/>
           </a:p>
         </p:txBody>
       </p:sp>

--- a/doc/Overview.pptx
+++ b/doc/Overview.pptx
@@ -174,7 +174,7 @@
           <a:noFill/>
           <a:extLst>
             <a:ext uri="{909E8E84-426E-40dd-AFC4-6F175D3DCCD1}">
-              <a14:hiddenFill xmlns="" xmlns:a14="http://schemas.microsoft.com/office/drawing/2010/main">
+              <a14:hiddenFill xmlns:a14="http://schemas.microsoft.com/office/drawing/2010/main" xmlns="">
                 <a:solidFill>
                   <a:srgbClr val="FFFFFF"/>
                 </a:solidFill>
@@ -234,7 +234,7 @@
             </a:ln>
             <a:extLst>
               <a:ext uri="{91240B29-F687-4f45-9708-019B960494DF}">
-                <a14:hiddenLine xmlns="" xmlns:a14="http://schemas.microsoft.com/office/drawing/2010/main" w="9525">
+                <a14:hiddenLine xmlns:a14="http://schemas.microsoft.com/office/drawing/2010/main" xmlns="" w="9525">
                   <a:solidFill>
                     <a:srgbClr val="000000"/>
                   </a:solidFill>
@@ -324,7 +324,7 @@
             </a:ln>
             <a:extLst>
               <a:ext uri="{91240B29-F687-4f45-9708-019B960494DF}">
-                <a14:hiddenLine xmlns="" xmlns:a14="http://schemas.microsoft.com/office/drawing/2010/main" w="9525">
+                <a14:hiddenLine xmlns:a14="http://schemas.microsoft.com/office/drawing/2010/main" xmlns="" w="9525">
                   <a:solidFill>
                     <a:srgbClr val="000000"/>
                   </a:solidFill>
@@ -414,7 +414,7 @@
             </a:ln>
             <a:extLst>
               <a:ext uri="{91240B29-F687-4f45-9708-019B960494DF}">
-                <a14:hiddenLine xmlns="" xmlns:a14="http://schemas.microsoft.com/office/drawing/2010/main" w="9525">
+                <a14:hiddenLine xmlns:a14="http://schemas.microsoft.com/office/drawing/2010/main" xmlns="" w="9525">
                   <a:solidFill>
                     <a:srgbClr val="000000"/>
                   </a:solidFill>
@@ -448,7 +448,7 @@
             </a:ln>
             <a:extLst>
               <a:ext uri="{91240B29-F687-4f45-9708-019B960494DF}">
-                <a14:hiddenLine xmlns="" xmlns:a14="http://schemas.microsoft.com/office/drawing/2010/main" w="9525">
+                <a14:hiddenLine xmlns:a14="http://schemas.microsoft.com/office/drawing/2010/main" xmlns="" w="9525">
                   <a:solidFill>
                     <a:srgbClr val="000000"/>
                   </a:solidFill>
@@ -538,7 +538,7 @@
             </a:ln>
             <a:extLst>
               <a:ext uri="{91240B29-F687-4f45-9708-019B960494DF}">
-                <a14:hiddenLine xmlns="" xmlns:a14="http://schemas.microsoft.com/office/drawing/2010/main" w="9525">
+                <a14:hiddenLine xmlns:a14="http://schemas.microsoft.com/office/drawing/2010/main" xmlns="" w="9525">
                   <a:solidFill>
                     <a:srgbClr val="000000"/>
                   </a:solidFill>
@@ -600,7 +600,7 @@
             </a:ln>
             <a:extLst>
               <a:ext uri="{91240B29-F687-4f45-9708-019B960494DF}">
-                <a14:hiddenLine xmlns="" xmlns:a14="http://schemas.microsoft.com/office/drawing/2010/main" w="9525">
+                <a14:hiddenLine xmlns:a14="http://schemas.microsoft.com/office/drawing/2010/main" xmlns="" w="9525">
                   <a:solidFill>
                     <a:srgbClr val="000000"/>
                   </a:solidFill>
@@ -662,7 +662,7 @@
             </a:ln>
             <a:extLst>
               <a:ext uri="{91240B29-F687-4f45-9708-019B960494DF}">
-                <a14:hiddenLine xmlns="" xmlns:a14="http://schemas.microsoft.com/office/drawing/2010/main" w="9525">
+                <a14:hiddenLine xmlns:a14="http://schemas.microsoft.com/office/drawing/2010/main" xmlns="" w="9525">
                   <a:solidFill>
                     <a:srgbClr val="000000"/>
                   </a:solidFill>
@@ -752,7 +752,7 @@
             </a:ln>
             <a:extLst>
               <a:ext uri="{91240B29-F687-4f45-9708-019B960494DF}">
-                <a14:hiddenLine xmlns="" xmlns:a14="http://schemas.microsoft.com/office/drawing/2010/main" w="9525">
+                <a14:hiddenLine xmlns:a14="http://schemas.microsoft.com/office/drawing/2010/main" xmlns="" w="9525">
                   <a:solidFill>
                     <a:srgbClr val="000000"/>
                   </a:solidFill>
@@ -814,7 +814,7 @@
             </a:ln>
             <a:extLst>
               <a:ext uri="{91240B29-F687-4f45-9708-019B960494DF}">
-                <a14:hiddenLine xmlns="" xmlns:a14="http://schemas.microsoft.com/office/drawing/2010/main" w="9525">
+                <a14:hiddenLine xmlns:a14="http://schemas.microsoft.com/office/drawing/2010/main" xmlns="" w="9525">
                   <a:solidFill>
                     <a:srgbClr val="000000"/>
                   </a:solidFill>
@@ -876,7 +876,7 @@
             </a:ln>
             <a:extLst>
               <a:ext uri="{91240B29-F687-4f45-9708-019B960494DF}">
-                <a14:hiddenLine xmlns="" xmlns:a14="http://schemas.microsoft.com/office/drawing/2010/main" w="9525">
+                <a14:hiddenLine xmlns:a14="http://schemas.microsoft.com/office/drawing/2010/main" xmlns="" w="9525">
                   <a:solidFill>
                     <a:srgbClr val="000000"/>
                   </a:solidFill>
@@ -966,7 +966,7 @@
             </a:ln>
             <a:extLst>
               <a:ext uri="{91240B29-F687-4f45-9708-019B960494DF}">
-                <a14:hiddenLine xmlns="" xmlns:a14="http://schemas.microsoft.com/office/drawing/2010/main" w="9525">
+                <a14:hiddenLine xmlns:a14="http://schemas.microsoft.com/office/drawing/2010/main" xmlns="" w="9525">
                   <a:solidFill>
                     <a:srgbClr val="000000"/>
                   </a:solidFill>
@@ -1056,7 +1056,7 @@
             </a:ln>
             <a:extLst>
               <a:ext uri="{91240B29-F687-4f45-9708-019B960494DF}">
-                <a14:hiddenLine xmlns="" xmlns:a14="http://schemas.microsoft.com/office/drawing/2010/main" w="9525">
+                <a14:hiddenLine xmlns:a14="http://schemas.microsoft.com/office/drawing/2010/main" xmlns="" w="9525">
                   <a:solidFill>
                     <a:srgbClr val="000000"/>
                   </a:solidFill>
@@ -1118,7 +1118,7 @@
             </a:ln>
             <a:extLst>
               <a:ext uri="{91240B29-F687-4f45-9708-019B960494DF}">
-                <a14:hiddenLine xmlns="" xmlns:a14="http://schemas.microsoft.com/office/drawing/2010/main" w="9525">
+                <a14:hiddenLine xmlns:a14="http://schemas.microsoft.com/office/drawing/2010/main" xmlns="" w="9525">
                   <a:solidFill>
                     <a:srgbClr val="000000"/>
                   </a:solidFill>
@@ -1228,7 +1228,7 @@
             </a:ln>
             <a:extLst>
               <a:ext uri="{91240B29-F687-4f45-9708-019B960494DF}">
-                <a14:hiddenLine xmlns="" xmlns:a14="http://schemas.microsoft.com/office/drawing/2010/main" w="9525">
+                <a14:hiddenLine xmlns:a14="http://schemas.microsoft.com/office/drawing/2010/main" xmlns="" w="9525">
                   <a:solidFill>
                     <a:srgbClr val="000000"/>
                   </a:solidFill>
@@ -1290,7 +1290,7 @@
             </a:ln>
             <a:extLst>
               <a:ext uri="{91240B29-F687-4f45-9708-019B960494DF}">
-                <a14:hiddenLine xmlns="" xmlns:a14="http://schemas.microsoft.com/office/drawing/2010/main" w="9525">
+                <a14:hiddenLine xmlns:a14="http://schemas.microsoft.com/office/drawing/2010/main" xmlns="" w="9525">
                   <a:solidFill>
                     <a:srgbClr val="000000"/>
                   </a:solidFill>
@@ -1380,7 +1380,7 @@
             </a:ln>
             <a:extLst>
               <a:ext uri="{91240B29-F687-4f45-9708-019B960494DF}">
-                <a14:hiddenLine xmlns="" xmlns:a14="http://schemas.microsoft.com/office/drawing/2010/main" w="9525">
+                <a14:hiddenLine xmlns:a14="http://schemas.microsoft.com/office/drawing/2010/main" xmlns="" w="9525">
                   <a:solidFill>
                     <a:srgbClr val="000000"/>
                   </a:solidFill>
@@ -1470,7 +1470,7 @@
             </a:ln>
             <a:extLst>
               <a:ext uri="{91240B29-F687-4f45-9708-019B960494DF}">
-                <a14:hiddenLine xmlns="" xmlns:a14="http://schemas.microsoft.com/office/drawing/2010/main" w="9525">
+                <a14:hiddenLine xmlns:a14="http://schemas.microsoft.com/office/drawing/2010/main" xmlns="" w="9525">
                   <a:solidFill>
                     <a:srgbClr val="000000"/>
                   </a:solidFill>
@@ -1532,7 +1532,7 @@
             </a:ln>
             <a:extLst>
               <a:ext uri="{91240B29-F687-4f45-9708-019B960494DF}">
-                <a14:hiddenLine xmlns="" xmlns:a14="http://schemas.microsoft.com/office/drawing/2010/main" w="9525">
+                <a14:hiddenLine xmlns:a14="http://schemas.microsoft.com/office/drawing/2010/main" xmlns="" w="9525">
                   <a:solidFill>
                     <a:srgbClr val="000000"/>
                   </a:solidFill>
@@ -1622,7 +1622,7 @@
             </a:ln>
             <a:extLst>
               <a:ext uri="{91240B29-F687-4f45-9708-019B960494DF}">
-                <a14:hiddenLine xmlns="" xmlns:a14="http://schemas.microsoft.com/office/drawing/2010/main" w="9525">
+                <a14:hiddenLine xmlns:a14="http://schemas.microsoft.com/office/drawing/2010/main" xmlns="" w="9525">
                   <a:solidFill>
                     <a:srgbClr val="000000"/>
                   </a:solidFill>
@@ -1712,7 +1712,7 @@
             </a:ln>
             <a:extLst>
               <a:ext uri="{91240B29-F687-4f45-9708-019B960494DF}">
-                <a14:hiddenLine xmlns="" xmlns:a14="http://schemas.microsoft.com/office/drawing/2010/main" w="9525">
+                <a14:hiddenLine xmlns:a14="http://schemas.microsoft.com/office/drawing/2010/main" xmlns="" w="9525">
                   <a:solidFill>
                     <a:srgbClr val="000000"/>
                   </a:solidFill>
@@ -1768,7 +1768,7 @@
             </a:ln>
             <a:extLst>
               <a:ext uri="{91240B29-F687-4f45-9708-019B960494DF}">
-                <a14:hiddenLine xmlns="" xmlns:a14="http://schemas.microsoft.com/office/drawing/2010/main" w="9525">
+                <a14:hiddenLine xmlns:a14="http://schemas.microsoft.com/office/drawing/2010/main" xmlns="" w="9525">
                   <a:solidFill>
                     <a:srgbClr val="000000"/>
                   </a:solidFill>
@@ -1858,7 +1858,7 @@
             </a:ln>
             <a:extLst>
               <a:ext uri="{91240B29-F687-4f45-9708-019B960494DF}">
-                <a14:hiddenLine xmlns="" xmlns:a14="http://schemas.microsoft.com/office/drawing/2010/main" w="9525">
+                <a14:hiddenLine xmlns:a14="http://schemas.microsoft.com/office/drawing/2010/main" xmlns="" w="9525">
                   <a:solidFill>
                     <a:srgbClr val="000000"/>
                   </a:solidFill>
@@ -1914,7 +1914,7 @@
             </a:ln>
             <a:extLst>
               <a:ext uri="{91240B29-F687-4f45-9708-019B960494DF}">
-                <a14:hiddenLine xmlns="" xmlns:a14="http://schemas.microsoft.com/office/drawing/2010/main" w="9525">
+                <a14:hiddenLine xmlns:a14="http://schemas.microsoft.com/office/drawing/2010/main" xmlns="" w="9525">
                   <a:solidFill>
                     <a:srgbClr val="000000"/>
                   </a:solidFill>
@@ -2004,7 +2004,7 @@
             </a:ln>
             <a:extLst>
               <a:ext uri="{91240B29-F687-4f45-9708-019B960494DF}">
-                <a14:hiddenLine xmlns="" xmlns:a14="http://schemas.microsoft.com/office/drawing/2010/main" w="9525">
+                <a14:hiddenLine xmlns:a14="http://schemas.microsoft.com/office/drawing/2010/main" xmlns="" w="9525">
                   <a:solidFill>
                     <a:srgbClr val="000000"/>
                   </a:solidFill>
@@ -2072,7 +2072,7 @@
             </a:ln>
             <a:extLst>
               <a:ext uri="{91240B29-F687-4f45-9708-019B960494DF}">
-                <a14:hiddenLine xmlns="" xmlns:a14="http://schemas.microsoft.com/office/drawing/2010/main" w="9525">
+                <a14:hiddenLine xmlns:a14="http://schemas.microsoft.com/office/drawing/2010/main" xmlns="" w="9525">
                   <a:solidFill>
                     <a:srgbClr val="000000"/>
                   </a:solidFill>
@@ -2162,7 +2162,7 @@
             </a:ln>
             <a:extLst>
               <a:ext uri="{91240B29-F687-4f45-9708-019B960494DF}">
-                <a14:hiddenLine xmlns="" xmlns:a14="http://schemas.microsoft.com/office/drawing/2010/main" w="9525">
+                <a14:hiddenLine xmlns:a14="http://schemas.microsoft.com/office/drawing/2010/main" xmlns="" w="9525">
                   <a:solidFill>
                     <a:srgbClr val="000000"/>
                   </a:solidFill>
@@ -2230,7 +2230,7 @@
             </a:ln>
             <a:extLst>
               <a:ext uri="{91240B29-F687-4f45-9708-019B960494DF}">
-                <a14:hiddenLine xmlns="" xmlns:a14="http://schemas.microsoft.com/office/drawing/2010/main" w="9525">
+                <a14:hiddenLine xmlns:a14="http://schemas.microsoft.com/office/drawing/2010/main" xmlns="" w="9525">
                   <a:solidFill>
                     <a:srgbClr val="000000"/>
                   </a:solidFill>
@@ -2320,7 +2320,7 @@
             </a:ln>
             <a:extLst>
               <a:ext uri="{91240B29-F687-4f45-9708-019B960494DF}">
-                <a14:hiddenLine xmlns="" xmlns:a14="http://schemas.microsoft.com/office/drawing/2010/main" w="9525">
+                <a14:hiddenLine xmlns:a14="http://schemas.microsoft.com/office/drawing/2010/main" xmlns="" w="9525">
                   <a:solidFill>
                     <a:srgbClr val="000000"/>
                   </a:solidFill>
@@ -2354,7 +2354,7 @@
             </a:ln>
             <a:extLst>
               <a:ext uri="{91240B29-F687-4f45-9708-019B960494DF}">
-                <a14:hiddenLine xmlns="" xmlns:a14="http://schemas.microsoft.com/office/drawing/2010/main" w="9525">
+                <a14:hiddenLine xmlns:a14="http://schemas.microsoft.com/office/drawing/2010/main" xmlns="" w="9525">
                   <a:solidFill>
                     <a:srgbClr val="000000"/>
                   </a:solidFill>
@@ -2444,7 +2444,7 @@
             </a:ln>
             <a:extLst>
               <a:ext uri="{91240B29-F687-4f45-9708-019B960494DF}">
-                <a14:hiddenLine xmlns="" xmlns:a14="http://schemas.microsoft.com/office/drawing/2010/main" w="9525">
+                <a14:hiddenLine xmlns:a14="http://schemas.microsoft.com/office/drawing/2010/main" xmlns="" w="9525">
                   <a:solidFill>
                     <a:srgbClr val="000000"/>
                   </a:solidFill>
@@ -2506,7 +2506,7 @@
             </a:ln>
             <a:extLst>
               <a:ext uri="{91240B29-F687-4f45-9708-019B960494DF}">
-                <a14:hiddenLine xmlns="" xmlns:a14="http://schemas.microsoft.com/office/drawing/2010/main" w="9525">
+                <a14:hiddenLine xmlns:a14="http://schemas.microsoft.com/office/drawing/2010/main" xmlns="" w="9525">
                   <a:solidFill>
                     <a:srgbClr val="000000"/>
                   </a:solidFill>
@@ -2568,7 +2568,7 @@
             </a:ln>
             <a:extLst>
               <a:ext uri="{91240B29-F687-4f45-9708-019B960494DF}">
-                <a14:hiddenLine xmlns="" xmlns:a14="http://schemas.microsoft.com/office/drawing/2010/main" w="9525">
+                <a14:hiddenLine xmlns:a14="http://schemas.microsoft.com/office/drawing/2010/main" xmlns="" w="9525">
                   <a:solidFill>
                     <a:srgbClr val="000000"/>
                   </a:solidFill>
@@ -2658,7 +2658,7 @@
             </a:ln>
             <a:extLst>
               <a:ext uri="{91240B29-F687-4f45-9708-019B960494DF}">
-                <a14:hiddenLine xmlns="" xmlns:a14="http://schemas.microsoft.com/office/drawing/2010/main" w="9525">
+                <a14:hiddenLine xmlns:a14="http://schemas.microsoft.com/office/drawing/2010/main" xmlns="" w="9525">
                   <a:solidFill>
                     <a:srgbClr val="000000"/>
                   </a:solidFill>
@@ -2726,7 +2726,7 @@
             </a:ln>
             <a:extLst>
               <a:ext uri="{91240B29-F687-4f45-9708-019B960494DF}">
-                <a14:hiddenLine xmlns="" xmlns:a14="http://schemas.microsoft.com/office/drawing/2010/main" w="9525">
+                <a14:hiddenLine xmlns:a14="http://schemas.microsoft.com/office/drawing/2010/main" xmlns="" w="9525">
                   <a:solidFill>
                     <a:srgbClr val="000000"/>
                   </a:solidFill>
@@ -2788,7 +2788,7 @@
             </a:ln>
             <a:extLst>
               <a:ext uri="{91240B29-F687-4f45-9708-019B960494DF}">
-                <a14:hiddenLine xmlns="" xmlns:a14="http://schemas.microsoft.com/office/drawing/2010/main" w="9525">
+                <a14:hiddenLine xmlns:a14="http://schemas.microsoft.com/office/drawing/2010/main" xmlns="" w="9525">
                   <a:solidFill>
                     <a:srgbClr val="000000"/>
                   </a:solidFill>
@@ -2878,7 +2878,7 @@
             </a:ln>
             <a:extLst>
               <a:ext uri="{91240B29-F687-4f45-9708-019B960494DF}">
-                <a14:hiddenLine xmlns="" xmlns:a14="http://schemas.microsoft.com/office/drawing/2010/main" w="9525">
+                <a14:hiddenLine xmlns:a14="http://schemas.microsoft.com/office/drawing/2010/main" xmlns="" w="9525">
                   <a:solidFill>
                     <a:srgbClr val="000000"/>
                   </a:solidFill>
@@ -2940,7 +2940,7 @@
             </a:ln>
             <a:extLst>
               <a:ext uri="{91240B29-F687-4f45-9708-019B960494DF}">
-                <a14:hiddenLine xmlns="" xmlns:a14="http://schemas.microsoft.com/office/drawing/2010/main" w="9525">
+                <a14:hiddenLine xmlns:a14="http://schemas.microsoft.com/office/drawing/2010/main" xmlns="" w="9525">
                   <a:solidFill>
                     <a:srgbClr val="000000"/>
                   </a:solidFill>
@@ -3030,7 +3030,7 @@
             </a:ln>
             <a:extLst>
               <a:ext uri="{91240B29-F687-4f45-9708-019B960494DF}">
-                <a14:hiddenLine xmlns="" xmlns:a14="http://schemas.microsoft.com/office/drawing/2010/main" w="9525">
+                <a14:hiddenLine xmlns:a14="http://schemas.microsoft.com/office/drawing/2010/main" xmlns="" w="9525">
                   <a:solidFill>
                     <a:srgbClr val="000000"/>
                   </a:solidFill>
@@ -3092,7 +3092,7 @@
             </a:ln>
             <a:extLst>
               <a:ext uri="{91240B29-F687-4f45-9708-019B960494DF}">
-                <a14:hiddenLine xmlns="" xmlns:a14="http://schemas.microsoft.com/office/drawing/2010/main" w="9525">
+                <a14:hiddenLine xmlns:a14="http://schemas.microsoft.com/office/drawing/2010/main" xmlns="" w="9525">
                   <a:solidFill>
                     <a:srgbClr val="000000"/>
                   </a:solidFill>
@@ -3182,7 +3182,7 @@
             </a:ln>
             <a:extLst>
               <a:ext uri="{91240B29-F687-4f45-9708-019B960494DF}">
-                <a14:hiddenLine xmlns="" xmlns:a14="http://schemas.microsoft.com/office/drawing/2010/main" w="9525">
+                <a14:hiddenLine xmlns:a14="http://schemas.microsoft.com/office/drawing/2010/main" xmlns="" w="9525">
                   <a:solidFill>
                     <a:srgbClr val="000000"/>
                   </a:solidFill>
@@ -3216,7 +3216,7 @@
             </a:ln>
             <a:extLst>
               <a:ext uri="{91240B29-F687-4f45-9708-019B960494DF}">
-                <a14:hiddenLine xmlns="" xmlns:a14="http://schemas.microsoft.com/office/drawing/2010/main" w="9525">
+                <a14:hiddenLine xmlns:a14="http://schemas.microsoft.com/office/drawing/2010/main" xmlns="" w="9525">
                   <a:solidFill>
                     <a:srgbClr val="000000"/>
                   </a:solidFill>
@@ -3281,7 +3281,7 @@
             </a:ln>
             <a:extLst>
               <a:ext uri="{91240B29-F687-4f45-9708-019B960494DF}">
-                <a14:hiddenLine xmlns="" xmlns:a14="http://schemas.microsoft.com/office/drawing/2010/main" w="9525">
+                <a14:hiddenLine xmlns:a14="http://schemas.microsoft.com/office/drawing/2010/main" xmlns="" w="9525">
                   <a:solidFill>
                     <a:srgbClr val="000000"/>
                   </a:solidFill>
@@ -3371,7 +3371,7 @@
             </a:ln>
             <a:extLst>
               <a:ext uri="{91240B29-F687-4f45-9708-019B960494DF}">
-                <a14:hiddenLine xmlns="" xmlns:a14="http://schemas.microsoft.com/office/drawing/2010/main" w="9525">
+                <a14:hiddenLine xmlns:a14="http://schemas.microsoft.com/office/drawing/2010/main" xmlns="" w="9525">
                   <a:solidFill>
                     <a:srgbClr val="000000"/>
                   </a:solidFill>
@@ -3433,7 +3433,7 @@
             </a:ln>
             <a:extLst>
               <a:ext uri="{91240B29-F687-4f45-9708-019B960494DF}">
-                <a14:hiddenLine xmlns="" xmlns:a14="http://schemas.microsoft.com/office/drawing/2010/main" w="9525">
+                <a14:hiddenLine xmlns:a14="http://schemas.microsoft.com/office/drawing/2010/main" xmlns="" w="9525">
                   <a:solidFill>
                     <a:srgbClr val="000000"/>
                   </a:solidFill>
@@ -3523,7 +3523,7 @@
             </a:ln>
             <a:extLst>
               <a:ext uri="{91240B29-F687-4f45-9708-019B960494DF}">
-                <a14:hiddenLine xmlns="" xmlns:a14="http://schemas.microsoft.com/office/drawing/2010/main" w="9525">
+                <a14:hiddenLine xmlns:a14="http://schemas.microsoft.com/office/drawing/2010/main" xmlns="" w="9525">
                   <a:solidFill>
                     <a:srgbClr val="000000"/>
                   </a:solidFill>
@@ -3613,7 +3613,7 @@
             </a:ln>
             <a:extLst>
               <a:ext uri="{91240B29-F687-4f45-9708-019B960494DF}">
-                <a14:hiddenLine xmlns="" xmlns:a14="http://schemas.microsoft.com/office/drawing/2010/main" w="9525">
+                <a14:hiddenLine xmlns:a14="http://schemas.microsoft.com/office/drawing/2010/main" xmlns="" w="9525">
                   <a:solidFill>
                     <a:srgbClr val="000000"/>
                   </a:solidFill>
@@ -3678,7 +3678,7 @@
             </a:ln>
             <a:extLst>
               <a:ext uri="{91240B29-F687-4f45-9708-019B960494DF}">
-                <a14:hiddenLine xmlns="" xmlns:a14="http://schemas.microsoft.com/office/drawing/2010/main" w="9525">
+                <a14:hiddenLine xmlns:a14="http://schemas.microsoft.com/office/drawing/2010/main" xmlns="" w="9525">
                   <a:solidFill>
                     <a:srgbClr val="000000"/>
                   </a:solidFill>
@@ -3740,7 +3740,7 @@
             </a:ln>
             <a:extLst>
               <a:ext uri="{91240B29-F687-4f45-9708-019B960494DF}">
-                <a14:hiddenLine xmlns="" xmlns:a14="http://schemas.microsoft.com/office/drawing/2010/main" w="9525">
+                <a14:hiddenLine xmlns:a14="http://schemas.microsoft.com/office/drawing/2010/main" xmlns="" w="9525">
                   <a:solidFill>
                     <a:srgbClr val="000000"/>
                   </a:solidFill>
@@ -3830,7 +3830,7 @@
             </a:ln>
             <a:extLst>
               <a:ext uri="{91240B29-F687-4f45-9708-019B960494DF}">
-                <a14:hiddenLine xmlns="" xmlns:a14="http://schemas.microsoft.com/office/drawing/2010/main" w="9525">
+                <a14:hiddenLine xmlns:a14="http://schemas.microsoft.com/office/drawing/2010/main" xmlns="" w="9525">
                   <a:solidFill>
                     <a:srgbClr val="000000"/>
                   </a:solidFill>
@@ -3920,7 +3920,7 @@
             </a:ln>
             <a:extLst>
               <a:ext uri="{91240B29-F687-4f45-9708-019B960494DF}">
-                <a14:hiddenLine xmlns="" xmlns:a14="http://schemas.microsoft.com/office/drawing/2010/main" w="9525">
+                <a14:hiddenLine xmlns:a14="http://schemas.microsoft.com/office/drawing/2010/main" xmlns="" w="9525">
                   <a:solidFill>
                     <a:srgbClr val="000000"/>
                   </a:solidFill>
@@ -3982,7 +3982,7 @@
             </a:ln>
             <a:extLst>
               <a:ext uri="{91240B29-F687-4f45-9708-019B960494DF}">
-                <a14:hiddenLine xmlns="" xmlns:a14="http://schemas.microsoft.com/office/drawing/2010/main" w="9525">
+                <a14:hiddenLine xmlns:a14="http://schemas.microsoft.com/office/drawing/2010/main" xmlns="" w="9525">
                   <a:solidFill>
                     <a:srgbClr val="000000"/>
                   </a:solidFill>
@@ -4102,7 +4102,7 @@
             </a:ln>
             <a:extLst>
               <a:ext uri="{91240B29-F687-4f45-9708-019B960494DF}">
-                <a14:hiddenLine xmlns="" xmlns:a14="http://schemas.microsoft.com/office/drawing/2010/main" w="9525">
+                <a14:hiddenLine xmlns:a14="http://schemas.microsoft.com/office/drawing/2010/main" xmlns="" w="9525">
                   <a:solidFill>
                     <a:srgbClr val="000000"/>
                   </a:solidFill>
@@ -4170,7 +4170,7 @@
             </a:ln>
             <a:extLst>
               <a:ext uri="{91240B29-F687-4f45-9708-019B960494DF}">
-                <a14:hiddenLine xmlns="" xmlns:a14="http://schemas.microsoft.com/office/drawing/2010/main" w="9525">
+                <a14:hiddenLine xmlns:a14="http://schemas.microsoft.com/office/drawing/2010/main" xmlns="" w="9525">
                   <a:solidFill>
                     <a:srgbClr val="000000"/>
                   </a:solidFill>
@@ -4260,7 +4260,7 @@
             </a:ln>
             <a:extLst>
               <a:ext uri="{91240B29-F687-4f45-9708-019B960494DF}">
-                <a14:hiddenLine xmlns="" xmlns:a14="http://schemas.microsoft.com/office/drawing/2010/main" w="9525">
+                <a14:hiddenLine xmlns:a14="http://schemas.microsoft.com/office/drawing/2010/main" xmlns="" w="9525">
                   <a:solidFill>
                     <a:srgbClr val="000000"/>
                   </a:solidFill>
@@ -4400,7 +4400,7 @@
           <a:p>
             <a:fld id="{0B88EADF-5A54-4B61-9EAD-1A178CAF62DF}" type="datetimeFigureOut">
               <a:rPr lang="zh-TW" altLang="en-US" smtClean="0"/>
-              <a:t>2018/11/18</a:t>
+              <a:t>2018/11/27</a:t>
             </a:fld>
             <a:endParaRPr lang="zh-TW" altLang="en-US"/>
           </a:p>
@@ -4667,7 +4667,7 @@
           <a:p>
             <a:fld id="{0B88EADF-5A54-4B61-9EAD-1A178CAF62DF}" type="datetimeFigureOut">
               <a:rPr lang="zh-TW" altLang="en-US" smtClean="0"/>
-              <a:t>2018/11/18</a:t>
+              <a:t>2018/11/27</a:t>
             </a:fld>
             <a:endParaRPr lang="zh-TW" altLang="en-US"/>
           </a:p>
@@ -4863,7 +4863,7 @@
           <a:p>
             <a:fld id="{0B88EADF-5A54-4B61-9EAD-1A178CAF62DF}" type="datetimeFigureOut">
               <a:rPr lang="zh-TW" altLang="en-US" smtClean="0"/>
-              <a:t>2018/11/18</a:t>
+              <a:t>2018/11/27</a:t>
             </a:fld>
             <a:endParaRPr lang="zh-TW" altLang="en-US"/>
           </a:p>
@@ -5126,7 +5126,7 @@
           <a:p>
             <a:fld id="{0B88EADF-5A54-4B61-9EAD-1A178CAF62DF}" type="datetimeFigureOut">
               <a:rPr lang="zh-TW" altLang="en-US" smtClean="0"/>
-              <a:t>2018/11/18</a:t>
+              <a:t>2018/11/27</a:t>
             </a:fld>
             <a:endParaRPr lang="zh-TW" altLang="en-US"/>
           </a:p>
@@ -5560,7 +5560,7 @@
           <a:p>
             <a:fld id="{0B88EADF-5A54-4B61-9EAD-1A178CAF62DF}" type="datetimeFigureOut">
               <a:rPr lang="zh-TW" altLang="en-US" smtClean="0"/>
-              <a:t>2018/11/18</a:t>
+              <a:t>2018/11/27</a:t>
             </a:fld>
             <a:endParaRPr lang="zh-TW" altLang="en-US"/>
           </a:p>
@@ -6106,7 +6106,7 @@
           <a:p>
             <a:fld id="{0B88EADF-5A54-4B61-9EAD-1A178CAF62DF}" type="datetimeFigureOut">
               <a:rPr lang="zh-TW" altLang="en-US" smtClean="0"/>
-              <a:t>2018/11/18</a:t>
+              <a:t>2018/11/27</a:t>
             </a:fld>
             <a:endParaRPr lang="zh-TW" altLang="en-US"/>
           </a:p>
@@ -6826,7 +6826,7 @@
           <a:p>
             <a:fld id="{0B88EADF-5A54-4B61-9EAD-1A178CAF62DF}" type="datetimeFigureOut">
               <a:rPr lang="zh-TW" altLang="en-US" smtClean="0"/>
-              <a:t>2018/11/18</a:t>
+              <a:t>2018/11/27</a:t>
             </a:fld>
             <a:endParaRPr lang="zh-TW" altLang="en-US"/>
           </a:p>
@@ -6996,7 +6996,7 @@
           <a:p>
             <a:fld id="{0B88EADF-5A54-4B61-9EAD-1A178CAF62DF}" type="datetimeFigureOut">
               <a:rPr lang="zh-TW" altLang="en-US" smtClean="0"/>
-              <a:t>2018/11/18</a:t>
+              <a:t>2018/11/27</a:t>
             </a:fld>
             <a:endParaRPr lang="zh-TW" altLang="en-US"/>
           </a:p>
@@ -7176,7 +7176,7 @@
           <a:p>
             <a:fld id="{0B88EADF-5A54-4B61-9EAD-1A178CAF62DF}" type="datetimeFigureOut">
               <a:rPr lang="zh-TW" altLang="en-US" smtClean="0"/>
-              <a:t>2018/11/18</a:t>
+              <a:t>2018/11/27</a:t>
             </a:fld>
             <a:endParaRPr lang="zh-TW" altLang="en-US"/>
           </a:p>
@@ -7346,7 +7346,7 @@
           <a:p>
             <a:fld id="{0B88EADF-5A54-4B61-9EAD-1A178CAF62DF}" type="datetimeFigureOut">
               <a:rPr lang="zh-TW" altLang="en-US" smtClean="0"/>
-              <a:t>2018/11/18</a:t>
+              <a:t>2018/11/27</a:t>
             </a:fld>
             <a:endParaRPr lang="zh-TW" altLang="en-US"/>
           </a:p>
@@ -7596,7 +7596,7 @@
           <a:p>
             <a:fld id="{0B88EADF-5A54-4B61-9EAD-1A178CAF62DF}" type="datetimeFigureOut">
               <a:rPr lang="zh-TW" altLang="en-US" smtClean="0"/>
-              <a:t>2018/11/18</a:t>
+              <a:t>2018/11/27</a:t>
             </a:fld>
             <a:endParaRPr lang="zh-TW" altLang="en-US"/>
           </a:p>
@@ -7828,7 +7828,7 @@
           <a:p>
             <a:fld id="{0B88EADF-5A54-4B61-9EAD-1A178CAF62DF}" type="datetimeFigureOut">
               <a:rPr lang="zh-TW" altLang="en-US" smtClean="0"/>
-              <a:t>2018/11/18</a:t>
+              <a:t>2018/11/27</a:t>
             </a:fld>
             <a:endParaRPr lang="zh-TW" altLang="en-US"/>
           </a:p>
@@ -8209,7 +8209,7 @@
           <a:p>
             <a:fld id="{0B88EADF-5A54-4B61-9EAD-1A178CAF62DF}" type="datetimeFigureOut">
               <a:rPr lang="zh-TW" altLang="en-US" smtClean="0"/>
-              <a:t>2018/11/18</a:t>
+              <a:t>2018/11/27</a:t>
             </a:fld>
             <a:endParaRPr lang="zh-TW" altLang="en-US"/>
           </a:p>
@@ -8327,7 +8327,7 @@
           <a:p>
             <a:fld id="{0B88EADF-5A54-4B61-9EAD-1A178CAF62DF}" type="datetimeFigureOut">
               <a:rPr lang="zh-TW" altLang="en-US" smtClean="0"/>
-              <a:t>2018/11/18</a:t>
+              <a:t>2018/11/27</a:t>
             </a:fld>
             <a:endParaRPr lang="zh-TW" altLang="en-US"/>
           </a:p>
@@ -8422,7 +8422,7 @@
           <a:p>
             <a:fld id="{0B88EADF-5A54-4B61-9EAD-1A178CAF62DF}" type="datetimeFigureOut">
               <a:rPr lang="zh-TW" altLang="en-US" smtClean="0"/>
-              <a:t>2018/11/18</a:t>
+              <a:t>2018/11/27</a:t>
             </a:fld>
             <a:endParaRPr lang="zh-TW" altLang="en-US"/>
           </a:p>
@@ -8671,7 +8671,7 @@
           <a:p>
             <a:fld id="{0B88EADF-5A54-4B61-9EAD-1A178CAF62DF}" type="datetimeFigureOut">
               <a:rPr lang="zh-TW" altLang="en-US" smtClean="0"/>
-              <a:t>2018/11/18</a:t>
+              <a:t>2018/11/27</a:t>
             </a:fld>
             <a:endParaRPr lang="zh-TW" altLang="en-US"/>
           </a:p>
@@ -8951,7 +8951,7 @@
           <a:p>
             <a:fld id="{0B88EADF-5A54-4B61-9EAD-1A178CAF62DF}" type="datetimeFigureOut">
               <a:rPr lang="zh-TW" altLang="en-US" smtClean="0"/>
-              <a:t>2018/11/18</a:t>
+              <a:t>2018/11/27</a:t>
             </a:fld>
             <a:endParaRPr lang="zh-TW" altLang="en-US"/>
           </a:p>
@@ -9067,7 +9067,7 @@
           <a:noFill/>
           <a:extLst>
             <a:ext uri="{909E8E84-426E-40dd-AFC4-6F175D3DCCD1}">
-              <a14:hiddenFill xmlns="" xmlns:a14="http://schemas.microsoft.com/office/drawing/2010/main">
+              <a14:hiddenFill xmlns:a14="http://schemas.microsoft.com/office/drawing/2010/main" xmlns="">
                 <a:solidFill>
                   <a:srgbClr val="FFFFFF"/>
                 </a:solidFill>
@@ -9141,7 +9141,7 @@
               </a:ln>
               <a:extLst>
                 <a:ext uri="{91240B29-F687-4f45-9708-019B960494DF}">
-                  <a14:hiddenLine xmlns="" xmlns:a14="http://schemas.microsoft.com/office/drawing/2010/main" w="9525">
+                  <a14:hiddenLine xmlns:a14="http://schemas.microsoft.com/office/drawing/2010/main" xmlns="" w="9525">
                     <a:solidFill>
                       <a:srgbClr val="000000"/>
                     </a:solidFill>
@@ -9231,7 +9231,7 @@
               </a:ln>
               <a:extLst>
                 <a:ext uri="{91240B29-F687-4f45-9708-019B960494DF}">
-                  <a14:hiddenLine xmlns="" xmlns:a14="http://schemas.microsoft.com/office/drawing/2010/main" w="9525">
+                  <a14:hiddenLine xmlns:a14="http://schemas.microsoft.com/office/drawing/2010/main" xmlns="" w="9525">
                     <a:solidFill>
                       <a:srgbClr val="000000"/>
                     </a:solidFill>
@@ -9321,7 +9321,7 @@
               </a:ln>
               <a:extLst>
                 <a:ext uri="{91240B29-F687-4f45-9708-019B960494DF}">
-                  <a14:hiddenLine xmlns="" xmlns:a14="http://schemas.microsoft.com/office/drawing/2010/main" w="9525">
+                  <a14:hiddenLine xmlns:a14="http://schemas.microsoft.com/office/drawing/2010/main" xmlns="" w="9525">
                     <a:solidFill>
                       <a:srgbClr val="000000"/>
                     </a:solidFill>
@@ -9383,7 +9383,7 @@
               </a:ln>
               <a:extLst>
                 <a:ext uri="{91240B29-F687-4f45-9708-019B960494DF}">
-                  <a14:hiddenLine xmlns="" xmlns:a14="http://schemas.microsoft.com/office/drawing/2010/main" w="9525">
+                  <a14:hiddenLine xmlns:a14="http://schemas.microsoft.com/office/drawing/2010/main" xmlns="" w="9525">
                     <a:solidFill>
                       <a:srgbClr val="000000"/>
                     </a:solidFill>
@@ -9473,7 +9473,7 @@
               </a:ln>
               <a:extLst>
                 <a:ext uri="{91240B29-F687-4f45-9708-019B960494DF}">
-                  <a14:hiddenLine xmlns="" xmlns:a14="http://schemas.microsoft.com/office/drawing/2010/main" w="9525">
+                  <a14:hiddenLine xmlns:a14="http://schemas.microsoft.com/office/drawing/2010/main" xmlns="" w="9525">
                     <a:solidFill>
                       <a:srgbClr val="000000"/>
                     </a:solidFill>
@@ -9535,7 +9535,7 @@
               </a:ln>
               <a:extLst>
                 <a:ext uri="{91240B29-F687-4f45-9708-019B960494DF}">
-                  <a14:hiddenLine xmlns="" xmlns:a14="http://schemas.microsoft.com/office/drawing/2010/main" w="9525">
+                  <a14:hiddenLine xmlns:a14="http://schemas.microsoft.com/office/drawing/2010/main" xmlns="" w="9525">
                     <a:solidFill>
                       <a:srgbClr val="000000"/>
                     </a:solidFill>
@@ -9597,7 +9597,7 @@
               </a:ln>
               <a:extLst>
                 <a:ext uri="{91240B29-F687-4f45-9708-019B960494DF}">
-                  <a14:hiddenLine xmlns="" xmlns:a14="http://schemas.microsoft.com/office/drawing/2010/main" w="9525">
+                  <a14:hiddenLine xmlns:a14="http://schemas.microsoft.com/office/drawing/2010/main" xmlns="" w="9525">
                     <a:solidFill>
                       <a:srgbClr val="000000"/>
                     </a:solidFill>
@@ -9687,7 +9687,7 @@
               </a:ln>
               <a:extLst>
                 <a:ext uri="{91240B29-F687-4f45-9708-019B960494DF}">
-                  <a14:hiddenLine xmlns="" xmlns:a14="http://schemas.microsoft.com/office/drawing/2010/main" w="9525">
+                  <a14:hiddenLine xmlns:a14="http://schemas.microsoft.com/office/drawing/2010/main" xmlns="" w="9525">
                     <a:solidFill>
                       <a:srgbClr val="000000"/>
                     </a:solidFill>
@@ -9777,7 +9777,7 @@
               </a:ln>
               <a:extLst>
                 <a:ext uri="{91240B29-F687-4f45-9708-019B960494DF}">
-                  <a14:hiddenLine xmlns="" xmlns:a14="http://schemas.microsoft.com/office/drawing/2010/main" w="9525">
+                  <a14:hiddenLine xmlns:a14="http://schemas.microsoft.com/office/drawing/2010/main" xmlns="" w="9525">
                     <a:solidFill>
                       <a:srgbClr val="000000"/>
                     </a:solidFill>
@@ -9839,7 +9839,7 @@
               </a:ln>
               <a:extLst>
                 <a:ext uri="{91240B29-F687-4f45-9708-019B960494DF}">
-                  <a14:hiddenLine xmlns="" xmlns:a14="http://schemas.microsoft.com/office/drawing/2010/main" w="9525">
+                  <a14:hiddenLine xmlns:a14="http://schemas.microsoft.com/office/drawing/2010/main" xmlns="" w="9525">
                     <a:solidFill>
                       <a:srgbClr val="000000"/>
                     </a:solidFill>
@@ -9949,7 +9949,7 @@
               </a:ln>
               <a:extLst>
                 <a:ext uri="{91240B29-F687-4f45-9708-019B960494DF}">
-                  <a14:hiddenLine xmlns="" xmlns:a14="http://schemas.microsoft.com/office/drawing/2010/main" w="9525">
+                  <a14:hiddenLine xmlns:a14="http://schemas.microsoft.com/office/drawing/2010/main" xmlns="" w="9525">
                     <a:solidFill>
                       <a:srgbClr val="000000"/>
                     </a:solidFill>
@@ -10033,7 +10033,7 @@
               </a:ln>
               <a:extLst>
                 <a:ext uri="{91240B29-F687-4f45-9708-019B960494DF}">
-                  <a14:hiddenLine xmlns="" xmlns:a14="http://schemas.microsoft.com/office/drawing/2010/main" w="9525">
+                  <a14:hiddenLine xmlns:a14="http://schemas.microsoft.com/office/drawing/2010/main" xmlns="" w="9525">
                     <a:solidFill>
                       <a:srgbClr val="000000"/>
                     </a:solidFill>
@@ -10095,7 +10095,7 @@
               </a:ln>
               <a:extLst>
                 <a:ext uri="{91240B29-F687-4f45-9708-019B960494DF}">
-                  <a14:hiddenLine xmlns="" xmlns:a14="http://schemas.microsoft.com/office/drawing/2010/main" w="9525">
+                  <a14:hiddenLine xmlns:a14="http://schemas.microsoft.com/office/drawing/2010/main" xmlns="" w="9525">
                     <a:solidFill>
                       <a:srgbClr val="000000"/>
                     </a:solidFill>
@@ -10157,7 +10157,7 @@
               </a:ln>
               <a:extLst>
                 <a:ext uri="{91240B29-F687-4f45-9708-019B960494DF}">
-                  <a14:hiddenLine xmlns="" xmlns:a14="http://schemas.microsoft.com/office/drawing/2010/main" w="9525">
+                  <a14:hiddenLine xmlns:a14="http://schemas.microsoft.com/office/drawing/2010/main" xmlns="" w="9525">
                     <a:solidFill>
                       <a:srgbClr val="000000"/>
                     </a:solidFill>
@@ -10247,7 +10247,7 @@
               </a:ln>
               <a:extLst>
                 <a:ext uri="{91240B29-F687-4f45-9708-019B960494DF}">
-                  <a14:hiddenLine xmlns="" xmlns:a14="http://schemas.microsoft.com/office/drawing/2010/main" w="9525">
+                  <a14:hiddenLine xmlns:a14="http://schemas.microsoft.com/office/drawing/2010/main" xmlns="" w="9525">
                     <a:solidFill>
                       <a:srgbClr val="000000"/>
                     </a:solidFill>
@@ -10281,7 +10281,7 @@
               </a:ln>
               <a:extLst>
                 <a:ext uri="{91240B29-F687-4f45-9708-019B960494DF}">
-                  <a14:hiddenLine xmlns="" xmlns:a14="http://schemas.microsoft.com/office/drawing/2010/main" w="9525">
+                  <a14:hiddenLine xmlns:a14="http://schemas.microsoft.com/office/drawing/2010/main" xmlns="" w="9525">
                     <a:solidFill>
                       <a:srgbClr val="000000"/>
                     </a:solidFill>
@@ -10346,7 +10346,7 @@
               </a:ln>
               <a:extLst>
                 <a:ext uri="{91240B29-F687-4f45-9708-019B960494DF}">
-                  <a14:hiddenLine xmlns="" xmlns:a14="http://schemas.microsoft.com/office/drawing/2010/main" w="9525">
+                  <a14:hiddenLine xmlns:a14="http://schemas.microsoft.com/office/drawing/2010/main" xmlns="" w="9525">
                     <a:solidFill>
                       <a:srgbClr val="000000"/>
                     </a:solidFill>
@@ -10436,7 +10436,7 @@
               </a:ln>
               <a:extLst>
                 <a:ext uri="{91240B29-F687-4f45-9708-019B960494DF}">
-                  <a14:hiddenLine xmlns="" xmlns:a14="http://schemas.microsoft.com/office/drawing/2010/main" w="9525">
+                  <a14:hiddenLine xmlns:a14="http://schemas.microsoft.com/office/drawing/2010/main" xmlns="" w="9525">
                     <a:solidFill>
                       <a:srgbClr val="000000"/>
                     </a:solidFill>
@@ -10498,7 +10498,7 @@
               </a:ln>
               <a:extLst>
                 <a:ext uri="{91240B29-F687-4f45-9708-019B960494DF}">
-                  <a14:hiddenLine xmlns="" xmlns:a14="http://schemas.microsoft.com/office/drawing/2010/main" w="9525">
+                  <a14:hiddenLine xmlns:a14="http://schemas.microsoft.com/office/drawing/2010/main" xmlns="" w="9525">
                     <a:solidFill>
                       <a:srgbClr val="000000"/>
                     </a:solidFill>
@@ -10588,7 +10588,7 @@
               </a:ln>
               <a:extLst>
                 <a:ext uri="{91240B29-F687-4f45-9708-019B960494DF}">
-                  <a14:hiddenLine xmlns="" xmlns:a14="http://schemas.microsoft.com/office/drawing/2010/main" w="9525">
+                  <a14:hiddenLine xmlns:a14="http://schemas.microsoft.com/office/drawing/2010/main" xmlns="" w="9525">
                     <a:solidFill>
                       <a:srgbClr val="000000"/>
                     </a:solidFill>
@@ -10653,7 +10653,7 @@
               </a:ln>
               <a:extLst>
                 <a:ext uri="{91240B29-F687-4f45-9708-019B960494DF}">
-                  <a14:hiddenLine xmlns="" xmlns:a14="http://schemas.microsoft.com/office/drawing/2010/main" w="9525">
+                  <a14:hiddenLine xmlns:a14="http://schemas.microsoft.com/office/drawing/2010/main" xmlns="" w="9525">
                     <a:solidFill>
                       <a:srgbClr val="000000"/>
                     </a:solidFill>
@@ -10715,7 +10715,7 @@
               </a:ln>
               <a:extLst>
                 <a:ext uri="{91240B29-F687-4f45-9708-019B960494DF}">
-                  <a14:hiddenLine xmlns="" xmlns:a14="http://schemas.microsoft.com/office/drawing/2010/main" w="9525">
+                  <a14:hiddenLine xmlns:a14="http://schemas.microsoft.com/office/drawing/2010/main" xmlns="" w="9525">
                     <a:solidFill>
                       <a:srgbClr val="000000"/>
                     </a:solidFill>
@@ -10805,7 +10805,7 @@
               </a:ln>
               <a:extLst>
                 <a:ext uri="{91240B29-F687-4f45-9708-019B960494DF}">
-                  <a14:hiddenLine xmlns="" xmlns:a14="http://schemas.microsoft.com/office/drawing/2010/main" w="9525">
+                  <a14:hiddenLine xmlns:a14="http://schemas.microsoft.com/office/drawing/2010/main" xmlns="" w="9525">
                     <a:solidFill>
                       <a:srgbClr val="000000"/>
                     </a:solidFill>
@@ -10895,7 +10895,7 @@
               </a:ln>
               <a:extLst>
                 <a:ext uri="{91240B29-F687-4f45-9708-019B960494DF}">
-                  <a14:hiddenLine xmlns="" xmlns:a14="http://schemas.microsoft.com/office/drawing/2010/main" w="9525">
+                  <a14:hiddenLine xmlns:a14="http://schemas.microsoft.com/office/drawing/2010/main" xmlns="" w="9525">
                     <a:solidFill>
                       <a:srgbClr val="000000"/>
                     </a:solidFill>
@@ -10960,7 +10960,7 @@
               </a:ln>
               <a:extLst>
                 <a:ext uri="{91240B29-F687-4f45-9708-019B960494DF}">
-                  <a14:hiddenLine xmlns="" xmlns:a14="http://schemas.microsoft.com/office/drawing/2010/main" w="9525">
+                  <a14:hiddenLine xmlns:a14="http://schemas.microsoft.com/office/drawing/2010/main" xmlns="" w="9525">
                     <a:solidFill>
                       <a:srgbClr val="000000"/>
                     </a:solidFill>
@@ -11080,7 +11080,7 @@
               </a:ln>
               <a:extLst>
                 <a:ext uri="{91240B29-F687-4f45-9708-019B960494DF}">
-                  <a14:hiddenLine xmlns="" xmlns:a14="http://schemas.microsoft.com/office/drawing/2010/main" w="9525">
+                  <a14:hiddenLine xmlns:a14="http://schemas.microsoft.com/office/drawing/2010/main" xmlns="" w="9525">
                     <a:solidFill>
                       <a:srgbClr val="000000"/>
                     </a:solidFill>
@@ -11178,7 +11178,7 @@
               </a:ln>
               <a:extLst>
                 <a:ext uri="{91240B29-F687-4f45-9708-019B960494DF}">
-                  <a14:hiddenLine xmlns="" xmlns:a14="http://schemas.microsoft.com/office/drawing/2010/main" w="9525">
+                  <a14:hiddenLine xmlns:a14="http://schemas.microsoft.com/office/drawing/2010/main" xmlns="" w="9525">
                     <a:solidFill>
                       <a:srgbClr val="000000"/>
                     </a:solidFill>
@@ -11293,7 +11293,7 @@
               </a:ln>
               <a:extLst>
                 <a:ext uri="{91240B29-F687-4f45-9708-019B960494DF}">
-                  <a14:hiddenLine xmlns="" xmlns:a14="http://schemas.microsoft.com/office/drawing/2010/main" w="9525">
+                  <a14:hiddenLine xmlns:a14="http://schemas.microsoft.com/office/drawing/2010/main" xmlns="" w="9525">
                     <a:solidFill>
                       <a:srgbClr val="000000"/>
                     </a:solidFill>
@@ -11383,7 +11383,7 @@
               </a:ln>
               <a:extLst>
                 <a:ext uri="{91240B29-F687-4f45-9708-019B960494DF}">
-                  <a14:hiddenLine xmlns="" xmlns:a14="http://schemas.microsoft.com/office/drawing/2010/main" w="9525">
+                  <a14:hiddenLine xmlns:a14="http://schemas.microsoft.com/office/drawing/2010/main" xmlns="" w="9525">
                     <a:solidFill>
                       <a:srgbClr val="000000"/>
                     </a:solidFill>
@@ -11448,7 +11448,7 @@
               </a:ln>
               <a:extLst>
                 <a:ext uri="{91240B29-F687-4f45-9708-019B960494DF}">
-                  <a14:hiddenLine xmlns="" xmlns:a14="http://schemas.microsoft.com/office/drawing/2010/main" w="9525">
+                  <a14:hiddenLine xmlns:a14="http://schemas.microsoft.com/office/drawing/2010/main" xmlns="" w="9525">
                     <a:solidFill>
                       <a:srgbClr val="000000"/>
                     </a:solidFill>
@@ -11538,7 +11538,7 @@
               </a:ln>
               <a:extLst>
                 <a:ext uri="{91240B29-F687-4f45-9708-019B960494DF}">
-                  <a14:hiddenLine xmlns="" xmlns:a14="http://schemas.microsoft.com/office/drawing/2010/main" w="9525">
+                  <a14:hiddenLine xmlns:a14="http://schemas.microsoft.com/office/drawing/2010/main" xmlns="" w="9525">
                     <a:solidFill>
                       <a:srgbClr val="000000"/>
                     </a:solidFill>
@@ -11606,7 +11606,7 @@
               </a:ln>
               <a:extLst>
                 <a:ext uri="{91240B29-F687-4f45-9708-019B960494DF}">
-                  <a14:hiddenLine xmlns="" xmlns:a14="http://schemas.microsoft.com/office/drawing/2010/main" w="9525">
+                  <a14:hiddenLine xmlns:a14="http://schemas.microsoft.com/office/drawing/2010/main" xmlns="" w="9525">
                     <a:solidFill>
                       <a:srgbClr val="000000"/>
                     </a:solidFill>
@@ -11696,7 +11696,7 @@
               </a:ln>
               <a:extLst>
                 <a:ext uri="{91240B29-F687-4f45-9708-019B960494DF}">
-                  <a14:hiddenLine xmlns="" xmlns:a14="http://schemas.microsoft.com/office/drawing/2010/main" w="9525">
+                  <a14:hiddenLine xmlns:a14="http://schemas.microsoft.com/office/drawing/2010/main" xmlns="" w="9525">
                     <a:solidFill>
                       <a:srgbClr val="000000"/>
                     </a:solidFill>
@@ -11764,7 +11764,7 @@
               </a:ln>
               <a:extLst>
                 <a:ext uri="{91240B29-F687-4f45-9708-019B960494DF}">
-                  <a14:hiddenLine xmlns="" xmlns:a14="http://schemas.microsoft.com/office/drawing/2010/main" w="9525">
+                  <a14:hiddenLine xmlns:a14="http://schemas.microsoft.com/office/drawing/2010/main" xmlns="" w="9525">
                     <a:solidFill>
                       <a:srgbClr val="000000"/>
                     </a:solidFill>
@@ -11854,7 +11854,7 @@
               </a:ln>
               <a:extLst>
                 <a:ext uri="{91240B29-F687-4f45-9708-019B960494DF}">
-                  <a14:hiddenLine xmlns="" xmlns:a14="http://schemas.microsoft.com/office/drawing/2010/main" w="9525">
+                  <a14:hiddenLine xmlns:a14="http://schemas.microsoft.com/office/drawing/2010/main" xmlns="" w="9525">
                     <a:solidFill>
                       <a:srgbClr val="000000"/>
                     </a:solidFill>
@@ -11888,7 +11888,7 @@
               </a:ln>
               <a:extLst>
                 <a:ext uri="{91240B29-F687-4f45-9708-019B960494DF}">
-                  <a14:hiddenLine xmlns="" xmlns:a14="http://schemas.microsoft.com/office/drawing/2010/main" w="9525">
+                  <a14:hiddenLine xmlns:a14="http://schemas.microsoft.com/office/drawing/2010/main" xmlns="" w="9525">
                     <a:solidFill>
                       <a:srgbClr val="000000"/>
                     </a:solidFill>
@@ -12028,7 +12028,7 @@
           <a:p>
             <a:fld id="{0B88EADF-5A54-4B61-9EAD-1A178CAF62DF}" type="datetimeFigureOut">
               <a:rPr lang="zh-TW" altLang="en-US" smtClean="0"/>
-              <a:t>2018/11/18</a:t>
+              <a:t>2018/11/27</a:t>
             </a:fld>
             <a:endParaRPr lang="zh-TW" altLang="en-US"/>
           </a:p>
@@ -15539,8 +15539,12 @@
           <a:lstStyle/>
           <a:p>
             <a:r>
+              <a:rPr lang="en-US" altLang="zh-TW"/>
+              <a:t>16 </a:t>
+            </a:r>
+            <a:r>
               <a:rPr lang="en-US" altLang="zh-TW" dirty="0"/>
-              <a:t>32 tasks max</a:t>
+              <a:t>tasks max</a:t>
             </a:r>
           </a:p>
           <a:p>
